--- a/PCB_diagramme.pptx
+++ b/PCB_diagramme.pptx
@@ -105,6 +105,11 @@
       </a:defRPr>
     </a:lvl9pPr>
   </p:defaultTextStyle>
+  <p:extLst>
+    <p:ext uri="{EFAFB233-063F-42B5-8137-9DF3F51BA10A}">
+      <p15:sldGuideLst xmlns:p15="http://schemas.microsoft.com/office/powerpoint/2012/main"/>
+    </p:ext>
+  </p:extLst>
 </p:presentation>
 </file>
 
@@ -257,7 +262,7 @@
           <a:p>
             <a:fld id="{4954D04E-5901-4C46-ABDC-7611928F86C4}" type="datetimeFigureOut">
               <a:rPr lang="fr-FR" smtClean="0"/>
-              <a:t>03/04/2023</a:t>
+              <a:t>06/04/2023</a:t>
             </a:fld>
             <a:endParaRPr lang="fr-FR"/>
           </a:p>
@@ -457,7 +462,7 @@
           <a:p>
             <a:fld id="{4954D04E-5901-4C46-ABDC-7611928F86C4}" type="datetimeFigureOut">
               <a:rPr lang="fr-FR" smtClean="0"/>
-              <a:t>03/04/2023</a:t>
+              <a:t>06/04/2023</a:t>
             </a:fld>
             <a:endParaRPr lang="fr-FR"/>
           </a:p>
@@ -667,7 +672,7 @@
           <a:p>
             <a:fld id="{4954D04E-5901-4C46-ABDC-7611928F86C4}" type="datetimeFigureOut">
               <a:rPr lang="fr-FR" smtClean="0"/>
-              <a:t>03/04/2023</a:t>
+              <a:t>06/04/2023</a:t>
             </a:fld>
             <a:endParaRPr lang="fr-FR"/>
           </a:p>
@@ -867,7 +872,7 @@
           <a:p>
             <a:fld id="{4954D04E-5901-4C46-ABDC-7611928F86C4}" type="datetimeFigureOut">
               <a:rPr lang="fr-FR" smtClean="0"/>
-              <a:t>03/04/2023</a:t>
+              <a:t>06/04/2023</a:t>
             </a:fld>
             <a:endParaRPr lang="fr-FR"/>
           </a:p>
@@ -1143,7 +1148,7 @@
           <a:p>
             <a:fld id="{4954D04E-5901-4C46-ABDC-7611928F86C4}" type="datetimeFigureOut">
               <a:rPr lang="fr-FR" smtClean="0"/>
-              <a:t>03/04/2023</a:t>
+              <a:t>06/04/2023</a:t>
             </a:fld>
             <a:endParaRPr lang="fr-FR"/>
           </a:p>
@@ -1411,7 +1416,7 @@
           <a:p>
             <a:fld id="{4954D04E-5901-4C46-ABDC-7611928F86C4}" type="datetimeFigureOut">
               <a:rPr lang="fr-FR" smtClean="0"/>
-              <a:t>03/04/2023</a:t>
+              <a:t>06/04/2023</a:t>
             </a:fld>
             <a:endParaRPr lang="fr-FR"/>
           </a:p>
@@ -1826,7 +1831,7 @@
           <a:p>
             <a:fld id="{4954D04E-5901-4C46-ABDC-7611928F86C4}" type="datetimeFigureOut">
               <a:rPr lang="fr-FR" smtClean="0"/>
-              <a:t>03/04/2023</a:t>
+              <a:t>06/04/2023</a:t>
             </a:fld>
             <a:endParaRPr lang="fr-FR"/>
           </a:p>
@@ -1968,7 +1973,7 @@
           <a:p>
             <a:fld id="{4954D04E-5901-4C46-ABDC-7611928F86C4}" type="datetimeFigureOut">
               <a:rPr lang="fr-FR" smtClean="0"/>
-              <a:t>03/04/2023</a:t>
+              <a:t>06/04/2023</a:t>
             </a:fld>
             <a:endParaRPr lang="fr-FR"/>
           </a:p>
@@ -2081,7 +2086,7 @@
           <a:p>
             <a:fld id="{4954D04E-5901-4C46-ABDC-7611928F86C4}" type="datetimeFigureOut">
               <a:rPr lang="fr-FR" smtClean="0"/>
-              <a:t>03/04/2023</a:t>
+              <a:t>06/04/2023</a:t>
             </a:fld>
             <a:endParaRPr lang="fr-FR"/>
           </a:p>
@@ -2394,7 +2399,7 @@
           <a:p>
             <a:fld id="{4954D04E-5901-4C46-ABDC-7611928F86C4}" type="datetimeFigureOut">
               <a:rPr lang="fr-FR" smtClean="0"/>
-              <a:t>03/04/2023</a:t>
+              <a:t>06/04/2023</a:t>
             </a:fld>
             <a:endParaRPr lang="fr-FR"/>
           </a:p>
@@ -2683,7 +2688,7 @@
           <a:p>
             <a:fld id="{4954D04E-5901-4C46-ABDC-7611928F86C4}" type="datetimeFigureOut">
               <a:rPr lang="fr-FR" smtClean="0"/>
-              <a:t>03/04/2023</a:t>
+              <a:t>06/04/2023</a:t>
             </a:fld>
             <a:endParaRPr lang="fr-FR"/>
           </a:p>
@@ -2926,7 +2931,7 @@
           <a:p>
             <a:fld id="{4954D04E-5901-4C46-ABDC-7611928F86C4}" type="datetimeFigureOut">
               <a:rPr lang="fr-FR" smtClean="0"/>
-              <a:t>03/04/2023</a:t>
+              <a:t>06/04/2023</a:t>
             </a:fld>
             <a:endParaRPr lang="fr-FR"/>
           </a:p>
@@ -3345,10 +3350,10 @@
       </p:grpSpPr>
       <p:sp>
         <p:nvSpPr>
-          <p:cNvPr id="4" name="TextBox 3">
-            <a:extLst>
-              <a:ext uri="{FF2B5EF4-FFF2-40B4-BE49-F238E27FC236}">
-                <a16:creationId xmlns:a16="http://schemas.microsoft.com/office/drawing/2014/main" id="{2893A47A-5398-6AE2-14F1-468E1D274721}"/>
+          <p:cNvPr id="11" name="TextBox 10">
+            <a:extLst>
+              <a:ext uri="{FF2B5EF4-FFF2-40B4-BE49-F238E27FC236}">
+                <a16:creationId xmlns:a16="http://schemas.microsoft.com/office/drawing/2014/main" id="{72F8C2D9-9443-DF33-18F9-13125E8F278A}"/>
               </a:ext>
             </a:extLst>
           </p:cNvPr>
@@ -3357,13 +3362,19 @@
         </p:nvSpPr>
         <p:spPr>
           <a:xfrm>
-            <a:off x="4757531" y="3962399"/>
-            <a:ext cx="2385392" cy="400110"/>
+            <a:off x="7284380" y="4741237"/>
+            <a:ext cx="4844226" cy="2031325"/>
           </a:xfrm>
           <a:prstGeom prst="rect">
             <a:avLst/>
           </a:prstGeom>
           <a:noFill/>
+          <a:ln>
+            <a:solidFill>
+              <a:schemeClr val="tx1"/>
+            </a:solidFill>
+            <a:prstDash val="sysDot"/>
+          </a:ln>
         </p:spPr>
         <p:txBody>
           <a:bodyPr wrap="square" rtlCol="0">
@@ -3372,15 +3383,89 @@
           <a:lstStyle/>
           <a:p>
             <a:r>
-              <a:rPr lang="fr-FR" sz="2000" b="1" u="sng" dirty="0">
+              <a:rPr lang="fr-FR" dirty="0">
+                <a:solidFill>
+                  <a:schemeClr val="tx1"/>
+                </a:solidFill>
+              </a:rPr>
+              <a:t>-Régulateur (à découplage)</a:t>
+            </a:r>
+          </a:p>
+          <a:p>
+            <a:endParaRPr lang="fr-FR" dirty="0">
+              <a:solidFill>
+                <a:schemeClr val="tx1"/>
+              </a:solidFill>
+            </a:endParaRPr>
+          </a:p>
+          <a:p>
+            <a:r>
+              <a:rPr lang="fr-FR" dirty="0"/>
+              <a:t>-Diodes </a:t>
+            </a:r>
+          </a:p>
+          <a:p>
+            <a:endParaRPr lang="fr-FR" dirty="0"/>
+          </a:p>
+          <a:p>
+            <a:r>
+              <a:rPr lang="fr-FR" dirty="0">
+                <a:solidFill>
+                  <a:schemeClr val="tx1"/>
+                </a:solidFill>
+              </a:rPr>
+              <a:t>- Transistor MOFSET </a:t>
+            </a:r>
+          </a:p>
+          <a:p>
+            <a:r>
+              <a:rPr lang="fr-FR" dirty="0"/>
+              <a:t>-Ampli de mesure de courant  </a:t>
+            </a:r>
+          </a:p>
+          <a:p>
+            <a:endParaRPr lang="fr-FR" dirty="0"/>
+          </a:p>
+        </p:txBody>
+      </p:sp>
+      <p:sp>
+        <p:nvSpPr>
+          <p:cNvPr id="4" name="TextBox 3">
+            <a:extLst>
+              <a:ext uri="{FF2B5EF4-FFF2-40B4-BE49-F238E27FC236}">
+                <a16:creationId xmlns:a16="http://schemas.microsoft.com/office/drawing/2014/main" id="{2893A47A-5398-6AE2-14F1-468E1D274721}"/>
+              </a:ext>
+            </a:extLst>
+          </p:cNvPr>
+          <p:cNvSpPr txBox="1"/>
+          <p:nvPr/>
+        </p:nvSpPr>
+        <p:spPr>
+          <a:xfrm>
+            <a:off x="7992238" y="4335464"/>
+            <a:ext cx="2385392" cy="400110"/>
+          </a:xfrm>
+          <a:prstGeom prst="rect">
+            <a:avLst/>
+          </a:prstGeom>
+          <a:noFill/>
+        </p:spPr>
+        <p:txBody>
+          <a:bodyPr wrap="square" rtlCol="0">
+            <a:spAutoFit/>
+          </a:bodyPr>
+          <a:lstStyle/>
+          <a:p>
+            <a:r>
+              <a:rPr lang="fr-FR" sz="2000" i="1" u="sng" dirty="0">
                 <a:solidFill>
                   <a:srgbClr val="C00000"/>
                 </a:solidFill>
               </a:rPr>
-              <a:t>Asservissement</a:t>
-            </a:r>
-            <a:r>
-              <a:rPr lang="fr-FR" dirty="0"/>
+              <a:t>Autres composants:</a:t>
+            </a:r>
+            <a:r>
+              <a:rPr lang="fr-FR" i="1" dirty="0"/>
               <a:t> </a:t>
             </a:r>
           </a:p>
@@ -3400,7 +3485,7 @@
         </p:nvSpPr>
         <p:spPr>
           <a:xfrm>
-            <a:off x="4757530" y="3962398"/>
+            <a:off x="4893469" y="4323666"/>
             <a:ext cx="2014331" cy="1553899"/>
           </a:xfrm>
           <a:prstGeom prst="rect">
@@ -3452,7 +3537,7 @@
         </p:nvSpPr>
         <p:spPr>
           <a:xfrm>
-            <a:off x="4757529" y="4331731"/>
+            <a:off x="4893468" y="4692999"/>
             <a:ext cx="2252870" cy="369332"/>
           </a:xfrm>
           <a:prstGeom prst="rect">
@@ -3490,7 +3575,7 @@
         </p:nvCxnSpPr>
         <p:spPr>
           <a:xfrm flipH="1">
-            <a:off x="5764695" y="5516297"/>
+            <a:off x="5900634" y="5877565"/>
             <a:ext cx="1" cy="553198"/>
           </a:xfrm>
           <a:prstGeom prst="line">
@@ -3527,7 +3612,7 @@
         </p:nvCxnSpPr>
         <p:spPr>
           <a:xfrm>
-            <a:off x="5542516" y="6069495"/>
+            <a:off x="5678455" y="6430763"/>
             <a:ext cx="495300" cy="0"/>
           </a:xfrm>
           <a:prstGeom prst="line">
@@ -3568,7 +3653,7 @@
         </p:nvCxnSpPr>
         <p:spPr>
           <a:xfrm flipH="1">
-            <a:off x="5537753" y="6069495"/>
+            <a:off x="5673692" y="6430763"/>
             <a:ext cx="88900" cy="64880"/>
           </a:xfrm>
           <a:prstGeom prst="line">
@@ -3609,7 +3694,7 @@
         </p:nvCxnSpPr>
         <p:spPr>
           <a:xfrm flipH="1">
-            <a:off x="5659056" y="6069495"/>
+            <a:off x="5794995" y="6430763"/>
             <a:ext cx="88900" cy="64880"/>
           </a:xfrm>
           <a:prstGeom prst="line">
@@ -3650,7 +3735,7 @@
         </p:nvCxnSpPr>
         <p:spPr>
           <a:xfrm flipH="1">
-            <a:off x="5759536" y="6069495"/>
+            <a:off x="5895475" y="6430763"/>
             <a:ext cx="88900" cy="64880"/>
           </a:xfrm>
           <a:prstGeom prst="line">
@@ -3691,7 +3776,7 @@
         </p:nvCxnSpPr>
         <p:spPr>
           <a:xfrm flipH="1">
-            <a:off x="5833425" y="6069495"/>
+            <a:off x="5969364" y="6430763"/>
             <a:ext cx="88900" cy="64880"/>
           </a:xfrm>
           <a:prstGeom prst="line">
@@ -3734,7 +3819,7 @@
         </p:nvCxnSpPr>
         <p:spPr>
           <a:xfrm flipH="1">
-            <a:off x="5917818" y="6069495"/>
+            <a:off x="6053757" y="6430763"/>
             <a:ext cx="88900" cy="64880"/>
           </a:xfrm>
           <a:prstGeom prst="line">
@@ -3795,7 +3880,7 @@
                   <a:srgbClr val="C00000"/>
                 </a:solidFill>
               </a:rPr>
-              <a:t>Actionneurs</a:t>
+              <a:t>Actionneurs </a:t>
             </a:r>
             <a:r>
               <a:rPr lang="fr-FR" dirty="0"/>
@@ -3948,7 +4033,7 @@
         </p:nvSpPr>
         <p:spPr>
           <a:xfrm>
-            <a:off x="7894527" y="1586947"/>
+            <a:off x="7808082" y="1958563"/>
             <a:ext cx="2385392" cy="400110"/>
           </a:xfrm>
           <a:prstGeom prst="rect">
@@ -3991,7 +4076,7 @@
         </p:nvSpPr>
         <p:spPr>
           <a:xfrm>
-            <a:off x="7907782" y="1586947"/>
+            <a:off x="7821337" y="1958563"/>
             <a:ext cx="2014331" cy="1529085"/>
           </a:xfrm>
           <a:prstGeom prst="rect">
@@ -4043,7 +4128,7 @@
         </p:nvSpPr>
         <p:spPr>
           <a:xfrm>
-            <a:off x="7907782" y="2034429"/>
+            <a:off x="7821337" y="2406045"/>
             <a:ext cx="2252870" cy="369332"/>
           </a:xfrm>
           <a:prstGeom prst="rect">
@@ -4082,8 +4167,8 @@
         </p:nvCxnSpPr>
         <p:spPr>
           <a:xfrm flipH="1">
-            <a:off x="6771861" y="3116032"/>
-            <a:ext cx="2143087" cy="1623316"/>
+            <a:off x="6907800" y="3487648"/>
+            <a:ext cx="1920703" cy="1612968"/>
           </a:xfrm>
           <a:prstGeom prst="straightConnector1">
             <a:avLst/>
@@ -4125,8 +4210,8 @@
         </p:nvSpPr>
         <p:spPr>
           <a:xfrm>
-            <a:off x="1438109" y="1987057"/>
-            <a:ext cx="2784641" cy="1842053"/>
+            <a:off x="1438109" y="1907545"/>
+            <a:ext cx="3461864" cy="1707267"/>
           </a:xfrm>
           <a:prstGeom prst="rect">
             <a:avLst/>
@@ -4177,8 +4262,8 @@
         </p:nvSpPr>
         <p:spPr>
           <a:xfrm>
-            <a:off x="1438108" y="2356390"/>
-            <a:ext cx="2252870" cy="1200329"/>
+            <a:off x="1438107" y="2356390"/>
+            <a:ext cx="3080883" cy="923330"/>
           </a:xfrm>
           <a:prstGeom prst="rect">
             <a:avLst/>
@@ -4208,12 +4293,6 @@
               <a:t>-Hélices  </a:t>
             </a:r>
           </a:p>
-          <a:p>
-            <a:r>
-              <a:rPr lang="fr-FR" dirty="0"/>
-              <a:t>-Diodes </a:t>
-            </a:r>
-          </a:p>
         </p:txBody>
       </p:sp>
       <p:sp>
@@ -4230,7 +4309,7 @@
         </p:nvSpPr>
         <p:spPr>
           <a:xfrm>
-            <a:off x="8097077" y="2496118"/>
+            <a:off x="8010632" y="2867734"/>
             <a:ext cx="1524001" cy="369332"/>
           </a:xfrm>
           <a:prstGeom prst="roundRect">
@@ -4282,7 +4361,7 @@
         </p:nvSpPr>
         <p:spPr>
           <a:xfrm>
-            <a:off x="8216348" y="2496118"/>
+            <a:off x="8129903" y="2867734"/>
             <a:ext cx="1524000" cy="369332"/>
           </a:xfrm>
           <a:prstGeom prst="rect">
@@ -4309,10 +4388,10 @@
       </p:sp>
       <p:sp>
         <p:nvSpPr>
-          <p:cNvPr id="42" name="Rectangle: Rounded Corners 41">
-            <a:extLst>
-              <a:ext uri="{FF2B5EF4-FFF2-40B4-BE49-F238E27FC236}">
-                <a16:creationId xmlns:a16="http://schemas.microsoft.com/office/drawing/2014/main" id="{6F9411CF-249E-91A0-77B5-D945D94F9FB8}"/>
+          <p:cNvPr id="44" name="Rectangle: Rounded Corners 43">
+            <a:extLst>
+              <a:ext uri="{FF2B5EF4-FFF2-40B4-BE49-F238E27FC236}">
+                <a16:creationId xmlns:a16="http://schemas.microsoft.com/office/drawing/2014/main" id="{F470DEC3-0553-E6F5-B905-0FAF18DC8DFB}"/>
               </a:ext>
             </a:extLst>
           </p:cNvPr>
@@ -4321,8 +4400,8 @@
         </p:nvSpPr>
         <p:spPr>
           <a:xfrm>
-            <a:off x="2269887" y="3279719"/>
-            <a:ext cx="1851263" cy="276999"/>
+            <a:off x="4820202" y="1369043"/>
+            <a:ext cx="1524001" cy="369332"/>
           </a:xfrm>
           <a:prstGeom prst="roundRect">
             <a:avLst/>
@@ -4361,10 +4440,10 @@
       </p:sp>
       <p:sp>
         <p:nvSpPr>
-          <p:cNvPr id="43" name="TextBox 42">
-            <a:extLst>
-              <a:ext uri="{FF2B5EF4-FFF2-40B4-BE49-F238E27FC236}">
-                <a16:creationId xmlns:a16="http://schemas.microsoft.com/office/drawing/2014/main" id="{FC07C937-4BE2-265A-45E5-EC114765A1FF}"/>
+          <p:cNvPr id="45" name="TextBox 44">
+            <a:extLst>
+              <a:ext uri="{FF2B5EF4-FFF2-40B4-BE49-F238E27FC236}">
+                <a16:creationId xmlns:a16="http://schemas.microsoft.com/office/drawing/2014/main" id="{576B77B3-D65A-4096-F8C4-D4D05CE9AD68}"/>
               </a:ext>
             </a:extLst>
           </p:cNvPr>
@@ -4373,8 +4452,8 @@
         </p:nvSpPr>
         <p:spPr>
           <a:xfrm>
-            <a:off x="2442613" y="3279718"/>
-            <a:ext cx="1678537" cy="307777"/>
+            <a:off x="4897056" y="1369832"/>
+            <a:ext cx="1524000" cy="369332"/>
           </a:xfrm>
           <a:prstGeom prst="rect">
             <a:avLst/>
@@ -4388,27 +4467,22 @@
           <a:lstStyle/>
           <a:p>
             <a:r>
-              <a:rPr lang="fr-FR" sz="1400" dirty="0">
+              <a:rPr lang="fr-FR" dirty="0">
                 <a:solidFill>
                   <a:srgbClr val="7030A0"/>
                 </a:solidFill>
               </a:rPr>
-              <a:t>VS-30BQ015HM3</a:t>
-            </a:r>
-            <a:endParaRPr lang="fr-FR" sz="1600" dirty="0">
-              <a:solidFill>
-                <a:srgbClr val="7030A0"/>
-              </a:solidFill>
-            </a:endParaRPr>
-          </a:p>
-        </p:txBody>
-      </p:sp>
-      <p:sp>
-        <p:nvSpPr>
-          <p:cNvPr id="44" name="Rectangle: Rounded Corners 43">
-            <a:extLst>
-              <a:ext uri="{FF2B5EF4-FFF2-40B4-BE49-F238E27FC236}">
-                <a16:creationId xmlns:a16="http://schemas.microsoft.com/office/drawing/2014/main" id="{F470DEC3-0553-E6F5-B905-0FAF18DC8DFB}"/>
+              <a:t>X64022S1P</a:t>
+            </a:r>
+          </a:p>
+        </p:txBody>
+      </p:sp>
+      <p:sp>
+        <p:nvSpPr>
+          <p:cNvPr id="46" name="Rectangle: Rounded Corners 45">
+            <a:extLst>
+              <a:ext uri="{FF2B5EF4-FFF2-40B4-BE49-F238E27FC236}">
+                <a16:creationId xmlns:a16="http://schemas.microsoft.com/office/drawing/2014/main" id="{ADBB49BA-8584-6AB0-3826-4B72189FA702}"/>
               </a:ext>
             </a:extLst>
           </p:cNvPr>
@@ -4417,8 +4491,8 @@
         </p:nvSpPr>
         <p:spPr>
           <a:xfrm>
-            <a:off x="4820202" y="1369043"/>
-            <a:ext cx="1524001" cy="369332"/>
+            <a:off x="2898650" y="2926887"/>
+            <a:ext cx="1851263" cy="276999"/>
           </a:xfrm>
           <a:prstGeom prst="roundRect">
             <a:avLst/>
@@ -4457,10 +4531,10 @@
       </p:sp>
       <p:sp>
         <p:nvSpPr>
-          <p:cNvPr id="45" name="TextBox 44">
-            <a:extLst>
-              <a:ext uri="{FF2B5EF4-FFF2-40B4-BE49-F238E27FC236}">
-                <a16:creationId xmlns:a16="http://schemas.microsoft.com/office/drawing/2014/main" id="{576B77B3-D65A-4096-F8C4-D4D05CE9AD68}"/>
+          <p:cNvPr id="52" name="TextBox 51">
+            <a:extLst>
+              <a:ext uri="{FF2B5EF4-FFF2-40B4-BE49-F238E27FC236}">
+                <a16:creationId xmlns:a16="http://schemas.microsoft.com/office/drawing/2014/main" id="{37EB8270-F822-C5E6-6EC2-21355242A179}"/>
               </a:ext>
             </a:extLst>
           </p:cNvPr>
@@ -4469,7 +4543,7 @@
         </p:nvSpPr>
         <p:spPr>
           <a:xfrm>
-            <a:off x="4897056" y="1369832"/>
+            <a:off x="5133475" y="5093135"/>
             <a:ext cx="1524000" cy="369332"/>
           </a:xfrm>
           <a:prstGeom prst="rect">
@@ -4489,17 +4563,17 @@
                   <a:srgbClr val="7030A0"/>
                 </a:solidFill>
               </a:rPr>
-              <a:t>X64022S1P</a:t>
-            </a:r>
-          </a:p>
-        </p:txBody>
-      </p:sp>
-      <p:sp>
-        <p:nvSpPr>
-          <p:cNvPr id="46" name="Rectangle: Rounded Corners 45">
-            <a:extLst>
-              <a:ext uri="{FF2B5EF4-FFF2-40B4-BE49-F238E27FC236}">
-                <a16:creationId xmlns:a16="http://schemas.microsoft.com/office/drawing/2014/main" id="{ADBB49BA-8584-6AB0-3826-4B72189FA702}"/>
+              <a:t>STM32L412KB</a:t>
+            </a:r>
+          </a:p>
+        </p:txBody>
+      </p:sp>
+      <p:sp>
+        <p:nvSpPr>
+          <p:cNvPr id="55" name="Rectangle: Rounded Corners 54">
+            <a:extLst>
+              <a:ext uri="{FF2B5EF4-FFF2-40B4-BE49-F238E27FC236}">
+                <a16:creationId xmlns:a16="http://schemas.microsoft.com/office/drawing/2014/main" id="{6336D1B2-4552-E907-7667-A9BA1028EEB5}"/>
               </a:ext>
             </a:extLst>
           </p:cNvPr>
@@ -4508,7 +4582,7 @@
         </p:nvSpPr>
         <p:spPr>
           <a:xfrm>
-            <a:off x="2274566" y="2965591"/>
+            <a:off x="4950450" y="5139301"/>
             <a:ext cx="1851263" cy="276999"/>
           </a:xfrm>
           <a:prstGeom prst="roundRect">
@@ -4548,10 +4622,10 @@
       </p:sp>
       <p:sp>
         <p:nvSpPr>
-          <p:cNvPr id="52" name="TextBox 51">
-            <a:extLst>
-              <a:ext uri="{FF2B5EF4-FFF2-40B4-BE49-F238E27FC236}">
-                <a16:creationId xmlns:a16="http://schemas.microsoft.com/office/drawing/2014/main" id="{37EB8270-F822-C5E6-6EC2-21355242A179}"/>
+          <p:cNvPr id="56" name="TextBox 55">
+            <a:extLst>
+              <a:ext uri="{FF2B5EF4-FFF2-40B4-BE49-F238E27FC236}">
+                <a16:creationId xmlns:a16="http://schemas.microsoft.com/office/drawing/2014/main" id="{41C0AEA9-A759-4C1B-3424-60E8DC9C86DC}"/>
               </a:ext>
             </a:extLst>
           </p:cNvPr>
@@ -4560,8 +4634,175 @@
         </p:nvSpPr>
         <p:spPr>
           <a:xfrm>
-            <a:off x="4997536" y="4808411"/>
-            <a:ext cx="1524000" cy="369332"/>
+            <a:off x="3221436" y="2893682"/>
+            <a:ext cx="1678537" cy="338554"/>
+          </a:xfrm>
+          <a:prstGeom prst="rect">
+            <a:avLst/>
+          </a:prstGeom>
+          <a:noFill/>
+        </p:spPr>
+        <p:txBody>
+          <a:bodyPr wrap="square" rtlCol="0">
+            <a:spAutoFit/>
+          </a:bodyPr>
+          <a:lstStyle/>
+          <a:p>
+            <a:r>
+              <a:rPr lang="fr-FR" sz="1600" dirty="0">
+                <a:solidFill>
+                  <a:srgbClr val="7030A0"/>
+                </a:solidFill>
+              </a:rPr>
+              <a:t>BETAFPV</a:t>
+            </a:r>
+          </a:p>
+        </p:txBody>
+      </p:sp>
+      <p:cxnSp>
+        <p:nvCxnSpPr>
+          <p:cNvPr id="69" name="Straight Arrow Connector 68">
+            <a:extLst>
+              <a:ext uri="{FF2B5EF4-FFF2-40B4-BE49-F238E27FC236}">
+                <a16:creationId xmlns:a16="http://schemas.microsoft.com/office/drawing/2014/main" id="{B5BF5E7D-E093-CCF2-C366-74E90F89AE6C}"/>
+              </a:ext>
+            </a:extLst>
+          </p:cNvPr>
+          <p:cNvCxnSpPr>
+            <a:cxnSpLocks/>
+            <a:endCxn id="27" idx="0"/>
+          </p:cNvCxnSpPr>
+          <p:nvPr/>
+        </p:nvCxnSpPr>
+        <p:spPr>
+          <a:xfrm>
+            <a:off x="6681258" y="1101100"/>
+            <a:ext cx="2147245" cy="857463"/>
+          </a:xfrm>
+          <a:prstGeom prst="straightConnector1">
+            <a:avLst/>
+          </a:prstGeom>
+          <a:ln>
+            <a:tailEnd type="triangle"/>
+          </a:ln>
+        </p:spPr>
+        <p:style>
+          <a:lnRef idx="1">
+            <a:schemeClr val="dk1"/>
+          </a:lnRef>
+          <a:fillRef idx="0">
+            <a:schemeClr val="dk1"/>
+          </a:fillRef>
+          <a:effectRef idx="0">
+            <a:schemeClr val="dk1"/>
+          </a:effectRef>
+          <a:fontRef idx="minor">
+            <a:schemeClr val="tx1"/>
+          </a:fontRef>
+        </p:style>
+      </p:cxnSp>
+      <p:cxnSp>
+        <p:nvCxnSpPr>
+          <p:cNvPr id="71" name="Straight Arrow Connector 70">
+            <a:extLst>
+              <a:ext uri="{FF2B5EF4-FFF2-40B4-BE49-F238E27FC236}">
+                <a16:creationId xmlns:a16="http://schemas.microsoft.com/office/drawing/2014/main" id="{73B90DCA-7A9B-F9B5-83E2-6C9BF4564DAA}"/>
+              </a:ext>
+            </a:extLst>
+          </p:cNvPr>
+          <p:cNvCxnSpPr>
+            <a:cxnSpLocks/>
+            <a:stCxn id="21" idx="1"/>
+            <a:endCxn id="37" idx="0"/>
+          </p:cNvCxnSpPr>
+          <p:nvPr/>
+        </p:nvCxnSpPr>
+        <p:spPr>
+          <a:xfrm flipH="1">
+            <a:off x="3169041" y="1240596"/>
+            <a:ext cx="1484631" cy="666949"/>
+          </a:xfrm>
+          <a:prstGeom prst="straightConnector1">
+            <a:avLst/>
+          </a:prstGeom>
+          <a:ln>
+            <a:tailEnd type="triangle"/>
+          </a:ln>
+        </p:spPr>
+        <p:style>
+          <a:lnRef idx="1">
+            <a:schemeClr val="dk1"/>
+          </a:lnRef>
+          <a:fillRef idx="0">
+            <a:schemeClr val="dk1"/>
+          </a:fillRef>
+          <a:effectRef idx="0">
+            <a:schemeClr val="dk1"/>
+          </a:effectRef>
+          <a:fontRef idx="minor">
+            <a:schemeClr val="tx1"/>
+          </a:fontRef>
+        </p:style>
+      </p:cxnSp>
+      <p:cxnSp>
+        <p:nvCxnSpPr>
+          <p:cNvPr id="73" name="Straight Arrow Connector 72">
+            <a:extLst>
+              <a:ext uri="{FF2B5EF4-FFF2-40B4-BE49-F238E27FC236}">
+                <a16:creationId xmlns:a16="http://schemas.microsoft.com/office/drawing/2014/main" id="{7D754F7E-2A57-EDE7-3916-14BF24ACE99A}"/>
+              </a:ext>
+            </a:extLst>
+          </p:cNvPr>
+          <p:cNvCxnSpPr>
+            <a:cxnSpLocks/>
+            <a:stCxn id="6" idx="1"/>
+            <a:endCxn id="37" idx="2"/>
+          </p:cNvCxnSpPr>
+          <p:nvPr/>
+        </p:nvCxnSpPr>
+        <p:spPr>
+          <a:xfrm flipH="1" flipV="1">
+            <a:off x="3169041" y="3614812"/>
+            <a:ext cx="1724427" cy="1262853"/>
+          </a:xfrm>
+          <a:prstGeom prst="straightConnector1">
+            <a:avLst/>
+          </a:prstGeom>
+          <a:ln>
+            <a:tailEnd type="triangle"/>
+          </a:ln>
+        </p:spPr>
+        <p:style>
+          <a:lnRef idx="1">
+            <a:schemeClr val="dk1"/>
+          </a:lnRef>
+          <a:fillRef idx="0">
+            <a:schemeClr val="dk1"/>
+          </a:fillRef>
+          <a:effectRef idx="0">
+            <a:schemeClr val="dk1"/>
+          </a:effectRef>
+          <a:fontRef idx="minor">
+            <a:schemeClr val="tx1"/>
+          </a:fontRef>
+        </p:style>
+      </p:cxnSp>
+      <p:sp>
+        <p:nvSpPr>
+          <p:cNvPr id="3" name="TextBox 2">
+            <a:extLst>
+              <a:ext uri="{FF2B5EF4-FFF2-40B4-BE49-F238E27FC236}">
+                <a16:creationId xmlns:a16="http://schemas.microsoft.com/office/drawing/2014/main" id="{9CDC3A97-98F8-51EC-D2B6-B981AFD74BED}"/>
+              </a:ext>
+            </a:extLst>
+          </p:cNvPr>
+          <p:cNvSpPr txBox="1"/>
+          <p:nvPr/>
+        </p:nvSpPr>
+        <p:spPr>
+          <a:xfrm>
+            <a:off x="10363194" y="4783548"/>
+            <a:ext cx="1678537" cy="369332"/>
           </a:xfrm>
           <a:prstGeom prst="rect">
             <a:avLst/>
@@ -4580,17 +4821,17 @@
                   <a:srgbClr val="7030A0"/>
                 </a:solidFill>
               </a:rPr>
-              <a:t>STM32L412KB</a:t>
-            </a:r>
-          </a:p>
-        </p:txBody>
-      </p:sp>
-      <p:sp>
-        <p:nvSpPr>
-          <p:cNvPr id="55" name="Rectangle: Rounded Corners 54">
-            <a:extLst>
-              <a:ext uri="{FF2B5EF4-FFF2-40B4-BE49-F238E27FC236}">
-                <a16:creationId xmlns:a16="http://schemas.microsoft.com/office/drawing/2014/main" id="{6336D1B2-4552-E907-7667-A9BA1028EEB5}"/>
+              <a:t>17395xx36</a:t>
+            </a:r>
+          </a:p>
+        </p:txBody>
+      </p:sp>
+      <p:sp>
+        <p:nvSpPr>
+          <p:cNvPr id="9" name="Rectangle: Rounded Corners 8">
+            <a:extLst>
+              <a:ext uri="{FF2B5EF4-FFF2-40B4-BE49-F238E27FC236}">
+                <a16:creationId xmlns:a16="http://schemas.microsoft.com/office/drawing/2014/main" id="{CE2AC527-EF04-7684-49DD-2AE10AECEF4D}"/>
               </a:ext>
             </a:extLst>
           </p:cNvPr>
@@ -4599,7 +4840,7 @@
         </p:nvSpPr>
         <p:spPr>
           <a:xfrm>
-            <a:off x="4814511" y="4854577"/>
+            <a:off x="10099799" y="4816136"/>
             <a:ext cx="1851263" cy="276999"/>
           </a:xfrm>
           <a:prstGeom prst="roundRect">
@@ -4639,10 +4880,10 @@
       </p:sp>
       <p:sp>
         <p:nvSpPr>
-          <p:cNvPr id="56" name="TextBox 55">
-            <a:extLst>
-              <a:ext uri="{FF2B5EF4-FFF2-40B4-BE49-F238E27FC236}">
-                <a16:creationId xmlns:a16="http://schemas.microsoft.com/office/drawing/2014/main" id="{41C0AEA9-A759-4C1B-3424-60E8DC9C86DC}"/>
+          <p:cNvPr id="17" name="TextBox 16">
+            <a:extLst>
+              <a:ext uri="{FF2B5EF4-FFF2-40B4-BE49-F238E27FC236}">
+                <a16:creationId xmlns:a16="http://schemas.microsoft.com/office/drawing/2014/main" id="{B7A4CFE5-AFAB-C743-EC7B-A2FD3572D079}"/>
               </a:ext>
             </a:extLst>
           </p:cNvPr>
@@ -4651,8 +4892,8 @@
         </p:nvSpPr>
         <p:spPr>
           <a:xfrm>
-            <a:off x="2592673" y="2932784"/>
-            <a:ext cx="1678537" cy="338554"/>
+            <a:off x="10086540" y="5354741"/>
+            <a:ext cx="2263218" cy="369332"/>
           </a:xfrm>
           <a:prstGeom prst="rect">
             <a:avLst/>
@@ -4666,140 +4907,411 @@
           <a:lstStyle/>
           <a:p>
             <a:r>
-              <a:rPr lang="fr-FR" sz="1600" dirty="0">
+              <a:rPr lang="fr-FR" dirty="0">
                 <a:solidFill>
                   <a:srgbClr val="7030A0"/>
                 </a:solidFill>
               </a:rPr>
-              <a:t>BETAFPV</a:t>
-            </a:r>
-          </a:p>
-        </p:txBody>
-      </p:sp>
-      <p:cxnSp>
-        <p:nvCxnSpPr>
-          <p:cNvPr id="69" name="Straight Arrow Connector 68">
-            <a:extLst>
-              <a:ext uri="{FF2B5EF4-FFF2-40B4-BE49-F238E27FC236}">
-                <a16:creationId xmlns:a16="http://schemas.microsoft.com/office/drawing/2014/main" id="{B5BF5E7D-E093-CCF2-C366-74E90F89AE6C}"/>
-              </a:ext>
-            </a:extLst>
-          </p:cNvPr>
-          <p:cNvCxnSpPr>
-            <a:endCxn id="27" idx="0"/>
-          </p:cNvCxnSpPr>
-          <p:nvPr/>
-        </p:nvCxnSpPr>
-        <p:spPr>
-          <a:xfrm>
-            <a:off x="6665774" y="1059344"/>
-            <a:ext cx="2249174" cy="527603"/>
-          </a:xfrm>
-          <a:prstGeom prst="straightConnector1">
-            <a:avLst/>
-          </a:prstGeom>
+              <a:t>VS-30BQ0115HM3</a:t>
+            </a:r>
+          </a:p>
+        </p:txBody>
+      </p:sp>
+      <p:sp>
+        <p:nvSpPr>
+          <p:cNvPr id="19" name="Rectangle: Rounded Corners 18">
+            <a:extLst>
+              <a:ext uri="{FF2B5EF4-FFF2-40B4-BE49-F238E27FC236}">
+                <a16:creationId xmlns:a16="http://schemas.microsoft.com/office/drawing/2014/main" id="{72BFF18C-100A-C425-BE2A-E22002ACA400}"/>
+              </a:ext>
+            </a:extLst>
+          </p:cNvPr>
+          <p:cNvSpPr/>
+          <p:nvPr/>
+        </p:nvSpPr>
+        <p:spPr>
+          <a:xfrm>
+            <a:off x="10086540" y="5405221"/>
+            <a:ext cx="1851263" cy="276999"/>
+          </a:xfrm>
+          <a:prstGeom prst="roundRect">
+            <a:avLst/>
+          </a:prstGeom>
+          <a:noFill/>
           <a:ln>
-            <a:tailEnd type="triangle"/>
+            <a:solidFill>
+              <a:srgbClr val="7030A0"/>
+            </a:solidFill>
           </a:ln>
         </p:spPr>
         <p:style>
-          <a:lnRef idx="1">
-            <a:schemeClr val="dk1"/>
-          </a:lnRef>
-          <a:fillRef idx="0">
-            <a:schemeClr val="dk1"/>
-          </a:fillRef>
-          <a:effectRef idx="0">
-            <a:schemeClr val="dk1"/>
-          </a:effectRef>
-          <a:fontRef idx="minor">
-            <a:schemeClr val="tx1"/>
-          </a:fontRef>
-        </p:style>
-      </p:cxnSp>
-      <p:cxnSp>
-        <p:nvCxnSpPr>
-          <p:cNvPr id="71" name="Straight Arrow Connector 70">
-            <a:extLst>
-              <a:ext uri="{FF2B5EF4-FFF2-40B4-BE49-F238E27FC236}">
-                <a16:creationId xmlns:a16="http://schemas.microsoft.com/office/drawing/2014/main" id="{73B90DCA-7A9B-F9B5-83E2-6C9BF4564DAA}"/>
-              </a:ext>
-            </a:extLst>
-          </p:cNvPr>
-          <p:cNvCxnSpPr>
-            <a:stCxn id="21" idx="1"/>
-            <a:endCxn id="37" idx="0"/>
-          </p:cNvCxnSpPr>
-          <p:nvPr/>
-        </p:nvCxnSpPr>
-        <p:spPr>
-          <a:xfrm flipH="1">
-            <a:off x="2830430" y="1240596"/>
-            <a:ext cx="1823242" cy="746461"/>
-          </a:xfrm>
-          <a:prstGeom prst="straightConnector1">
-            <a:avLst/>
-          </a:prstGeom>
+          <a:lnRef idx="2">
+            <a:schemeClr val="accent1">
+              <a:shade val="50000"/>
+            </a:schemeClr>
+          </a:lnRef>
+          <a:fillRef idx="1">
+            <a:schemeClr val="accent1"/>
+          </a:fillRef>
+          <a:effectRef idx="0">
+            <a:schemeClr val="accent1"/>
+          </a:effectRef>
+          <a:fontRef idx="minor">
+            <a:schemeClr val="lt1"/>
+          </a:fontRef>
+        </p:style>
+        <p:txBody>
+          <a:bodyPr rtlCol="0" anchor="ctr"/>
+          <a:lstStyle/>
+          <a:p>
+            <a:pPr algn="ctr"/>
+            <a:endParaRPr lang="fr-FR"/>
+          </a:p>
+        </p:txBody>
+      </p:sp>
+      <p:sp>
+        <p:nvSpPr>
+          <p:cNvPr id="20" name="Rectangle: Rounded Corners 19">
+            <a:extLst>
+              <a:ext uri="{FF2B5EF4-FFF2-40B4-BE49-F238E27FC236}">
+                <a16:creationId xmlns:a16="http://schemas.microsoft.com/office/drawing/2014/main" id="{65BB26DA-5A9A-173A-EB62-9566E22DE594}"/>
+              </a:ext>
+            </a:extLst>
+          </p:cNvPr>
+          <p:cNvSpPr/>
+          <p:nvPr/>
+        </p:nvSpPr>
+        <p:spPr>
+          <a:xfrm>
+            <a:off x="10070950" y="5809245"/>
+            <a:ext cx="1892696" cy="304452"/>
+          </a:xfrm>
+          <a:prstGeom prst="roundRect">
+            <a:avLst/>
+          </a:prstGeom>
+          <a:noFill/>
           <a:ln>
-            <a:tailEnd type="triangle"/>
+            <a:solidFill>
+              <a:srgbClr val="7030A0"/>
+            </a:solidFill>
           </a:ln>
         </p:spPr>
         <p:style>
-          <a:lnRef idx="1">
-            <a:schemeClr val="dk1"/>
-          </a:lnRef>
-          <a:fillRef idx="0">
-            <a:schemeClr val="dk1"/>
-          </a:fillRef>
-          <a:effectRef idx="0">
-            <a:schemeClr val="dk1"/>
-          </a:effectRef>
-          <a:fontRef idx="minor">
-            <a:schemeClr val="tx1"/>
-          </a:fontRef>
-        </p:style>
-      </p:cxnSp>
-      <p:cxnSp>
-        <p:nvCxnSpPr>
-          <p:cNvPr id="73" name="Straight Arrow Connector 72">
-            <a:extLst>
-              <a:ext uri="{FF2B5EF4-FFF2-40B4-BE49-F238E27FC236}">
-                <a16:creationId xmlns:a16="http://schemas.microsoft.com/office/drawing/2014/main" id="{7D754F7E-2A57-EDE7-3916-14BF24ACE99A}"/>
-              </a:ext>
-            </a:extLst>
-          </p:cNvPr>
-          <p:cNvCxnSpPr>
-            <a:endCxn id="37" idx="2"/>
-          </p:cNvCxnSpPr>
-          <p:nvPr/>
-        </p:nvCxnSpPr>
-        <p:spPr>
-          <a:xfrm flipH="1" flipV="1">
-            <a:off x="2830430" y="3829110"/>
-            <a:ext cx="1887847" cy="979301"/>
-          </a:xfrm>
-          <a:prstGeom prst="straightConnector1">
-            <a:avLst/>
-          </a:prstGeom>
+          <a:lnRef idx="2">
+            <a:schemeClr val="accent1">
+              <a:shade val="50000"/>
+            </a:schemeClr>
+          </a:lnRef>
+          <a:fillRef idx="1">
+            <a:schemeClr val="accent1"/>
+          </a:fillRef>
+          <a:effectRef idx="0">
+            <a:schemeClr val="accent1"/>
+          </a:effectRef>
+          <a:fontRef idx="minor">
+            <a:schemeClr val="lt1"/>
+          </a:fontRef>
+        </p:style>
+        <p:txBody>
+          <a:bodyPr rtlCol="0" anchor="ctr"/>
+          <a:lstStyle/>
+          <a:p>
+            <a:pPr algn="ctr"/>
+            <a:endParaRPr lang="fr-FR"/>
+          </a:p>
+        </p:txBody>
+      </p:sp>
+      <p:sp>
+        <p:nvSpPr>
+          <p:cNvPr id="24" name="TextBox 23">
+            <a:extLst>
+              <a:ext uri="{FF2B5EF4-FFF2-40B4-BE49-F238E27FC236}">
+                <a16:creationId xmlns:a16="http://schemas.microsoft.com/office/drawing/2014/main" id="{7972BC97-998B-0ABA-52A1-26A7A775DACA}"/>
+              </a:ext>
+            </a:extLst>
+          </p:cNvPr>
+          <p:cNvSpPr txBox="1"/>
+          <p:nvPr/>
+        </p:nvSpPr>
+        <p:spPr>
+          <a:xfrm>
+            <a:off x="10066558" y="5783360"/>
+            <a:ext cx="1892695" cy="369332"/>
+          </a:xfrm>
+          <a:prstGeom prst="rect">
+            <a:avLst/>
+          </a:prstGeom>
+          <a:noFill/>
+        </p:spPr>
+        <p:txBody>
+          <a:bodyPr wrap="square" rtlCol="0">
+            <a:spAutoFit/>
+          </a:bodyPr>
+          <a:lstStyle/>
+          <a:p>
+            <a:pPr algn="ctr"/>
+            <a:r>
+              <a:rPr lang="fr-FR" dirty="0">
+                <a:solidFill>
+                  <a:srgbClr val="7030A0"/>
+                </a:solidFill>
+              </a:rPr>
+              <a:t>SQ2310ES</a:t>
+            </a:r>
+          </a:p>
+        </p:txBody>
+      </p:sp>
+      <p:sp>
+        <p:nvSpPr>
+          <p:cNvPr id="25" name="TextBox 24">
+            <a:extLst>
+              <a:ext uri="{FF2B5EF4-FFF2-40B4-BE49-F238E27FC236}">
+                <a16:creationId xmlns:a16="http://schemas.microsoft.com/office/drawing/2014/main" id="{F1606E0B-114C-4122-07D8-FF6234867AA2}"/>
+              </a:ext>
+            </a:extLst>
+          </p:cNvPr>
+          <p:cNvSpPr txBox="1"/>
+          <p:nvPr/>
+        </p:nvSpPr>
+        <p:spPr>
+          <a:xfrm>
+            <a:off x="2922073" y="2386304"/>
+            <a:ext cx="1851263" cy="584775"/>
+          </a:xfrm>
+          <a:prstGeom prst="rect">
+            <a:avLst/>
+          </a:prstGeom>
+          <a:noFill/>
+        </p:spPr>
+        <p:txBody>
+          <a:bodyPr wrap="square" rtlCol="0">
+            <a:spAutoFit/>
+          </a:bodyPr>
+          <a:lstStyle/>
+          <a:p>
+            <a:r>
+              <a:rPr lang="fr-FR" sz="1400" b="0" i="0" dirty="0" err="1">
+                <a:solidFill>
+                  <a:srgbClr val="7030A0"/>
+                </a:solidFill>
+                <a:effectLst/>
+                <a:latin typeface="Arial" panose="020B0604020202020204" pitchFamily="34" charset="0"/>
+              </a:rPr>
+              <a:t>Tiny</a:t>
+            </a:r>
+            <a:r>
+              <a:rPr lang="fr-FR" sz="1400" b="0" i="0" dirty="0">
+                <a:solidFill>
+                  <a:srgbClr val="7030A0"/>
+                </a:solidFill>
+                <a:effectLst/>
+                <a:latin typeface="Arial" panose="020B0604020202020204" pitchFamily="34" charset="0"/>
+              </a:rPr>
+              <a:t> 8X RC Drone</a:t>
+            </a:r>
+          </a:p>
+          <a:p>
+            <a:endParaRPr lang="fr-FR" dirty="0">
+              <a:solidFill>
+                <a:srgbClr val="7030A0"/>
+              </a:solidFill>
+            </a:endParaRPr>
+          </a:p>
+        </p:txBody>
+      </p:sp>
+      <p:sp>
+        <p:nvSpPr>
+          <p:cNvPr id="28" name="Rectangle: Rounded Corners 27">
+            <a:extLst>
+              <a:ext uri="{FF2B5EF4-FFF2-40B4-BE49-F238E27FC236}">
+                <a16:creationId xmlns:a16="http://schemas.microsoft.com/office/drawing/2014/main" id="{836CC90C-FF61-A7D1-587A-330320148A57}"/>
+              </a:ext>
+            </a:extLst>
+          </p:cNvPr>
+          <p:cNvSpPr/>
+          <p:nvPr/>
+        </p:nvSpPr>
+        <p:spPr>
+          <a:xfrm>
+            <a:off x="2933673" y="2386230"/>
+            <a:ext cx="1816240" cy="251669"/>
+          </a:xfrm>
+          <a:prstGeom prst="roundRect">
+            <a:avLst/>
+          </a:prstGeom>
+          <a:noFill/>
           <a:ln>
-            <a:tailEnd type="triangle"/>
+            <a:solidFill>
+              <a:srgbClr val="7030A0"/>
+            </a:solidFill>
           </a:ln>
         </p:spPr>
         <p:style>
-          <a:lnRef idx="1">
-            <a:schemeClr val="dk1"/>
-          </a:lnRef>
-          <a:fillRef idx="0">
-            <a:schemeClr val="dk1"/>
-          </a:fillRef>
-          <a:effectRef idx="0">
-            <a:schemeClr val="dk1"/>
-          </a:effectRef>
-          <a:fontRef idx="minor">
-            <a:schemeClr val="tx1"/>
-          </a:fontRef>
-        </p:style>
-      </p:cxnSp>
+          <a:lnRef idx="2">
+            <a:schemeClr val="accent1">
+              <a:shade val="50000"/>
+            </a:schemeClr>
+          </a:lnRef>
+          <a:fillRef idx="1">
+            <a:schemeClr val="accent1"/>
+          </a:fillRef>
+          <a:effectRef idx="0">
+            <a:schemeClr val="accent1"/>
+          </a:effectRef>
+          <a:fontRef idx="minor">
+            <a:schemeClr val="lt1"/>
+          </a:fontRef>
+        </p:style>
+        <p:txBody>
+          <a:bodyPr rtlCol="0" anchor="ctr"/>
+          <a:lstStyle/>
+          <a:p>
+            <a:pPr algn="ctr"/>
+            <a:endParaRPr lang="fr-FR"/>
+          </a:p>
+        </p:txBody>
+      </p:sp>
+      <p:sp>
+        <p:nvSpPr>
+          <p:cNvPr id="53" name="Rectangle: Rounded Corners 52">
+            <a:extLst>
+              <a:ext uri="{FF2B5EF4-FFF2-40B4-BE49-F238E27FC236}">
+                <a16:creationId xmlns:a16="http://schemas.microsoft.com/office/drawing/2014/main" id="{2B8CEAA4-C28E-28A3-E642-754F1C7AD077}"/>
+              </a:ext>
+            </a:extLst>
+          </p:cNvPr>
+          <p:cNvSpPr/>
+          <p:nvPr/>
+        </p:nvSpPr>
+        <p:spPr>
+          <a:xfrm>
+            <a:off x="10054619" y="6232272"/>
+            <a:ext cx="1841031" cy="276999"/>
+          </a:xfrm>
+          <a:prstGeom prst="roundRect">
+            <a:avLst/>
+          </a:prstGeom>
+          <a:noFill/>
+          <a:ln>
+            <a:solidFill>
+              <a:srgbClr val="7030A0"/>
+            </a:solidFill>
+          </a:ln>
+        </p:spPr>
+        <p:style>
+          <a:lnRef idx="2">
+            <a:schemeClr val="accent1">
+              <a:shade val="50000"/>
+            </a:schemeClr>
+          </a:lnRef>
+          <a:fillRef idx="1">
+            <a:schemeClr val="accent1"/>
+          </a:fillRef>
+          <a:effectRef idx="0">
+            <a:schemeClr val="accent1"/>
+          </a:effectRef>
+          <a:fontRef idx="minor">
+            <a:schemeClr val="lt1"/>
+          </a:fontRef>
+        </p:style>
+        <p:txBody>
+          <a:bodyPr rtlCol="0" anchor="ctr"/>
+          <a:lstStyle/>
+          <a:p>
+            <a:pPr algn="ctr"/>
+            <a:endParaRPr lang="fr-FR"/>
+          </a:p>
+        </p:txBody>
+      </p:sp>
+      <p:sp>
+        <p:nvSpPr>
+          <p:cNvPr id="54" name="TextBox 53">
+            <a:extLst>
+              <a:ext uri="{FF2B5EF4-FFF2-40B4-BE49-F238E27FC236}">
+                <a16:creationId xmlns:a16="http://schemas.microsoft.com/office/drawing/2014/main" id="{E2DA1C7C-03B6-26C2-8DA1-430120D7D787}"/>
+              </a:ext>
+            </a:extLst>
+          </p:cNvPr>
+          <p:cNvSpPr txBox="1"/>
+          <p:nvPr/>
+        </p:nvSpPr>
+        <p:spPr>
+          <a:xfrm>
+            <a:off x="10151290" y="6244405"/>
+            <a:ext cx="1721761" cy="276999"/>
+          </a:xfrm>
+          <a:prstGeom prst="rect">
+            <a:avLst/>
+          </a:prstGeom>
+          <a:noFill/>
+        </p:spPr>
+        <p:txBody>
+          <a:bodyPr wrap="square" rtlCol="0">
+            <a:spAutoFit/>
+          </a:bodyPr>
+          <a:lstStyle/>
+          <a:p>
+            <a:r>
+              <a:rPr lang="fr-FR" sz="1200" i="0" dirty="0">
+                <a:solidFill>
+                  <a:srgbClr val="7030A0"/>
+                </a:solidFill>
+                <a:effectLst/>
+                <a:latin typeface="Helvetica Neue"/>
+              </a:rPr>
+              <a:t>NCS199A3RSQT2G</a:t>
+            </a:r>
+            <a:endParaRPr lang="fr-FR" sz="1200" dirty="0">
+              <a:solidFill>
+                <a:srgbClr val="7030A0"/>
+              </a:solidFill>
+            </a:endParaRPr>
+          </a:p>
+        </p:txBody>
+      </p:sp>
+      <p:sp>
+        <p:nvSpPr>
+          <p:cNvPr id="68" name="TextBox 67">
+            <a:extLst>
+              <a:ext uri="{FF2B5EF4-FFF2-40B4-BE49-F238E27FC236}">
+                <a16:creationId xmlns:a16="http://schemas.microsoft.com/office/drawing/2014/main" id="{C798FDE0-48C8-8DD7-1CA7-3380706D307E}"/>
+              </a:ext>
+            </a:extLst>
+          </p:cNvPr>
+          <p:cNvSpPr txBox="1"/>
+          <p:nvPr/>
+        </p:nvSpPr>
+        <p:spPr>
+          <a:xfrm>
+            <a:off x="5102850" y="4446226"/>
+            <a:ext cx="2385392" cy="400110"/>
+          </a:xfrm>
+          <a:prstGeom prst="rect">
+            <a:avLst/>
+          </a:prstGeom>
+          <a:noFill/>
+        </p:spPr>
+        <p:txBody>
+          <a:bodyPr wrap="square" rtlCol="0">
+            <a:spAutoFit/>
+          </a:bodyPr>
+          <a:lstStyle/>
+          <a:p>
+            <a:r>
+              <a:rPr lang="fr-FR" sz="2000" b="1" u="sng" dirty="0">
+                <a:solidFill>
+                  <a:srgbClr val="C00000"/>
+                </a:solidFill>
+              </a:rPr>
+              <a:t>Asservissement</a:t>
+            </a:r>
+            <a:r>
+              <a:rPr lang="fr-FR" dirty="0"/>
+              <a:t> </a:t>
+            </a:r>
+          </a:p>
+        </p:txBody>
+      </p:sp>
     </p:spTree>
     <p:extLst>
       <p:ext uri="{BB962C8B-B14F-4D97-AF65-F5344CB8AC3E}">
@@ -5789,8 +6301,8 @@
           </a:fontRef>
         </p:style>
       </p:cxnSp>
-      <mc:AlternateContent xmlns:mc="http://schemas.openxmlformats.org/markup-compatibility/2006">
-        <mc:Choice xmlns:a14="http://schemas.microsoft.com/office/drawing/2010/main" Requires="a14">
+      <mc:AlternateContent xmlns:mc="http://schemas.openxmlformats.org/markup-compatibility/2006" xmlns:a14="http://schemas.microsoft.com/office/drawing/2010/main">
+        <mc:Choice Requires="a14">
           <p:sp>
             <p:nvSpPr>
               <p:cNvPr id="47" name="TextBox 46">
@@ -5819,6 +6331,7 @@
               </a:bodyPr>
               <a:lstStyle/>
               <a:p>
+                <a:pPr/>
                 <a14:m>
                   <m:oMathPara xmlns:m="http://schemas.openxmlformats.org/officeDocument/2006/math">
                     <m:oMathParaPr>
@@ -5851,7 +6364,7 @@
             </p:txBody>
           </p:sp>
         </mc:Choice>
-        <mc:Fallback>
+        <mc:Fallback xmlns="">
           <p:sp>
             <p:nvSpPr>
               <p:cNvPr id="47" name="TextBox 46">
@@ -7976,7 +8489,7 @@
         <p:spPr>
           <a:xfrm>
             <a:off x="1392228" y="1546569"/>
-            <a:ext cx="1277667" cy="408127"/>
+            <a:ext cx="1972476" cy="600282"/>
           </a:xfrm>
           <a:prstGeom prst="rect">
             <a:avLst/>
@@ -8018,6 +8531,17 @@
               <a:t>Régulateur</a:t>
             </a:r>
           </a:p>
+          <a:p>
+            <a:pPr algn="ctr"/>
+            <a:r>
+              <a:rPr lang="fr-FR" dirty="0">
+                <a:solidFill>
+                  <a:schemeClr val="tx1"/>
+                </a:solidFill>
+              </a:rPr>
+              <a:t>(à découplage)</a:t>
+            </a:r>
+          </a:p>
         </p:txBody>
       </p:sp>
       <p:cxnSp>
@@ -8037,8 +8561,8 @@
         </p:nvCxnSpPr>
         <p:spPr>
           <a:xfrm rot="10800000" flipV="1">
-            <a:off x="2031062" y="952499"/>
-            <a:ext cx="1801922" cy="594069"/>
+            <a:off x="2378466" y="952491"/>
+            <a:ext cx="1454518" cy="594077"/>
           </a:xfrm>
           <a:prstGeom prst="bentConnector2">
             <a:avLst/>
@@ -8075,14 +8599,15 @@
             </a:extLst>
           </p:cNvPr>
           <p:cNvCxnSpPr>
+            <a:cxnSpLocks/>
             <a:stCxn id="142" idx="2"/>
           </p:cNvCxnSpPr>
           <p:nvPr/>
         </p:nvCxnSpPr>
         <p:spPr>
           <a:xfrm rot="5400000">
-            <a:off x="1461869" y="2302469"/>
-            <a:ext cx="916967" cy="221420"/>
+            <a:off x="1731652" y="2224847"/>
+            <a:ext cx="724811" cy="568819"/>
           </a:xfrm>
           <a:prstGeom prst="bentConnector3">
             <a:avLst/>
@@ -8586,7 +9111,220 @@
           <a:p>
             <a:r>
               <a:rPr lang="fr-FR" b="1" dirty="0"/>
-              <a:t>7,4V</a:t>
+              <a:t>7,4 V</a:t>
+            </a:r>
+          </a:p>
+        </p:txBody>
+      </p:sp>
+      <p:sp>
+        <p:nvSpPr>
+          <p:cNvPr id="15" name="TextBox 14">
+            <a:extLst>
+              <a:ext uri="{FF2B5EF4-FFF2-40B4-BE49-F238E27FC236}">
+                <a16:creationId xmlns:a16="http://schemas.microsoft.com/office/drawing/2014/main" id="{B9C94D83-4388-842A-9DE1-9EE011A3D2D2}"/>
+              </a:ext>
+            </a:extLst>
+          </p:cNvPr>
+          <p:cNvSpPr txBox="1"/>
+          <p:nvPr/>
+        </p:nvSpPr>
+        <p:spPr>
+          <a:xfrm>
+            <a:off x="554345" y="2520926"/>
+            <a:ext cx="1339152" cy="369332"/>
+          </a:xfrm>
+          <a:prstGeom prst="rect">
+            <a:avLst/>
+          </a:prstGeom>
+          <a:noFill/>
+        </p:spPr>
+        <p:txBody>
+          <a:bodyPr wrap="square" rtlCol="0">
+            <a:spAutoFit/>
+          </a:bodyPr>
+          <a:lstStyle/>
+          <a:p>
+            <a:r>
+              <a:rPr lang="fr-FR" b="1" dirty="0"/>
+              <a:t>3,3 V/ 4 mA</a:t>
+            </a:r>
+          </a:p>
+        </p:txBody>
+      </p:sp>
+      <p:sp>
+        <p:nvSpPr>
+          <p:cNvPr id="16" name="TextBox 15">
+            <a:extLst>
+              <a:ext uri="{FF2B5EF4-FFF2-40B4-BE49-F238E27FC236}">
+                <a16:creationId xmlns:a16="http://schemas.microsoft.com/office/drawing/2014/main" id="{5825B338-CE81-B41B-58AB-ED0D4917E649}"/>
+              </a:ext>
+            </a:extLst>
+          </p:cNvPr>
+          <p:cNvSpPr txBox="1"/>
+          <p:nvPr/>
+        </p:nvSpPr>
+        <p:spPr>
+          <a:xfrm>
+            <a:off x="4112889" y="2181304"/>
+            <a:ext cx="1800742" cy="369332"/>
+          </a:xfrm>
+          <a:prstGeom prst="rect">
+            <a:avLst/>
+          </a:prstGeom>
+          <a:noFill/>
+        </p:spPr>
+        <p:txBody>
+          <a:bodyPr wrap="square" rtlCol="0">
+            <a:spAutoFit/>
+          </a:bodyPr>
+          <a:lstStyle/>
+          <a:p>
+            <a:r>
+              <a:rPr lang="fr-FR" b="1" dirty="0"/>
+              <a:t>3,6 V / 100 mA</a:t>
+            </a:r>
+          </a:p>
+        </p:txBody>
+      </p:sp>
+      <p:sp>
+        <p:nvSpPr>
+          <p:cNvPr id="3" name="TextBox 2">
+            <a:extLst>
+              <a:ext uri="{FF2B5EF4-FFF2-40B4-BE49-F238E27FC236}">
+                <a16:creationId xmlns:a16="http://schemas.microsoft.com/office/drawing/2014/main" id="{17DFF246-B3FC-8BF6-65E7-85880B328083}"/>
+              </a:ext>
+            </a:extLst>
+          </p:cNvPr>
+          <p:cNvSpPr txBox="1"/>
+          <p:nvPr/>
+        </p:nvSpPr>
+        <p:spPr>
+          <a:xfrm>
+            <a:off x="9400758" y="2003274"/>
+            <a:ext cx="1014562" cy="369332"/>
+          </a:xfrm>
+          <a:prstGeom prst="rect">
+            <a:avLst/>
+          </a:prstGeom>
+          <a:noFill/>
+        </p:spPr>
+        <p:txBody>
+          <a:bodyPr wrap="square" rtlCol="0">
+            <a:spAutoFit/>
+          </a:bodyPr>
+          <a:lstStyle/>
+          <a:p>
+            <a:r>
+              <a:rPr lang="fr-FR" b="1" dirty="0"/>
+              <a:t>8 V /3 A</a:t>
+            </a:r>
+          </a:p>
+        </p:txBody>
+      </p:sp>
+      <p:sp>
+        <p:nvSpPr>
+          <p:cNvPr id="2" name="TextBox 1">
+            <a:extLst>
+              <a:ext uri="{FF2B5EF4-FFF2-40B4-BE49-F238E27FC236}">
+                <a16:creationId xmlns:a16="http://schemas.microsoft.com/office/drawing/2014/main" id="{A6902569-1EFE-4A16-51E2-D808414FD433}"/>
+              </a:ext>
+            </a:extLst>
+          </p:cNvPr>
+          <p:cNvSpPr txBox="1"/>
+          <p:nvPr/>
+        </p:nvSpPr>
+        <p:spPr>
+          <a:xfrm>
+            <a:off x="9931048" y="3271825"/>
+            <a:ext cx="1457329" cy="646331"/>
+          </a:xfrm>
+          <a:prstGeom prst="rect">
+            <a:avLst/>
+          </a:prstGeom>
+          <a:noFill/>
+        </p:spPr>
+        <p:txBody>
+          <a:bodyPr wrap="square" rtlCol="0">
+            <a:spAutoFit/>
+          </a:bodyPr>
+          <a:lstStyle/>
+          <a:p>
+            <a:pPr algn="ctr"/>
+            <a:r>
+              <a:rPr lang="fr-FR" dirty="0"/>
+              <a:t>Ampli de courant</a:t>
+            </a:r>
+          </a:p>
+        </p:txBody>
+      </p:sp>
+      <p:sp>
+        <p:nvSpPr>
+          <p:cNvPr id="12" name="TextBox 11">
+            <a:extLst>
+              <a:ext uri="{FF2B5EF4-FFF2-40B4-BE49-F238E27FC236}">
+                <a16:creationId xmlns:a16="http://schemas.microsoft.com/office/drawing/2014/main" id="{32CE7676-84F1-B215-E56F-2DCB7EDDA0D3}"/>
+              </a:ext>
+            </a:extLst>
+          </p:cNvPr>
+          <p:cNvSpPr txBox="1"/>
+          <p:nvPr/>
+        </p:nvSpPr>
+        <p:spPr>
+          <a:xfrm>
+            <a:off x="6955810" y="2306039"/>
+            <a:ext cx="1457329" cy="369332"/>
+          </a:xfrm>
+          <a:prstGeom prst="rect">
+            <a:avLst/>
+          </a:prstGeom>
+          <a:noFill/>
+        </p:spPr>
+        <p:txBody>
+          <a:bodyPr wrap="square" rtlCol="0">
+            <a:spAutoFit/>
+          </a:bodyPr>
+          <a:lstStyle/>
+          <a:p>
+            <a:pPr algn="ctr"/>
+            <a:r>
+              <a:rPr lang="fr-FR" dirty="0"/>
+              <a:t>Diode</a:t>
+            </a:r>
+          </a:p>
+        </p:txBody>
+      </p:sp>
+      <p:sp>
+        <p:nvSpPr>
+          <p:cNvPr id="14" name="TextBox 13">
+            <a:extLst>
+              <a:ext uri="{FF2B5EF4-FFF2-40B4-BE49-F238E27FC236}">
+                <a16:creationId xmlns:a16="http://schemas.microsoft.com/office/drawing/2014/main" id="{7D28A143-A11C-6662-0BF1-01E47FC64114}"/>
+              </a:ext>
+            </a:extLst>
+          </p:cNvPr>
+          <p:cNvSpPr txBox="1"/>
+          <p:nvPr/>
+        </p:nvSpPr>
+        <p:spPr>
+          <a:xfrm>
+            <a:off x="9115834" y="4612149"/>
+            <a:ext cx="1457329" cy="369332"/>
+          </a:xfrm>
+          <a:prstGeom prst="rect">
+            <a:avLst/>
+          </a:prstGeom>
+          <a:noFill/>
+        </p:spPr>
+        <p:txBody>
+          <a:bodyPr wrap="square" rtlCol="0">
+            <a:spAutoFit/>
+          </a:bodyPr>
+          <a:lstStyle/>
+          <a:p>
+            <a:pPr algn="ctr"/>
+            <a:r>
+              <a:rPr lang="fr-FR" dirty="0"/>
+              <a:t>MOFSET</a:t>
             </a:r>
           </a:p>
         </p:txBody>

--- a/PCB_diagramme.pptx
+++ b/PCB_diagramme.pptx
@@ -1,21 +1,121 @@
 
 <file path=ppt/presentation.xml><?xml version="1.0" encoding="utf-8"?>
-<p:presentation xmlns:a="http://schemas.openxmlformats.org/drawingml/2006/main" xmlns:p="http://schemas.openxmlformats.org/presentationml/2006/main" xmlns:r="http://schemas.openxmlformats.org/officeDocument/2006/relationships" xmlns:p14="http://schemas.microsoft.com/office/powerpoint/2010/main" xmlns:p15="http://schemas.microsoft.com/office/powerpoint/2012/main" xmlns:mc="http://schemas.openxmlformats.org/markup-compatibility/2006">
+<p:presentation xmlns:a="http://schemas.openxmlformats.org/drawingml/2006/main" xmlns:r="http://schemas.openxmlformats.org/officeDocument/2006/relationships" xmlns:p="http://schemas.openxmlformats.org/presentationml/2006/main">
   <p:sldMasterIdLst>
-    <p:sldMasterId id="2147483648" r:id="rId2"/>
-    <p:sldMasterId id="2147483661" r:id="rId3"/>
+    <p:sldMasterId id="2147483648" r:id="rId1"/>
+    <p:sldMasterId id="2147483661" r:id="rId2"/>
   </p:sldMasterIdLst>
   <p:sldIdLst>
-    <p:sldId id="256" r:id="rId4"/>
-    <p:sldId id="257" r:id="rId5"/>
+    <p:sldId id="256" r:id="rId3"/>
+    <p:sldId id="257" r:id="rId4"/>
   </p:sldIdLst>
   <p:sldSz cx="12192000" cy="6858000"/>
   <p:notesSz cx="7559675" cy="10691813"/>
+  <p:defaultTextStyle>
+    <a:defPPr>
+      <a:defRPr lang="fr-FR"/>
+    </a:defPPr>
+    <a:lvl1pPr marL="0" algn="l" defTabSz="914400" rtl="0" eaLnBrk="1" latinLnBrk="0" hangingPunct="1">
+      <a:defRPr sz="1800" kern="1200">
+        <a:solidFill>
+          <a:schemeClr val="tx1"/>
+        </a:solidFill>
+        <a:latin typeface="+mn-lt"/>
+        <a:ea typeface="+mn-ea"/>
+        <a:cs typeface="+mn-cs"/>
+      </a:defRPr>
+    </a:lvl1pPr>
+    <a:lvl2pPr marL="457200" algn="l" defTabSz="914400" rtl="0" eaLnBrk="1" latinLnBrk="0" hangingPunct="1">
+      <a:defRPr sz="1800" kern="1200">
+        <a:solidFill>
+          <a:schemeClr val="tx1"/>
+        </a:solidFill>
+        <a:latin typeface="+mn-lt"/>
+        <a:ea typeface="+mn-ea"/>
+        <a:cs typeface="+mn-cs"/>
+      </a:defRPr>
+    </a:lvl2pPr>
+    <a:lvl3pPr marL="914400" algn="l" defTabSz="914400" rtl="0" eaLnBrk="1" latinLnBrk="0" hangingPunct="1">
+      <a:defRPr sz="1800" kern="1200">
+        <a:solidFill>
+          <a:schemeClr val="tx1"/>
+        </a:solidFill>
+        <a:latin typeface="+mn-lt"/>
+        <a:ea typeface="+mn-ea"/>
+        <a:cs typeface="+mn-cs"/>
+      </a:defRPr>
+    </a:lvl3pPr>
+    <a:lvl4pPr marL="1371600" algn="l" defTabSz="914400" rtl="0" eaLnBrk="1" latinLnBrk="0" hangingPunct="1">
+      <a:defRPr sz="1800" kern="1200">
+        <a:solidFill>
+          <a:schemeClr val="tx1"/>
+        </a:solidFill>
+        <a:latin typeface="+mn-lt"/>
+        <a:ea typeface="+mn-ea"/>
+        <a:cs typeface="+mn-cs"/>
+      </a:defRPr>
+    </a:lvl4pPr>
+    <a:lvl5pPr marL="1828800" algn="l" defTabSz="914400" rtl="0" eaLnBrk="1" latinLnBrk="0" hangingPunct="1">
+      <a:defRPr sz="1800" kern="1200">
+        <a:solidFill>
+          <a:schemeClr val="tx1"/>
+        </a:solidFill>
+        <a:latin typeface="+mn-lt"/>
+        <a:ea typeface="+mn-ea"/>
+        <a:cs typeface="+mn-cs"/>
+      </a:defRPr>
+    </a:lvl5pPr>
+    <a:lvl6pPr marL="2286000" algn="l" defTabSz="914400" rtl="0" eaLnBrk="1" latinLnBrk="0" hangingPunct="1">
+      <a:defRPr sz="1800" kern="1200">
+        <a:solidFill>
+          <a:schemeClr val="tx1"/>
+        </a:solidFill>
+        <a:latin typeface="+mn-lt"/>
+        <a:ea typeface="+mn-ea"/>
+        <a:cs typeface="+mn-cs"/>
+      </a:defRPr>
+    </a:lvl6pPr>
+    <a:lvl7pPr marL="2743200" algn="l" defTabSz="914400" rtl="0" eaLnBrk="1" latinLnBrk="0" hangingPunct="1">
+      <a:defRPr sz="1800" kern="1200">
+        <a:solidFill>
+          <a:schemeClr val="tx1"/>
+        </a:solidFill>
+        <a:latin typeface="+mn-lt"/>
+        <a:ea typeface="+mn-ea"/>
+        <a:cs typeface="+mn-cs"/>
+      </a:defRPr>
+    </a:lvl7pPr>
+    <a:lvl8pPr marL="3200400" algn="l" defTabSz="914400" rtl="0" eaLnBrk="1" latinLnBrk="0" hangingPunct="1">
+      <a:defRPr sz="1800" kern="1200">
+        <a:solidFill>
+          <a:schemeClr val="tx1"/>
+        </a:solidFill>
+        <a:latin typeface="+mn-lt"/>
+        <a:ea typeface="+mn-ea"/>
+        <a:cs typeface="+mn-cs"/>
+      </a:defRPr>
+    </a:lvl8pPr>
+    <a:lvl9pPr marL="3657600" algn="l" defTabSz="914400" rtl="0" eaLnBrk="1" latinLnBrk="0" hangingPunct="1">
+      <a:defRPr sz="1800" kern="1200">
+        <a:solidFill>
+          <a:schemeClr val="tx1"/>
+        </a:solidFill>
+        <a:latin typeface="+mn-lt"/>
+        <a:ea typeface="+mn-ea"/>
+        <a:cs typeface="+mn-cs"/>
+      </a:defRPr>
+    </a:lvl9pPr>
+  </p:defaultTextStyle>
+  <p:extLst>
+    <p:ext uri="{EFAFB233-063F-42B5-8137-9DF3F51BA10A}">
+      <p15:sldGuideLst xmlns:p15="http://schemas.microsoft.com/office/powerpoint/2012/main"/>
+    </p:ext>
+  </p:extLst>
 </p:presentation>
 </file>
 
 <file path=ppt/slideLayouts/slideLayout1.xml><?xml version="1.0" encoding="utf-8"?>
-<p:sldLayout xmlns:a="http://schemas.openxmlformats.org/drawingml/2006/main" xmlns:p="http://schemas.openxmlformats.org/presentationml/2006/main" xmlns:r="http://schemas.openxmlformats.org/officeDocument/2006/relationships" xmlns:p14="http://schemas.microsoft.com/office/powerpoint/2010/main" xmlns:p15="http://schemas.microsoft.com/office/powerpoint/2012/main" xmlns:mc="http://schemas.openxmlformats.org/markup-compatibility/2006" type="blank" preserve="1">
+<p:sldLayout xmlns:a="http://schemas.openxmlformats.org/drawingml/2006/main" xmlns:r="http://schemas.openxmlformats.org/officeDocument/2006/relationships" xmlns:p="http://schemas.openxmlformats.org/presentationml/2006/main" type="blank" preserve="1">
   <p:cSld name="Blank Slide">
     <p:spTree>
       <p:nvGrpSpPr>
@@ -44,6 +144,7 @@
         <p:spPr/>
         <p:txBody>
           <a:bodyPr/>
+          <a:lstStyle/>
           <a:p>
             <a:r>
               <a:t>Footer</a:t>
@@ -64,10 +165,12 @@
         <p:spPr/>
         <p:txBody>
           <a:bodyPr/>
+          <a:lstStyle/>
           <a:p>
             <a:fld id="{638A57FC-E71B-4535-8442-9C07A6396E3B}" type="slidenum">
-              <a:t>&lt;#&gt;</a:t>
+              <a:t>‹N°›</a:t>
             </a:fld>
+            <a:endParaRPr/>
           </a:p>
         </p:txBody>
       </p:sp>
@@ -84,21 +187,22 @@
         <p:spPr/>
         <p:txBody>
           <a:bodyPr/>
-          <a:p>
-            <a:r>
-              <a:rPr lang="en-US"/>
-              <a:t/>
-            </a:r>
+          <a:lstStyle/>
+          <a:p>
+            <a:endParaRPr/>
           </a:p>
         </p:txBody>
       </p:sp>
     </p:spTree>
   </p:cSld>
+  <p:clrMapOvr>
+    <a:masterClrMapping/>
+  </p:clrMapOvr>
 </p:sldLayout>
 </file>
 
 <file path=ppt/slideLayouts/slideLayout10.xml><?xml version="1.0" encoding="utf-8"?>
-<p:sldLayout xmlns:a="http://schemas.openxmlformats.org/drawingml/2006/main" xmlns:p="http://schemas.openxmlformats.org/presentationml/2006/main" xmlns:r="http://schemas.openxmlformats.org/officeDocument/2006/relationships" xmlns:p14="http://schemas.microsoft.com/office/powerpoint/2010/main" xmlns:p15="http://schemas.microsoft.com/office/powerpoint/2012/main" xmlns:mc="http://schemas.openxmlformats.org/markup-compatibility/2006" type="objOverTx" preserve="1">
+<p:sldLayout xmlns:a="http://schemas.openxmlformats.org/drawingml/2006/main" xmlns:r="http://schemas.openxmlformats.org/officeDocument/2006/relationships" xmlns:p="http://schemas.openxmlformats.org/presentationml/2006/main" type="objOverTx" preserve="1">
   <p:cSld name="Title, Content over Content">
     <p:spTree>
       <p:nvGrpSpPr>
@@ -138,11 +242,12 @@
           </a:ln>
         </p:spPr>
         <p:txBody>
-          <a:bodyPr lIns="0" rIns="0" tIns="0" bIns="0" anchor="ctr">
+          <a:bodyPr lIns="0" tIns="0" rIns="0" bIns="0" anchor="ctr">
             <a:noAutofit/>
           </a:bodyPr>
-          <a:p>
-            <a:endParaRPr b="0" lang="fr-FR" sz="1800" spc="-1" strike="noStrike">
+          <a:lstStyle/>
+          <a:p>
+            <a:endParaRPr lang="fr-FR" sz="1800" b="0" strike="noStrike" spc="-1">
               <a:solidFill>
                 <a:srgbClr val="000000"/>
               </a:solidFill>
@@ -175,9 +280,10 @@
           </a:ln>
         </p:spPr>
         <p:txBody>
-          <a:bodyPr lIns="0" rIns="0" tIns="0" bIns="0" anchor="t">
+          <a:bodyPr lIns="0" tIns="0" rIns="0" bIns="0" anchor="t">
             <a:normAutofit/>
           </a:bodyPr>
+          <a:lstStyle/>
           <a:p>
             <a:pPr>
               <a:lnSpc>
@@ -188,7 +294,7 @@
               </a:spcBef>
               <a:buNone/>
             </a:pPr>
-            <a:endParaRPr b="0" lang="fr-FR" sz="2800" spc="-1" strike="noStrike">
+            <a:endParaRPr lang="fr-FR" sz="2800" b="0" strike="noStrike" spc="-1">
               <a:solidFill>
                 <a:srgbClr val="000000"/>
               </a:solidFill>
@@ -221,9 +327,10 @@
           </a:ln>
         </p:spPr>
         <p:txBody>
-          <a:bodyPr lIns="0" rIns="0" tIns="0" bIns="0" anchor="t">
+          <a:bodyPr lIns="0" tIns="0" rIns="0" bIns="0" anchor="t">
             <a:normAutofit/>
           </a:bodyPr>
+          <a:lstStyle/>
           <a:p>
             <a:pPr>
               <a:lnSpc>
@@ -234,7 +341,7 @@
               </a:spcBef>
               <a:buNone/>
             </a:pPr>
-            <a:endParaRPr b="0" lang="fr-FR" sz="2800" spc="-1" strike="noStrike">
+            <a:endParaRPr lang="fr-FR" sz="2800" b="0" strike="noStrike" spc="-1">
               <a:solidFill>
                 <a:srgbClr val="000000"/>
               </a:solidFill>
@@ -256,6 +363,7 @@
         <p:spPr/>
         <p:txBody>
           <a:bodyPr/>
+          <a:lstStyle/>
           <a:p>
             <a:r>
               <a:t>Footer</a:t>
@@ -276,10 +384,12 @@
         <p:spPr/>
         <p:txBody>
           <a:bodyPr/>
+          <a:lstStyle/>
           <a:p>
             <a:fld id="{D8D546A7-2D36-4E89-84F6-1BB86CE289E3}" type="slidenum">
-              <a:t>&lt;#&gt;</a:t>
+              <a:t>‹N°›</a:t>
             </a:fld>
+            <a:endParaRPr/>
           </a:p>
         </p:txBody>
       </p:sp>
@@ -296,21 +406,22 @@
         <p:spPr/>
         <p:txBody>
           <a:bodyPr/>
-          <a:p>
-            <a:r>
-              <a:rPr lang="en-US"/>
-              <a:t/>
-            </a:r>
+          <a:lstStyle/>
+          <a:p>
+            <a:endParaRPr/>
           </a:p>
         </p:txBody>
       </p:sp>
     </p:spTree>
   </p:cSld>
+  <p:clrMapOvr>
+    <a:masterClrMapping/>
+  </p:clrMapOvr>
 </p:sldLayout>
 </file>
 
 <file path=ppt/slideLayouts/slideLayout11.xml><?xml version="1.0" encoding="utf-8"?>
-<p:sldLayout xmlns:a="http://schemas.openxmlformats.org/drawingml/2006/main" xmlns:p="http://schemas.openxmlformats.org/presentationml/2006/main" xmlns:r="http://schemas.openxmlformats.org/officeDocument/2006/relationships" xmlns:p14="http://schemas.microsoft.com/office/powerpoint/2010/main" xmlns:p15="http://schemas.microsoft.com/office/powerpoint/2012/main" xmlns:mc="http://schemas.openxmlformats.org/markup-compatibility/2006" type="fourObj" preserve="1">
+<p:sldLayout xmlns:a="http://schemas.openxmlformats.org/drawingml/2006/main" xmlns:r="http://schemas.openxmlformats.org/officeDocument/2006/relationships" xmlns:p="http://schemas.openxmlformats.org/presentationml/2006/main" type="fourObj" preserve="1">
   <p:cSld name="Title, 4 Content">
     <p:spTree>
       <p:nvGrpSpPr>
@@ -350,11 +461,12 @@
           </a:ln>
         </p:spPr>
         <p:txBody>
-          <a:bodyPr lIns="0" rIns="0" tIns="0" bIns="0" anchor="ctr">
+          <a:bodyPr lIns="0" tIns="0" rIns="0" bIns="0" anchor="ctr">
             <a:noAutofit/>
           </a:bodyPr>
-          <a:p>
-            <a:endParaRPr b="0" lang="fr-FR" sz="1800" spc="-1" strike="noStrike">
+          <a:lstStyle/>
+          <a:p>
+            <a:endParaRPr lang="fr-FR" sz="1800" b="0" strike="noStrike" spc="-1">
               <a:solidFill>
                 <a:srgbClr val="000000"/>
               </a:solidFill>
@@ -387,9 +499,10 @@
           </a:ln>
         </p:spPr>
         <p:txBody>
-          <a:bodyPr lIns="0" rIns="0" tIns="0" bIns="0" anchor="t">
+          <a:bodyPr lIns="0" tIns="0" rIns="0" bIns="0" anchor="t">
             <a:normAutofit/>
           </a:bodyPr>
+          <a:lstStyle/>
           <a:p>
             <a:pPr>
               <a:lnSpc>
@@ -400,7 +513,7 @@
               </a:spcBef>
               <a:buNone/>
             </a:pPr>
-            <a:endParaRPr b="0" lang="fr-FR" sz="2800" spc="-1" strike="noStrike">
+            <a:endParaRPr lang="fr-FR" sz="2800" b="0" strike="noStrike" spc="-1">
               <a:solidFill>
                 <a:srgbClr val="000000"/>
               </a:solidFill>
@@ -433,9 +546,10 @@
           </a:ln>
         </p:spPr>
         <p:txBody>
-          <a:bodyPr lIns="0" rIns="0" tIns="0" bIns="0" anchor="t">
+          <a:bodyPr lIns="0" tIns="0" rIns="0" bIns="0" anchor="t">
             <a:normAutofit/>
           </a:bodyPr>
+          <a:lstStyle/>
           <a:p>
             <a:pPr>
               <a:lnSpc>
@@ -446,7 +560,7 @@
               </a:spcBef>
               <a:buNone/>
             </a:pPr>
-            <a:endParaRPr b="0" lang="fr-FR" sz="2800" spc="-1" strike="noStrike">
+            <a:endParaRPr lang="fr-FR" sz="2800" b="0" strike="noStrike" spc="-1">
               <a:solidFill>
                 <a:srgbClr val="000000"/>
               </a:solidFill>
@@ -479,9 +593,10 @@
           </a:ln>
         </p:spPr>
         <p:txBody>
-          <a:bodyPr lIns="0" rIns="0" tIns="0" bIns="0" anchor="t">
+          <a:bodyPr lIns="0" tIns="0" rIns="0" bIns="0" anchor="t">
             <a:normAutofit/>
           </a:bodyPr>
+          <a:lstStyle/>
           <a:p>
             <a:pPr>
               <a:lnSpc>
@@ -492,7 +607,7 @@
               </a:spcBef>
               <a:buNone/>
             </a:pPr>
-            <a:endParaRPr b="0" lang="fr-FR" sz="2800" spc="-1" strike="noStrike">
+            <a:endParaRPr lang="fr-FR" sz="2800" b="0" strike="noStrike" spc="-1">
               <a:solidFill>
                 <a:srgbClr val="000000"/>
               </a:solidFill>
@@ -525,9 +640,10 @@
           </a:ln>
         </p:spPr>
         <p:txBody>
-          <a:bodyPr lIns="0" rIns="0" tIns="0" bIns="0" anchor="t">
+          <a:bodyPr lIns="0" tIns="0" rIns="0" bIns="0" anchor="t">
             <a:normAutofit/>
           </a:bodyPr>
+          <a:lstStyle/>
           <a:p>
             <a:pPr>
               <a:lnSpc>
@@ -538,7 +654,7 @@
               </a:spcBef>
               <a:buNone/>
             </a:pPr>
-            <a:endParaRPr b="0" lang="fr-FR" sz="2800" spc="-1" strike="noStrike">
+            <a:endParaRPr lang="fr-FR" sz="2800" b="0" strike="noStrike" spc="-1">
               <a:solidFill>
                 <a:srgbClr val="000000"/>
               </a:solidFill>
@@ -560,6 +676,7 @@
         <p:spPr/>
         <p:txBody>
           <a:bodyPr/>
+          <a:lstStyle/>
           <a:p>
             <a:r>
               <a:t>Footer</a:t>
@@ -580,10 +697,12 @@
         <p:spPr/>
         <p:txBody>
           <a:bodyPr/>
+          <a:lstStyle/>
           <a:p>
             <a:fld id="{B5700210-E28A-462A-A73E-A9342603649D}" type="slidenum">
-              <a:t>&lt;#&gt;</a:t>
+              <a:t>‹N°›</a:t>
             </a:fld>
+            <a:endParaRPr/>
           </a:p>
         </p:txBody>
       </p:sp>
@@ -600,21 +719,22 @@
         <p:spPr/>
         <p:txBody>
           <a:bodyPr/>
-          <a:p>
-            <a:r>
-              <a:rPr lang="en-US"/>
-              <a:t/>
-            </a:r>
+          <a:lstStyle/>
+          <a:p>
+            <a:endParaRPr/>
           </a:p>
         </p:txBody>
       </p:sp>
     </p:spTree>
   </p:cSld>
+  <p:clrMapOvr>
+    <a:masterClrMapping/>
+  </p:clrMapOvr>
 </p:sldLayout>
 </file>
 
 <file path=ppt/slideLayouts/slideLayout12.xml><?xml version="1.0" encoding="utf-8"?>
-<p:sldLayout xmlns:a="http://schemas.openxmlformats.org/drawingml/2006/main" xmlns:p="http://schemas.openxmlformats.org/presentationml/2006/main" xmlns:r="http://schemas.openxmlformats.org/officeDocument/2006/relationships" xmlns:p14="http://schemas.microsoft.com/office/powerpoint/2010/main" xmlns:p15="http://schemas.microsoft.com/office/powerpoint/2012/main" xmlns:mc="http://schemas.openxmlformats.org/markup-compatibility/2006" type="blank" preserve="1">
+<p:sldLayout xmlns:a="http://schemas.openxmlformats.org/drawingml/2006/main" xmlns:r="http://schemas.openxmlformats.org/officeDocument/2006/relationships" xmlns:p="http://schemas.openxmlformats.org/presentationml/2006/main" type="blank" preserve="1">
   <p:cSld name="Title, 6 Content">
     <p:spTree>
       <p:nvGrpSpPr>
@@ -654,11 +774,12 @@
           </a:ln>
         </p:spPr>
         <p:txBody>
-          <a:bodyPr lIns="0" rIns="0" tIns="0" bIns="0" anchor="ctr">
+          <a:bodyPr lIns="0" tIns="0" rIns="0" bIns="0" anchor="ctr">
             <a:noAutofit/>
           </a:bodyPr>
-          <a:p>
-            <a:endParaRPr b="0" lang="fr-FR" sz="1800" spc="-1" strike="noStrike">
+          <a:lstStyle/>
+          <a:p>
+            <a:endParaRPr lang="fr-FR" sz="1800" b="0" strike="noStrike" spc="-1">
               <a:solidFill>
                 <a:srgbClr val="000000"/>
               </a:solidFill>
@@ -691,9 +812,10 @@
           </a:ln>
         </p:spPr>
         <p:txBody>
-          <a:bodyPr lIns="0" rIns="0" tIns="0" bIns="0" anchor="t">
+          <a:bodyPr lIns="0" tIns="0" rIns="0" bIns="0" anchor="t">
             <a:normAutofit/>
           </a:bodyPr>
+          <a:lstStyle/>
           <a:p>
             <a:pPr>
               <a:lnSpc>
@@ -704,7 +826,7 @@
               </a:spcBef>
               <a:buNone/>
             </a:pPr>
-            <a:endParaRPr b="0" lang="fr-FR" sz="2800" spc="-1" strike="noStrike">
+            <a:endParaRPr lang="fr-FR" sz="2800" b="0" strike="noStrike" spc="-1">
               <a:solidFill>
                 <a:srgbClr val="000000"/>
               </a:solidFill>
@@ -737,9 +859,10 @@
           </a:ln>
         </p:spPr>
         <p:txBody>
-          <a:bodyPr lIns="0" rIns="0" tIns="0" bIns="0" anchor="t">
+          <a:bodyPr lIns="0" tIns="0" rIns="0" bIns="0" anchor="t">
             <a:normAutofit/>
           </a:bodyPr>
+          <a:lstStyle/>
           <a:p>
             <a:pPr>
               <a:lnSpc>
@@ -750,7 +873,7 @@
               </a:spcBef>
               <a:buNone/>
             </a:pPr>
-            <a:endParaRPr b="0" lang="fr-FR" sz="2800" spc="-1" strike="noStrike">
+            <a:endParaRPr lang="fr-FR" sz="2800" b="0" strike="noStrike" spc="-1">
               <a:solidFill>
                 <a:srgbClr val="000000"/>
               </a:solidFill>
@@ -783,9 +906,10 @@
           </a:ln>
         </p:spPr>
         <p:txBody>
-          <a:bodyPr lIns="0" rIns="0" tIns="0" bIns="0" anchor="t">
+          <a:bodyPr lIns="0" tIns="0" rIns="0" bIns="0" anchor="t">
             <a:normAutofit/>
           </a:bodyPr>
+          <a:lstStyle/>
           <a:p>
             <a:pPr>
               <a:lnSpc>
@@ -796,7 +920,7 @@
               </a:spcBef>
               <a:buNone/>
             </a:pPr>
-            <a:endParaRPr b="0" lang="fr-FR" sz="2800" spc="-1" strike="noStrike">
+            <a:endParaRPr lang="fr-FR" sz="2800" b="0" strike="noStrike" spc="-1">
               <a:solidFill>
                 <a:srgbClr val="000000"/>
               </a:solidFill>
@@ -829,9 +953,10 @@
           </a:ln>
         </p:spPr>
         <p:txBody>
-          <a:bodyPr lIns="0" rIns="0" tIns="0" bIns="0" anchor="t">
+          <a:bodyPr lIns="0" tIns="0" rIns="0" bIns="0" anchor="t">
             <a:normAutofit/>
           </a:bodyPr>
+          <a:lstStyle/>
           <a:p>
             <a:pPr>
               <a:lnSpc>
@@ -842,7 +967,7 @@
               </a:spcBef>
               <a:buNone/>
             </a:pPr>
-            <a:endParaRPr b="0" lang="fr-FR" sz="2800" spc="-1" strike="noStrike">
+            <a:endParaRPr lang="fr-FR" sz="2800" b="0" strike="noStrike" spc="-1">
               <a:solidFill>
                 <a:srgbClr val="000000"/>
               </a:solidFill>
@@ -875,9 +1000,10 @@
           </a:ln>
         </p:spPr>
         <p:txBody>
-          <a:bodyPr lIns="0" rIns="0" tIns="0" bIns="0" anchor="t">
+          <a:bodyPr lIns="0" tIns="0" rIns="0" bIns="0" anchor="t">
             <a:normAutofit/>
           </a:bodyPr>
+          <a:lstStyle/>
           <a:p>
             <a:pPr>
               <a:lnSpc>
@@ -888,7 +1014,7 @@
               </a:spcBef>
               <a:buNone/>
             </a:pPr>
-            <a:endParaRPr b="0" lang="fr-FR" sz="2800" spc="-1" strike="noStrike">
+            <a:endParaRPr lang="fr-FR" sz="2800" b="0" strike="noStrike" spc="-1">
               <a:solidFill>
                 <a:srgbClr val="000000"/>
               </a:solidFill>
@@ -921,9 +1047,10 @@
           </a:ln>
         </p:spPr>
         <p:txBody>
-          <a:bodyPr lIns="0" rIns="0" tIns="0" bIns="0" anchor="t">
+          <a:bodyPr lIns="0" tIns="0" rIns="0" bIns="0" anchor="t">
             <a:normAutofit/>
           </a:bodyPr>
+          <a:lstStyle/>
           <a:p>
             <a:pPr>
               <a:lnSpc>
@@ -934,7 +1061,7 @@
               </a:spcBef>
               <a:buNone/>
             </a:pPr>
-            <a:endParaRPr b="0" lang="fr-FR" sz="2800" spc="-1" strike="noStrike">
+            <a:endParaRPr lang="fr-FR" sz="2800" b="0" strike="noStrike" spc="-1">
               <a:solidFill>
                 <a:srgbClr val="000000"/>
               </a:solidFill>
@@ -956,6 +1083,7 @@
         <p:spPr/>
         <p:txBody>
           <a:bodyPr/>
+          <a:lstStyle/>
           <a:p>
             <a:r>
               <a:t>Footer</a:t>
@@ -976,10 +1104,12 @@
         <p:spPr/>
         <p:txBody>
           <a:bodyPr/>
+          <a:lstStyle/>
           <a:p>
             <a:fld id="{C9A15BB5-2707-448C-9326-23C75041F2CA}" type="slidenum">
-              <a:t>&lt;#&gt;</a:t>
+              <a:t>‹N°›</a:t>
             </a:fld>
+            <a:endParaRPr/>
           </a:p>
         </p:txBody>
       </p:sp>
@@ -996,21 +1126,22 @@
         <p:spPr/>
         <p:txBody>
           <a:bodyPr/>
-          <a:p>
-            <a:r>
-              <a:rPr lang="en-US"/>
-              <a:t/>
-            </a:r>
+          <a:lstStyle/>
+          <a:p>
+            <a:endParaRPr/>
           </a:p>
         </p:txBody>
       </p:sp>
     </p:spTree>
   </p:cSld>
+  <p:clrMapOvr>
+    <a:masterClrMapping/>
+  </p:clrMapOvr>
 </p:sldLayout>
 </file>
 
 <file path=ppt/slideLayouts/slideLayout13.xml><?xml version="1.0" encoding="utf-8"?>
-<p:sldLayout xmlns:a="http://schemas.openxmlformats.org/drawingml/2006/main" xmlns:p="http://schemas.openxmlformats.org/presentationml/2006/main" xmlns:r="http://schemas.openxmlformats.org/officeDocument/2006/relationships" xmlns:p14="http://schemas.microsoft.com/office/powerpoint/2010/main" xmlns:p15="http://schemas.microsoft.com/office/powerpoint/2012/main" xmlns:mc="http://schemas.openxmlformats.org/markup-compatibility/2006" type="blank" preserve="1">
+<p:sldLayout xmlns:a="http://schemas.openxmlformats.org/drawingml/2006/main" xmlns:r="http://schemas.openxmlformats.org/officeDocument/2006/relationships" xmlns:p="http://schemas.openxmlformats.org/presentationml/2006/main" type="blank" preserve="1">
   <p:cSld name="Blank Slide">
     <p:spTree>
       <p:nvGrpSpPr>
@@ -1039,6 +1170,7 @@
         <p:spPr/>
         <p:txBody>
           <a:bodyPr/>
+          <a:lstStyle/>
           <a:p>
             <a:r>
               <a:t>Footer</a:t>
@@ -1059,10 +1191,12 @@
         <p:spPr/>
         <p:txBody>
           <a:bodyPr/>
+          <a:lstStyle/>
           <a:p>
             <a:fld id="{7BE06107-3FED-487E-BBA9-DC7B5A6BDB70}" type="slidenum">
-              <a:t>&lt;#&gt;</a:t>
+              <a:t>‹N°›</a:t>
             </a:fld>
+            <a:endParaRPr/>
           </a:p>
         </p:txBody>
       </p:sp>
@@ -1079,21 +1213,22 @@
         <p:spPr/>
         <p:txBody>
           <a:bodyPr/>
-          <a:p>
-            <a:r>
-              <a:rPr lang="en-US"/>
-              <a:t/>
-            </a:r>
+          <a:lstStyle/>
+          <a:p>
+            <a:endParaRPr/>
           </a:p>
         </p:txBody>
       </p:sp>
     </p:spTree>
   </p:cSld>
+  <p:clrMapOvr>
+    <a:masterClrMapping/>
+  </p:clrMapOvr>
 </p:sldLayout>
 </file>
 
 <file path=ppt/slideLayouts/slideLayout14.xml><?xml version="1.0" encoding="utf-8"?>
-<p:sldLayout xmlns:a="http://schemas.openxmlformats.org/drawingml/2006/main" xmlns:p="http://schemas.openxmlformats.org/presentationml/2006/main" xmlns:r="http://schemas.openxmlformats.org/officeDocument/2006/relationships" xmlns:p14="http://schemas.microsoft.com/office/powerpoint/2010/main" xmlns:p15="http://schemas.microsoft.com/office/powerpoint/2012/main" xmlns:mc="http://schemas.openxmlformats.org/markup-compatibility/2006" type="tx" preserve="1">
+<p:sldLayout xmlns:a="http://schemas.openxmlformats.org/drawingml/2006/main" xmlns:r="http://schemas.openxmlformats.org/officeDocument/2006/relationships" xmlns:p="http://schemas.openxmlformats.org/presentationml/2006/main" type="tx" preserve="1">
   <p:cSld name="Title Slide">
     <p:spTree>
       <p:nvGrpSpPr>
@@ -1133,11 +1268,12 @@
           </a:ln>
         </p:spPr>
         <p:txBody>
-          <a:bodyPr lIns="0" rIns="0" tIns="0" bIns="0" anchor="ctr">
+          <a:bodyPr lIns="0" tIns="0" rIns="0" bIns="0" anchor="ctr">
             <a:noAutofit/>
           </a:bodyPr>
-          <a:p>
-            <a:endParaRPr b="0" lang="fr-FR" sz="1800" spc="-1" strike="noStrike">
+          <a:lstStyle/>
+          <a:p>
+            <a:endParaRPr lang="fr-FR" sz="1800" b="0" strike="noStrike" spc="-1">
               <a:solidFill>
                 <a:srgbClr val="000000"/>
               </a:solidFill>
@@ -1170,14 +1306,15 @@
           </a:ln>
         </p:spPr>
         <p:txBody>
-          <a:bodyPr lIns="0" rIns="0" tIns="0" bIns="0" anchor="ctr">
+          <a:bodyPr lIns="0" tIns="0" rIns="0" bIns="0" anchor="ctr">
             <a:noAutofit/>
           </a:bodyPr>
+          <a:lstStyle/>
           <a:p>
             <a:pPr algn="ctr">
               <a:buNone/>
             </a:pPr>
-            <a:endParaRPr b="0" lang="en-US" sz="3200" spc="-1" strike="noStrike">
+            <a:endParaRPr lang="en-US" sz="3200" b="0" strike="noStrike" spc="-1">
               <a:latin typeface="Arial"/>
             </a:endParaRPr>
           </a:p>
@@ -1196,6 +1333,7 @@
         <p:spPr/>
         <p:txBody>
           <a:bodyPr/>
+          <a:lstStyle/>
           <a:p>
             <a:r>
               <a:t>Footer</a:t>
@@ -1216,10 +1354,12 @@
         <p:spPr/>
         <p:txBody>
           <a:bodyPr/>
+          <a:lstStyle/>
           <a:p>
             <a:fld id="{E4331E47-D29C-4743-8CDB-C4A068D8A12D}" type="slidenum">
-              <a:t>&lt;#&gt;</a:t>
+              <a:t>‹N°›</a:t>
             </a:fld>
+            <a:endParaRPr/>
           </a:p>
         </p:txBody>
       </p:sp>
@@ -1236,21 +1376,22 @@
         <p:spPr/>
         <p:txBody>
           <a:bodyPr/>
-          <a:p>
-            <a:r>
-              <a:rPr lang="en-US"/>
-              <a:t/>
-            </a:r>
+          <a:lstStyle/>
+          <a:p>
+            <a:endParaRPr/>
           </a:p>
         </p:txBody>
       </p:sp>
     </p:spTree>
   </p:cSld>
+  <p:clrMapOvr>
+    <a:masterClrMapping/>
+  </p:clrMapOvr>
 </p:sldLayout>
 </file>
 
 <file path=ppt/slideLayouts/slideLayout15.xml><?xml version="1.0" encoding="utf-8"?>
-<p:sldLayout xmlns:a="http://schemas.openxmlformats.org/drawingml/2006/main" xmlns:p="http://schemas.openxmlformats.org/presentationml/2006/main" xmlns:r="http://schemas.openxmlformats.org/officeDocument/2006/relationships" xmlns:p14="http://schemas.microsoft.com/office/powerpoint/2010/main" xmlns:p15="http://schemas.microsoft.com/office/powerpoint/2012/main" xmlns:mc="http://schemas.openxmlformats.org/markup-compatibility/2006" type="obj" preserve="1">
+<p:sldLayout xmlns:a="http://schemas.openxmlformats.org/drawingml/2006/main" xmlns:r="http://schemas.openxmlformats.org/officeDocument/2006/relationships" xmlns:p="http://schemas.openxmlformats.org/presentationml/2006/main" type="obj" preserve="1">
   <p:cSld name="Title, Content">
     <p:spTree>
       <p:nvGrpSpPr>
@@ -1290,11 +1431,12 @@
           </a:ln>
         </p:spPr>
         <p:txBody>
-          <a:bodyPr lIns="0" rIns="0" tIns="0" bIns="0" anchor="ctr">
+          <a:bodyPr lIns="0" tIns="0" rIns="0" bIns="0" anchor="ctr">
             <a:noAutofit/>
           </a:bodyPr>
-          <a:p>
-            <a:endParaRPr b="0" lang="fr-FR" sz="1800" spc="-1" strike="noStrike">
+          <a:lstStyle/>
+          <a:p>
+            <a:endParaRPr lang="fr-FR" sz="1800" b="0" strike="noStrike" spc="-1">
               <a:solidFill>
                 <a:srgbClr val="000000"/>
               </a:solidFill>
@@ -1327,9 +1469,10 @@
           </a:ln>
         </p:spPr>
         <p:txBody>
-          <a:bodyPr lIns="0" rIns="0" tIns="0" bIns="0" anchor="t">
+          <a:bodyPr lIns="0" tIns="0" rIns="0" bIns="0" anchor="t">
             <a:normAutofit/>
           </a:bodyPr>
+          <a:lstStyle/>
           <a:p>
             <a:pPr>
               <a:lnSpc>
@@ -1340,7 +1483,7 @@
               </a:spcBef>
               <a:buNone/>
             </a:pPr>
-            <a:endParaRPr b="0" lang="fr-FR" sz="2800" spc="-1" strike="noStrike">
+            <a:endParaRPr lang="fr-FR" sz="2800" b="0" strike="noStrike" spc="-1">
               <a:solidFill>
                 <a:srgbClr val="000000"/>
               </a:solidFill>
@@ -1362,6 +1505,7 @@
         <p:spPr/>
         <p:txBody>
           <a:bodyPr/>
+          <a:lstStyle/>
           <a:p>
             <a:r>
               <a:t>Footer</a:t>
@@ -1382,10 +1526,12 @@
         <p:spPr/>
         <p:txBody>
           <a:bodyPr/>
+          <a:lstStyle/>
           <a:p>
             <a:fld id="{5A07B405-015E-4327-9A29-57DAA3BBA198}" type="slidenum">
-              <a:t>&lt;#&gt;</a:t>
+              <a:t>‹N°›</a:t>
             </a:fld>
+            <a:endParaRPr/>
           </a:p>
         </p:txBody>
       </p:sp>
@@ -1402,21 +1548,22 @@
         <p:spPr/>
         <p:txBody>
           <a:bodyPr/>
-          <a:p>
-            <a:r>
-              <a:rPr lang="en-US"/>
-              <a:t/>
-            </a:r>
+          <a:lstStyle/>
+          <a:p>
+            <a:endParaRPr/>
           </a:p>
         </p:txBody>
       </p:sp>
     </p:spTree>
   </p:cSld>
+  <p:clrMapOvr>
+    <a:masterClrMapping/>
+  </p:clrMapOvr>
 </p:sldLayout>
 </file>
 
 <file path=ppt/slideLayouts/slideLayout16.xml><?xml version="1.0" encoding="utf-8"?>
-<p:sldLayout xmlns:a="http://schemas.openxmlformats.org/drawingml/2006/main" xmlns:p="http://schemas.openxmlformats.org/presentationml/2006/main" xmlns:r="http://schemas.openxmlformats.org/officeDocument/2006/relationships" xmlns:p14="http://schemas.microsoft.com/office/powerpoint/2010/main" xmlns:p15="http://schemas.microsoft.com/office/powerpoint/2012/main" xmlns:mc="http://schemas.openxmlformats.org/markup-compatibility/2006" type="twoObj" preserve="1">
+<p:sldLayout xmlns:a="http://schemas.openxmlformats.org/drawingml/2006/main" xmlns:r="http://schemas.openxmlformats.org/officeDocument/2006/relationships" xmlns:p="http://schemas.openxmlformats.org/presentationml/2006/main" type="twoObj" preserve="1">
   <p:cSld name="Title, 2 Content">
     <p:spTree>
       <p:nvGrpSpPr>
@@ -1456,11 +1603,12 @@
           </a:ln>
         </p:spPr>
         <p:txBody>
-          <a:bodyPr lIns="0" rIns="0" tIns="0" bIns="0" anchor="ctr">
+          <a:bodyPr lIns="0" tIns="0" rIns="0" bIns="0" anchor="ctr">
             <a:noAutofit/>
           </a:bodyPr>
-          <a:p>
-            <a:endParaRPr b="0" lang="fr-FR" sz="1800" spc="-1" strike="noStrike">
+          <a:lstStyle/>
+          <a:p>
+            <a:endParaRPr lang="fr-FR" sz="1800" b="0" strike="noStrike" spc="-1">
               <a:solidFill>
                 <a:srgbClr val="000000"/>
               </a:solidFill>
@@ -1493,9 +1641,10 @@
           </a:ln>
         </p:spPr>
         <p:txBody>
-          <a:bodyPr lIns="0" rIns="0" tIns="0" bIns="0" anchor="t">
+          <a:bodyPr lIns="0" tIns="0" rIns="0" bIns="0" anchor="t">
             <a:normAutofit/>
           </a:bodyPr>
+          <a:lstStyle/>
           <a:p>
             <a:pPr>
               <a:lnSpc>
@@ -1506,7 +1655,7 @@
               </a:spcBef>
               <a:buNone/>
             </a:pPr>
-            <a:endParaRPr b="0" lang="fr-FR" sz="2800" spc="-1" strike="noStrike">
+            <a:endParaRPr lang="fr-FR" sz="2800" b="0" strike="noStrike" spc="-1">
               <a:solidFill>
                 <a:srgbClr val="000000"/>
               </a:solidFill>
@@ -1539,9 +1688,10 @@
           </a:ln>
         </p:spPr>
         <p:txBody>
-          <a:bodyPr lIns="0" rIns="0" tIns="0" bIns="0" anchor="t">
+          <a:bodyPr lIns="0" tIns="0" rIns="0" bIns="0" anchor="t">
             <a:normAutofit/>
           </a:bodyPr>
+          <a:lstStyle/>
           <a:p>
             <a:pPr>
               <a:lnSpc>
@@ -1552,7 +1702,7 @@
               </a:spcBef>
               <a:buNone/>
             </a:pPr>
-            <a:endParaRPr b="0" lang="fr-FR" sz="2800" spc="-1" strike="noStrike">
+            <a:endParaRPr lang="fr-FR" sz="2800" b="0" strike="noStrike" spc="-1">
               <a:solidFill>
                 <a:srgbClr val="000000"/>
               </a:solidFill>
@@ -1574,6 +1724,7 @@
         <p:spPr/>
         <p:txBody>
           <a:bodyPr/>
+          <a:lstStyle/>
           <a:p>
             <a:r>
               <a:t>Footer</a:t>
@@ -1594,10 +1745,12 @@
         <p:spPr/>
         <p:txBody>
           <a:bodyPr/>
+          <a:lstStyle/>
           <a:p>
             <a:fld id="{A97C17CD-CB08-4E52-8F86-553756DC9D37}" type="slidenum">
-              <a:t>&lt;#&gt;</a:t>
+              <a:t>‹N°›</a:t>
             </a:fld>
+            <a:endParaRPr/>
           </a:p>
         </p:txBody>
       </p:sp>
@@ -1614,21 +1767,22 @@
         <p:spPr/>
         <p:txBody>
           <a:bodyPr/>
-          <a:p>
-            <a:r>
-              <a:rPr lang="en-US"/>
-              <a:t/>
-            </a:r>
+          <a:lstStyle/>
+          <a:p>
+            <a:endParaRPr/>
           </a:p>
         </p:txBody>
       </p:sp>
     </p:spTree>
   </p:cSld>
+  <p:clrMapOvr>
+    <a:masterClrMapping/>
+  </p:clrMapOvr>
 </p:sldLayout>
 </file>
 
 <file path=ppt/slideLayouts/slideLayout17.xml><?xml version="1.0" encoding="utf-8"?>
-<p:sldLayout xmlns:a="http://schemas.openxmlformats.org/drawingml/2006/main" xmlns:p="http://schemas.openxmlformats.org/presentationml/2006/main" xmlns:r="http://schemas.openxmlformats.org/officeDocument/2006/relationships" xmlns:p14="http://schemas.microsoft.com/office/powerpoint/2010/main" xmlns:p15="http://schemas.microsoft.com/office/powerpoint/2012/main" xmlns:mc="http://schemas.openxmlformats.org/markup-compatibility/2006" type="titleOnly" preserve="1">
+<p:sldLayout xmlns:a="http://schemas.openxmlformats.org/drawingml/2006/main" xmlns:r="http://schemas.openxmlformats.org/officeDocument/2006/relationships" xmlns:p="http://schemas.openxmlformats.org/presentationml/2006/main" type="titleOnly" preserve="1">
   <p:cSld name="Title Only">
     <p:spTree>
       <p:nvGrpSpPr>
@@ -1668,11 +1822,12 @@
           </a:ln>
         </p:spPr>
         <p:txBody>
-          <a:bodyPr lIns="0" rIns="0" tIns="0" bIns="0" anchor="ctr">
+          <a:bodyPr lIns="0" tIns="0" rIns="0" bIns="0" anchor="ctr">
             <a:noAutofit/>
           </a:bodyPr>
-          <a:p>
-            <a:endParaRPr b="0" lang="fr-FR" sz="1800" spc="-1" strike="noStrike">
+          <a:lstStyle/>
+          <a:p>
+            <a:endParaRPr lang="fr-FR" sz="1800" b="0" strike="noStrike" spc="-1">
               <a:solidFill>
                 <a:srgbClr val="000000"/>
               </a:solidFill>
@@ -1694,6 +1849,7 @@
         <p:spPr/>
         <p:txBody>
           <a:bodyPr/>
+          <a:lstStyle/>
           <a:p>
             <a:r>
               <a:t>Footer</a:t>
@@ -1714,10 +1870,12 @@
         <p:spPr/>
         <p:txBody>
           <a:bodyPr/>
+          <a:lstStyle/>
           <a:p>
             <a:fld id="{DCA8D056-40B4-48A7-855A-01CAB15B124C}" type="slidenum">
-              <a:t>&lt;#&gt;</a:t>
+              <a:t>‹N°›</a:t>
             </a:fld>
+            <a:endParaRPr/>
           </a:p>
         </p:txBody>
       </p:sp>
@@ -1734,21 +1892,22 @@
         <p:spPr/>
         <p:txBody>
           <a:bodyPr/>
-          <a:p>
-            <a:r>
-              <a:rPr lang="en-US"/>
-              <a:t/>
-            </a:r>
+          <a:lstStyle/>
+          <a:p>
+            <a:endParaRPr/>
           </a:p>
         </p:txBody>
       </p:sp>
     </p:spTree>
   </p:cSld>
+  <p:clrMapOvr>
+    <a:masterClrMapping/>
+  </p:clrMapOvr>
 </p:sldLayout>
 </file>
 
 <file path=ppt/slideLayouts/slideLayout18.xml><?xml version="1.0" encoding="utf-8"?>
-<p:sldLayout xmlns:a="http://schemas.openxmlformats.org/drawingml/2006/main" xmlns:p="http://schemas.openxmlformats.org/presentationml/2006/main" xmlns:r="http://schemas.openxmlformats.org/officeDocument/2006/relationships" xmlns:p14="http://schemas.microsoft.com/office/powerpoint/2010/main" xmlns:p15="http://schemas.microsoft.com/office/powerpoint/2012/main" xmlns:mc="http://schemas.openxmlformats.org/markup-compatibility/2006" type="objOnly" preserve="1">
+<p:sldLayout xmlns:a="http://schemas.openxmlformats.org/drawingml/2006/main" xmlns:r="http://schemas.openxmlformats.org/officeDocument/2006/relationships" xmlns:p="http://schemas.openxmlformats.org/presentationml/2006/main" type="objOnly" preserve="1">
   <p:cSld name="Centered Text">
     <p:spTree>
       <p:nvGrpSpPr>
@@ -1788,14 +1947,15 @@
           </a:ln>
         </p:spPr>
         <p:txBody>
-          <a:bodyPr lIns="0" rIns="0" tIns="0" bIns="0" anchor="ctr">
+          <a:bodyPr lIns="0" tIns="0" rIns="0" bIns="0" anchor="ctr">
             <a:noAutofit/>
           </a:bodyPr>
+          <a:lstStyle/>
           <a:p>
             <a:pPr algn="ctr">
               <a:buNone/>
             </a:pPr>
-            <a:endParaRPr b="0" lang="en-US" sz="3200" spc="-1" strike="noStrike">
+            <a:endParaRPr lang="en-US" sz="3200" b="0" strike="noStrike" spc="-1">
               <a:latin typeface="Arial"/>
             </a:endParaRPr>
           </a:p>
@@ -1814,6 +1974,7 @@
         <p:spPr/>
         <p:txBody>
           <a:bodyPr/>
+          <a:lstStyle/>
           <a:p>
             <a:r>
               <a:t>Footer</a:t>
@@ -1834,10 +1995,12 @@
         <p:spPr/>
         <p:txBody>
           <a:bodyPr/>
+          <a:lstStyle/>
           <a:p>
             <a:fld id="{B4286063-9F9A-4E70-8C40-F6462D75A73D}" type="slidenum">
-              <a:t>&lt;#&gt;</a:t>
+              <a:t>‹N°›</a:t>
             </a:fld>
+            <a:endParaRPr/>
           </a:p>
         </p:txBody>
       </p:sp>
@@ -1854,21 +2017,22 @@
         <p:spPr/>
         <p:txBody>
           <a:bodyPr/>
-          <a:p>
-            <a:r>
-              <a:rPr lang="en-US"/>
-              <a:t/>
-            </a:r>
+          <a:lstStyle/>
+          <a:p>
+            <a:endParaRPr/>
           </a:p>
         </p:txBody>
       </p:sp>
     </p:spTree>
   </p:cSld>
+  <p:clrMapOvr>
+    <a:masterClrMapping/>
+  </p:clrMapOvr>
 </p:sldLayout>
 </file>
 
 <file path=ppt/slideLayouts/slideLayout19.xml><?xml version="1.0" encoding="utf-8"?>
-<p:sldLayout xmlns:a="http://schemas.openxmlformats.org/drawingml/2006/main" xmlns:p="http://schemas.openxmlformats.org/presentationml/2006/main" xmlns:r="http://schemas.openxmlformats.org/officeDocument/2006/relationships" xmlns:p14="http://schemas.microsoft.com/office/powerpoint/2010/main" xmlns:p15="http://schemas.microsoft.com/office/powerpoint/2012/main" xmlns:mc="http://schemas.openxmlformats.org/markup-compatibility/2006" type="twoObjAndObj" preserve="1">
+<p:sldLayout xmlns:a="http://schemas.openxmlformats.org/drawingml/2006/main" xmlns:r="http://schemas.openxmlformats.org/officeDocument/2006/relationships" xmlns:p="http://schemas.openxmlformats.org/presentationml/2006/main" type="twoObjAndObj" preserve="1">
   <p:cSld name="Title, 2 Content and Content">
     <p:spTree>
       <p:nvGrpSpPr>
@@ -1908,11 +2072,12 @@
           </a:ln>
         </p:spPr>
         <p:txBody>
-          <a:bodyPr lIns="0" rIns="0" tIns="0" bIns="0" anchor="ctr">
+          <a:bodyPr lIns="0" tIns="0" rIns="0" bIns="0" anchor="ctr">
             <a:noAutofit/>
           </a:bodyPr>
-          <a:p>
-            <a:endParaRPr b="0" lang="fr-FR" sz="1800" spc="-1" strike="noStrike">
+          <a:lstStyle/>
+          <a:p>
+            <a:endParaRPr lang="fr-FR" sz="1800" b="0" strike="noStrike" spc="-1">
               <a:solidFill>
                 <a:srgbClr val="000000"/>
               </a:solidFill>
@@ -1945,9 +2110,10 @@
           </a:ln>
         </p:spPr>
         <p:txBody>
-          <a:bodyPr lIns="0" rIns="0" tIns="0" bIns="0" anchor="t">
+          <a:bodyPr lIns="0" tIns="0" rIns="0" bIns="0" anchor="t">
             <a:normAutofit/>
           </a:bodyPr>
+          <a:lstStyle/>
           <a:p>
             <a:pPr>
               <a:lnSpc>
@@ -1958,7 +2124,7 @@
               </a:spcBef>
               <a:buNone/>
             </a:pPr>
-            <a:endParaRPr b="0" lang="fr-FR" sz="2800" spc="-1" strike="noStrike">
+            <a:endParaRPr lang="fr-FR" sz="2800" b="0" strike="noStrike" spc="-1">
               <a:solidFill>
                 <a:srgbClr val="000000"/>
               </a:solidFill>
@@ -1991,9 +2157,10 @@
           </a:ln>
         </p:spPr>
         <p:txBody>
-          <a:bodyPr lIns="0" rIns="0" tIns="0" bIns="0" anchor="t">
+          <a:bodyPr lIns="0" tIns="0" rIns="0" bIns="0" anchor="t">
             <a:normAutofit/>
           </a:bodyPr>
+          <a:lstStyle/>
           <a:p>
             <a:pPr>
               <a:lnSpc>
@@ -2004,7 +2171,7 @@
               </a:spcBef>
               <a:buNone/>
             </a:pPr>
-            <a:endParaRPr b="0" lang="fr-FR" sz="2800" spc="-1" strike="noStrike">
+            <a:endParaRPr lang="fr-FR" sz="2800" b="0" strike="noStrike" spc="-1">
               <a:solidFill>
                 <a:srgbClr val="000000"/>
               </a:solidFill>
@@ -2037,9 +2204,10 @@
           </a:ln>
         </p:spPr>
         <p:txBody>
-          <a:bodyPr lIns="0" rIns="0" tIns="0" bIns="0" anchor="t">
+          <a:bodyPr lIns="0" tIns="0" rIns="0" bIns="0" anchor="t">
             <a:normAutofit/>
           </a:bodyPr>
+          <a:lstStyle/>
           <a:p>
             <a:pPr>
               <a:lnSpc>
@@ -2050,7 +2218,7 @@
               </a:spcBef>
               <a:buNone/>
             </a:pPr>
-            <a:endParaRPr b="0" lang="fr-FR" sz="2800" spc="-1" strike="noStrike">
+            <a:endParaRPr lang="fr-FR" sz="2800" b="0" strike="noStrike" spc="-1">
               <a:solidFill>
                 <a:srgbClr val="000000"/>
               </a:solidFill>
@@ -2072,6 +2240,7 @@
         <p:spPr/>
         <p:txBody>
           <a:bodyPr/>
+          <a:lstStyle/>
           <a:p>
             <a:r>
               <a:t>Footer</a:t>
@@ -2092,10 +2261,12 @@
         <p:spPr/>
         <p:txBody>
           <a:bodyPr/>
+          <a:lstStyle/>
           <a:p>
             <a:fld id="{5DD1C56B-999E-4ED5-8F64-45A00EA0B560}" type="slidenum">
-              <a:t>&lt;#&gt;</a:t>
+              <a:t>‹N°›</a:t>
             </a:fld>
+            <a:endParaRPr/>
           </a:p>
         </p:txBody>
       </p:sp>
@@ -2112,21 +2283,22 @@
         <p:spPr/>
         <p:txBody>
           <a:bodyPr/>
-          <a:p>
-            <a:r>
-              <a:rPr lang="en-US"/>
-              <a:t/>
-            </a:r>
+          <a:lstStyle/>
+          <a:p>
+            <a:endParaRPr/>
           </a:p>
         </p:txBody>
       </p:sp>
     </p:spTree>
   </p:cSld>
+  <p:clrMapOvr>
+    <a:masterClrMapping/>
+  </p:clrMapOvr>
 </p:sldLayout>
 </file>
 
 <file path=ppt/slideLayouts/slideLayout2.xml><?xml version="1.0" encoding="utf-8"?>
-<p:sldLayout xmlns:a="http://schemas.openxmlformats.org/drawingml/2006/main" xmlns:p="http://schemas.openxmlformats.org/presentationml/2006/main" xmlns:r="http://schemas.openxmlformats.org/officeDocument/2006/relationships" xmlns:p14="http://schemas.microsoft.com/office/powerpoint/2010/main" xmlns:p15="http://schemas.microsoft.com/office/powerpoint/2012/main" xmlns:mc="http://schemas.openxmlformats.org/markup-compatibility/2006" type="tx" preserve="1">
+<p:sldLayout xmlns:a="http://schemas.openxmlformats.org/drawingml/2006/main" xmlns:r="http://schemas.openxmlformats.org/officeDocument/2006/relationships" xmlns:p="http://schemas.openxmlformats.org/presentationml/2006/main" type="tx" preserve="1">
   <p:cSld name="Title Slide">
     <p:spTree>
       <p:nvGrpSpPr>
@@ -2166,11 +2338,12 @@
           </a:ln>
         </p:spPr>
         <p:txBody>
-          <a:bodyPr lIns="0" rIns="0" tIns="0" bIns="0" anchor="ctr">
+          <a:bodyPr lIns="0" tIns="0" rIns="0" bIns="0" anchor="ctr">
             <a:noAutofit/>
           </a:bodyPr>
-          <a:p>
-            <a:endParaRPr b="0" lang="fr-FR" sz="1800" spc="-1" strike="noStrike">
+          <a:lstStyle/>
+          <a:p>
+            <a:endParaRPr lang="fr-FR" sz="1800" b="0" strike="noStrike" spc="-1">
               <a:solidFill>
                 <a:srgbClr val="000000"/>
               </a:solidFill>
@@ -2203,14 +2376,15 @@
           </a:ln>
         </p:spPr>
         <p:txBody>
-          <a:bodyPr lIns="0" rIns="0" tIns="0" bIns="0" anchor="ctr">
+          <a:bodyPr lIns="0" tIns="0" rIns="0" bIns="0" anchor="ctr">
             <a:noAutofit/>
           </a:bodyPr>
+          <a:lstStyle/>
           <a:p>
             <a:pPr algn="ctr">
               <a:buNone/>
             </a:pPr>
-            <a:endParaRPr b="0" lang="en-US" sz="3200" spc="-1" strike="noStrike">
+            <a:endParaRPr lang="en-US" sz="3200" b="0" strike="noStrike" spc="-1">
               <a:latin typeface="Arial"/>
             </a:endParaRPr>
           </a:p>
@@ -2229,6 +2403,7 @@
         <p:spPr/>
         <p:txBody>
           <a:bodyPr/>
+          <a:lstStyle/>
           <a:p>
             <a:r>
               <a:t>Footer</a:t>
@@ -2238,7 +2413,7 @@
       </p:sp>
       <p:sp>
         <p:nvSpPr>
-          <p:cNvPr id="5" name="PlaceHolder 4"/>
+          <p:cNvPr id="2" name="PlaceHolder 4"/>
           <p:cNvSpPr>
             <a:spLocks noGrp="1"/>
           </p:cNvSpPr>
@@ -2249,16 +2424,18 @@
         <p:spPr/>
         <p:txBody>
           <a:bodyPr/>
+          <a:lstStyle/>
           <a:p>
             <a:fld id="{EF953BA6-F959-4829-8C79-BFA0D7A8012B}" type="slidenum">
-              <a:t>&lt;#&gt;</a:t>
+              <a:t>‹N°›</a:t>
             </a:fld>
-          </a:p>
-        </p:txBody>
-      </p:sp>
-      <p:sp>
-        <p:nvSpPr>
-          <p:cNvPr id="6" name="PlaceHolder 5"/>
+            <a:endParaRPr/>
+          </a:p>
+        </p:txBody>
+      </p:sp>
+      <p:sp>
+        <p:nvSpPr>
+          <p:cNvPr id="3" name="PlaceHolder 5"/>
           <p:cNvSpPr>
             <a:spLocks noGrp="1"/>
           </p:cNvSpPr>
@@ -2269,21 +2446,22 @@
         <p:spPr/>
         <p:txBody>
           <a:bodyPr/>
-          <a:p>
-            <a:r>
-              <a:rPr lang="en-US"/>
-              <a:t/>
-            </a:r>
+          <a:lstStyle/>
+          <a:p>
+            <a:endParaRPr/>
           </a:p>
         </p:txBody>
       </p:sp>
     </p:spTree>
   </p:cSld>
+  <p:clrMapOvr>
+    <a:masterClrMapping/>
+  </p:clrMapOvr>
 </p:sldLayout>
 </file>
 
 <file path=ppt/slideLayouts/slideLayout20.xml><?xml version="1.0" encoding="utf-8"?>
-<p:sldLayout xmlns:a="http://schemas.openxmlformats.org/drawingml/2006/main" xmlns:p="http://schemas.openxmlformats.org/presentationml/2006/main" xmlns:r="http://schemas.openxmlformats.org/officeDocument/2006/relationships" xmlns:p14="http://schemas.microsoft.com/office/powerpoint/2010/main" xmlns:p15="http://schemas.microsoft.com/office/powerpoint/2012/main" xmlns:mc="http://schemas.openxmlformats.org/markup-compatibility/2006" type="objAndTwoObj" preserve="1">
+<p:sldLayout xmlns:a="http://schemas.openxmlformats.org/drawingml/2006/main" xmlns:r="http://schemas.openxmlformats.org/officeDocument/2006/relationships" xmlns:p="http://schemas.openxmlformats.org/presentationml/2006/main" type="objAndTwoObj" preserve="1">
   <p:cSld name="Title Content and 2 Content">
     <p:spTree>
       <p:nvGrpSpPr>
@@ -2323,11 +2501,12 @@
           </a:ln>
         </p:spPr>
         <p:txBody>
-          <a:bodyPr lIns="0" rIns="0" tIns="0" bIns="0" anchor="ctr">
+          <a:bodyPr lIns="0" tIns="0" rIns="0" bIns="0" anchor="ctr">
             <a:noAutofit/>
           </a:bodyPr>
-          <a:p>
-            <a:endParaRPr b="0" lang="fr-FR" sz="1800" spc="-1" strike="noStrike">
+          <a:lstStyle/>
+          <a:p>
+            <a:endParaRPr lang="fr-FR" sz="1800" b="0" strike="noStrike" spc="-1">
               <a:solidFill>
                 <a:srgbClr val="000000"/>
               </a:solidFill>
@@ -2360,9 +2539,10 @@
           </a:ln>
         </p:spPr>
         <p:txBody>
-          <a:bodyPr lIns="0" rIns="0" tIns="0" bIns="0" anchor="t">
+          <a:bodyPr lIns="0" tIns="0" rIns="0" bIns="0" anchor="t">
             <a:normAutofit/>
           </a:bodyPr>
+          <a:lstStyle/>
           <a:p>
             <a:pPr>
               <a:lnSpc>
@@ -2373,7 +2553,7 @@
               </a:spcBef>
               <a:buNone/>
             </a:pPr>
-            <a:endParaRPr b="0" lang="fr-FR" sz="2800" spc="-1" strike="noStrike">
+            <a:endParaRPr lang="fr-FR" sz="2800" b="0" strike="noStrike" spc="-1">
               <a:solidFill>
                 <a:srgbClr val="000000"/>
               </a:solidFill>
@@ -2406,9 +2586,10 @@
           </a:ln>
         </p:spPr>
         <p:txBody>
-          <a:bodyPr lIns="0" rIns="0" tIns="0" bIns="0" anchor="t">
+          <a:bodyPr lIns="0" tIns="0" rIns="0" bIns="0" anchor="t">
             <a:normAutofit/>
           </a:bodyPr>
+          <a:lstStyle/>
           <a:p>
             <a:pPr>
               <a:lnSpc>
@@ -2419,7 +2600,7 @@
               </a:spcBef>
               <a:buNone/>
             </a:pPr>
-            <a:endParaRPr b="0" lang="fr-FR" sz="2800" spc="-1" strike="noStrike">
+            <a:endParaRPr lang="fr-FR" sz="2800" b="0" strike="noStrike" spc="-1">
               <a:solidFill>
                 <a:srgbClr val="000000"/>
               </a:solidFill>
@@ -2452,9 +2633,10 @@
           </a:ln>
         </p:spPr>
         <p:txBody>
-          <a:bodyPr lIns="0" rIns="0" tIns="0" bIns="0" anchor="t">
+          <a:bodyPr lIns="0" tIns="0" rIns="0" bIns="0" anchor="t">
             <a:normAutofit/>
           </a:bodyPr>
+          <a:lstStyle/>
           <a:p>
             <a:pPr>
               <a:lnSpc>
@@ -2465,7 +2647,7 @@
               </a:spcBef>
               <a:buNone/>
             </a:pPr>
-            <a:endParaRPr b="0" lang="fr-FR" sz="2800" spc="-1" strike="noStrike">
+            <a:endParaRPr lang="fr-FR" sz="2800" b="0" strike="noStrike" spc="-1">
               <a:solidFill>
                 <a:srgbClr val="000000"/>
               </a:solidFill>
@@ -2487,6 +2669,7 @@
         <p:spPr/>
         <p:txBody>
           <a:bodyPr/>
+          <a:lstStyle/>
           <a:p>
             <a:r>
               <a:t>Footer</a:t>
@@ -2507,10 +2690,12 @@
         <p:spPr/>
         <p:txBody>
           <a:bodyPr/>
+          <a:lstStyle/>
           <a:p>
             <a:fld id="{BCD8E1FD-DA74-47C3-A1F7-84FBA52F1837}" type="slidenum">
-              <a:t>&lt;#&gt;</a:t>
+              <a:t>‹N°›</a:t>
             </a:fld>
+            <a:endParaRPr/>
           </a:p>
         </p:txBody>
       </p:sp>
@@ -2527,21 +2712,22 @@
         <p:spPr/>
         <p:txBody>
           <a:bodyPr/>
-          <a:p>
-            <a:r>
-              <a:rPr lang="en-US"/>
-              <a:t/>
-            </a:r>
+          <a:lstStyle/>
+          <a:p>
+            <a:endParaRPr/>
           </a:p>
         </p:txBody>
       </p:sp>
     </p:spTree>
   </p:cSld>
+  <p:clrMapOvr>
+    <a:masterClrMapping/>
+  </p:clrMapOvr>
 </p:sldLayout>
 </file>
 
 <file path=ppt/slideLayouts/slideLayout21.xml><?xml version="1.0" encoding="utf-8"?>
-<p:sldLayout xmlns:a="http://schemas.openxmlformats.org/drawingml/2006/main" xmlns:p="http://schemas.openxmlformats.org/presentationml/2006/main" xmlns:r="http://schemas.openxmlformats.org/officeDocument/2006/relationships" xmlns:p14="http://schemas.microsoft.com/office/powerpoint/2010/main" xmlns:p15="http://schemas.microsoft.com/office/powerpoint/2012/main" xmlns:mc="http://schemas.openxmlformats.org/markup-compatibility/2006" type="twoObjOverTx" preserve="1">
+<p:sldLayout xmlns:a="http://schemas.openxmlformats.org/drawingml/2006/main" xmlns:r="http://schemas.openxmlformats.org/officeDocument/2006/relationships" xmlns:p="http://schemas.openxmlformats.org/presentationml/2006/main" type="twoObjOverTx" preserve="1">
   <p:cSld name="Title, 2 Content over Content">
     <p:spTree>
       <p:nvGrpSpPr>
@@ -2581,11 +2767,12 @@
           </a:ln>
         </p:spPr>
         <p:txBody>
-          <a:bodyPr lIns="0" rIns="0" tIns="0" bIns="0" anchor="ctr">
+          <a:bodyPr lIns="0" tIns="0" rIns="0" bIns="0" anchor="ctr">
             <a:noAutofit/>
           </a:bodyPr>
-          <a:p>
-            <a:endParaRPr b="0" lang="fr-FR" sz="1800" spc="-1" strike="noStrike">
+          <a:lstStyle/>
+          <a:p>
+            <a:endParaRPr lang="fr-FR" sz="1800" b="0" strike="noStrike" spc="-1">
               <a:solidFill>
                 <a:srgbClr val="000000"/>
               </a:solidFill>
@@ -2618,9 +2805,10 @@
           </a:ln>
         </p:spPr>
         <p:txBody>
-          <a:bodyPr lIns="0" rIns="0" tIns="0" bIns="0" anchor="t">
+          <a:bodyPr lIns="0" tIns="0" rIns="0" bIns="0" anchor="t">
             <a:normAutofit/>
           </a:bodyPr>
+          <a:lstStyle/>
           <a:p>
             <a:pPr>
               <a:lnSpc>
@@ -2631,7 +2819,7 @@
               </a:spcBef>
               <a:buNone/>
             </a:pPr>
-            <a:endParaRPr b="0" lang="fr-FR" sz="2800" spc="-1" strike="noStrike">
+            <a:endParaRPr lang="fr-FR" sz="2800" b="0" strike="noStrike" spc="-1">
               <a:solidFill>
                 <a:srgbClr val="000000"/>
               </a:solidFill>
@@ -2664,9 +2852,10 @@
           </a:ln>
         </p:spPr>
         <p:txBody>
-          <a:bodyPr lIns="0" rIns="0" tIns="0" bIns="0" anchor="t">
+          <a:bodyPr lIns="0" tIns="0" rIns="0" bIns="0" anchor="t">
             <a:normAutofit/>
           </a:bodyPr>
+          <a:lstStyle/>
           <a:p>
             <a:pPr>
               <a:lnSpc>
@@ -2677,7 +2866,7 @@
               </a:spcBef>
               <a:buNone/>
             </a:pPr>
-            <a:endParaRPr b="0" lang="fr-FR" sz="2800" spc="-1" strike="noStrike">
+            <a:endParaRPr lang="fr-FR" sz="2800" b="0" strike="noStrike" spc="-1">
               <a:solidFill>
                 <a:srgbClr val="000000"/>
               </a:solidFill>
@@ -2710,9 +2899,10 @@
           </a:ln>
         </p:spPr>
         <p:txBody>
-          <a:bodyPr lIns="0" rIns="0" tIns="0" bIns="0" anchor="t">
+          <a:bodyPr lIns="0" tIns="0" rIns="0" bIns="0" anchor="t">
             <a:normAutofit/>
           </a:bodyPr>
+          <a:lstStyle/>
           <a:p>
             <a:pPr>
               <a:lnSpc>
@@ -2723,7 +2913,7 @@
               </a:spcBef>
               <a:buNone/>
             </a:pPr>
-            <a:endParaRPr b="0" lang="fr-FR" sz="2800" spc="-1" strike="noStrike">
+            <a:endParaRPr lang="fr-FR" sz="2800" b="0" strike="noStrike" spc="-1">
               <a:solidFill>
                 <a:srgbClr val="000000"/>
               </a:solidFill>
@@ -2745,6 +2935,7 @@
         <p:spPr/>
         <p:txBody>
           <a:bodyPr/>
+          <a:lstStyle/>
           <a:p>
             <a:r>
               <a:t>Footer</a:t>
@@ -2765,10 +2956,12 @@
         <p:spPr/>
         <p:txBody>
           <a:bodyPr/>
+          <a:lstStyle/>
           <a:p>
             <a:fld id="{687A4AED-8147-48D6-91C3-62274C83495B}" type="slidenum">
-              <a:t>&lt;#&gt;</a:t>
+              <a:t>‹N°›</a:t>
             </a:fld>
+            <a:endParaRPr/>
           </a:p>
         </p:txBody>
       </p:sp>
@@ -2785,21 +2978,22 @@
         <p:spPr/>
         <p:txBody>
           <a:bodyPr/>
-          <a:p>
-            <a:r>
-              <a:rPr lang="en-US"/>
-              <a:t/>
-            </a:r>
+          <a:lstStyle/>
+          <a:p>
+            <a:endParaRPr/>
           </a:p>
         </p:txBody>
       </p:sp>
     </p:spTree>
   </p:cSld>
+  <p:clrMapOvr>
+    <a:masterClrMapping/>
+  </p:clrMapOvr>
 </p:sldLayout>
 </file>
 
 <file path=ppt/slideLayouts/slideLayout22.xml><?xml version="1.0" encoding="utf-8"?>
-<p:sldLayout xmlns:a="http://schemas.openxmlformats.org/drawingml/2006/main" xmlns:p="http://schemas.openxmlformats.org/presentationml/2006/main" xmlns:r="http://schemas.openxmlformats.org/officeDocument/2006/relationships" xmlns:p14="http://schemas.microsoft.com/office/powerpoint/2010/main" xmlns:p15="http://schemas.microsoft.com/office/powerpoint/2012/main" xmlns:mc="http://schemas.openxmlformats.org/markup-compatibility/2006" type="objOverTx" preserve="1">
+<p:sldLayout xmlns:a="http://schemas.openxmlformats.org/drawingml/2006/main" xmlns:r="http://schemas.openxmlformats.org/officeDocument/2006/relationships" xmlns:p="http://schemas.openxmlformats.org/presentationml/2006/main" type="objOverTx" preserve="1">
   <p:cSld name="Title, Content over Content">
     <p:spTree>
       <p:nvGrpSpPr>
@@ -2839,11 +3033,12 @@
           </a:ln>
         </p:spPr>
         <p:txBody>
-          <a:bodyPr lIns="0" rIns="0" tIns="0" bIns="0" anchor="ctr">
+          <a:bodyPr lIns="0" tIns="0" rIns="0" bIns="0" anchor="ctr">
             <a:noAutofit/>
           </a:bodyPr>
-          <a:p>
-            <a:endParaRPr b="0" lang="fr-FR" sz="1800" spc="-1" strike="noStrike">
+          <a:lstStyle/>
+          <a:p>
+            <a:endParaRPr lang="fr-FR" sz="1800" b="0" strike="noStrike" spc="-1">
               <a:solidFill>
                 <a:srgbClr val="000000"/>
               </a:solidFill>
@@ -2876,9 +3071,10 @@
           </a:ln>
         </p:spPr>
         <p:txBody>
-          <a:bodyPr lIns="0" rIns="0" tIns="0" bIns="0" anchor="t">
+          <a:bodyPr lIns="0" tIns="0" rIns="0" bIns="0" anchor="t">
             <a:normAutofit/>
           </a:bodyPr>
+          <a:lstStyle/>
           <a:p>
             <a:pPr>
               <a:lnSpc>
@@ -2889,7 +3085,7 @@
               </a:spcBef>
               <a:buNone/>
             </a:pPr>
-            <a:endParaRPr b="0" lang="fr-FR" sz="2800" spc="-1" strike="noStrike">
+            <a:endParaRPr lang="fr-FR" sz="2800" b="0" strike="noStrike" spc="-1">
               <a:solidFill>
                 <a:srgbClr val="000000"/>
               </a:solidFill>
@@ -2922,9 +3118,10 @@
           </a:ln>
         </p:spPr>
         <p:txBody>
-          <a:bodyPr lIns="0" rIns="0" tIns="0" bIns="0" anchor="t">
+          <a:bodyPr lIns="0" tIns="0" rIns="0" bIns="0" anchor="t">
             <a:normAutofit/>
           </a:bodyPr>
+          <a:lstStyle/>
           <a:p>
             <a:pPr>
               <a:lnSpc>
@@ -2935,7 +3132,7 @@
               </a:spcBef>
               <a:buNone/>
             </a:pPr>
-            <a:endParaRPr b="0" lang="fr-FR" sz="2800" spc="-1" strike="noStrike">
+            <a:endParaRPr lang="fr-FR" sz="2800" b="0" strike="noStrike" spc="-1">
               <a:solidFill>
                 <a:srgbClr val="000000"/>
               </a:solidFill>
@@ -2957,6 +3154,7 @@
         <p:spPr/>
         <p:txBody>
           <a:bodyPr/>
+          <a:lstStyle/>
           <a:p>
             <a:r>
               <a:t>Footer</a:t>
@@ -2977,10 +3175,12 @@
         <p:spPr/>
         <p:txBody>
           <a:bodyPr/>
+          <a:lstStyle/>
           <a:p>
             <a:fld id="{88B831FF-39F7-4B3A-9324-A9CAA01ECFE2}" type="slidenum">
-              <a:t>&lt;#&gt;</a:t>
+              <a:t>‹N°›</a:t>
             </a:fld>
+            <a:endParaRPr/>
           </a:p>
         </p:txBody>
       </p:sp>
@@ -2997,21 +3197,22 @@
         <p:spPr/>
         <p:txBody>
           <a:bodyPr/>
-          <a:p>
-            <a:r>
-              <a:rPr lang="en-US"/>
-              <a:t/>
-            </a:r>
+          <a:lstStyle/>
+          <a:p>
+            <a:endParaRPr/>
           </a:p>
         </p:txBody>
       </p:sp>
     </p:spTree>
   </p:cSld>
+  <p:clrMapOvr>
+    <a:masterClrMapping/>
+  </p:clrMapOvr>
 </p:sldLayout>
 </file>
 
 <file path=ppt/slideLayouts/slideLayout23.xml><?xml version="1.0" encoding="utf-8"?>
-<p:sldLayout xmlns:a="http://schemas.openxmlformats.org/drawingml/2006/main" xmlns:p="http://schemas.openxmlformats.org/presentationml/2006/main" xmlns:r="http://schemas.openxmlformats.org/officeDocument/2006/relationships" xmlns:p14="http://schemas.microsoft.com/office/powerpoint/2010/main" xmlns:p15="http://schemas.microsoft.com/office/powerpoint/2012/main" xmlns:mc="http://schemas.openxmlformats.org/markup-compatibility/2006" type="fourObj" preserve="1">
+<p:sldLayout xmlns:a="http://schemas.openxmlformats.org/drawingml/2006/main" xmlns:r="http://schemas.openxmlformats.org/officeDocument/2006/relationships" xmlns:p="http://schemas.openxmlformats.org/presentationml/2006/main" type="fourObj" preserve="1">
   <p:cSld name="Title, 4 Content">
     <p:spTree>
       <p:nvGrpSpPr>
@@ -3051,11 +3252,12 @@
           </a:ln>
         </p:spPr>
         <p:txBody>
-          <a:bodyPr lIns="0" rIns="0" tIns="0" bIns="0" anchor="ctr">
+          <a:bodyPr lIns="0" tIns="0" rIns="0" bIns="0" anchor="ctr">
             <a:noAutofit/>
           </a:bodyPr>
-          <a:p>
-            <a:endParaRPr b="0" lang="fr-FR" sz="1800" spc="-1" strike="noStrike">
+          <a:lstStyle/>
+          <a:p>
+            <a:endParaRPr lang="fr-FR" sz="1800" b="0" strike="noStrike" spc="-1">
               <a:solidFill>
                 <a:srgbClr val="000000"/>
               </a:solidFill>
@@ -3088,9 +3290,10 @@
           </a:ln>
         </p:spPr>
         <p:txBody>
-          <a:bodyPr lIns="0" rIns="0" tIns="0" bIns="0" anchor="t">
+          <a:bodyPr lIns="0" tIns="0" rIns="0" bIns="0" anchor="t">
             <a:normAutofit/>
           </a:bodyPr>
+          <a:lstStyle/>
           <a:p>
             <a:pPr>
               <a:lnSpc>
@@ -3101,7 +3304,7 @@
               </a:spcBef>
               <a:buNone/>
             </a:pPr>
-            <a:endParaRPr b="0" lang="fr-FR" sz="2800" spc="-1" strike="noStrike">
+            <a:endParaRPr lang="fr-FR" sz="2800" b="0" strike="noStrike" spc="-1">
               <a:solidFill>
                 <a:srgbClr val="000000"/>
               </a:solidFill>
@@ -3134,9 +3337,10 @@
           </a:ln>
         </p:spPr>
         <p:txBody>
-          <a:bodyPr lIns="0" rIns="0" tIns="0" bIns="0" anchor="t">
+          <a:bodyPr lIns="0" tIns="0" rIns="0" bIns="0" anchor="t">
             <a:normAutofit/>
           </a:bodyPr>
+          <a:lstStyle/>
           <a:p>
             <a:pPr>
               <a:lnSpc>
@@ -3147,7 +3351,7 @@
               </a:spcBef>
               <a:buNone/>
             </a:pPr>
-            <a:endParaRPr b="0" lang="fr-FR" sz="2800" spc="-1" strike="noStrike">
+            <a:endParaRPr lang="fr-FR" sz="2800" b="0" strike="noStrike" spc="-1">
               <a:solidFill>
                 <a:srgbClr val="000000"/>
               </a:solidFill>
@@ -3180,9 +3384,10 @@
           </a:ln>
         </p:spPr>
         <p:txBody>
-          <a:bodyPr lIns="0" rIns="0" tIns="0" bIns="0" anchor="t">
+          <a:bodyPr lIns="0" tIns="0" rIns="0" bIns="0" anchor="t">
             <a:normAutofit/>
           </a:bodyPr>
+          <a:lstStyle/>
           <a:p>
             <a:pPr>
               <a:lnSpc>
@@ -3193,7 +3398,7 @@
               </a:spcBef>
               <a:buNone/>
             </a:pPr>
-            <a:endParaRPr b="0" lang="fr-FR" sz="2800" spc="-1" strike="noStrike">
+            <a:endParaRPr lang="fr-FR" sz="2800" b="0" strike="noStrike" spc="-1">
               <a:solidFill>
                 <a:srgbClr val="000000"/>
               </a:solidFill>
@@ -3226,9 +3431,10 @@
           </a:ln>
         </p:spPr>
         <p:txBody>
-          <a:bodyPr lIns="0" rIns="0" tIns="0" bIns="0" anchor="t">
+          <a:bodyPr lIns="0" tIns="0" rIns="0" bIns="0" anchor="t">
             <a:normAutofit/>
           </a:bodyPr>
+          <a:lstStyle/>
           <a:p>
             <a:pPr>
               <a:lnSpc>
@@ -3239,7 +3445,7 @@
               </a:spcBef>
               <a:buNone/>
             </a:pPr>
-            <a:endParaRPr b="0" lang="fr-FR" sz="2800" spc="-1" strike="noStrike">
+            <a:endParaRPr lang="fr-FR" sz="2800" b="0" strike="noStrike" spc="-1">
               <a:solidFill>
                 <a:srgbClr val="000000"/>
               </a:solidFill>
@@ -3261,6 +3467,7 @@
         <p:spPr/>
         <p:txBody>
           <a:bodyPr/>
+          <a:lstStyle/>
           <a:p>
             <a:r>
               <a:t>Footer</a:t>
@@ -3281,10 +3488,12 @@
         <p:spPr/>
         <p:txBody>
           <a:bodyPr/>
+          <a:lstStyle/>
           <a:p>
             <a:fld id="{4B69B343-173F-4BC1-8BDE-8D36531147BD}" type="slidenum">
-              <a:t>&lt;#&gt;</a:t>
+              <a:t>‹N°›</a:t>
             </a:fld>
+            <a:endParaRPr/>
           </a:p>
         </p:txBody>
       </p:sp>
@@ -3301,21 +3510,22 @@
         <p:spPr/>
         <p:txBody>
           <a:bodyPr/>
-          <a:p>
-            <a:r>
-              <a:rPr lang="en-US"/>
-              <a:t/>
-            </a:r>
+          <a:lstStyle/>
+          <a:p>
+            <a:endParaRPr/>
           </a:p>
         </p:txBody>
       </p:sp>
     </p:spTree>
   </p:cSld>
+  <p:clrMapOvr>
+    <a:masterClrMapping/>
+  </p:clrMapOvr>
 </p:sldLayout>
 </file>
 
 <file path=ppt/slideLayouts/slideLayout24.xml><?xml version="1.0" encoding="utf-8"?>
-<p:sldLayout xmlns:a="http://schemas.openxmlformats.org/drawingml/2006/main" xmlns:p="http://schemas.openxmlformats.org/presentationml/2006/main" xmlns:r="http://schemas.openxmlformats.org/officeDocument/2006/relationships" xmlns:p14="http://schemas.microsoft.com/office/powerpoint/2010/main" xmlns:p15="http://schemas.microsoft.com/office/powerpoint/2012/main" xmlns:mc="http://schemas.openxmlformats.org/markup-compatibility/2006" type="blank" preserve="1">
+<p:sldLayout xmlns:a="http://schemas.openxmlformats.org/drawingml/2006/main" xmlns:r="http://schemas.openxmlformats.org/officeDocument/2006/relationships" xmlns:p="http://schemas.openxmlformats.org/presentationml/2006/main" type="blank" preserve="1">
   <p:cSld name="Title, 6 Content">
     <p:spTree>
       <p:nvGrpSpPr>
@@ -3355,11 +3565,12 @@
           </a:ln>
         </p:spPr>
         <p:txBody>
-          <a:bodyPr lIns="0" rIns="0" tIns="0" bIns="0" anchor="ctr">
+          <a:bodyPr lIns="0" tIns="0" rIns="0" bIns="0" anchor="ctr">
             <a:noAutofit/>
           </a:bodyPr>
-          <a:p>
-            <a:endParaRPr b="0" lang="fr-FR" sz="1800" spc="-1" strike="noStrike">
+          <a:lstStyle/>
+          <a:p>
+            <a:endParaRPr lang="fr-FR" sz="1800" b="0" strike="noStrike" spc="-1">
               <a:solidFill>
                 <a:srgbClr val="000000"/>
               </a:solidFill>
@@ -3392,9 +3603,10 @@
           </a:ln>
         </p:spPr>
         <p:txBody>
-          <a:bodyPr lIns="0" rIns="0" tIns="0" bIns="0" anchor="t">
+          <a:bodyPr lIns="0" tIns="0" rIns="0" bIns="0" anchor="t">
             <a:normAutofit/>
           </a:bodyPr>
+          <a:lstStyle/>
           <a:p>
             <a:pPr>
               <a:lnSpc>
@@ -3405,7 +3617,7 @@
               </a:spcBef>
               <a:buNone/>
             </a:pPr>
-            <a:endParaRPr b="0" lang="fr-FR" sz="2800" spc="-1" strike="noStrike">
+            <a:endParaRPr lang="fr-FR" sz="2800" b="0" strike="noStrike" spc="-1">
               <a:solidFill>
                 <a:srgbClr val="000000"/>
               </a:solidFill>
@@ -3438,9 +3650,10 @@
           </a:ln>
         </p:spPr>
         <p:txBody>
-          <a:bodyPr lIns="0" rIns="0" tIns="0" bIns="0" anchor="t">
+          <a:bodyPr lIns="0" tIns="0" rIns="0" bIns="0" anchor="t">
             <a:normAutofit/>
           </a:bodyPr>
+          <a:lstStyle/>
           <a:p>
             <a:pPr>
               <a:lnSpc>
@@ -3451,7 +3664,7 @@
               </a:spcBef>
               <a:buNone/>
             </a:pPr>
-            <a:endParaRPr b="0" lang="fr-FR" sz="2800" spc="-1" strike="noStrike">
+            <a:endParaRPr lang="fr-FR" sz="2800" b="0" strike="noStrike" spc="-1">
               <a:solidFill>
                 <a:srgbClr val="000000"/>
               </a:solidFill>
@@ -3484,9 +3697,10 @@
           </a:ln>
         </p:spPr>
         <p:txBody>
-          <a:bodyPr lIns="0" rIns="0" tIns="0" bIns="0" anchor="t">
+          <a:bodyPr lIns="0" tIns="0" rIns="0" bIns="0" anchor="t">
             <a:normAutofit/>
           </a:bodyPr>
+          <a:lstStyle/>
           <a:p>
             <a:pPr>
               <a:lnSpc>
@@ -3497,7 +3711,7 @@
               </a:spcBef>
               <a:buNone/>
             </a:pPr>
-            <a:endParaRPr b="0" lang="fr-FR" sz="2800" spc="-1" strike="noStrike">
+            <a:endParaRPr lang="fr-FR" sz="2800" b="0" strike="noStrike" spc="-1">
               <a:solidFill>
                 <a:srgbClr val="000000"/>
               </a:solidFill>
@@ -3530,9 +3744,10 @@
           </a:ln>
         </p:spPr>
         <p:txBody>
-          <a:bodyPr lIns="0" rIns="0" tIns="0" bIns="0" anchor="t">
+          <a:bodyPr lIns="0" tIns="0" rIns="0" bIns="0" anchor="t">
             <a:normAutofit/>
           </a:bodyPr>
+          <a:lstStyle/>
           <a:p>
             <a:pPr>
               <a:lnSpc>
@@ -3543,7 +3758,7 @@
               </a:spcBef>
               <a:buNone/>
             </a:pPr>
-            <a:endParaRPr b="0" lang="fr-FR" sz="2800" spc="-1" strike="noStrike">
+            <a:endParaRPr lang="fr-FR" sz="2800" b="0" strike="noStrike" spc="-1">
               <a:solidFill>
                 <a:srgbClr val="000000"/>
               </a:solidFill>
@@ -3576,9 +3791,10 @@
           </a:ln>
         </p:spPr>
         <p:txBody>
-          <a:bodyPr lIns="0" rIns="0" tIns="0" bIns="0" anchor="t">
+          <a:bodyPr lIns="0" tIns="0" rIns="0" bIns="0" anchor="t">
             <a:normAutofit/>
           </a:bodyPr>
+          <a:lstStyle/>
           <a:p>
             <a:pPr>
               <a:lnSpc>
@@ -3589,7 +3805,7 @@
               </a:spcBef>
               <a:buNone/>
             </a:pPr>
-            <a:endParaRPr b="0" lang="fr-FR" sz="2800" spc="-1" strike="noStrike">
+            <a:endParaRPr lang="fr-FR" sz="2800" b="0" strike="noStrike" spc="-1">
               <a:solidFill>
                 <a:srgbClr val="000000"/>
               </a:solidFill>
@@ -3622,9 +3838,10 @@
           </a:ln>
         </p:spPr>
         <p:txBody>
-          <a:bodyPr lIns="0" rIns="0" tIns="0" bIns="0" anchor="t">
+          <a:bodyPr lIns="0" tIns="0" rIns="0" bIns="0" anchor="t">
             <a:normAutofit/>
           </a:bodyPr>
+          <a:lstStyle/>
           <a:p>
             <a:pPr>
               <a:lnSpc>
@@ -3635,7 +3852,7 @@
               </a:spcBef>
               <a:buNone/>
             </a:pPr>
-            <a:endParaRPr b="0" lang="fr-FR" sz="2800" spc="-1" strike="noStrike">
+            <a:endParaRPr lang="fr-FR" sz="2800" b="0" strike="noStrike" spc="-1">
               <a:solidFill>
                 <a:srgbClr val="000000"/>
               </a:solidFill>
@@ -3657,6 +3874,7 @@
         <p:spPr/>
         <p:txBody>
           <a:bodyPr/>
+          <a:lstStyle/>
           <a:p>
             <a:r>
               <a:t>Footer</a:t>
@@ -3677,10 +3895,12 @@
         <p:spPr/>
         <p:txBody>
           <a:bodyPr/>
+          <a:lstStyle/>
           <a:p>
             <a:fld id="{33EAD20D-7D31-49D6-9BD6-50949CFD737E}" type="slidenum">
-              <a:t>&lt;#&gt;</a:t>
+              <a:t>‹N°›</a:t>
             </a:fld>
+            <a:endParaRPr/>
           </a:p>
         </p:txBody>
       </p:sp>
@@ -3697,21 +3917,22 @@
         <p:spPr/>
         <p:txBody>
           <a:bodyPr/>
-          <a:p>
-            <a:r>
-              <a:rPr lang="en-US"/>
-              <a:t/>
-            </a:r>
+          <a:lstStyle/>
+          <a:p>
+            <a:endParaRPr/>
           </a:p>
         </p:txBody>
       </p:sp>
     </p:spTree>
   </p:cSld>
+  <p:clrMapOvr>
+    <a:masterClrMapping/>
+  </p:clrMapOvr>
 </p:sldLayout>
 </file>
 
 <file path=ppt/slideLayouts/slideLayout3.xml><?xml version="1.0" encoding="utf-8"?>
-<p:sldLayout xmlns:a="http://schemas.openxmlformats.org/drawingml/2006/main" xmlns:p="http://schemas.openxmlformats.org/presentationml/2006/main" xmlns:r="http://schemas.openxmlformats.org/officeDocument/2006/relationships" xmlns:p14="http://schemas.microsoft.com/office/powerpoint/2010/main" xmlns:p15="http://schemas.microsoft.com/office/powerpoint/2012/main" xmlns:mc="http://schemas.openxmlformats.org/markup-compatibility/2006" type="obj" preserve="1">
+<p:sldLayout xmlns:a="http://schemas.openxmlformats.org/drawingml/2006/main" xmlns:r="http://schemas.openxmlformats.org/officeDocument/2006/relationships" xmlns:p="http://schemas.openxmlformats.org/presentationml/2006/main" type="obj" preserve="1">
   <p:cSld name="Title, Content">
     <p:spTree>
       <p:nvGrpSpPr>
@@ -3751,11 +3972,12 @@
           </a:ln>
         </p:spPr>
         <p:txBody>
-          <a:bodyPr lIns="0" rIns="0" tIns="0" bIns="0" anchor="ctr">
+          <a:bodyPr lIns="0" tIns="0" rIns="0" bIns="0" anchor="ctr">
             <a:noAutofit/>
           </a:bodyPr>
-          <a:p>
-            <a:endParaRPr b="0" lang="fr-FR" sz="1800" spc="-1" strike="noStrike">
+          <a:lstStyle/>
+          <a:p>
+            <a:endParaRPr lang="fr-FR" sz="1800" b="0" strike="noStrike" spc="-1">
               <a:solidFill>
                 <a:srgbClr val="000000"/>
               </a:solidFill>
@@ -3788,9 +4010,10 @@
           </a:ln>
         </p:spPr>
         <p:txBody>
-          <a:bodyPr lIns="0" rIns="0" tIns="0" bIns="0" anchor="t">
+          <a:bodyPr lIns="0" tIns="0" rIns="0" bIns="0" anchor="t">
             <a:normAutofit/>
           </a:bodyPr>
+          <a:lstStyle/>
           <a:p>
             <a:pPr>
               <a:lnSpc>
@@ -3801,7 +4024,7 @@
               </a:spcBef>
               <a:buNone/>
             </a:pPr>
-            <a:endParaRPr b="0" lang="fr-FR" sz="2800" spc="-1" strike="noStrike">
+            <a:endParaRPr lang="fr-FR" sz="2800" b="0" strike="noStrike" spc="-1">
               <a:solidFill>
                 <a:srgbClr val="000000"/>
               </a:solidFill>
@@ -3823,6 +4046,7 @@
         <p:spPr/>
         <p:txBody>
           <a:bodyPr/>
+          <a:lstStyle/>
           <a:p>
             <a:r>
               <a:t>Footer</a:t>
@@ -3843,10 +4067,12 @@
         <p:spPr/>
         <p:txBody>
           <a:bodyPr/>
+          <a:lstStyle/>
           <a:p>
             <a:fld id="{BC189BB0-4366-42EE-BBA5-235607F1C6B1}" type="slidenum">
-              <a:t>&lt;#&gt;</a:t>
+              <a:t>‹N°›</a:t>
             </a:fld>
+            <a:endParaRPr/>
           </a:p>
         </p:txBody>
       </p:sp>
@@ -3863,21 +4089,22 @@
         <p:spPr/>
         <p:txBody>
           <a:bodyPr/>
-          <a:p>
-            <a:r>
-              <a:rPr lang="en-US"/>
-              <a:t/>
-            </a:r>
+          <a:lstStyle/>
+          <a:p>
+            <a:endParaRPr/>
           </a:p>
         </p:txBody>
       </p:sp>
     </p:spTree>
   </p:cSld>
+  <p:clrMapOvr>
+    <a:masterClrMapping/>
+  </p:clrMapOvr>
 </p:sldLayout>
 </file>
 
 <file path=ppt/slideLayouts/slideLayout4.xml><?xml version="1.0" encoding="utf-8"?>
-<p:sldLayout xmlns:a="http://schemas.openxmlformats.org/drawingml/2006/main" xmlns:p="http://schemas.openxmlformats.org/presentationml/2006/main" xmlns:r="http://schemas.openxmlformats.org/officeDocument/2006/relationships" xmlns:p14="http://schemas.microsoft.com/office/powerpoint/2010/main" xmlns:p15="http://schemas.microsoft.com/office/powerpoint/2012/main" xmlns:mc="http://schemas.openxmlformats.org/markup-compatibility/2006" type="twoObj" preserve="1">
+<p:sldLayout xmlns:a="http://schemas.openxmlformats.org/drawingml/2006/main" xmlns:r="http://schemas.openxmlformats.org/officeDocument/2006/relationships" xmlns:p="http://schemas.openxmlformats.org/presentationml/2006/main" type="twoObj" preserve="1">
   <p:cSld name="Title, 2 Content">
     <p:spTree>
       <p:nvGrpSpPr>
@@ -3917,11 +4144,12 @@
           </a:ln>
         </p:spPr>
         <p:txBody>
-          <a:bodyPr lIns="0" rIns="0" tIns="0" bIns="0" anchor="ctr">
+          <a:bodyPr lIns="0" tIns="0" rIns="0" bIns="0" anchor="ctr">
             <a:noAutofit/>
           </a:bodyPr>
-          <a:p>
-            <a:endParaRPr b="0" lang="fr-FR" sz="1800" spc="-1" strike="noStrike">
+          <a:lstStyle/>
+          <a:p>
+            <a:endParaRPr lang="fr-FR" sz="1800" b="0" strike="noStrike" spc="-1">
               <a:solidFill>
                 <a:srgbClr val="000000"/>
               </a:solidFill>
@@ -3954,9 +4182,10 @@
           </a:ln>
         </p:spPr>
         <p:txBody>
-          <a:bodyPr lIns="0" rIns="0" tIns="0" bIns="0" anchor="t">
+          <a:bodyPr lIns="0" tIns="0" rIns="0" bIns="0" anchor="t">
             <a:normAutofit/>
           </a:bodyPr>
+          <a:lstStyle/>
           <a:p>
             <a:pPr>
               <a:lnSpc>
@@ -3967,7 +4196,7 @@
               </a:spcBef>
               <a:buNone/>
             </a:pPr>
-            <a:endParaRPr b="0" lang="fr-FR" sz="2800" spc="-1" strike="noStrike">
+            <a:endParaRPr lang="fr-FR" sz="2800" b="0" strike="noStrike" spc="-1">
               <a:solidFill>
                 <a:srgbClr val="000000"/>
               </a:solidFill>
@@ -4000,9 +4229,10 @@
           </a:ln>
         </p:spPr>
         <p:txBody>
-          <a:bodyPr lIns="0" rIns="0" tIns="0" bIns="0" anchor="t">
+          <a:bodyPr lIns="0" tIns="0" rIns="0" bIns="0" anchor="t">
             <a:normAutofit/>
           </a:bodyPr>
+          <a:lstStyle/>
           <a:p>
             <a:pPr>
               <a:lnSpc>
@@ -4013,7 +4243,7 @@
               </a:spcBef>
               <a:buNone/>
             </a:pPr>
-            <a:endParaRPr b="0" lang="fr-FR" sz="2800" spc="-1" strike="noStrike">
+            <a:endParaRPr lang="fr-FR" sz="2800" b="0" strike="noStrike" spc="-1">
               <a:solidFill>
                 <a:srgbClr val="000000"/>
               </a:solidFill>
@@ -4035,6 +4265,7 @@
         <p:spPr/>
         <p:txBody>
           <a:bodyPr/>
+          <a:lstStyle/>
           <a:p>
             <a:r>
               <a:t>Footer</a:t>
@@ -4055,10 +4286,12 @@
         <p:spPr/>
         <p:txBody>
           <a:bodyPr/>
+          <a:lstStyle/>
           <a:p>
             <a:fld id="{949F13CE-FA77-48BD-BC92-434AE6192A6F}" type="slidenum">
-              <a:t>&lt;#&gt;</a:t>
+              <a:t>‹N°›</a:t>
             </a:fld>
+            <a:endParaRPr/>
           </a:p>
         </p:txBody>
       </p:sp>
@@ -4075,21 +4308,22 @@
         <p:spPr/>
         <p:txBody>
           <a:bodyPr/>
-          <a:p>
-            <a:r>
-              <a:rPr lang="en-US"/>
-              <a:t/>
-            </a:r>
+          <a:lstStyle/>
+          <a:p>
+            <a:endParaRPr/>
           </a:p>
         </p:txBody>
       </p:sp>
     </p:spTree>
   </p:cSld>
+  <p:clrMapOvr>
+    <a:masterClrMapping/>
+  </p:clrMapOvr>
 </p:sldLayout>
 </file>
 
 <file path=ppt/slideLayouts/slideLayout5.xml><?xml version="1.0" encoding="utf-8"?>
-<p:sldLayout xmlns:a="http://schemas.openxmlformats.org/drawingml/2006/main" xmlns:p="http://schemas.openxmlformats.org/presentationml/2006/main" xmlns:r="http://schemas.openxmlformats.org/officeDocument/2006/relationships" xmlns:p14="http://schemas.microsoft.com/office/powerpoint/2010/main" xmlns:p15="http://schemas.microsoft.com/office/powerpoint/2012/main" xmlns:mc="http://schemas.openxmlformats.org/markup-compatibility/2006" type="titleOnly" preserve="1">
+<p:sldLayout xmlns:a="http://schemas.openxmlformats.org/drawingml/2006/main" xmlns:r="http://schemas.openxmlformats.org/officeDocument/2006/relationships" xmlns:p="http://schemas.openxmlformats.org/presentationml/2006/main" type="titleOnly" preserve="1">
   <p:cSld name="Title Only">
     <p:spTree>
       <p:nvGrpSpPr>
@@ -4129,11 +4363,12 @@
           </a:ln>
         </p:spPr>
         <p:txBody>
-          <a:bodyPr lIns="0" rIns="0" tIns="0" bIns="0" anchor="ctr">
+          <a:bodyPr lIns="0" tIns="0" rIns="0" bIns="0" anchor="ctr">
             <a:noAutofit/>
           </a:bodyPr>
-          <a:p>
-            <a:endParaRPr b="0" lang="fr-FR" sz="1800" spc="-1" strike="noStrike">
+          <a:lstStyle/>
+          <a:p>
+            <a:endParaRPr lang="fr-FR" sz="1800" b="0" strike="noStrike" spc="-1">
               <a:solidFill>
                 <a:srgbClr val="000000"/>
               </a:solidFill>
@@ -4155,6 +4390,7 @@
         <p:spPr/>
         <p:txBody>
           <a:bodyPr/>
+          <a:lstStyle/>
           <a:p>
             <a:r>
               <a:t>Footer</a:t>
@@ -4175,10 +4411,12 @@
         <p:spPr/>
         <p:txBody>
           <a:bodyPr/>
+          <a:lstStyle/>
           <a:p>
             <a:fld id="{CEC7169C-C478-4E39-A97E-833FCAD2E44D}" type="slidenum">
-              <a:t>&lt;#&gt;</a:t>
+              <a:t>‹N°›</a:t>
             </a:fld>
+            <a:endParaRPr/>
           </a:p>
         </p:txBody>
       </p:sp>
@@ -4195,21 +4433,22 @@
         <p:spPr/>
         <p:txBody>
           <a:bodyPr/>
-          <a:p>
-            <a:r>
-              <a:rPr lang="en-US"/>
-              <a:t/>
-            </a:r>
+          <a:lstStyle/>
+          <a:p>
+            <a:endParaRPr/>
           </a:p>
         </p:txBody>
       </p:sp>
     </p:spTree>
   </p:cSld>
+  <p:clrMapOvr>
+    <a:masterClrMapping/>
+  </p:clrMapOvr>
 </p:sldLayout>
 </file>
 
 <file path=ppt/slideLayouts/slideLayout6.xml><?xml version="1.0" encoding="utf-8"?>
-<p:sldLayout xmlns:a="http://schemas.openxmlformats.org/drawingml/2006/main" xmlns:p="http://schemas.openxmlformats.org/presentationml/2006/main" xmlns:r="http://schemas.openxmlformats.org/officeDocument/2006/relationships" xmlns:p14="http://schemas.microsoft.com/office/powerpoint/2010/main" xmlns:p15="http://schemas.microsoft.com/office/powerpoint/2012/main" xmlns:mc="http://schemas.openxmlformats.org/markup-compatibility/2006" type="objOnly" preserve="1">
+<p:sldLayout xmlns:a="http://schemas.openxmlformats.org/drawingml/2006/main" xmlns:r="http://schemas.openxmlformats.org/officeDocument/2006/relationships" xmlns:p="http://schemas.openxmlformats.org/presentationml/2006/main" type="objOnly" preserve="1">
   <p:cSld name="Centered Text">
     <p:spTree>
       <p:nvGrpSpPr>
@@ -4249,14 +4488,15 @@
           </a:ln>
         </p:spPr>
         <p:txBody>
-          <a:bodyPr lIns="0" rIns="0" tIns="0" bIns="0" anchor="ctr">
+          <a:bodyPr lIns="0" tIns="0" rIns="0" bIns="0" anchor="ctr">
             <a:noAutofit/>
           </a:bodyPr>
+          <a:lstStyle/>
           <a:p>
             <a:pPr algn="ctr">
               <a:buNone/>
             </a:pPr>
-            <a:endParaRPr b="0" lang="en-US" sz="3200" spc="-1" strike="noStrike">
+            <a:endParaRPr lang="en-US" sz="3200" b="0" strike="noStrike" spc="-1">
               <a:latin typeface="Arial"/>
             </a:endParaRPr>
           </a:p>
@@ -4275,6 +4515,7 @@
         <p:spPr/>
         <p:txBody>
           <a:bodyPr/>
+          <a:lstStyle/>
           <a:p>
             <a:r>
               <a:t>Footer</a:t>
@@ -4295,10 +4536,12 @@
         <p:spPr/>
         <p:txBody>
           <a:bodyPr/>
+          <a:lstStyle/>
           <a:p>
             <a:fld id="{6942F9B3-25F7-4C6E-A1ED-19DDF73D505C}" type="slidenum">
-              <a:t>&lt;#&gt;</a:t>
+              <a:t>‹N°›</a:t>
             </a:fld>
+            <a:endParaRPr/>
           </a:p>
         </p:txBody>
       </p:sp>
@@ -4315,21 +4558,22 @@
         <p:spPr/>
         <p:txBody>
           <a:bodyPr/>
-          <a:p>
-            <a:r>
-              <a:rPr lang="en-US"/>
-              <a:t/>
-            </a:r>
+          <a:lstStyle/>
+          <a:p>
+            <a:endParaRPr/>
           </a:p>
         </p:txBody>
       </p:sp>
     </p:spTree>
   </p:cSld>
+  <p:clrMapOvr>
+    <a:masterClrMapping/>
+  </p:clrMapOvr>
 </p:sldLayout>
 </file>
 
 <file path=ppt/slideLayouts/slideLayout7.xml><?xml version="1.0" encoding="utf-8"?>
-<p:sldLayout xmlns:a="http://schemas.openxmlformats.org/drawingml/2006/main" xmlns:p="http://schemas.openxmlformats.org/presentationml/2006/main" xmlns:r="http://schemas.openxmlformats.org/officeDocument/2006/relationships" xmlns:p14="http://schemas.microsoft.com/office/powerpoint/2010/main" xmlns:p15="http://schemas.microsoft.com/office/powerpoint/2012/main" xmlns:mc="http://schemas.openxmlformats.org/markup-compatibility/2006" type="twoObjAndObj" preserve="1">
+<p:sldLayout xmlns:a="http://schemas.openxmlformats.org/drawingml/2006/main" xmlns:r="http://schemas.openxmlformats.org/officeDocument/2006/relationships" xmlns:p="http://schemas.openxmlformats.org/presentationml/2006/main" type="twoObjAndObj" preserve="1">
   <p:cSld name="Title, 2 Content and Content">
     <p:spTree>
       <p:nvGrpSpPr>
@@ -4369,11 +4613,12 @@
           </a:ln>
         </p:spPr>
         <p:txBody>
-          <a:bodyPr lIns="0" rIns="0" tIns="0" bIns="0" anchor="ctr">
+          <a:bodyPr lIns="0" tIns="0" rIns="0" bIns="0" anchor="ctr">
             <a:noAutofit/>
           </a:bodyPr>
-          <a:p>
-            <a:endParaRPr b="0" lang="fr-FR" sz="1800" spc="-1" strike="noStrike">
+          <a:lstStyle/>
+          <a:p>
+            <a:endParaRPr lang="fr-FR" sz="1800" b="0" strike="noStrike" spc="-1">
               <a:solidFill>
                 <a:srgbClr val="000000"/>
               </a:solidFill>
@@ -4406,9 +4651,10 @@
           </a:ln>
         </p:spPr>
         <p:txBody>
-          <a:bodyPr lIns="0" rIns="0" tIns="0" bIns="0" anchor="t">
+          <a:bodyPr lIns="0" tIns="0" rIns="0" bIns="0" anchor="t">
             <a:normAutofit/>
           </a:bodyPr>
+          <a:lstStyle/>
           <a:p>
             <a:pPr>
               <a:lnSpc>
@@ -4419,7 +4665,7 @@
               </a:spcBef>
               <a:buNone/>
             </a:pPr>
-            <a:endParaRPr b="0" lang="fr-FR" sz="2800" spc="-1" strike="noStrike">
+            <a:endParaRPr lang="fr-FR" sz="2800" b="0" strike="noStrike" spc="-1">
               <a:solidFill>
                 <a:srgbClr val="000000"/>
               </a:solidFill>
@@ -4452,9 +4698,10 @@
           </a:ln>
         </p:spPr>
         <p:txBody>
-          <a:bodyPr lIns="0" rIns="0" tIns="0" bIns="0" anchor="t">
+          <a:bodyPr lIns="0" tIns="0" rIns="0" bIns="0" anchor="t">
             <a:normAutofit/>
           </a:bodyPr>
+          <a:lstStyle/>
           <a:p>
             <a:pPr>
               <a:lnSpc>
@@ -4465,7 +4712,7 @@
               </a:spcBef>
               <a:buNone/>
             </a:pPr>
-            <a:endParaRPr b="0" lang="fr-FR" sz="2800" spc="-1" strike="noStrike">
+            <a:endParaRPr lang="fr-FR" sz="2800" b="0" strike="noStrike" spc="-1">
               <a:solidFill>
                 <a:srgbClr val="000000"/>
               </a:solidFill>
@@ -4498,9 +4745,10 @@
           </a:ln>
         </p:spPr>
         <p:txBody>
-          <a:bodyPr lIns="0" rIns="0" tIns="0" bIns="0" anchor="t">
+          <a:bodyPr lIns="0" tIns="0" rIns="0" bIns="0" anchor="t">
             <a:normAutofit/>
           </a:bodyPr>
+          <a:lstStyle/>
           <a:p>
             <a:pPr>
               <a:lnSpc>
@@ -4511,7 +4759,7 @@
               </a:spcBef>
               <a:buNone/>
             </a:pPr>
-            <a:endParaRPr b="0" lang="fr-FR" sz="2800" spc="-1" strike="noStrike">
+            <a:endParaRPr lang="fr-FR" sz="2800" b="0" strike="noStrike" spc="-1">
               <a:solidFill>
                 <a:srgbClr val="000000"/>
               </a:solidFill>
@@ -4533,6 +4781,7 @@
         <p:spPr/>
         <p:txBody>
           <a:bodyPr/>
+          <a:lstStyle/>
           <a:p>
             <a:r>
               <a:t>Footer</a:t>
@@ -4553,10 +4802,12 @@
         <p:spPr/>
         <p:txBody>
           <a:bodyPr/>
+          <a:lstStyle/>
           <a:p>
             <a:fld id="{ED2362A0-6302-4F1A-A239-F12478B5F133}" type="slidenum">
-              <a:t>&lt;#&gt;</a:t>
+              <a:t>‹N°›</a:t>
             </a:fld>
+            <a:endParaRPr/>
           </a:p>
         </p:txBody>
       </p:sp>
@@ -4573,21 +4824,22 @@
         <p:spPr/>
         <p:txBody>
           <a:bodyPr/>
-          <a:p>
-            <a:r>
-              <a:rPr lang="en-US"/>
-              <a:t/>
-            </a:r>
+          <a:lstStyle/>
+          <a:p>
+            <a:endParaRPr/>
           </a:p>
         </p:txBody>
       </p:sp>
     </p:spTree>
   </p:cSld>
+  <p:clrMapOvr>
+    <a:masterClrMapping/>
+  </p:clrMapOvr>
 </p:sldLayout>
 </file>
 
 <file path=ppt/slideLayouts/slideLayout8.xml><?xml version="1.0" encoding="utf-8"?>
-<p:sldLayout xmlns:a="http://schemas.openxmlformats.org/drawingml/2006/main" xmlns:p="http://schemas.openxmlformats.org/presentationml/2006/main" xmlns:r="http://schemas.openxmlformats.org/officeDocument/2006/relationships" xmlns:p14="http://schemas.microsoft.com/office/powerpoint/2010/main" xmlns:p15="http://schemas.microsoft.com/office/powerpoint/2012/main" xmlns:mc="http://schemas.openxmlformats.org/markup-compatibility/2006" type="objAndTwoObj" preserve="1">
+<p:sldLayout xmlns:a="http://schemas.openxmlformats.org/drawingml/2006/main" xmlns:r="http://schemas.openxmlformats.org/officeDocument/2006/relationships" xmlns:p="http://schemas.openxmlformats.org/presentationml/2006/main" type="objAndTwoObj" preserve="1">
   <p:cSld name="Title Content and 2 Content">
     <p:spTree>
       <p:nvGrpSpPr>
@@ -4627,11 +4879,12 @@
           </a:ln>
         </p:spPr>
         <p:txBody>
-          <a:bodyPr lIns="0" rIns="0" tIns="0" bIns="0" anchor="ctr">
+          <a:bodyPr lIns="0" tIns="0" rIns="0" bIns="0" anchor="ctr">
             <a:noAutofit/>
           </a:bodyPr>
-          <a:p>
-            <a:endParaRPr b="0" lang="fr-FR" sz="1800" spc="-1" strike="noStrike">
+          <a:lstStyle/>
+          <a:p>
+            <a:endParaRPr lang="fr-FR" sz="1800" b="0" strike="noStrike" spc="-1">
               <a:solidFill>
                 <a:srgbClr val="000000"/>
               </a:solidFill>
@@ -4664,9 +4917,10 @@
           </a:ln>
         </p:spPr>
         <p:txBody>
-          <a:bodyPr lIns="0" rIns="0" tIns="0" bIns="0" anchor="t">
+          <a:bodyPr lIns="0" tIns="0" rIns="0" bIns="0" anchor="t">
             <a:normAutofit/>
           </a:bodyPr>
+          <a:lstStyle/>
           <a:p>
             <a:pPr>
               <a:lnSpc>
@@ -4677,7 +4931,7 @@
               </a:spcBef>
               <a:buNone/>
             </a:pPr>
-            <a:endParaRPr b="0" lang="fr-FR" sz="2800" spc="-1" strike="noStrike">
+            <a:endParaRPr lang="fr-FR" sz="2800" b="0" strike="noStrike" spc="-1">
               <a:solidFill>
                 <a:srgbClr val="000000"/>
               </a:solidFill>
@@ -4710,9 +4964,10 @@
           </a:ln>
         </p:spPr>
         <p:txBody>
-          <a:bodyPr lIns="0" rIns="0" tIns="0" bIns="0" anchor="t">
+          <a:bodyPr lIns="0" tIns="0" rIns="0" bIns="0" anchor="t">
             <a:normAutofit/>
           </a:bodyPr>
+          <a:lstStyle/>
           <a:p>
             <a:pPr>
               <a:lnSpc>
@@ -4723,7 +4978,7 @@
               </a:spcBef>
               <a:buNone/>
             </a:pPr>
-            <a:endParaRPr b="0" lang="fr-FR" sz="2800" spc="-1" strike="noStrike">
+            <a:endParaRPr lang="fr-FR" sz="2800" b="0" strike="noStrike" spc="-1">
               <a:solidFill>
                 <a:srgbClr val="000000"/>
               </a:solidFill>
@@ -4756,9 +5011,10 @@
           </a:ln>
         </p:spPr>
         <p:txBody>
-          <a:bodyPr lIns="0" rIns="0" tIns="0" bIns="0" anchor="t">
+          <a:bodyPr lIns="0" tIns="0" rIns="0" bIns="0" anchor="t">
             <a:normAutofit/>
           </a:bodyPr>
+          <a:lstStyle/>
           <a:p>
             <a:pPr>
               <a:lnSpc>
@@ -4769,7 +5025,7 @@
               </a:spcBef>
               <a:buNone/>
             </a:pPr>
-            <a:endParaRPr b="0" lang="fr-FR" sz="2800" spc="-1" strike="noStrike">
+            <a:endParaRPr lang="fr-FR" sz="2800" b="0" strike="noStrike" spc="-1">
               <a:solidFill>
                 <a:srgbClr val="000000"/>
               </a:solidFill>
@@ -4791,6 +5047,7 @@
         <p:spPr/>
         <p:txBody>
           <a:bodyPr/>
+          <a:lstStyle/>
           <a:p>
             <a:r>
               <a:t>Footer</a:t>
@@ -4811,10 +5068,12 @@
         <p:spPr/>
         <p:txBody>
           <a:bodyPr/>
+          <a:lstStyle/>
           <a:p>
             <a:fld id="{4688E6FA-8837-4B3F-A819-90760160B694}" type="slidenum">
-              <a:t>&lt;#&gt;</a:t>
+              <a:t>‹N°›</a:t>
             </a:fld>
+            <a:endParaRPr/>
           </a:p>
         </p:txBody>
       </p:sp>
@@ -4831,21 +5090,22 @@
         <p:spPr/>
         <p:txBody>
           <a:bodyPr/>
-          <a:p>
-            <a:r>
-              <a:rPr lang="en-US"/>
-              <a:t/>
-            </a:r>
+          <a:lstStyle/>
+          <a:p>
+            <a:endParaRPr/>
           </a:p>
         </p:txBody>
       </p:sp>
     </p:spTree>
   </p:cSld>
+  <p:clrMapOvr>
+    <a:masterClrMapping/>
+  </p:clrMapOvr>
 </p:sldLayout>
 </file>
 
 <file path=ppt/slideLayouts/slideLayout9.xml><?xml version="1.0" encoding="utf-8"?>
-<p:sldLayout xmlns:a="http://schemas.openxmlformats.org/drawingml/2006/main" xmlns:p="http://schemas.openxmlformats.org/presentationml/2006/main" xmlns:r="http://schemas.openxmlformats.org/officeDocument/2006/relationships" xmlns:p14="http://schemas.microsoft.com/office/powerpoint/2010/main" xmlns:p15="http://schemas.microsoft.com/office/powerpoint/2012/main" xmlns:mc="http://schemas.openxmlformats.org/markup-compatibility/2006" type="twoObjOverTx" preserve="1">
+<p:sldLayout xmlns:a="http://schemas.openxmlformats.org/drawingml/2006/main" xmlns:r="http://schemas.openxmlformats.org/officeDocument/2006/relationships" xmlns:p="http://schemas.openxmlformats.org/presentationml/2006/main" type="twoObjOverTx" preserve="1">
   <p:cSld name="Title, 2 Content over Content">
     <p:spTree>
       <p:nvGrpSpPr>
@@ -4885,11 +5145,12 @@
           </a:ln>
         </p:spPr>
         <p:txBody>
-          <a:bodyPr lIns="0" rIns="0" tIns="0" bIns="0" anchor="ctr">
+          <a:bodyPr lIns="0" tIns="0" rIns="0" bIns="0" anchor="ctr">
             <a:noAutofit/>
           </a:bodyPr>
-          <a:p>
-            <a:endParaRPr b="0" lang="fr-FR" sz="1800" spc="-1" strike="noStrike">
+          <a:lstStyle/>
+          <a:p>
+            <a:endParaRPr lang="fr-FR" sz="1800" b="0" strike="noStrike" spc="-1">
               <a:solidFill>
                 <a:srgbClr val="000000"/>
               </a:solidFill>
@@ -4922,9 +5183,10 @@
           </a:ln>
         </p:spPr>
         <p:txBody>
-          <a:bodyPr lIns="0" rIns="0" tIns="0" bIns="0" anchor="t">
+          <a:bodyPr lIns="0" tIns="0" rIns="0" bIns="0" anchor="t">
             <a:normAutofit/>
           </a:bodyPr>
+          <a:lstStyle/>
           <a:p>
             <a:pPr>
               <a:lnSpc>
@@ -4935,7 +5197,7 @@
               </a:spcBef>
               <a:buNone/>
             </a:pPr>
-            <a:endParaRPr b="0" lang="fr-FR" sz="2800" spc="-1" strike="noStrike">
+            <a:endParaRPr lang="fr-FR" sz="2800" b="0" strike="noStrike" spc="-1">
               <a:solidFill>
                 <a:srgbClr val="000000"/>
               </a:solidFill>
@@ -4968,9 +5230,10 @@
           </a:ln>
         </p:spPr>
         <p:txBody>
-          <a:bodyPr lIns="0" rIns="0" tIns="0" bIns="0" anchor="t">
+          <a:bodyPr lIns="0" tIns="0" rIns="0" bIns="0" anchor="t">
             <a:normAutofit/>
           </a:bodyPr>
+          <a:lstStyle/>
           <a:p>
             <a:pPr>
               <a:lnSpc>
@@ -4981,7 +5244,7 @@
               </a:spcBef>
               <a:buNone/>
             </a:pPr>
-            <a:endParaRPr b="0" lang="fr-FR" sz="2800" spc="-1" strike="noStrike">
+            <a:endParaRPr lang="fr-FR" sz="2800" b="0" strike="noStrike" spc="-1">
               <a:solidFill>
                 <a:srgbClr val="000000"/>
               </a:solidFill>
@@ -5014,9 +5277,10 @@
           </a:ln>
         </p:spPr>
         <p:txBody>
-          <a:bodyPr lIns="0" rIns="0" tIns="0" bIns="0" anchor="t">
+          <a:bodyPr lIns="0" tIns="0" rIns="0" bIns="0" anchor="t">
             <a:normAutofit/>
           </a:bodyPr>
+          <a:lstStyle/>
           <a:p>
             <a:pPr>
               <a:lnSpc>
@@ -5027,7 +5291,7 @@
               </a:spcBef>
               <a:buNone/>
             </a:pPr>
-            <a:endParaRPr b="0" lang="fr-FR" sz="2800" spc="-1" strike="noStrike">
+            <a:endParaRPr lang="fr-FR" sz="2800" b="0" strike="noStrike" spc="-1">
               <a:solidFill>
                 <a:srgbClr val="000000"/>
               </a:solidFill>
@@ -5049,6 +5313,7 @@
         <p:spPr/>
         <p:txBody>
           <a:bodyPr/>
+          <a:lstStyle/>
           <a:p>
             <a:r>
               <a:t>Footer</a:t>
@@ -5069,10 +5334,12 @@
         <p:spPr/>
         <p:txBody>
           <a:bodyPr/>
+          <a:lstStyle/>
           <a:p>
             <a:fld id="{F922A260-BCE4-4080-9543-7F53B42FEFBC}" type="slidenum">
-              <a:t>&lt;#&gt;</a:t>
+              <a:t>‹N°›</a:t>
             </a:fld>
+            <a:endParaRPr/>
           </a:p>
         </p:txBody>
       </p:sp>
@@ -5089,27 +5356,29 @@
         <p:spPr/>
         <p:txBody>
           <a:bodyPr/>
-          <a:p>
-            <a:r>
-              <a:rPr lang="en-US"/>
-              <a:t/>
-            </a:r>
+          <a:lstStyle/>
+          <a:p>
+            <a:endParaRPr/>
           </a:p>
         </p:txBody>
       </p:sp>
     </p:spTree>
   </p:cSld>
+  <p:clrMapOvr>
+    <a:masterClrMapping/>
+  </p:clrMapOvr>
 </p:sldLayout>
 </file>
 
 <file path=ppt/slideMasters/slideMaster1.xml><?xml version="1.0" encoding="utf-8"?>
-<p:sldMaster xmlns:a="http://schemas.openxmlformats.org/drawingml/2006/main" xmlns:p="http://schemas.openxmlformats.org/presentationml/2006/main" xmlns:r="http://schemas.openxmlformats.org/officeDocument/2006/relationships" xmlns:p14="http://schemas.microsoft.com/office/powerpoint/2010/main" xmlns:p15="http://schemas.microsoft.com/office/powerpoint/2012/main" xmlns:mc="http://schemas.openxmlformats.org/markup-compatibility/2006">
+<p:sldMaster xmlns:a="http://schemas.openxmlformats.org/drawingml/2006/main" xmlns:r="http://schemas.openxmlformats.org/officeDocument/2006/relationships" xmlns:p="http://schemas.openxmlformats.org/presentationml/2006/main">
   <p:cSld>
     <p:bg>
       <p:bgPr>
         <a:solidFill>
-          <a:srgbClr val="ffffff"/>
+          <a:srgbClr val="FFFFFF"/>
         </a:solidFill>
+        <a:effectLst/>
       </p:bgPr>
     </p:bg>
     <p:spTree>
@@ -5128,7 +5397,7 @@
       </p:grpSpPr>
       <p:sp>
         <p:nvSpPr>
-          <p:cNvPr id="0" name="PlaceHolder 1"/>
+          <p:cNvPr id="5" name="PlaceHolder 1"/>
           <p:cNvSpPr>
             <a:spLocks noGrp="1"/>
           </p:cNvSpPr>
@@ -5153,6 +5422,7 @@
           <a:bodyPr anchor="b">
             <a:noAutofit/>
           </a:bodyPr>
+          <a:lstStyle/>
           <a:p>
             <a:pPr algn="ctr">
               <a:lnSpc>
@@ -5161,7 +5431,7 @@
               <a:buNone/>
             </a:pPr>
             <a:r>
-              <a:rPr b="0" lang="en-US" sz="6000" spc="-1" strike="noStrike">
+              <a:rPr lang="en-US" sz="6000" b="0" strike="noStrike" spc="-1">
                 <a:solidFill>
                   <a:srgbClr val="000000"/>
                 </a:solidFill>
@@ -5169,7 +5439,7 @@
               </a:rPr>
               <a:t>Click to edit Master title style</a:t>
             </a:r>
-            <a:endParaRPr b="0" lang="fr-FR" sz="6000" spc="-1" strike="noStrike">
+            <a:endParaRPr lang="fr-FR" sz="6000" b="0" strike="noStrike" spc="-1">
               <a:solidFill>
                 <a:srgbClr val="000000"/>
               </a:solidFill>
@@ -5180,7 +5450,7 @@
       </p:sp>
       <p:sp>
         <p:nvSpPr>
-          <p:cNvPr id="1" name="PlaceHolder 2"/>
+          <p:cNvPr id="6" name="PlaceHolder 2"/>
           <p:cNvSpPr>
             <a:spLocks noGrp="1"/>
           </p:cNvSpPr>
@@ -5211,9 +5481,9 @@
                 <a:spcPct val="100000"/>
               </a:lnSpc>
               <a:buNone/>
-              <a:defRPr b="0" lang="fr-FR" sz="1200" spc="-1" strike="noStrike">
+              <a:defRPr lang="fr-FR" sz="1200" b="0" strike="noStrike" spc="-1">
                 <a:solidFill>
-                  <a:srgbClr val="8b8b8b"/>
+                  <a:srgbClr val="8B8B8B"/>
                 </a:solidFill>
                 <a:latin typeface="Calibri"/>
               </a:defRPr>
@@ -5227,15 +5497,15 @@
               <a:buNone/>
             </a:pPr>
             <a:r>
-              <a:rPr b="0" lang="fr-FR" sz="1200" spc="-1" strike="noStrike">
+              <a:rPr lang="fr-FR" sz="1200" b="0" strike="noStrike" spc="-1">
                 <a:solidFill>
-                  <a:srgbClr val="8b8b8b"/>
+                  <a:srgbClr val="8B8B8B"/>
                 </a:solidFill>
                 <a:latin typeface="Calibri"/>
               </a:rPr>
               <a:t>&lt;date/time&gt;</a:t>
             </a:r>
-            <a:endParaRPr b="0" lang="en-US" sz="1200" spc="-1" strike="noStrike">
+            <a:endParaRPr lang="en-US" sz="1200" b="0" strike="noStrike" spc="-1">
               <a:latin typeface="Times New Roman"/>
             </a:endParaRPr>
           </a:p>
@@ -5271,7 +5541,7 @@
           <a:lstStyle>
             <a:lvl1pPr algn="ctr">
               <a:buNone/>
-              <a:defRPr b="0" lang="en-US" sz="1400" spc="-1" strike="noStrike">
+              <a:defRPr lang="en-US" sz="1400" b="0" strike="noStrike" spc="-1">
                 <a:latin typeface="Times New Roman"/>
               </a:defRPr>
             </a:lvl1pPr>
@@ -5281,14 +5551,11 @@
               <a:buNone/>
             </a:pPr>
             <a:r>
-              <a:rPr b="0" lang="en-US" sz="1400" spc="-1" strike="noStrike">
+              <a:rPr lang="en-US" sz="1400" b="0" strike="noStrike" spc="-1">
                 <a:latin typeface="Times New Roman"/>
               </a:rPr>
               <a:t>&lt;footer&gt;</a:t>
             </a:r>
-            <a:endParaRPr b="0" lang="en-US" sz="1400" spc="-1" strike="noStrike">
-              <a:latin typeface="Times New Roman"/>
-            </a:endParaRPr>
           </a:p>
         </p:txBody>
       </p:sp>
@@ -5325,9 +5592,9 @@
                 <a:spcPct val="100000"/>
               </a:lnSpc>
               <a:buNone/>
-              <a:defRPr b="0" lang="fr-FR" sz="1200" spc="-1" strike="noStrike">
+              <a:defRPr lang="fr-FR" sz="1200" b="0" strike="noStrike" spc="-1">
                 <a:solidFill>
-                  <a:srgbClr val="8b8b8b"/>
+                  <a:srgbClr val="8B8B8B"/>
                 </a:solidFill>
                 <a:latin typeface="Calibri"/>
               </a:defRPr>
@@ -5341,15 +5608,15 @@
               <a:buNone/>
             </a:pPr>
             <a:fld id="{12BDD7B5-C5A3-4E98-800E-469B3C750DD3}" type="slidenum">
-              <a:rPr b="0" lang="fr-FR" sz="1200" spc="-1" strike="noStrike">
+              <a:rPr lang="fr-FR" sz="1200" b="0" strike="noStrike" spc="-1">
                 <a:solidFill>
-                  <a:srgbClr val="8b8b8b"/>
+                  <a:srgbClr val="8B8B8B"/>
                 </a:solidFill>
                 <a:latin typeface="Calibri"/>
               </a:rPr>
-              <a:t>&lt;number&gt;</a:t>
+              <a:t>‹N°›</a:t>
             </a:fld>
-            <a:endParaRPr b="0" lang="en-US" sz="1200" spc="-1" strike="noStrike">
+            <a:endParaRPr lang="en-US" sz="1200" b="0" strike="noStrike" spc="-1">
               <a:latin typeface="Times New Roman"/>
             </a:endParaRPr>
           </a:p>
@@ -5379,9 +5646,10 @@
           </a:ln>
         </p:spPr>
         <p:txBody>
-          <a:bodyPr lIns="0" rIns="0" tIns="0" bIns="0" anchor="t">
+          <a:bodyPr lIns="0" tIns="0" rIns="0" bIns="0" anchor="t">
             <a:normAutofit/>
           </a:bodyPr>
+          <a:lstStyle/>
           <a:p>
             <a:pPr marL="432000" indent="-324000">
               <a:lnSpc>
@@ -5398,7 +5666,7 @@
               <a:buChar char=""/>
             </a:pPr>
             <a:r>
-              <a:rPr b="0" lang="fr-FR" sz="2800" spc="-1" strike="noStrike">
+              <a:rPr lang="fr-FR" sz="2800" b="0" strike="noStrike" spc="-1">
                 <a:solidFill>
                   <a:srgbClr val="000000"/>
                 </a:solidFill>
@@ -5406,15 +5674,9 @@
               </a:rPr>
               <a:t>Click to edit the outline text format</a:t>
             </a:r>
-            <a:endParaRPr b="0" lang="fr-FR" sz="2800" spc="-1" strike="noStrike">
-              <a:solidFill>
-                <a:srgbClr val="000000"/>
-              </a:solidFill>
-              <a:latin typeface="Calibri"/>
-            </a:endParaRPr>
-          </a:p>
-          <a:p>
-            <a:pPr lvl="1" marL="864000" indent="-324000">
+          </a:p>
+          <a:p>
+            <a:pPr marL="864000" lvl="1" indent="-324000">
               <a:lnSpc>
                 <a:spcPct val="90000"/>
               </a:lnSpc>
@@ -5429,7 +5691,7 @@
               <a:buChar char=""/>
             </a:pPr>
             <a:r>
-              <a:rPr b="0" lang="fr-FR" sz="2000" spc="-1" strike="noStrike">
+              <a:rPr lang="fr-FR" sz="2000" b="0" strike="noStrike" spc="-1">
                 <a:solidFill>
                   <a:srgbClr val="000000"/>
                 </a:solidFill>
@@ -5437,15 +5699,9 @@
               </a:rPr>
               <a:t>Second Outline Level</a:t>
             </a:r>
-            <a:endParaRPr b="0" lang="fr-FR" sz="2000" spc="-1" strike="noStrike">
-              <a:solidFill>
-                <a:srgbClr val="000000"/>
-              </a:solidFill>
-              <a:latin typeface="Calibri"/>
-            </a:endParaRPr>
-          </a:p>
-          <a:p>
-            <a:pPr lvl="2" marL="1296000" indent="-288000">
+          </a:p>
+          <a:p>
+            <a:pPr marL="1296000" lvl="2" indent="-288000">
               <a:lnSpc>
                 <a:spcPct val="90000"/>
               </a:lnSpc>
@@ -5460,7 +5716,7 @@
               <a:buChar char=""/>
             </a:pPr>
             <a:r>
-              <a:rPr b="0" lang="fr-FR" sz="1800" spc="-1" strike="noStrike">
+              <a:rPr lang="fr-FR" sz="1800" b="0" strike="noStrike" spc="-1">
                 <a:solidFill>
                   <a:srgbClr val="000000"/>
                 </a:solidFill>
@@ -5468,15 +5724,9 @@
               </a:rPr>
               <a:t>Third Outline Level</a:t>
             </a:r>
-            <a:endParaRPr b="0" lang="fr-FR" sz="1800" spc="-1" strike="noStrike">
-              <a:solidFill>
-                <a:srgbClr val="000000"/>
-              </a:solidFill>
-              <a:latin typeface="Calibri"/>
-            </a:endParaRPr>
-          </a:p>
-          <a:p>
-            <a:pPr lvl="3" marL="1728000" indent="-216000">
+          </a:p>
+          <a:p>
+            <a:pPr marL="1728000" lvl="3" indent="-216000">
               <a:lnSpc>
                 <a:spcPct val="90000"/>
               </a:lnSpc>
@@ -5491,7 +5741,7 @@
               <a:buChar char=""/>
             </a:pPr>
             <a:r>
-              <a:rPr b="0" lang="fr-FR" sz="1800" spc="-1" strike="noStrike">
+              <a:rPr lang="fr-FR" sz="1800" b="0" strike="noStrike" spc="-1">
                 <a:solidFill>
                   <a:srgbClr val="000000"/>
                 </a:solidFill>
@@ -5499,15 +5749,9 @@
               </a:rPr>
               <a:t>Fourth Outline Level</a:t>
             </a:r>
-            <a:endParaRPr b="0" lang="fr-FR" sz="1800" spc="-1" strike="noStrike">
-              <a:solidFill>
-                <a:srgbClr val="000000"/>
-              </a:solidFill>
-              <a:latin typeface="Calibri"/>
-            </a:endParaRPr>
-          </a:p>
-          <a:p>
-            <a:pPr lvl="4" marL="2160000" indent="-216000">
+          </a:p>
+          <a:p>
+            <a:pPr marL="2160000" lvl="4" indent="-216000">
               <a:lnSpc>
                 <a:spcPct val="90000"/>
               </a:lnSpc>
@@ -5522,7 +5766,7 @@
               <a:buChar char=""/>
             </a:pPr>
             <a:r>
-              <a:rPr b="0" lang="fr-FR" sz="2000" spc="-1" strike="noStrike">
+              <a:rPr lang="fr-FR" sz="2000" b="0" strike="noStrike" spc="-1">
                 <a:solidFill>
                   <a:srgbClr val="000000"/>
                 </a:solidFill>
@@ -5530,15 +5774,9 @@
               </a:rPr>
               <a:t>Fifth Outline Level</a:t>
             </a:r>
-            <a:endParaRPr b="0" lang="fr-FR" sz="2000" spc="-1" strike="noStrike">
-              <a:solidFill>
-                <a:srgbClr val="000000"/>
-              </a:solidFill>
-              <a:latin typeface="Calibri"/>
-            </a:endParaRPr>
-          </a:p>
-          <a:p>
-            <a:pPr lvl="5" marL="2592000" indent="-216000">
+          </a:p>
+          <a:p>
+            <a:pPr marL="2592000" lvl="5" indent="-216000">
               <a:lnSpc>
                 <a:spcPct val="90000"/>
               </a:lnSpc>
@@ -5553,7 +5791,7 @@
               <a:buChar char=""/>
             </a:pPr>
             <a:r>
-              <a:rPr b="0" lang="fr-FR" sz="2000" spc="-1" strike="noStrike">
+              <a:rPr lang="fr-FR" sz="2000" b="0" strike="noStrike" spc="-1">
                 <a:solidFill>
                   <a:srgbClr val="000000"/>
                 </a:solidFill>
@@ -5561,15 +5799,9 @@
               </a:rPr>
               <a:t>Sixth Outline Level</a:t>
             </a:r>
-            <a:endParaRPr b="0" lang="fr-FR" sz="2000" spc="-1" strike="noStrike">
-              <a:solidFill>
-                <a:srgbClr val="000000"/>
-              </a:solidFill>
-              <a:latin typeface="Calibri"/>
-            </a:endParaRPr>
-          </a:p>
-          <a:p>
-            <a:pPr lvl="6" marL="3024000" indent="-216000">
+          </a:p>
+          <a:p>
+            <a:pPr marL="3024000" lvl="6" indent="-216000">
               <a:lnSpc>
                 <a:spcPct val="90000"/>
               </a:lnSpc>
@@ -5584,7 +5816,7 @@
               <a:buChar char=""/>
             </a:pPr>
             <a:r>
-              <a:rPr b="0" lang="fr-FR" sz="2000" spc="-1" strike="noStrike">
+              <a:rPr lang="fr-FR" sz="2000" b="0" strike="noStrike" spc="-1">
                 <a:solidFill>
                   <a:srgbClr val="000000"/>
                 </a:solidFill>
@@ -5592,43 +5824,318 @@
               </a:rPr>
               <a:t>Seventh Outline Level</a:t>
             </a:r>
-            <a:endParaRPr b="0" lang="fr-FR" sz="2000" spc="-1" strike="noStrike">
-              <a:solidFill>
-                <a:srgbClr val="000000"/>
-              </a:solidFill>
-              <a:latin typeface="Calibri"/>
-            </a:endParaRPr>
           </a:p>
         </p:txBody>
       </p:sp>
     </p:spTree>
   </p:cSld>
-  <p:clrMap bg1="lt1" bg2="lt2" tx1="dk1" tx2="dk2" accent1="accent1" accent2="accent2" accent3="accent3" accent4="accent4" accent5="accent5" accent6="accent6" hlink="hlink" folHlink="folHlink"/>
+  <p:clrMap bg1="lt1" tx1="dk1" bg2="lt2" tx2="dk2" accent1="accent1" accent2="accent2" accent3="accent3" accent4="accent4" accent5="accent5" accent6="accent6" hlink="hlink" folHlink="folHlink"/>
   <p:sldLayoutIdLst>
-    <p:sldLayoutId id="2147483649" r:id="rId2"/>
-    <p:sldLayoutId id="2147483650" r:id="rId3"/>
-    <p:sldLayoutId id="2147483651" r:id="rId4"/>
-    <p:sldLayoutId id="2147483652" r:id="rId5"/>
-    <p:sldLayoutId id="2147483653" r:id="rId6"/>
-    <p:sldLayoutId id="2147483654" r:id="rId7"/>
-    <p:sldLayoutId id="2147483655" r:id="rId8"/>
-    <p:sldLayoutId id="2147483656" r:id="rId9"/>
-    <p:sldLayoutId id="2147483657" r:id="rId10"/>
-    <p:sldLayoutId id="2147483658" r:id="rId11"/>
-    <p:sldLayoutId id="2147483659" r:id="rId12"/>
-    <p:sldLayoutId id="2147483660" r:id="rId13"/>
+    <p:sldLayoutId id="2147483649" r:id="rId1"/>
+    <p:sldLayoutId id="2147483650" r:id="rId2"/>
+    <p:sldLayoutId id="2147483651" r:id="rId3"/>
+    <p:sldLayoutId id="2147483652" r:id="rId4"/>
+    <p:sldLayoutId id="2147483653" r:id="rId5"/>
+    <p:sldLayoutId id="2147483654" r:id="rId6"/>
+    <p:sldLayoutId id="2147483655" r:id="rId7"/>
+    <p:sldLayoutId id="2147483656" r:id="rId8"/>
+    <p:sldLayoutId id="2147483657" r:id="rId9"/>
+    <p:sldLayoutId id="2147483658" r:id="rId10"/>
+    <p:sldLayoutId id="2147483659" r:id="rId11"/>
+    <p:sldLayoutId id="2147483660" r:id="rId12"/>
   </p:sldLayoutIdLst>
+  <p:txStyles>
+    <p:titleStyle>
+      <a:lvl1pPr algn="l" defTabSz="914400" rtl="0" eaLnBrk="1" latinLnBrk="0" hangingPunct="1">
+        <a:lnSpc>
+          <a:spcPct val="90000"/>
+        </a:lnSpc>
+        <a:spcBef>
+          <a:spcPct val="0"/>
+        </a:spcBef>
+        <a:buNone/>
+        <a:defRPr sz="4400" kern="1200">
+          <a:solidFill>
+            <a:schemeClr val="tx1"/>
+          </a:solidFill>
+          <a:latin typeface="+mj-lt"/>
+          <a:ea typeface="+mj-ea"/>
+          <a:cs typeface="+mj-cs"/>
+        </a:defRPr>
+      </a:lvl1pPr>
+    </p:titleStyle>
+    <p:bodyStyle>
+      <a:lvl1pPr marL="228600" indent="-228600" algn="l" defTabSz="914400" rtl="0" eaLnBrk="1" latinLnBrk="0" hangingPunct="1">
+        <a:lnSpc>
+          <a:spcPct val="90000"/>
+        </a:lnSpc>
+        <a:spcBef>
+          <a:spcPts val="1000"/>
+        </a:spcBef>
+        <a:buFont typeface="Arial" panose="020B0604020202020204" pitchFamily="34" charset="0"/>
+        <a:buChar char="•"/>
+        <a:defRPr sz="2800" kern="1200">
+          <a:solidFill>
+            <a:schemeClr val="tx1"/>
+          </a:solidFill>
+          <a:latin typeface="+mn-lt"/>
+          <a:ea typeface="+mn-ea"/>
+          <a:cs typeface="+mn-cs"/>
+        </a:defRPr>
+      </a:lvl1pPr>
+      <a:lvl2pPr marL="685800" indent="-228600" algn="l" defTabSz="914400" rtl="0" eaLnBrk="1" latinLnBrk="0" hangingPunct="1">
+        <a:lnSpc>
+          <a:spcPct val="90000"/>
+        </a:lnSpc>
+        <a:spcBef>
+          <a:spcPts val="500"/>
+        </a:spcBef>
+        <a:buFont typeface="Arial" panose="020B0604020202020204" pitchFamily="34" charset="0"/>
+        <a:buChar char="•"/>
+        <a:defRPr sz="2400" kern="1200">
+          <a:solidFill>
+            <a:schemeClr val="tx1"/>
+          </a:solidFill>
+          <a:latin typeface="+mn-lt"/>
+          <a:ea typeface="+mn-ea"/>
+          <a:cs typeface="+mn-cs"/>
+        </a:defRPr>
+      </a:lvl2pPr>
+      <a:lvl3pPr marL="1143000" indent="-228600" algn="l" defTabSz="914400" rtl="0" eaLnBrk="1" latinLnBrk="0" hangingPunct="1">
+        <a:lnSpc>
+          <a:spcPct val="90000"/>
+        </a:lnSpc>
+        <a:spcBef>
+          <a:spcPts val="500"/>
+        </a:spcBef>
+        <a:buFont typeface="Arial" panose="020B0604020202020204" pitchFamily="34" charset="0"/>
+        <a:buChar char="•"/>
+        <a:defRPr sz="2000" kern="1200">
+          <a:solidFill>
+            <a:schemeClr val="tx1"/>
+          </a:solidFill>
+          <a:latin typeface="+mn-lt"/>
+          <a:ea typeface="+mn-ea"/>
+          <a:cs typeface="+mn-cs"/>
+        </a:defRPr>
+      </a:lvl3pPr>
+      <a:lvl4pPr marL="1600200" indent="-228600" algn="l" defTabSz="914400" rtl="0" eaLnBrk="1" latinLnBrk="0" hangingPunct="1">
+        <a:lnSpc>
+          <a:spcPct val="90000"/>
+        </a:lnSpc>
+        <a:spcBef>
+          <a:spcPts val="500"/>
+        </a:spcBef>
+        <a:buFont typeface="Arial" panose="020B0604020202020204" pitchFamily="34" charset="0"/>
+        <a:buChar char="•"/>
+        <a:defRPr sz="1800" kern="1200">
+          <a:solidFill>
+            <a:schemeClr val="tx1"/>
+          </a:solidFill>
+          <a:latin typeface="+mn-lt"/>
+          <a:ea typeface="+mn-ea"/>
+          <a:cs typeface="+mn-cs"/>
+        </a:defRPr>
+      </a:lvl4pPr>
+      <a:lvl5pPr marL="2057400" indent="-228600" algn="l" defTabSz="914400" rtl="0" eaLnBrk="1" latinLnBrk="0" hangingPunct="1">
+        <a:lnSpc>
+          <a:spcPct val="90000"/>
+        </a:lnSpc>
+        <a:spcBef>
+          <a:spcPts val="500"/>
+        </a:spcBef>
+        <a:buFont typeface="Arial" panose="020B0604020202020204" pitchFamily="34" charset="0"/>
+        <a:buChar char="•"/>
+        <a:defRPr sz="1800" kern="1200">
+          <a:solidFill>
+            <a:schemeClr val="tx1"/>
+          </a:solidFill>
+          <a:latin typeface="+mn-lt"/>
+          <a:ea typeface="+mn-ea"/>
+          <a:cs typeface="+mn-cs"/>
+        </a:defRPr>
+      </a:lvl5pPr>
+      <a:lvl6pPr marL="2514600" indent="-228600" algn="l" defTabSz="914400" rtl="0" eaLnBrk="1" latinLnBrk="0" hangingPunct="1">
+        <a:lnSpc>
+          <a:spcPct val="90000"/>
+        </a:lnSpc>
+        <a:spcBef>
+          <a:spcPts val="500"/>
+        </a:spcBef>
+        <a:buFont typeface="Arial" panose="020B0604020202020204" pitchFamily="34" charset="0"/>
+        <a:buChar char="•"/>
+        <a:defRPr sz="1800" kern="1200">
+          <a:solidFill>
+            <a:schemeClr val="tx1"/>
+          </a:solidFill>
+          <a:latin typeface="+mn-lt"/>
+          <a:ea typeface="+mn-ea"/>
+          <a:cs typeface="+mn-cs"/>
+        </a:defRPr>
+      </a:lvl6pPr>
+      <a:lvl7pPr marL="2971800" indent="-228600" algn="l" defTabSz="914400" rtl="0" eaLnBrk="1" latinLnBrk="0" hangingPunct="1">
+        <a:lnSpc>
+          <a:spcPct val="90000"/>
+        </a:lnSpc>
+        <a:spcBef>
+          <a:spcPts val="500"/>
+        </a:spcBef>
+        <a:buFont typeface="Arial" panose="020B0604020202020204" pitchFamily="34" charset="0"/>
+        <a:buChar char="•"/>
+        <a:defRPr sz="1800" kern="1200">
+          <a:solidFill>
+            <a:schemeClr val="tx1"/>
+          </a:solidFill>
+          <a:latin typeface="+mn-lt"/>
+          <a:ea typeface="+mn-ea"/>
+          <a:cs typeface="+mn-cs"/>
+        </a:defRPr>
+      </a:lvl7pPr>
+      <a:lvl8pPr marL="3429000" indent="-228600" algn="l" defTabSz="914400" rtl="0" eaLnBrk="1" latinLnBrk="0" hangingPunct="1">
+        <a:lnSpc>
+          <a:spcPct val="90000"/>
+        </a:lnSpc>
+        <a:spcBef>
+          <a:spcPts val="500"/>
+        </a:spcBef>
+        <a:buFont typeface="Arial" panose="020B0604020202020204" pitchFamily="34" charset="0"/>
+        <a:buChar char="•"/>
+        <a:defRPr sz="1800" kern="1200">
+          <a:solidFill>
+            <a:schemeClr val="tx1"/>
+          </a:solidFill>
+          <a:latin typeface="+mn-lt"/>
+          <a:ea typeface="+mn-ea"/>
+          <a:cs typeface="+mn-cs"/>
+        </a:defRPr>
+      </a:lvl8pPr>
+      <a:lvl9pPr marL="3886200" indent="-228600" algn="l" defTabSz="914400" rtl="0" eaLnBrk="1" latinLnBrk="0" hangingPunct="1">
+        <a:lnSpc>
+          <a:spcPct val="90000"/>
+        </a:lnSpc>
+        <a:spcBef>
+          <a:spcPts val="500"/>
+        </a:spcBef>
+        <a:buFont typeface="Arial" panose="020B0604020202020204" pitchFamily="34" charset="0"/>
+        <a:buChar char="•"/>
+        <a:defRPr sz="1800" kern="1200">
+          <a:solidFill>
+            <a:schemeClr val="tx1"/>
+          </a:solidFill>
+          <a:latin typeface="+mn-lt"/>
+          <a:ea typeface="+mn-ea"/>
+          <a:cs typeface="+mn-cs"/>
+        </a:defRPr>
+      </a:lvl9pPr>
+    </p:bodyStyle>
+    <p:otherStyle>
+      <a:defPPr>
+        <a:defRPr lang="fr-FR"/>
+      </a:defPPr>
+      <a:lvl1pPr marL="0" algn="l" defTabSz="914400" rtl="0" eaLnBrk="1" latinLnBrk="0" hangingPunct="1">
+        <a:defRPr sz="1800" kern="1200">
+          <a:solidFill>
+            <a:schemeClr val="tx1"/>
+          </a:solidFill>
+          <a:latin typeface="+mn-lt"/>
+          <a:ea typeface="+mn-ea"/>
+          <a:cs typeface="+mn-cs"/>
+        </a:defRPr>
+      </a:lvl1pPr>
+      <a:lvl2pPr marL="457200" algn="l" defTabSz="914400" rtl="0" eaLnBrk="1" latinLnBrk="0" hangingPunct="1">
+        <a:defRPr sz="1800" kern="1200">
+          <a:solidFill>
+            <a:schemeClr val="tx1"/>
+          </a:solidFill>
+          <a:latin typeface="+mn-lt"/>
+          <a:ea typeface="+mn-ea"/>
+          <a:cs typeface="+mn-cs"/>
+        </a:defRPr>
+      </a:lvl2pPr>
+      <a:lvl3pPr marL="914400" algn="l" defTabSz="914400" rtl="0" eaLnBrk="1" latinLnBrk="0" hangingPunct="1">
+        <a:defRPr sz="1800" kern="1200">
+          <a:solidFill>
+            <a:schemeClr val="tx1"/>
+          </a:solidFill>
+          <a:latin typeface="+mn-lt"/>
+          <a:ea typeface="+mn-ea"/>
+          <a:cs typeface="+mn-cs"/>
+        </a:defRPr>
+      </a:lvl3pPr>
+      <a:lvl4pPr marL="1371600" algn="l" defTabSz="914400" rtl="0" eaLnBrk="1" latinLnBrk="0" hangingPunct="1">
+        <a:defRPr sz="1800" kern="1200">
+          <a:solidFill>
+            <a:schemeClr val="tx1"/>
+          </a:solidFill>
+          <a:latin typeface="+mn-lt"/>
+          <a:ea typeface="+mn-ea"/>
+          <a:cs typeface="+mn-cs"/>
+        </a:defRPr>
+      </a:lvl4pPr>
+      <a:lvl5pPr marL="1828800" algn="l" defTabSz="914400" rtl="0" eaLnBrk="1" latinLnBrk="0" hangingPunct="1">
+        <a:defRPr sz="1800" kern="1200">
+          <a:solidFill>
+            <a:schemeClr val="tx1"/>
+          </a:solidFill>
+          <a:latin typeface="+mn-lt"/>
+          <a:ea typeface="+mn-ea"/>
+          <a:cs typeface="+mn-cs"/>
+        </a:defRPr>
+      </a:lvl5pPr>
+      <a:lvl6pPr marL="2286000" algn="l" defTabSz="914400" rtl="0" eaLnBrk="1" latinLnBrk="0" hangingPunct="1">
+        <a:defRPr sz="1800" kern="1200">
+          <a:solidFill>
+            <a:schemeClr val="tx1"/>
+          </a:solidFill>
+          <a:latin typeface="+mn-lt"/>
+          <a:ea typeface="+mn-ea"/>
+          <a:cs typeface="+mn-cs"/>
+        </a:defRPr>
+      </a:lvl6pPr>
+      <a:lvl7pPr marL="2743200" algn="l" defTabSz="914400" rtl="0" eaLnBrk="1" latinLnBrk="0" hangingPunct="1">
+        <a:defRPr sz="1800" kern="1200">
+          <a:solidFill>
+            <a:schemeClr val="tx1"/>
+          </a:solidFill>
+          <a:latin typeface="+mn-lt"/>
+          <a:ea typeface="+mn-ea"/>
+          <a:cs typeface="+mn-cs"/>
+        </a:defRPr>
+      </a:lvl7pPr>
+      <a:lvl8pPr marL="3200400" algn="l" defTabSz="914400" rtl="0" eaLnBrk="1" latinLnBrk="0" hangingPunct="1">
+        <a:defRPr sz="1800" kern="1200">
+          <a:solidFill>
+            <a:schemeClr val="tx1"/>
+          </a:solidFill>
+          <a:latin typeface="+mn-lt"/>
+          <a:ea typeface="+mn-ea"/>
+          <a:cs typeface="+mn-cs"/>
+        </a:defRPr>
+      </a:lvl8pPr>
+      <a:lvl9pPr marL="3657600" algn="l" defTabSz="914400" rtl="0" eaLnBrk="1" latinLnBrk="0" hangingPunct="1">
+        <a:defRPr sz="1800" kern="1200">
+          <a:solidFill>
+            <a:schemeClr val="tx1"/>
+          </a:solidFill>
+          <a:latin typeface="+mn-lt"/>
+          <a:ea typeface="+mn-ea"/>
+          <a:cs typeface="+mn-cs"/>
+        </a:defRPr>
+      </a:lvl9pPr>
+    </p:otherStyle>
+  </p:txStyles>
 </p:sldMaster>
 </file>
 
 <file path=ppt/slideMasters/slideMaster2.xml><?xml version="1.0" encoding="utf-8"?>
-<p:sldMaster xmlns:a="http://schemas.openxmlformats.org/drawingml/2006/main" xmlns:p="http://schemas.openxmlformats.org/presentationml/2006/main" xmlns:r="http://schemas.openxmlformats.org/officeDocument/2006/relationships" xmlns:p14="http://schemas.microsoft.com/office/powerpoint/2010/main" xmlns:p15="http://schemas.microsoft.com/office/powerpoint/2012/main" xmlns:mc="http://schemas.openxmlformats.org/markup-compatibility/2006">
+<p:sldMaster xmlns:a="http://schemas.openxmlformats.org/drawingml/2006/main" xmlns:r="http://schemas.openxmlformats.org/officeDocument/2006/relationships" xmlns:p="http://schemas.openxmlformats.org/presentationml/2006/main">
   <p:cSld>
     <p:bg>
       <p:bgPr>
         <a:solidFill>
-          <a:srgbClr val="ffffff"/>
+          <a:srgbClr val="FFFFFF"/>
         </a:solidFill>
+        <a:effectLst/>
       </p:bgPr>
     </p:bg>
     <p:spTree>
@@ -5672,6 +6179,7 @@
           <a:bodyPr anchor="ctr">
             <a:noAutofit/>
           </a:bodyPr>
+          <a:lstStyle/>
           <a:p>
             <a:pPr>
               <a:lnSpc>
@@ -5680,7 +6188,7 @@
               <a:buNone/>
             </a:pPr>
             <a:r>
-              <a:rPr b="0" lang="en-US" sz="4400" spc="-1" strike="noStrike">
+              <a:rPr lang="en-US" sz="4400" b="0" strike="noStrike" spc="-1">
                 <a:solidFill>
                   <a:srgbClr val="000000"/>
                 </a:solidFill>
@@ -5688,7 +6196,7 @@
               </a:rPr>
               <a:t>Click to edit Master title style</a:t>
             </a:r>
-            <a:endParaRPr b="0" lang="fr-FR" sz="4400" spc="-1" strike="noStrike">
+            <a:endParaRPr lang="fr-FR" sz="4400" b="0" strike="noStrike" spc="-1">
               <a:solidFill>
                 <a:srgbClr val="000000"/>
               </a:solidFill>
@@ -5724,6 +6232,7 @@
           <a:bodyPr anchor="t">
             <a:noAutofit/>
           </a:bodyPr>
+          <a:lstStyle/>
           <a:p>
             <a:pPr marL="228600" indent="-228600">
               <a:lnSpc>
@@ -5739,7 +6248,7 @@
               <a:buChar char="•"/>
             </a:pPr>
             <a:r>
-              <a:rPr b="0" lang="en-US" sz="2800" spc="-1" strike="noStrike">
+              <a:rPr lang="en-US" sz="2800" b="0" strike="noStrike" spc="-1">
                 <a:solidFill>
                   <a:srgbClr val="000000"/>
                 </a:solidFill>
@@ -5747,7 +6256,7 @@
               </a:rPr>
               <a:t>Click to edit Master text styles</a:t>
             </a:r>
-            <a:endParaRPr b="0" lang="fr-FR" sz="2800" spc="-1" strike="noStrike">
+            <a:endParaRPr lang="fr-FR" sz="2800" b="0" strike="noStrike" spc="-1">
               <a:solidFill>
                 <a:srgbClr val="000000"/>
               </a:solidFill>
@@ -5755,7 +6264,7 @@
             </a:endParaRPr>
           </a:p>
           <a:p>
-            <a:pPr lvl="1" marL="685800" indent="-228600">
+            <a:pPr marL="685800" lvl="1" indent="-228600">
               <a:lnSpc>
                 <a:spcPct val="90000"/>
               </a:lnSpc>
@@ -5769,7 +6278,7 @@
               <a:buChar char="•"/>
             </a:pPr>
             <a:r>
-              <a:rPr b="0" lang="en-US" sz="2400" spc="-1" strike="noStrike">
+              <a:rPr lang="en-US" sz="2400" b="0" strike="noStrike" spc="-1">
                 <a:solidFill>
                   <a:srgbClr val="000000"/>
                 </a:solidFill>
@@ -5777,7 +6286,7 @@
               </a:rPr>
               <a:t>Second level</a:t>
             </a:r>
-            <a:endParaRPr b="0" lang="fr-FR" sz="2400" spc="-1" strike="noStrike">
+            <a:endParaRPr lang="fr-FR" sz="2400" b="0" strike="noStrike" spc="-1">
               <a:solidFill>
                 <a:srgbClr val="000000"/>
               </a:solidFill>
@@ -5785,7 +6294,7 @@
             </a:endParaRPr>
           </a:p>
           <a:p>
-            <a:pPr lvl="2" marL="1143000" indent="-228600">
+            <a:pPr marL="1143000" lvl="2" indent="-228600">
               <a:lnSpc>
                 <a:spcPct val="90000"/>
               </a:lnSpc>
@@ -5799,7 +6308,7 @@
               <a:buChar char="•"/>
             </a:pPr>
             <a:r>
-              <a:rPr b="0" lang="en-US" sz="2000" spc="-1" strike="noStrike">
+              <a:rPr lang="en-US" sz="2000" b="0" strike="noStrike" spc="-1">
                 <a:solidFill>
                   <a:srgbClr val="000000"/>
                 </a:solidFill>
@@ -5807,7 +6316,7 @@
               </a:rPr>
               <a:t>Third level</a:t>
             </a:r>
-            <a:endParaRPr b="0" lang="fr-FR" sz="2000" spc="-1" strike="noStrike">
+            <a:endParaRPr lang="fr-FR" sz="2000" b="0" strike="noStrike" spc="-1">
               <a:solidFill>
                 <a:srgbClr val="000000"/>
               </a:solidFill>
@@ -5815,7 +6324,7 @@
             </a:endParaRPr>
           </a:p>
           <a:p>
-            <a:pPr lvl="3" marL="1600200" indent="-228600">
+            <a:pPr marL="1600200" lvl="3" indent="-228600">
               <a:lnSpc>
                 <a:spcPct val="90000"/>
               </a:lnSpc>
@@ -5829,7 +6338,7 @@
               <a:buChar char="•"/>
             </a:pPr>
             <a:r>
-              <a:rPr b="0" lang="en-US" sz="1800" spc="-1" strike="noStrike">
+              <a:rPr lang="en-US" sz="1800" b="0" strike="noStrike" spc="-1">
                 <a:solidFill>
                   <a:srgbClr val="000000"/>
                 </a:solidFill>
@@ -5837,7 +6346,7 @@
               </a:rPr>
               <a:t>Fourth level</a:t>
             </a:r>
-            <a:endParaRPr b="0" lang="fr-FR" sz="1800" spc="-1" strike="noStrike">
+            <a:endParaRPr lang="fr-FR" sz="1800" b="0" strike="noStrike" spc="-1">
               <a:solidFill>
                 <a:srgbClr val="000000"/>
               </a:solidFill>
@@ -5845,7 +6354,7 @@
             </a:endParaRPr>
           </a:p>
           <a:p>
-            <a:pPr lvl="4" marL="2057400" indent="-228600">
+            <a:pPr marL="2057400" lvl="4" indent="-228600">
               <a:lnSpc>
                 <a:spcPct val="90000"/>
               </a:lnSpc>
@@ -5859,7 +6368,7 @@
               <a:buChar char="•"/>
             </a:pPr>
             <a:r>
-              <a:rPr b="0" lang="en-US" sz="1800" spc="-1" strike="noStrike">
+              <a:rPr lang="en-US" sz="1800" b="0" strike="noStrike" spc="-1">
                 <a:solidFill>
                   <a:srgbClr val="000000"/>
                 </a:solidFill>
@@ -5867,7 +6376,7 @@
               </a:rPr>
               <a:t>Fifth level</a:t>
             </a:r>
-            <a:endParaRPr b="0" lang="fr-FR" sz="1800" spc="-1" strike="noStrike">
+            <a:endParaRPr lang="fr-FR" sz="1800" b="0" strike="noStrike" spc="-1">
               <a:solidFill>
                 <a:srgbClr val="000000"/>
               </a:solidFill>
@@ -5909,9 +6418,9 @@
                 <a:spcPct val="100000"/>
               </a:lnSpc>
               <a:buNone/>
-              <a:defRPr b="0" lang="fr-FR" sz="1200" spc="-1" strike="noStrike">
+              <a:defRPr lang="fr-FR" sz="1200" b="0" strike="noStrike" spc="-1">
                 <a:solidFill>
-                  <a:srgbClr val="8b8b8b"/>
+                  <a:srgbClr val="8B8B8B"/>
                 </a:solidFill>
                 <a:latin typeface="Calibri"/>
               </a:defRPr>
@@ -5925,15 +6434,15 @@
               <a:buNone/>
             </a:pPr>
             <a:r>
-              <a:rPr b="0" lang="fr-FR" sz="1200" spc="-1" strike="noStrike">
+              <a:rPr lang="fr-FR" sz="1200" b="0" strike="noStrike" spc="-1">
                 <a:solidFill>
-                  <a:srgbClr val="8b8b8b"/>
+                  <a:srgbClr val="8B8B8B"/>
                 </a:solidFill>
                 <a:latin typeface="Calibri"/>
               </a:rPr>
               <a:t>&lt;date/time&gt;</a:t>
             </a:r>
-            <a:endParaRPr b="0" lang="en-US" sz="1200" spc="-1" strike="noStrike">
+            <a:endParaRPr lang="en-US" sz="1200" b="0" strike="noStrike" spc="-1">
               <a:latin typeface="Times New Roman"/>
             </a:endParaRPr>
           </a:p>
@@ -5969,7 +6478,7 @@
           <a:lstStyle>
             <a:lvl1pPr algn="ctr">
               <a:buNone/>
-              <a:defRPr b="0" lang="en-US" sz="1400" spc="-1" strike="noStrike">
+              <a:defRPr lang="en-US" sz="1400" b="0" strike="noStrike" spc="-1">
                 <a:latin typeface="Times New Roman"/>
               </a:defRPr>
             </a:lvl1pPr>
@@ -5979,14 +6488,11 @@
               <a:buNone/>
             </a:pPr>
             <a:r>
-              <a:rPr b="0" lang="en-US" sz="1400" spc="-1" strike="noStrike">
+              <a:rPr lang="en-US" sz="1400" b="0" strike="noStrike" spc="-1">
                 <a:latin typeface="Times New Roman"/>
               </a:rPr>
               <a:t>&lt;footer&gt;</a:t>
             </a:r>
-            <a:endParaRPr b="0" lang="en-US" sz="1400" spc="-1" strike="noStrike">
-              <a:latin typeface="Times New Roman"/>
-            </a:endParaRPr>
           </a:p>
         </p:txBody>
       </p:sp>
@@ -6023,9 +6529,9 @@
                 <a:spcPct val="100000"/>
               </a:lnSpc>
               <a:buNone/>
-              <a:defRPr b="0" lang="fr-FR" sz="1200" spc="-1" strike="noStrike">
+              <a:defRPr lang="fr-FR" sz="1200" b="0" strike="noStrike" spc="-1">
                 <a:solidFill>
-                  <a:srgbClr val="8b8b8b"/>
+                  <a:srgbClr val="8B8B8B"/>
                 </a:solidFill>
                 <a:latin typeface="Calibri"/>
               </a:defRPr>
@@ -6039,15 +6545,15 @@
               <a:buNone/>
             </a:pPr>
             <a:fld id="{2A90C842-509E-4932-A479-D73951613919}" type="slidenum">
-              <a:rPr b="0" lang="fr-FR" sz="1200" spc="-1" strike="noStrike">
+              <a:rPr lang="fr-FR" sz="1200" b="0" strike="noStrike" spc="-1">
                 <a:solidFill>
-                  <a:srgbClr val="8b8b8b"/>
+                  <a:srgbClr val="8B8B8B"/>
                 </a:solidFill>
                 <a:latin typeface="Calibri"/>
               </a:rPr>
-              <a:t>&lt;number&gt;</a:t>
+              <a:t>‹N°›</a:t>
             </a:fld>
-            <a:endParaRPr b="0" lang="en-US" sz="1200" spc="-1" strike="noStrike">
+            <a:endParaRPr lang="en-US" sz="1200" b="0" strike="noStrike" spc="-1">
               <a:latin typeface="Times New Roman"/>
             </a:endParaRPr>
           </a:p>
@@ -6055,26 +6561,306 @@
       </p:sp>
     </p:spTree>
   </p:cSld>
-  <p:clrMap bg1="lt1" bg2="lt2" tx1="dk1" tx2="dk2" accent1="accent1" accent2="accent2" accent3="accent3" accent4="accent4" accent5="accent5" accent6="accent6" hlink="hlink" folHlink="folHlink"/>
+  <p:clrMap bg1="lt1" tx1="dk1" bg2="lt2" tx2="dk2" accent1="accent1" accent2="accent2" accent3="accent3" accent4="accent4" accent5="accent5" accent6="accent6" hlink="hlink" folHlink="folHlink"/>
   <p:sldLayoutIdLst>
-    <p:sldLayoutId id="2147483662" r:id="rId2"/>
-    <p:sldLayoutId id="2147483663" r:id="rId3"/>
-    <p:sldLayoutId id="2147483664" r:id="rId4"/>
-    <p:sldLayoutId id="2147483665" r:id="rId5"/>
-    <p:sldLayoutId id="2147483666" r:id="rId6"/>
-    <p:sldLayoutId id="2147483667" r:id="rId7"/>
-    <p:sldLayoutId id="2147483668" r:id="rId8"/>
-    <p:sldLayoutId id="2147483669" r:id="rId9"/>
-    <p:sldLayoutId id="2147483670" r:id="rId10"/>
-    <p:sldLayoutId id="2147483671" r:id="rId11"/>
-    <p:sldLayoutId id="2147483672" r:id="rId12"/>
-    <p:sldLayoutId id="2147483673" r:id="rId13"/>
+    <p:sldLayoutId id="2147483662" r:id="rId1"/>
+    <p:sldLayoutId id="2147483663" r:id="rId2"/>
+    <p:sldLayoutId id="2147483664" r:id="rId3"/>
+    <p:sldLayoutId id="2147483665" r:id="rId4"/>
+    <p:sldLayoutId id="2147483666" r:id="rId5"/>
+    <p:sldLayoutId id="2147483667" r:id="rId6"/>
+    <p:sldLayoutId id="2147483668" r:id="rId7"/>
+    <p:sldLayoutId id="2147483669" r:id="rId8"/>
+    <p:sldLayoutId id="2147483670" r:id="rId9"/>
+    <p:sldLayoutId id="2147483671" r:id="rId10"/>
+    <p:sldLayoutId id="2147483672" r:id="rId11"/>
+    <p:sldLayoutId id="2147483673" r:id="rId12"/>
   </p:sldLayoutIdLst>
+  <p:txStyles>
+    <p:titleStyle>
+      <a:lvl1pPr algn="l" defTabSz="914400" rtl="0" eaLnBrk="1" latinLnBrk="0" hangingPunct="1">
+        <a:lnSpc>
+          <a:spcPct val="90000"/>
+        </a:lnSpc>
+        <a:spcBef>
+          <a:spcPct val="0"/>
+        </a:spcBef>
+        <a:buNone/>
+        <a:defRPr sz="4400" kern="1200">
+          <a:solidFill>
+            <a:schemeClr val="tx1"/>
+          </a:solidFill>
+          <a:latin typeface="+mj-lt"/>
+          <a:ea typeface="+mj-ea"/>
+          <a:cs typeface="+mj-cs"/>
+        </a:defRPr>
+      </a:lvl1pPr>
+    </p:titleStyle>
+    <p:bodyStyle>
+      <a:lvl1pPr marL="228600" indent="-228600" algn="l" defTabSz="914400" rtl="0" eaLnBrk="1" latinLnBrk="0" hangingPunct="1">
+        <a:lnSpc>
+          <a:spcPct val="90000"/>
+        </a:lnSpc>
+        <a:spcBef>
+          <a:spcPts val="1000"/>
+        </a:spcBef>
+        <a:buFont typeface="Arial" panose="020B0604020202020204" pitchFamily="34" charset="0"/>
+        <a:buChar char="•"/>
+        <a:defRPr sz="2800" kern="1200">
+          <a:solidFill>
+            <a:schemeClr val="tx1"/>
+          </a:solidFill>
+          <a:latin typeface="+mn-lt"/>
+          <a:ea typeface="+mn-ea"/>
+          <a:cs typeface="+mn-cs"/>
+        </a:defRPr>
+      </a:lvl1pPr>
+      <a:lvl2pPr marL="685800" indent="-228600" algn="l" defTabSz="914400" rtl="0" eaLnBrk="1" latinLnBrk="0" hangingPunct="1">
+        <a:lnSpc>
+          <a:spcPct val="90000"/>
+        </a:lnSpc>
+        <a:spcBef>
+          <a:spcPts val="500"/>
+        </a:spcBef>
+        <a:buFont typeface="Arial" panose="020B0604020202020204" pitchFamily="34" charset="0"/>
+        <a:buChar char="•"/>
+        <a:defRPr sz="2400" kern="1200">
+          <a:solidFill>
+            <a:schemeClr val="tx1"/>
+          </a:solidFill>
+          <a:latin typeface="+mn-lt"/>
+          <a:ea typeface="+mn-ea"/>
+          <a:cs typeface="+mn-cs"/>
+        </a:defRPr>
+      </a:lvl2pPr>
+      <a:lvl3pPr marL="1143000" indent="-228600" algn="l" defTabSz="914400" rtl="0" eaLnBrk="1" latinLnBrk="0" hangingPunct="1">
+        <a:lnSpc>
+          <a:spcPct val="90000"/>
+        </a:lnSpc>
+        <a:spcBef>
+          <a:spcPts val="500"/>
+        </a:spcBef>
+        <a:buFont typeface="Arial" panose="020B0604020202020204" pitchFamily="34" charset="0"/>
+        <a:buChar char="•"/>
+        <a:defRPr sz="2000" kern="1200">
+          <a:solidFill>
+            <a:schemeClr val="tx1"/>
+          </a:solidFill>
+          <a:latin typeface="+mn-lt"/>
+          <a:ea typeface="+mn-ea"/>
+          <a:cs typeface="+mn-cs"/>
+        </a:defRPr>
+      </a:lvl3pPr>
+      <a:lvl4pPr marL="1600200" indent="-228600" algn="l" defTabSz="914400" rtl="0" eaLnBrk="1" latinLnBrk="0" hangingPunct="1">
+        <a:lnSpc>
+          <a:spcPct val="90000"/>
+        </a:lnSpc>
+        <a:spcBef>
+          <a:spcPts val="500"/>
+        </a:spcBef>
+        <a:buFont typeface="Arial" panose="020B0604020202020204" pitchFamily="34" charset="0"/>
+        <a:buChar char="•"/>
+        <a:defRPr sz="1800" kern="1200">
+          <a:solidFill>
+            <a:schemeClr val="tx1"/>
+          </a:solidFill>
+          <a:latin typeface="+mn-lt"/>
+          <a:ea typeface="+mn-ea"/>
+          <a:cs typeface="+mn-cs"/>
+        </a:defRPr>
+      </a:lvl4pPr>
+      <a:lvl5pPr marL="2057400" indent="-228600" algn="l" defTabSz="914400" rtl="0" eaLnBrk="1" latinLnBrk="0" hangingPunct="1">
+        <a:lnSpc>
+          <a:spcPct val="90000"/>
+        </a:lnSpc>
+        <a:spcBef>
+          <a:spcPts val="500"/>
+        </a:spcBef>
+        <a:buFont typeface="Arial" panose="020B0604020202020204" pitchFamily="34" charset="0"/>
+        <a:buChar char="•"/>
+        <a:defRPr sz="1800" kern="1200">
+          <a:solidFill>
+            <a:schemeClr val="tx1"/>
+          </a:solidFill>
+          <a:latin typeface="+mn-lt"/>
+          <a:ea typeface="+mn-ea"/>
+          <a:cs typeface="+mn-cs"/>
+        </a:defRPr>
+      </a:lvl5pPr>
+      <a:lvl6pPr marL="2514600" indent="-228600" algn="l" defTabSz="914400" rtl="0" eaLnBrk="1" latinLnBrk="0" hangingPunct="1">
+        <a:lnSpc>
+          <a:spcPct val="90000"/>
+        </a:lnSpc>
+        <a:spcBef>
+          <a:spcPts val="500"/>
+        </a:spcBef>
+        <a:buFont typeface="Arial" panose="020B0604020202020204" pitchFamily="34" charset="0"/>
+        <a:buChar char="•"/>
+        <a:defRPr sz="1800" kern="1200">
+          <a:solidFill>
+            <a:schemeClr val="tx1"/>
+          </a:solidFill>
+          <a:latin typeface="+mn-lt"/>
+          <a:ea typeface="+mn-ea"/>
+          <a:cs typeface="+mn-cs"/>
+        </a:defRPr>
+      </a:lvl6pPr>
+      <a:lvl7pPr marL="2971800" indent="-228600" algn="l" defTabSz="914400" rtl="0" eaLnBrk="1" latinLnBrk="0" hangingPunct="1">
+        <a:lnSpc>
+          <a:spcPct val="90000"/>
+        </a:lnSpc>
+        <a:spcBef>
+          <a:spcPts val="500"/>
+        </a:spcBef>
+        <a:buFont typeface="Arial" panose="020B0604020202020204" pitchFamily="34" charset="0"/>
+        <a:buChar char="•"/>
+        <a:defRPr sz="1800" kern="1200">
+          <a:solidFill>
+            <a:schemeClr val="tx1"/>
+          </a:solidFill>
+          <a:latin typeface="+mn-lt"/>
+          <a:ea typeface="+mn-ea"/>
+          <a:cs typeface="+mn-cs"/>
+        </a:defRPr>
+      </a:lvl7pPr>
+      <a:lvl8pPr marL="3429000" indent="-228600" algn="l" defTabSz="914400" rtl="0" eaLnBrk="1" latinLnBrk="0" hangingPunct="1">
+        <a:lnSpc>
+          <a:spcPct val="90000"/>
+        </a:lnSpc>
+        <a:spcBef>
+          <a:spcPts val="500"/>
+        </a:spcBef>
+        <a:buFont typeface="Arial" panose="020B0604020202020204" pitchFamily="34" charset="0"/>
+        <a:buChar char="•"/>
+        <a:defRPr sz="1800" kern="1200">
+          <a:solidFill>
+            <a:schemeClr val="tx1"/>
+          </a:solidFill>
+          <a:latin typeface="+mn-lt"/>
+          <a:ea typeface="+mn-ea"/>
+          <a:cs typeface="+mn-cs"/>
+        </a:defRPr>
+      </a:lvl8pPr>
+      <a:lvl9pPr marL="3886200" indent="-228600" algn="l" defTabSz="914400" rtl="0" eaLnBrk="1" latinLnBrk="0" hangingPunct="1">
+        <a:lnSpc>
+          <a:spcPct val="90000"/>
+        </a:lnSpc>
+        <a:spcBef>
+          <a:spcPts val="500"/>
+        </a:spcBef>
+        <a:buFont typeface="Arial" panose="020B0604020202020204" pitchFamily="34" charset="0"/>
+        <a:buChar char="•"/>
+        <a:defRPr sz="1800" kern="1200">
+          <a:solidFill>
+            <a:schemeClr val="tx1"/>
+          </a:solidFill>
+          <a:latin typeface="+mn-lt"/>
+          <a:ea typeface="+mn-ea"/>
+          <a:cs typeface="+mn-cs"/>
+        </a:defRPr>
+      </a:lvl9pPr>
+    </p:bodyStyle>
+    <p:otherStyle>
+      <a:defPPr>
+        <a:defRPr lang="fr-FR"/>
+      </a:defPPr>
+      <a:lvl1pPr marL="0" algn="l" defTabSz="914400" rtl="0" eaLnBrk="1" latinLnBrk="0" hangingPunct="1">
+        <a:defRPr sz="1800" kern="1200">
+          <a:solidFill>
+            <a:schemeClr val="tx1"/>
+          </a:solidFill>
+          <a:latin typeface="+mn-lt"/>
+          <a:ea typeface="+mn-ea"/>
+          <a:cs typeface="+mn-cs"/>
+        </a:defRPr>
+      </a:lvl1pPr>
+      <a:lvl2pPr marL="457200" algn="l" defTabSz="914400" rtl="0" eaLnBrk="1" latinLnBrk="0" hangingPunct="1">
+        <a:defRPr sz="1800" kern="1200">
+          <a:solidFill>
+            <a:schemeClr val="tx1"/>
+          </a:solidFill>
+          <a:latin typeface="+mn-lt"/>
+          <a:ea typeface="+mn-ea"/>
+          <a:cs typeface="+mn-cs"/>
+        </a:defRPr>
+      </a:lvl2pPr>
+      <a:lvl3pPr marL="914400" algn="l" defTabSz="914400" rtl="0" eaLnBrk="1" latinLnBrk="0" hangingPunct="1">
+        <a:defRPr sz="1800" kern="1200">
+          <a:solidFill>
+            <a:schemeClr val="tx1"/>
+          </a:solidFill>
+          <a:latin typeface="+mn-lt"/>
+          <a:ea typeface="+mn-ea"/>
+          <a:cs typeface="+mn-cs"/>
+        </a:defRPr>
+      </a:lvl3pPr>
+      <a:lvl4pPr marL="1371600" algn="l" defTabSz="914400" rtl="0" eaLnBrk="1" latinLnBrk="0" hangingPunct="1">
+        <a:defRPr sz="1800" kern="1200">
+          <a:solidFill>
+            <a:schemeClr val="tx1"/>
+          </a:solidFill>
+          <a:latin typeface="+mn-lt"/>
+          <a:ea typeface="+mn-ea"/>
+          <a:cs typeface="+mn-cs"/>
+        </a:defRPr>
+      </a:lvl4pPr>
+      <a:lvl5pPr marL="1828800" algn="l" defTabSz="914400" rtl="0" eaLnBrk="1" latinLnBrk="0" hangingPunct="1">
+        <a:defRPr sz="1800" kern="1200">
+          <a:solidFill>
+            <a:schemeClr val="tx1"/>
+          </a:solidFill>
+          <a:latin typeface="+mn-lt"/>
+          <a:ea typeface="+mn-ea"/>
+          <a:cs typeface="+mn-cs"/>
+        </a:defRPr>
+      </a:lvl5pPr>
+      <a:lvl6pPr marL="2286000" algn="l" defTabSz="914400" rtl="0" eaLnBrk="1" latinLnBrk="0" hangingPunct="1">
+        <a:defRPr sz="1800" kern="1200">
+          <a:solidFill>
+            <a:schemeClr val="tx1"/>
+          </a:solidFill>
+          <a:latin typeface="+mn-lt"/>
+          <a:ea typeface="+mn-ea"/>
+          <a:cs typeface="+mn-cs"/>
+        </a:defRPr>
+      </a:lvl6pPr>
+      <a:lvl7pPr marL="2743200" algn="l" defTabSz="914400" rtl="0" eaLnBrk="1" latinLnBrk="0" hangingPunct="1">
+        <a:defRPr sz="1800" kern="1200">
+          <a:solidFill>
+            <a:schemeClr val="tx1"/>
+          </a:solidFill>
+          <a:latin typeface="+mn-lt"/>
+          <a:ea typeface="+mn-ea"/>
+          <a:cs typeface="+mn-cs"/>
+        </a:defRPr>
+      </a:lvl7pPr>
+      <a:lvl8pPr marL="3200400" algn="l" defTabSz="914400" rtl="0" eaLnBrk="1" latinLnBrk="0" hangingPunct="1">
+        <a:defRPr sz="1800" kern="1200">
+          <a:solidFill>
+            <a:schemeClr val="tx1"/>
+          </a:solidFill>
+          <a:latin typeface="+mn-lt"/>
+          <a:ea typeface="+mn-ea"/>
+          <a:cs typeface="+mn-cs"/>
+        </a:defRPr>
+      </a:lvl8pPr>
+      <a:lvl9pPr marL="3657600" algn="l" defTabSz="914400" rtl="0" eaLnBrk="1" latinLnBrk="0" hangingPunct="1">
+        <a:defRPr sz="1800" kern="1200">
+          <a:solidFill>
+            <a:schemeClr val="tx1"/>
+          </a:solidFill>
+          <a:latin typeface="+mn-lt"/>
+          <a:ea typeface="+mn-ea"/>
+          <a:cs typeface="+mn-cs"/>
+        </a:defRPr>
+      </a:lvl9pPr>
+    </p:otherStyle>
+  </p:txStyles>
 </p:sldMaster>
 </file>
 
 <file path=ppt/slides/slide1.xml><?xml version="1.0" encoding="utf-8"?>
-<p:sld xmlns:a="http://schemas.openxmlformats.org/drawingml/2006/main" xmlns:p="http://schemas.openxmlformats.org/presentationml/2006/main" xmlns:r="http://schemas.openxmlformats.org/officeDocument/2006/relationships" xmlns:p14="http://schemas.microsoft.com/office/powerpoint/2010/main" xmlns:p15="http://schemas.microsoft.com/office/powerpoint/2012/main" xmlns:mc="http://schemas.openxmlformats.org/markup-compatibility/2006">
+<p:sld xmlns:a="http://schemas.openxmlformats.org/drawingml/2006/main" xmlns:r="http://schemas.openxmlformats.org/officeDocument/2006/relationships" xmlns:p="http://schemas.openxmlformats.org/presentationml/2006/main">
   <p:cSld>
     <p:spTree>
       <p:nvGrpSpPr>
@@ -6099,7 +6885,7 @@
         <p:spPr>
           <a:xfrm>
             <a:off x="7284240" y="4741200"/>
-            <a:ext cx="4843800" cy="2009880"/>
+            <a:ext cx="4843800" cy="2029871"/>
           </a:xfrm>
           <a:prstGeom prst="rect">
             <a:avLst/>
@@ -6113,15 +6899,22 @@
           </a:ln>
         </p:spPr>
         <p:style>
-          <a:lnRef idx="0"/>
-          <a:fillRef idx="0"/>
-          <a:effectRef idx="0"/>
-          <a:fontRef idx="minor"/>
-        </p:style>
-        <p:txBody>
-          <a:bodyPr lIns="90000" rIns="90000" tIns="45000" bIns="45000" anchor="t">
+          <a:lnRef idx="0">
+            <a:scrgbClr r="0" g="0" b="0"/>
+          </a:lnRef>
+          <a:fillRef idx="0">
+            <a:scrgbClr r="0" g="0" b="0"/>
+          </a:fillRef>
+          <a:effectRef idx="0">
+            <a:scrgbClr r="0" g="0" b="0"/>
+          </a:effectRef>
+          <a:fontRef idx="minor"/>
+        </p:style>
+        <p:txBody>
+          <a:bodyPr lIns="90000" tIns="45000" rIns="90000" bIns="45000" anchor="t">
             <a:spAutoFit/>
           </a:bodyPr>
+          <a:lstStyle/>
           <a:p>
             <a:pPr>
               <a:lnSpc>
@@ -6130,15 +6923,15 @@
               <a:buNone/>
             </a:pPr>
             <a:r>
-              <a:rPr b="0" lang="fr-FR" sz="1800" spc="-1" strike="noStrike">
+              <a:rPr lang="fr-FR" sz="1800" b="0" strike="noStrike" spc="-1" dirty="0">
                 <a:solidFill>
                   <a:srgbClr val="000000"/>
                 </a:solidFill>
                 <a:latin typeface="Calibri"/>
               </a:rPr>
-              <a:t>-Régulateur (à découplage)</a:t>
+              <a:t>- Régulateur (à découpage)</a:t>
             </a:r>
-            <a:endParaRPr b="0" lang="en-US" sz="1800" spc="-1" strike="noStrike">
+            <a:endParaRPr lang="en-US" sz="1800" b="0" strike="noStrike" spc="-1" dirty="0">
               <a:latin typeface="Arial"/>
             </a:endParaRPr>
           </a:p>
@@ -6149,7 +6942,7 @@
               </a:lnSpc>
               <a:buNone/>
             </a:pPr>
-            <a:endParaRPr b="0" lang="en-US" sz="1800" spc="-1" strike="noStrike">
+            <a:endParaRPr lang="en-US" sz="1800" b="0" strike="noStrike" spc="-1" dirty="0">
               <a:latin typeface="Arial"/>
             </a:endParaRPr>
           </a:p>
@@ -6161,15 +6954,15 @@
               <a:buNone/>
             </a:pPr>
             <a:r>
-              <a:rPr b="0" lang="fr-FR" sz="1800" spc="-1" strike="noStrike">
+              <a:rPr lang="fr-FR" sz="1800" b="0" strike="noStrike" spc="-1" dirty="0">
                 <a:solidFill>
                   <a:srgbClr val="000000"/>
                 </a:solidFill>
                 <a:latin typeface="Calibri"/>
               </a:rPr>
-              <a:t>-Diodes </a:t>
+              <a:t>- Diodes </a:t>
             </a:r>
-            <a:endParaRPr b="0" lang="en-US" sz="1800" spc="-1" strike="noStrike">
+            <a:endParaRPr lang="en-US" sz="1800" b="0" strike="noStrike" spc="-1" dirty="0">
               <a:latin typeface="Arial"/>
             </a:endParaRPr>
           </a:p>
@@ -6180,7 +6973,7 @@
               </a:lnSpc>
               <a:buNone/>
             </a:pPr>
-            <a:endParaRPr b="0" lang="en-US" sz="1800" spc="-1" strike="noStrike">
+            <a:endParaRPr lang="en-US" sz="1800" b="0" strike="noStrike" spc="-1" dirty="0">
               <a:latin typeface="Arial"/>
             </a:endParaRPr>
           </a:p>
@@ -6192,15 +6985,15 @@
               <a:buNone/>
             </a:pPr>
             <a:r>
-              <a:rPr b="0" lang="fr-FR" sz="1800" spc="-1" strike="noStrike">
+              <a:rPr lang="fr-FR" sz="1800" b="0" strike="noStrike" spc="-1" dirty="0">
                 <a:solidFill>
                   <a:srgbClr val="000000"/>
                 </a:solidFill>
                 <a:latin typeface="Calibri"/>
               </a:rPr>
-              <a:t>- Transistor MOFSET </a:t>
+              <a:t>- Transistor MOSFET </a:t>
             </a:r>
-            <a:endParaRPr b="0" lang="en-US" sz="1800" spc="-1" strike="noStrike">
+            <a:endParaRPr lang="en-US" sz="1800" b="0" strike="noStrike" spc="-1" dirty="0">
               <a:latin typeface="Arial"/>
             </a:endParaRPr>
           </a:p>
@@ -6212,15 +7005,15 @@
               <a:buNone/>
             </a:pPr>
             <a:r>
-              <a:rPr b="0" lang="fr-FR" sz="1800" spc="-1" strike="noStrike">
+              <a:rPr lang="fr-FR" sz="1800" b="0" strike="noStrike" spc="-1" dirty="0">
                 <a:solidFill>
                   <a:srgbClr val="000000"/>
                 </a:solidFill>
                 <a:latin typeface="Calibri"/>
               </a:rPr>
-              <a:t>-Ampli de mesure de courant  </a:t>
+              <a:t>- Ampli de mesure de courant  </a:t>
             </a:r>
-            <a:endParaRPr b="0" lang="en-US" sz="1800" spc="-1" strike="noStrike">
+            <a:endParaRPr lang="en-US" sz="1800" b="0" strike="noStrike" spc="-1" dirty="0">
               <a:latin typeface="Arial"/>
             </a:endParaRPr>
           </a:p>
@@ -6231,7 +7024,7 @@
               </a:lnSpc>
               <a:buNone/>
             </a:pPr>
-            <a:endParaRPr b="0" lang="en-US" sz="1800" spc="-1" strike="noStrike">
+            <a:endParaRPr lang="en-US" sz="1800" b="0" strike="noStrike" spc="-1" dirty="0">
               <a:latin typeface="Arial"/>
             </a:endParaRPr>
           </a:p>
@@ -6257,15 +7050,22 @@
           </a:ln>
         </p:spPr>
         <p:style>
-          <a:lnRef idx="0"/>
-          <a:fillRef idx="0"/>
-          <a:effectRef idx="0"/>
-          <a:fontRef idx="minor"/>
-        </p:style>
-        <p:txBody>
-          <a:bodyPr lIns="90000" rIns="90000" tIns="45000" bIns="45000" anchor="t">
+          <a:lnRef idx="0">
+            <a:scrgbClr r="0" g="0" b="0"/>
+          </a:lnRef>
+          <a:fillRef idx="0">
+            <a:scrgbClr r="0" g="0" b="0"/>
+          </a:fillRef>
+          <a:effectRef idx="0">
+            <a:scrgbClr r="0" g="0" b="0"/>
+          </a:effectRef>
+          <a:fontRef idx="minor"/>
+        </p:style>
+        <p:txBody>
+          <a:bodyPr lIns="90000" tIns="45000" rIns="90000" bIns="45000" anchor="t">
             <a:spAutoFit/>
           </a:bodyPr>
+          <a:lstStyle/>
           <a:p>
             <a:pPr>
               <a:lnSpc>
@@ -6274,9 +7074,9 @@
               <a:buNone/>
             </a:pPr>
             <a:r>
-              <a:rPr b="0" i="1" lang="fr-FR" sz="2000" spc="-1" strike="noStrike" u="sng">
+              <a:rPr lang="fr-FR" sz="2000" b="0" i="1" u="sng" strike="noStrike" spc="-1">
                 <a:solidFill>
-                  <a:srgbClr val="c00000"/>
+                  <a:srgbClr val="C00000"/>
                 </a:solidFill>
                 <a:uFillTx/>
                 <a:latin typeface="Calibri"/>
@@ -6284,7 +7084,7 @@
               <a:t>Autres composants:</a:t>
             </a:r>
             <a:r>
-              <a:rPr b="0" i="1" lang="fr-FR" sz="1800" spc="-1" strike="noStrike">
+              <a:rPr lang="fr-FR" sz="1800" b="0" i="1" strike="noStrike" spc="-1">
                 <a:solidFill>
                   <a:srgbClr val="000000"/>
                 </a:solidFill>
@@ -6292,7 +7092,7 @@
               </a:rPr>
               <a:t> </a:t>
             </a:r>
-            <a:endParaRPr b="0" lang="en-US" sz="1800" spc="-1" strike="noStrike">
+            <a:endParaRPr lang="en-US" sz="1800" b="0" strike="noStrike" spc="-1">
               <a:latin typeface="Arial"/>
             </a:endParaRPr>
           </a:p>
@@ -6343,7 +7143,7 @@
         <p:spPr>
           <a:xfrm>
             <a:off x="4893480" y="4692960"/>
-            <a:ext cx="2252520" cy="363960"/>
+            <a:ext cx="2252520" cy="367878"/>
           </a:xfrm>
           <a:prstGeom prst="rect">
             <a:avLst/>
@@ -6354,15 +7154,22 @@
           </a:ln>
         </p:spPr>
         <p:style>
-          <a:lnRef idx="0"/>
-          <a:fillRef idx="0"/>
-          <a:effectRef idx="0"/>
-          <a:fontRef idx="minor"/>
-        </p:style>
-        <p:txBody>
-          <a:bodyPr lIns="90000" rIns="90000" tIns="45000" bIns="45000" anchor="t">
+          <a:lnRef idx="0">
+            <a:scrgbClr r="0" g="0" b="0"/>
+          </a:lnRef>
+          <a:fillRef idx="0">
+            <a:scrgbClr r="0" g="0" b="0"/>
+          </a:fillRef>
+          <a:effectRef idx="0">
+            <a:scrgbClr r="0" g="0" b="0"/>
+          </a:effectRef>
+          <a:fontRef idx="minor"/>
+        </p:style>
+        <p:txBody>
+          <a:bodyPr lIns="90000" tIns="45000" rIns="90000" bIns="45000" anchor="t">
             <a:spAutoFit/>
           </a:bodyPr>
+          <a:lstStyle/>
           <a:p>
             <a:pPr>
               <a:lnSpc>
@@ -6371,15 +7178,15 @@
               <a:buNone/>
             </a:pPr>
             <a:r>
-              <a:rPr b="0" lang="fr-FR" sz="1800" spc="-1" strike="noStrike">
+              <a:rPr lang="fr-FR" sz="1800" b="0" strike="noStrike" spc="-1" dirty="0">
                 <a:solidFill>
                   <a:srgbClr val="000000"/>
                 </a:solidFill>
                 <a:latin typeface="Calibri"/>
               </a:rPr>
-              <a:t>-Microcontrôleur </a:t>
+              <a:t>- Microcontrôleur </a:t>
             </a:r>
-            <a:endParaRPr b="0" lang="en-US" sz="1800" spc="-1" strike="noStrike">
+            <a:endParaRPr lang="en-US" sz="1800" b="0" strike="noStrike" spc="-1" dirty="0">
               <a:latin typeface="Arial"/>
             </a:endParaRPr>
           </a:p>
@@ -6636,15 +7443,22 @@
           </a:ln>
         </p:spPr>
         <p:style>
-          <a:lnRef idx="0"/>
-          <a:fillRef idx="0"/>
-          <a:effectRef idx="0"/>
-          <a:fontRef idx="minor"/>
-        </p:style>
-        <p:txBody>
-          <a:bodyPr lIns="90000" rIns="90000" tIns="45000" bIns="45000" anchor="t">
+          <a:lnRef idx="0">
+            <a:scrgbClr r="0" g="0" b="0"/>
+          </a:lnRef>
+          <a:fillRef idx="0">
+            <a:scrgbClr r="0" g="0" b="0"/>
+          </a:fillRef>
+          <a:effectRef idx="0">
+            <a:scrgbClr r="0" g="0" b="0"/>
+          </a:effectRef>
+          <a:fontRef idx="minor"/>
+        </p:style>
+        <p:txBody>
+          <a:bodyPr lIns="90000" tIns="45000" rIns="90000" bIns="45000" anchor="t">
             <a:spAutoFit/>
           </a:bodyPr>
+          <a:lstStyle/>
           <a:p>
             <a:pPr>
               <a:lnSpc>
@@ -6653,9 +7467,9 @@
               <a:buNone/>
             </a:pPr>
             <a:r>
-              <a:rPr b="1" lang="fr-FR" sz="2000" spc="-1" strike="noStrike" u="sng">
+              <a:rPr lang="fr-FR" sz="2000" b="1" u="sng" strike="noStrike" spc="-1">
                 <a:solidFill>
-                  <a:srgbClr val="c00000"/>
+                  <a:srgbClr val="C00000"/>
                 </a:solidFill>
                 <a:uFillTx/>
                 <a:latin typeface="Calibri"/>
@@ -6663,7 +7477,7 @@
               <a:t>Actionneurs </a:t>
             </a:r>
             <a:r>
-              <a:rPr b="0" lang="fr-FR" sz="1800" spc="-1" strike="noStrike">
+              <a:rPr lang="fr-FR" sz="1800" b="0" strike="noStrike" spc="-1">
                 <a:solidFill>
                   <a:srgbClr val="000000"/>
                 </a:solidFill>
@@ -6671,7 +7485,7 @@
               </a:rPr>
               <a:t> </a:t>
             </a:r>
-            <a:endParaRPr b="0" lang="en-US" sz="1800" spc="-1" strike="noStrike">
+            <a:endParaRPr lang="en-US" sz="1800" b="0" strike="noStrike" spc="-1">
               <a:latin typeface="Arial"/>
             </a:endParaRPr>
           </a:p>
@@ -6722,7 +7536,7 @@
         <p:spPr>
           <a:xfrm>
             <a:off x="4718160" y="1059480"/>
-            <a:ext cx="2252520" cy="363960"/>
+            <a:ext cx="2252520" cy="367878"/>
           </a:xfrm>
           <a:prstGeom prst="rect">
             <a:avLst/>
@@ -6733,15 +7547,22 @@
           </a:ln>
         </p:spPr>
         <p:style>
-          <a:lnRef idx="0"/>
-          <a:fillRef idx="0"/>
-          <a:effectRef idx="0"/>
-          <a:fontRef idx="minor"/>
-        </p:style>
-        <p:txBody>
-          <a:bodyPr lIns="90000" rIns="90000" tIns="45000" bIns="45000" anchor="t">
+          <a:lnRef idx="0">
+            <a:scrgbClr r="0" g="0" b="0"/>
+          </a:lnRef>
+          <a:fillRef idx="0">
+            <a:scrgbClr r="0" g="0" b="0"/>
+          </a:fillRef>
+          <a:effectRef idx="0">
+            <a:scrgbClr r="0" g="0" b="0"/>
+          </a:effectRef>
+          <a:fontRef idx="minor"/>
+        </p:style>
+        <p:txBody>
+          <a:bodyPr lIns="90000" tIns="45000" rIns="90000" bIns="45000" anchor="t">
             <a:spAutoFit/>
           </a:bodyPr>
+          <a:lstStyle/>
           <a:p>
             <a:pPr>
               <a:lnSpc>
@@ -6750,15 +7571,15 @@
               <a:buNone/>
             </a:pPr>
             <a:r>
-              <a:rPr b="0" lang="fr-FR" sz="1800" spc="-1" strike="noStrike">
+              <a:rPr lang="fr-FR" sz="1800" b="0" strike="noStrike" spc="-1" dirty="0">
                 <a:solidFill>
                   <a:srgbClr val="000000"/>
                 </a:solidFill>
                 <a:latin typeface="Calibri"/>
               </a:rPr>
-              <a:t>-Batterie </a:t>
+              <a:t>- Batterie </a:t>
             </a:r>
-            <a:endParaRPr b="0" lang="en-US" sz="1800" spc="-1" strike="noStrike">
+            <a:endParaRPr lang="en-US" sz="1800" b="0" strike="noStrike" spc="-1" dirty="0">
               <a:latin typeface="Arial"/>
             </a:endParaRPr>
           </a:p>
@@ -6784,15 +7605,22 @@
           </a:ln>
         </p:spPr>
         <p:style>
-          <a:lnRef idx="0"/>
-          <a:fillRef idx="0"/>
-          <a:effectRef idx="0"/>
-          <a:fontRef idx="minor"/>
-        </p:style>
-        <p:txBody>
-          <a:bodyPr lIns="90000" rIns="90000" tIns="45000" bIns="45000" anchor="t">
+          <a:lnRef idx="0">
+            <a:scrgbClr r="0" g="0" b="0"/>
+          </a:lnRef>
+          <a:fillRef idx="0">
+            <a:scrgbClr r="0" g="0" b="0"/>
+          </a:fillRef>
+          <a:effectRef idx="0">
+            <a:scrgbClr r="0" g="0" b="0"/>
+          </a:effectRef>
+          <a:fontRef idx="minor"/>
+        </p:style>
+        <p:txBody>
+          <a:bodyPr lIns="90000" tIns="45000" rIns="90000" bIns="45000" anchor="t">
             <a:spAutoFit/>
           </a:bodyPr>
+          <a:lstStyle/>
           <a:p>
             <a:pPr>
               <a:lnSpc>
@@ -6801,9 +7629,9 @@
               <a:buNone/>
             </a:pPr>
             <a:r>
-              <a:rPr b="1" lang="fr-FR" sz="2000" spc="-1" strike="noStrike" u="sng">
+              <a:rPr lang="fr-FR" sz="2000" b="1" u="sng" strike="noStrike" spc="-1">
                 <a:solidFill>
-                  <a:srgbClr val="c00000"/>
+                  <a:srgbClr val="C00000"/>
                 </a:solidFill>
                 <a:uFillTx/>
                 <a:latin typeface="Calibri"/>
@@ -6811,7 +7639,7 @@
               <a:t>Alimentation</a:t>
             </a:r>
             <a:r>
-              <a:rPr b="0" lang="fr-FR" sz="1800" spc="-1" strike="noStrike">
+              <a:rPr lang="fr-FR" sz="1800" b="0" strike="noStrike" spc="-1">
                 <a:solidFill>
                   <a:srgbClr val="000000"/>
                 </a:solidFill>
@@ -6819,7 +7647,7 @@
               </a:rPr>
               <a:t> </a:t>
             </a:r>
-            <a:endParaRPr b="0" lang="en-US" sz="1800" spc="-1" strike="noStrike">
+            <a:endParaRPr lang="en-US" sz="1800" b="0" strike="noStrike" spc="-1">
               <a:latin typeface="Arial"/>
             </a:endParaRPr>
           </a:p>
@@ -6845,15 +7673,22 @@
           </a:ln>
         </p:spPr>
         <p:style>
-          <a:lnRef idx="0"/>
-          <a:fillRef idx="0"/>
-          <a:effectRef idx="0"/>
-          <a:fontRef idx="minor"/>
-        </p:style>
-        <p:txBody>
-          <a:bodyPr lIns="90000" rIns="90000" tIns="45000" bIns="45000" anchor="t">
+          <a:lnRef idx="0">
+            <a:scrgbClr r="0" g="0" b="0"/>
+          </a:lnRef>
+          <a:fillRef idx="0">
+            <a:scrgbClr r="0" g="0" b="0"/>
+          </a:fillRef>
+          <a:effectRef idx="0">
+            <a:scrgbClr r="0" g="0" b="0"/>
+          </a:effectRef>
+          <a:fontRef idx="minor"/>
+        </p:style>
+        <p:txBody>
+          <a:bodyPr lIns="90000" tIns="45000" rIns="90000" bIns="45000" anchor="t">
             <a:spAutoFit/>
           </a:bodyPr>
+          <a:lstStyle/>
           <a:p>
             <a:pPr>
               <a:lnSpc>
@@ -6862,9 +7697,9 @@
               <a:buNone/>
             </a:pPr>
             <a:r>
-              <a:rPr b="1" lang="fr-FR" sz="2000" spc="-1" strike="noStrike" u="sng">
+              <a:rPr lang="fr-FR" sz="2000" b="1" u="sng" strike="noStrike" spc="-1">
                 <a:solidFill>
-                  <a:srgbClr val="c00000"/>
+                  <a:srgbClr val="C00000"/>
                 </a:solidFill>
                 <a:uFillTx/>
                 <a:latin typeface="Calibri"/>
@@ -6872,7 +7707,7 @@
               <a:t>Capteurs</a:t>
             </a:r>
             <a:r>
-              <a:rPr b="0" lang="fr-FR" sz="1800" spc="-1" strike="noStrike">
+              <a:rPr lang="fr-FR" sz="1800" b="0" strike="noStrike" spc="-1">
                 <a:solidFill>
                   <a:srgbClr val="000000"/>
                 </a:solidFill>
@@ -6880,7 +7715,7 @@
               </a:rPr>
               <a:t> </a:t>
             </a:r>
-            <a:endParaRPr b="0" lang="en-US" sz="1800" spc="-1" strike="noStrike">
+            <a:endParaRPr lang="en-US" sz="1800" b="0" strike="noStrike" spc="-1">
               <a:latin typeface="Arial"/>
             </a:endParaRPr>
           </a:p>
@@ -6931,7 +7766,7 @@
         <p:spPr>
           <a:xfrm>
             <a:off x="7821360" y="2405880"/>
-            <a:ext cx="2252520" cy="363960"/>
+            <a:ext cx="2252520" cy="367878"/>
           </a:xfrm>
           <a:prstGeom prst="rect">
             <a:avLst/>
@@ -6942,15 +7777,22 @@
           </a:ln>
         </p:spPr>
         <p:style>
-          <a:lnRef idx="0"/>
-          <a:fillRef idx="0"/>
-          <a:effectRef idx="0"/>
-          <a:fontRef idx="minor"/>
-        </p:style>
-        <p:txBody>
-          <a:bodyPr lIns="90000" rIns="90000" tIns="45000" bIns="45000" anchor="t">
+          <a:lnRef idx="0">
+            <a:scrgbClr r="0" g="0" b="0"/>
+          </a:lnRef>
+          <a:fillRef idx="0">
+            <a:scrgbClr r="0" g="0" b="0"/>
+          </a:fillRef>
+          <a:effectRef idx="0">
+            <a:scrgbClr r="0" g="0" b="0"/>
+          </a:effectRef>
+          <a:fontRef idx="minor"/>
+        </p:style>
+        <p:txBody>
+          <a:bodyPr lIns="90000" tIns="45000" rIns="90000" bIns="45000" anchor="t">
             <a:spAutoFit/>
           </a:bodyPr>
+          <a:lstStyle/>
           <a:p>
             <a:pPr>
               <a:lnSpc>
@@ -6959,15 +7801,15 @@
               <a:buNone/>
             </a:pPr>
             <a:r>
-              <a:rPr b="0" lang="fr-FR" sz="1800" spc="-1" strike="noStrike">
+              <a:rPr lang="fr-FR" sz="1800" b="0" strike="noStrike" spc="-1" dirty="0">
                 <a:solidFill>
                   <a:srgbClr val="000000"/>
                 </a:solidFill>
                 <a:latin typeface="Calibri"/>
               </a:rPr>
-              <a:t>-Centrale inertielle</a:t>
+              <a:t>- Centrale inertielle</a:t>
             </a:r>
-            <a:endParaRPr b="0" lang="en-US" sz="1800" spc="-1" strike="noStrike">
+            <a:endParaRPr lang="en-US" sz="1800" b="0" strike="noStrike" spc="-1" dirty="0">
               <a:latin typeface="Arial"/>
             </a:endParaRPr>
           </a:p>
@@ -6988,6 +7830,7 @@
             <a:avLst/>
             <a:gdLst/>
             <a:ahLst/>
+            <a:cxnLst/>
             <a:rect l="l" t="t" r="r" b="b"/>
             <a:pathLst>
               <a:path w="21600" h="21600">
@@ -7005,8 +7848,8 @@
             <a:solidFill>
               <a:srgbClr val="000000"/>
             </a:solidFill>
-            <a:headEnd len="med" type="triangle" w="med"/>
-            <a:tailEnd len="med" type="triangle" w="med"/>
+            <a:headEnd type="triangle" w="med" len="med"/>
+            <a:tailEnd type="triangle" w="med" len="med"/>
           </a:ln>
         </p:spPr>
         <p:style>
@@ -7067,7 +7910,7 @@
         <p:spPr>
           <a:xfrm>
             <a:off x="1438200" y="2356560"/>
-            <a:ext cx="3080520" cy="912600"/>
+            <a:ext cx="3080520" cy="644877"/>
           </a:xfrm>
           <a:prstGeom prst="rect">
             <a:avLst/>
@@ -7078,15 +7921,22 @@
           </a:ln>
         </p:spPr>
         <p:style>
-          <a:lnRef idx="0"/>
-          <a:fillRef idx="0"/>
-          <a:effectRef idx="0"/>
-          <a:fontRef idx="minor"/>
-        </p:style>
-        <p:txBody>
-          <a:bodyPr lIns="90000" rIns="90000" tIns="45000" bIns="45000" anchor="t">
+          <a:lnRef idx="0">
+            <a:scrgbClr r="0" g="0" b="0"/>
+          </a:lnRef>
+          <a:fillRef idx="0">
+            <a:scrgbClr r="0" g="0" b="0"/>
+          </a:fillRef>
+          <a:effectRef idx="0">
+            <a:scrgbClr r="0" g="0" b="0"/>
+          </a:effectRef>
+          <a:fontRef idx="minor"/>
+        </p:style>
+        <p:txBody>
+          <a:bodyPr lIns="90000" tIns="45000" rIns="90000" bIns="45000" anchor="t">
             <a:spAutoFit/>
           </a:bodyPr>
+          <a:lstStyle/>
           <a:p>
             <a:pPr>
               <a:lnSpc>
@@ -7095,15 +7945,15 @@
               <a:buNone/>
             </a:pPr>
             <a:r>
-              <a:rPr b="0" lang="fr-FR" sz="1800" spc="-1" strike="noStrike">
+              <a:rPr lang="fr-FR" sz="1800" b="0" strike="noStrike" spc="-1" dirty="0">
                 <a:solidFill>
                   <a:srgbClr val="000000"/>
                 </a:solidFill>
                 <a:latin typeface="Calibri"/>
               </a:rPr>
-              <a:t>-Moteurs</a:t>
+              <a:t>- Moteurs</a:t>
             </a:r>
-            <a:endParaRPr b="0" lang="en-US" sz="1800" spc="-1" strike="noStrike">
+            <a:endParaRPr lang="en-US" sz="1800" b="0" strike="noStrike" spc="-1" dirty="0">
               <a:latin typeface="Arial"/>
             </a:endParaRPr>
           </a:p>
@@ -7115,18 +7965,94 @@
               <a:buNone/>
             </a:pPr>
             <a:r>
-              <a:rPr b="0" lang="fr-FR" sz="1800" spc="-1" strike="noStrike">
+              <a:rPr lang="fr-FR" sz="1800" b="0" strike="noStrike" spc="-1" dirty="0">
                 <a:solidFill>
                   <a:srgbClr val="000000"/>
                 </a:solidFill>
                 <a:latin typeface="Calibri"/>
               </a:rPr>
-              <a:t>-Hacheurs</a:t>
+              <a:t>- Hélices  </a:t>
             </a:r>
-            <a:endParaRPr b="0" lang="en-US" sz="1800" spc="-1" strike="noStrike">
+            <a:endParaRPr lang="en-US" sz="1800" b="0" strike="noStrike" spc="-1" dirty="0">
               <a:latin typeface="Arial"/>
             </a:endParaRPr>
           </a:p>
+        </p:txBody>
+      </p:sp>
+      <p:sp>
+        <p:nvSpPr>
+          <p:cNvPr id="103" name="Rectangle: Rounded Corners 39"/>
+          <p:cNvSpPr/>
+          <p:nvPr/>
+        </p:nvSpPr>
+        <p:spPr>
+          <a:xfrm>
+            <a:off x="8010720" y="2867760"/>
+            <a:ext cx="1523520" cy="369000"/>
+          </a:xfrm>
+          <a:prstGeom prst="roundRect">
+            <a:avLst>
+              <a:gd name="adj" fmla="val 16667"/>
+            </a:avLst>
+          </a:prstGeom>
+          <a:noFill/>
+          <a:ln>
+            <a:solidFill>
+              <a:srgbClr val="7030A0"/>
+            </a:solidFill>
+          </a:ln>
+        </p:spPr>
+        <p:style>
+          <a:lnRef idx="2">
+            <a:schemeClr val="accent1">
+              <a:shade val="50000"/>
+            </a:schemeClr>
+          </a:lnRef>
+          <a:fillRef idx="1">
+            <a:schemeClr val="accent1"/>
+          </a:fillRef>
+          <a:effectRef idx="0">
+            <a:schemeClr val="accent1"/>
+          </a:effectRef>
+          <a:fontRef idx="minor"/>
+        </p:style>
+      </p:sp>
+      <p:sp>
+        <p:nvSpPr>
+          <p:cNvPr id="104" name="TextBox 40"/>
+          <p:cNvSpPr/>
+          <p:nvPr/>
+        </p:nvSpPr>
+        <p:spPr>
+          <a:xfrm>
+            <a:off x="8129880" y="2867760"/>
+            <a:ext cx="1523520" cy="363960"/>
+          </a:xfrm>
+          <a:prstGeom prst="rect">
+            <a:avLst/>
+          </a:prstGeom>
+          <a:noFill/>
+          <a:ln w="0">
+            <a:noFill/>
+          </a:ln>
+        </p:spPr>
+        <p:style>
+          <a:lnRef idx="0">
+            <a:scrgbClr r="0" g="0" b="0"/>
+          </a:lnRef>
+          <a:fillRef idx="0">
+            <a:scrgbClr r="0" g="0" b="0"/>
+          </a:fillRef>
+          <a:effectRef idx="0">
+            <a:scrgbClr r="0" g="0" b="0"/>
+          </a:effectRef>
+          <a:fontRef idx="minor"/>
+        </p:style>
+        <p:txBody>
+          <a:bodyPr lIns="90000" tIns="45000" rIns="90000" bIns="45000" anchor="t">
+            <a:spAutoFit/>
+          </a:bodyPr>
+          <a:lstStyle/>
           <a:p>
             <a:pPr>
               <a:lnSpc>
@@ -7135,15 +8061,15 @@
               <a:buNone/>
             </a:pPr>
             <a:r>
-              <a:rPr b="0" lang="fr-FR" sz="1800" spc="-1" strike="noStrike">
+              <a:rPr lang="fr-FR" sz="1800" b="0" strike="noStrike" spc="-1">
                 <a:solidFill>
-                  <a:srgbClr val="000000"/>
+                  <a:srgbClr val="7030A0"/>
                 </a:solidFill>
                 <a:latin typeface="Calibri"/>
               </a:rPr>
-              <a:t>-Hélices  </a:t>
+              <a:t>MPU6050</a:t>
             </a:r>
-            <a:endParaRPr b="0" lang="en-US" sz="1800" spc="-1" strike="noStrike">
+            <a:endParaRPr lang="en-US" sz="1800" b="0" strike="noStrike" spc="-1">
               <a:latin typeface="Arial"/>
             </a:endParaRPr>
           </a:p>
@@ -7151,13 +8077,13 @@
       </p:sp>
       <p:sp>
         <p:nvSpPr>
-          <p:cNvPr id="103" name="Rectangle: Rounded Corners 39"/>
-          <p:cNvSpPr/>
-          <p:nvPr/>
-        </p:nvSpPr>
-        <p:spPr>
-          <a:xfrm>
-            <a:off x="8010720" y="2867760"/>
+          <p:cNvPr id="105" name="Rectangle: Rounded Corners 43"/>
+          <p:cNvSpPr/>
+          <p:nvPr/>
+        </p:nvSpPr>
+        <p:spPr>
+          <a:xfrm>
+            <a:off x="4820040" y="1369080"/>
             <a:ext cx="1523520" cy="369000"/>
           </a:xfrm>
           <a:prstGeom prst="roundRect">
@@ -7168,7 +8094,7 @@
           <a:noFill/>
           <a:ln>
             <a:solidFill>
-              <a:srgbClr val="7030a0"/>
+              <a:srgbClr val="7030A0"/>
             </a:solidFill>
           </a:ln>
         </p:spPr>
@@ -7189,13 +8115,13 @@
       </p:sp>
       <p:sp>
         <p:nvSpPr>
-          <p:cNvPr id="104" name="TextBox 40"/>
-          <p:cNvSpPr/>
-          <p:nvPr/>
-        </p:nvSpPr>
-        <p:spPr>
-          <a:xfrm>
-            <a:off x="8129880" y="2867760"/>
+          <p:cNvPr id="106" name="TextBox 44"/>
+          <p:cNvSpPr/>
+          <p:nvPr/>
+        </p:nvSpPr>
+        <p:spPr>
+          <a:xfrm>
+            <a:off x="4897080" y="1369800"/>
             <a:ext cx="1523520" cy="363960"/>
           </a:xfrm>
           <a:prstGeom prst="rect">
@@ -7207,15 +8133,22 @@
           </a:ln>
         </p:spPr>
         <p:style>
-          <a:lnRef idx="0"/>
-          <a:fillRef idx="0"/>
-          <a:effectRef idx="0"/>
-          <a:fontRef idx="minor"/>
-        </p:style>
-        <p:txBody>
-          <a:bodyPr lIns="90000" rIns="90000" tIns="45000" bIns="45000" anchor="t">
+          <a:lnRef idx="0">
+            <a:scrgbClr r="0" g="0" b="0"/>
+          </a:lnRef>
+          <a:fillRef idx="0">
+            <a:scrgbClr r="0" g="0" b="0"/>
+          </a:fillRef>
+          <a:effectRef idx="0">
+            <a:scrgbClr r="0" g="0" b="0"/>
+          </a:effectRef>
+          <a:fontRef idx="minor"/>
+        </p:style>
+        <p:txBody>
+          <a:bodyPr lIns="90000" tIns="45000" rIns="90000" bIns="45000" anchor="t">
             <a:spAutoFit/>
           </a:bodyPr>
+          <a:lstStyle/>
           <a:p>
             <a:pPr>
               <a:lnSpc>
@@ -7224,15 +8157,15 @@
               <a:buNone/>
             </a:pPr>
             <a:r>
-              <a:rPr b="0" lang="fr-FR" sz="1800" spc="-1" strike="noStrike">
+              <a:rPr lang="fr-FR" sz="1800" b="0" strike="noStrike" spc="-1">
                 <a:solidFill>
-                  <a:srgbClr val="7030a0"/>
+                  <a:srgbClr val="7030A0"/>
                 </a:solidFill>
                 <a:latin typeface="Calibri"/>
               </a:rPr>
-              <a:t>MPU6050</a:t>
+              <a:t>X64022S1P</a:t>
             </a:r>
-            <a:endParaRPr b="0" lang="en-US" sz="1800" spc="-1" strike="noStrike">
+            <a:endParaRPr lang="en-US" sz="1800" b="0" strike="noStrike" spc="-1">
               <a:latin typeface="Arial"/>
             </a:endParaRPr>
           </a:p>
@@ -7240,14 +8173,14 @@
       </p:sp>
       <p:sp>
         <p:nvSpPr>
-          <p:cNvPr id="105" name="Rectangle: Rounded Corners 43"/>
-          <p:cNvSpPr/>
-          <p:nvPr/>
-        </p:nvSpPr>
-        <p:spPr>
-          <a:xfrm>
-            <a:off x="4820040" y="1369080"/>
-            <a:ext cx="1523520" cy="369000"/>
+          <p:cNvPr id="107" name="Rectangle: Rounded Corners 45"/>
+          <p:cNvSpPr/>
+          <p:nvPr/>
+        </p:nvSpPr>
+        <p:spPr>
+          <a:xfrm>
+            <a:off x="2898720" y="2926800"/>
+            <a:ext cx="1850760" cy="276480"/>
           </a:xfrm>
           <a:prstGeom prst="roundRect">
             <a:avLst>
@@ -7257,7 +8190,7 @@
           <a:noFill/>
           <a:ln>
             <a:solidFill>
-              <a:srgbClr val="7030a0"/>
+              <a:srgbClr val="7030A0"/>
             </a:solidFill>
           </a:ln>
         </p:spPr>
@@ -7278,13 +8211,13 @@
       </p:sp>
       <p:sp>
         <p:nvSpPr>
-          <p:cNvPr id="106" name="TextBox 44"/>
-          <p:cNvSpPr/>
-          <p:nvPr/>
-        </p:nvSpPr>
-        <p:spPr>
-          <a:xfrm>
-            <a:off x="4897080" y="1369800"/>
+          <p:cNvPr id="108" name="TextBox 51"/>
+          <p:cNvSpPr/>
+          <p:nvPr/>
+        </p:nvSpPr>
+        <p:spPr>
+          <a:xfrm>
+            <a:off x="5133600" y="5093280"/>
             <a:ext cx="1523520" cy="363960"/>
           </a:xfrm>
           <a:prstGeom prst="rect">
@@ -7296,15 +8229,22 @@
           </a:ln>
         </p:spPr>
         <p:style>
-          <a:lnRef idx="0"/>
-          <a:fillRef idx="0"/>
-          <a:effectRef idx="0"/>
-          <a:fontRef idx="minor"/>
-        </p:style>
-        <p:txBody>
-          <a:bodyPr lIns="90000" rIns="90000" tIns="45000" bIns="45000" anchor="t">
+          <a:lnRef idx="0">
+            <a:scrgbClr r="0" g="0" b="0"/>
+          </a:lnRef>
+          <a:fillRef idx="0">
+            <a:scrgbClr r="0" g="0" b="0"/>
+          </a:fillRef>
+          <a:effectRef idx="0">
+            <a:scrgbClr r="0" g="0" b="0"/>
+          </a:effectRef>
+          <a:fontRef idx="minor"/>
+        </p:style>
+        <p:txBody>
+          <a:bodyPr lIns="90000" tIns="45000" rIns="90000" bIns="45000" anchor="t">
             <a:spAutoFit/>
           </a:bodyPr>
+          <a:lstStyle/>
           <a:p>
             <a:pPr>
               <a:lnSpc>
@@ -7313,15 +8253,15 @@
               <a:buNone/>
             </a:pPr>
             <a:r>
-              <a:rPr b="0" lang="fr-FR" sz="1800" spc="-1" strike="noStrike">
+              <a:rPr lang="fr-FR" sz="1800" b="0" strike="noStrike" spc="-1" dirty="0">
                 <a:solidFill>
-                  <a:srgbClr val="7030a0"/>
+                  <a:srgbClr val="7030A0"/>
                 </a:solidFill>
                 <a:latin typeface="Calibri"/>
               </a:rPr>
-              <a:t>X64022S1P</a:t>
+              <a:t>STM32L412KB</a:t>
             </a:r>
-            <a:endParaRPr b="0" lang="en-US" sz="1800" spc="-1" strike="noStrike">
+            <a:endParaRPr lang="en-US" sz="1800" b="0" strike="noStrike" spc="-1" dirty="0">
               <a:latin typeface="Arial"/>
             </a:endParaRPr>
           </a:p>
@@ -7329,13 +8269,13 @@
       </p:sp>
       <p:sp>
         <p:nvSpPr>
-          <p:cNvPr id="107" name="Rectangle: Rounded Corners 45"/>
-          <p:cNvSpPr/>
-          <p:nvPr/>
-        </p:nvSpPr>
-        <p:spPr>
-          <a:xfrm>
-            <a:off x="2898720" y="2926800"/>
+          <p:cNvPr id="109" name="Rectangle: Rounded Corners 54"/>
+          <p:cNvSpPr/>
+          <p:nvPr/>
+        </p:nvSpPr>
+        <p:spPr>
+          <a:xfrm>
+            <a:off x="4950360" y="5139360"/>
             <a:ext cx="1850760" cy="276480"/>
           </a:xfrm>
           <a:prstGeom prst="roundRect">
@@ -7346,7 +8286,7 @@
           <a:noFill/>
           <a:ln>
             <a:solidFill>
-              <a:srgbClr val="7030a0"/>
+              <a:srgbClr val="7030A0"/>
             </a:solidFill>
           </a:ln>
         </p:spPr>
@@ -7367,14 +8307,14 @@
       </p:sp>
       <p:sp>
         <p:nvSpPr>
-          <p:cNvPr id="108" name="TextBox 51"/>
-          <p:cNvSpPr/>
-          <p:nvPr/>
-        </p:nvSpPr>
-        <p:spPr>
-          <a:xfrm>
-            <a:off x="5133600" y="5093280"/>
-            <a:ext cx="1523520" cy="363960"/>
+          <p:cNvPr id="110" name="TextBox 55"/>
+          <p:cNvSpPr/>
+          <p:nvPr/>
+        </p:nvSpPr>
+        <p:spPr>
+          <a:xfrm>
+            <a:off x="3221280" y="2893680"/>
+            <a:ext cx="1678320" cy="333000"/>
           </a:xfrm>
           <a:prstGeom prst="rect">
             <a:avLst/>
@@ -7385,15 +8325,22 @@
           </a:ln>
         </p:spPr>
         <p:style>
-          <a:lnRef idx="0"/>
-          <a:fillRef idx="0"/>
-          <a:effectRef idx="0"/>
-          <a:fontRef idx="minor"/>
-        </p:style>
-        <p:txBody>
-          <a:bodyPr lIns="90000" rIns="90000" tIns="45000" bIns="45000" anchor="t">
+          <a:lnRef idx="0">
+            <a:scrgbClr r="0" g="0" b="0"/>
+          </a:lnRef>
+          <a:fillRef idx="0">
+            <a:scrgbClr r="0" g="0" b="0"/>
+          </a:fillRef>
+          <a:effectRef idx="0">
+            <a:scrgbClr r="0" g="0" b="0"/>
+          </a:effectRef>
+          <a:fontRef idx="minor"/>
+        </p:style>
+        <p:txBody>
+          <a:bodyPr lIns="90000" tIns="45000" rIns="90000" bIns="45000" anchor="t">
             <a:spAutoFit/>
           </a:bodyPr>
+          <a:lstStyle/>
           <a:p>
             <a:pPr>
               <a:lnSpc>
@@ -7402,104 +8349,15 @@
               <a:buNone/>
             </a:pPr>
             <a:r>
-              <a:rPr b="0" lang="fr-FR" sz="1800" spc="-1" strike="noStrike">
+              <a:rPr lang="fr-FR" sz="1600" b="0" strike="noStrike" spc="-1">
                 <a:solidFill>
-                  <a:srgbClr val="7030a0"/>
-                </a:solidFill>
-                <a:latin typeface="Calibri"/>
-              </a:rPr>
-              <a:t>STM32L412KB</a:t>
-            </a:r>
-            <a:endParaRPr b="0" lang="en-US" sz="1800" spc="-1" strike="noStrike">
-              <a:latin typeface="Arial"/>
-            </a:endParaRPr>
-          </a:p>
-        </p:txBody>
-      </p:sp>
-      <p:sp>
-        <p:nvSpPr>
-          <p:cNvPr id="109" name="Rectangle: Rounded Corners 54"/>
-          <p:cNvSpPr/>
-          <p:nvPr/>
-        </p:nvSpPr>
-        <p:spPr>
-          <a:xfrm>
-            <a:off x="4950360" y="5139360"/>
-            <a:ext cx="1850760" cy="276480"/>
-          </a:xfrm>
-          <a:prstGeom prst="roundRect">
-            <a:avLst>
-              <a:gd name="adj" fmla="val 16667"/>
-            </a:avLst>
-          </a:prstGeom>
-          <a:noFill/>
-          <a:ln>
-            <a:solidFill>
-              <a:srgbClr val="7030a0"/>
-            </a:solidFill>
-          </a:ln>
-        </p:spPr>
-        <p:style>
-          <a:lnRef idx="2">
-            <a:schemeClr val="accent1">
-              <a:shade val="50000"/>
-            </a:schemeClr>
-          </a:lnRef>
-          <a:fillRef idx="1">
-            <a:schemeClr val="accent1"/>
-          </a:fillRef>
-          <a:effectRef idx="0">
-            <a:schemeClr val="accent1"/>
-          </a:effectRef>
-          <a:fontRef idx="minor"/>
-        </p:style>
-      </p:sp>
-      <p:sp>
-        <p:nvSpPr>
-          <p:cNvPr id="110" name="TextBox 55"/>
-          <p:cNvSpPr/>
-          <p:nvPr/>
-        </p:nvSpPr>
-        <p:spPr>
-          <a:xfrm>
-            <a:off x="3221280" y="2893680"/>
-            <a:ext cx="1678320" cy="333000"/>
-          </a:xfrm>
-          <a:prstGeom prst="rect">
-            <a:avLst/>
-          </a:prstGeom>
-          <a:noFill/>
-          <a:ln w="0">
-            <a:noFill/>
-          </a:ln>
-        </p:spPr>
-        <p:style>
-          <a:lnRef idx="0"/>
-          <a:fillRef idx="0"/>
-          <a:effectRef idx="0"/>
-          <a:fontRef idx="minor"/>
-        </p:style>
-        <p:txBody>
-          <a:bodyPr lIns="90000" rIns="90000" tIns="45000" bIns="45000" anchor="t">
-            <a:spAutoFit/>
-          </a:bodyPr>
-          <a:p>
-            <a:pPr>
-              <a:lnSpc>
-                <a:spcPct val="100000"/>
-              </a:lnSpc>
-              <a:buNone/>
-            </a:pPr>
-            <a:r>
-              <a:rPr b="0" lang="fr-FR" sz="1600" spc="-1" strike="noStrike">
-                <a:solidFill>
-                  <a:srgbClr val="7030a0"/>
+                  <a:srgbClr val="7030A0"/>
                 </a:solidFill>
                 <a:latin typeface="Calibri"/>
               </a:rPr>
               <a:t>BETAFPV</a:t>
             </a:r>
-            <a:endParaRPr b="0" lang="en-US" sz="1600" spc="-1" strike="noStrike">
+            <a:endParaRPr lang="en-US" sz="1600" b="0" strike="noStrike" spc="-1">
               <a:latin typeface="Arial"/>
             </a:endParaRPr>
           </a:p>
@@ -7520,6 +8378,7 @@
             <a:avLst/>
             <a:gdLst/>
             <a:ahLst/>
+            <a:cxnLst/>
             <a:rect l="l" t="t" r="r" b="b"/>
             <a:pathLst>
               <a:path w="21600" h="21600">
@@ -7537,7 +8396,7 @@
             <a:solidFill>
               <a:srgbClr val="000000"/>
             </a:solidFill>
-            <a:tailEnd len="med" type="triangle" w="med"/>
+            <a:tailEnd type="triangle" w="med" len="med"/>
           </a:ln>
         </p:spPr>
         <p:style>
@@ -7568,6 +8427,7 @@
             <a:avLst/>
             <a:gdLst/>
             <a:ahLst/>
+            <a:cxnLst/>
             <a:rect l="l" t="t" r="r" b="b"/>
             <a:pathLst>
               <a:path w="21600" h="21600">
@@ -7585,7 +8445,7 @@
             <a:solidFill>
               <a:srgbClr val="000000"/>
             </a:solidFill>
-            <a:tailEnd len="med" type="triangle" w="med"/>
+            <a:tailEnd type="triangle" w="med" len="med"/>
           </a:ln>
         </p:spPr>
         <p:style>
@@ -7616,6 +8476,7 @@
             <a:avLst/>
             <a:gdLst/>
             <a:ahLst/>
+            <a:cxnLst/>
             <a:rect l="l" t="t" r="r" b="b"/>
             <a:pathLst>
               <a:path w="21600" h="21600">
@@ -7633,7 +8494,7 @@
             <a:solidFill>
               <a:srgbClr val="000000"/>
             </a:solidFill>
-            <a:tailEnd len="med" type="triangle" w="med"/>
+            <a:tailEnd type="triangle" w="med" len="med"/>
           </a:ln>
         </p:spPr>
         <p:style>
@@ -7669,15 +8530,22 @@
           </a:ln>
         </p:spPr>
         <p:style>
-          <a:lnRef idx="0"/>
-          <a:fillRef idx="0"/>
-          <a:effectRef idx="0"/>
-          <a:fontRef idx="minor"/>
-        </p:style>
-        <p:txBody>
-          <a:bodyPr lIns="90000" rIns="90000" tIns="45000" bIns="45000" anchor="t">
+          <a:lnRef idx="0">
+            <a:scrgbClr r="0" g="0" b="0"/>
+          </a:lnRef>
+          <a:fillRef idx="0">
+            <a:scrgbClr r="0" g="0" b="0"/>
+          </a:fillRef>
+          <a:effectRef idx="0">
+            <a:scrgbClr r="0" g="0" b="0"/>
+          </a:effectRef>
+          <a:fontRef idx="minor"/>
+        </p:style>
+        <p:txBody>
+          <a:bodyPr lIns="90000" tIns="45000" rIns="90000" bIns="45000" anchor="t">
             <a:spAutoFit/>
           </a:bodyPr>
+          <a:lstStyle/>
           <a:p>
             <a:pPr>
               <a:lnSpc>
@@ -7686,15 +8554,15 @@
               <a:buNone/>
             </a:pPr>
             <a:r>
-              <a:rPr b="0" lang="fr-FR" sz="1800" spc="-1" strike="noStrike">
+              <a:rPr lang="fr-FR" sz="1800" b="0" strike="noStrike" spc="-1">
                 <a:solidFill>
-                  <a:srgbClr val="7030a0"/>
+                  <a:srgbClr val="7030A0"/>
                 </a:solidFill>
                 <a:latin typeface="Calibri"/>
               </a:rPr>
               <a:t>17395xx36</a:t>
             </a:r>
-            <a:endParaRPr b="0" lang="en-US" sz="1800" spc="-1" strike="noStrike">
+            <a:endParaRPr lang="en-US" sz="1800" b="0" strike="noStrike" spc="-1">
               <a:latin typeface="Arial"/>
             </a:endParaRPr>
           </a:p>
@@ -7719,7 +8587,7 @@
           <a:noFill/>
           <a:ln>
             <a:solidFill>
-              <a:srgbClr val="7030a0"/>
+              <a:srgbClr val="7030A0"/>
             </a:solidFill>
           </a:ln>
         </p:spPr>
@@ -7758,15 +8626,22 @@
           </a:ln>
         </p:spPr>
         <p:style>
-          <a:lnRef idx="0"/>
-          <a:fillRef idx="0"/>
-          <a:effectRef idx="0"/>
-          <a:fontRef idx="minor"/>
-        </p:style>
-        <p:txBody>
-          <a:bodyPr lIns="90000" rIns="90000" tIns="45000" bIns="45000" anchor="t">
+          <a:lnRef idx="0">
+            <a:scrgbClr r="0" g="0" b="0"/>
+          </a:lnRef>
+          <a:fillRef idx="0">
+            <a:scrgbClr r="0" g="0" b="0"/>
+          </a:fillRef>
+          <a:effectRef idx="0">
+            <a:scrgbClr r="0" g="0" b="0"/>
+          </a:effectRef>
+          <a:fontRef idx="minor"/>
+        </p:style>
+        <p:txBody>
+          <a:bodyPr lIns="90000" tIns="45000" rIns="90000" bIns="45000" anchor="t">
             <a:spAutoFit/>
           </a:bodyPr>
+          <a:lstStyle/>
           <a:p>
             <a:pPr>
               <a:lnSpc>
@@ -7775,15 +8650,15 @@
               <a:buNone/>
             </a:pPr>
             <a:r>
-              <a:rPr b="0" lang="fr-FR" sz="1800" spc="-1" strike="noStrike">
+              <a:rPr lang="fr-FR" sz="1800" b="0" strike="noStrike" spc="-1" dirty="0">
                 <a:solidFill>
-                  <a:srgbClr val="7030a0"/>
+                  <a:srgbClr val="7030A0"/>
                 </a:solidFill>
                 <a:latin typeface="Calibri"/>
               </a:rPr>
               <a:t>VS-30BQ0115HM3</a:t>
             </a:r>
-            <a:endParaRPr b="0" lang="en-US" sz="1800" spc="-1" strike="noStrike">
+            <a:endParaRPr lang="en-US" sz="1800" b="0" strike="noStrike" spc="-1" dirty="0">
               <a:latin typeface="Arial"/>
             </a:endParaRPr>
           </a:p>
@@ -7808,7 +8683,7 @@
           <a:noFill/>
           <a:ln>
             <a:solidFill>
-              <a:srgbClr val="7030a0"/>
+              <a:srgbClr val="7030A0"/>
             </a:solidFill>
           </a:ln>
         </p:spPr>
@@ -7846,7 +8721,7 @@
           <a:noFill/>
           <a:ln>
             <a:solidFill>
-              <a:srgbClr val="7030a0"/>
+              <a:srgbClr val="7030A0"/>
             </a:solidFill>
           </a:ln>
         </p:spPr>
@@ -7885,15 +8760,22 @@
           </a:ln>
         </p:spPr>
         <p:style>
-          <a:lnRef idx="0"/>
-          <a:fillRef idx="0"/>
-          <a:effectRef idx="0"/>
-          <a:fontRef idx="minor"/>
-        </p:style>
-        <p:txBody>
-          <a:bodyPr lIns="90000" rIns="90000" tIns="45000" bIns="45000" anchor="t">
+          <a:lnRef idx="0">
+            <a:scrgbClr r="0" g="0" b="0"/>
+          </a:lnRef>
+          <a:fillRef idx="0">
+            <a:scrgbClr r="0" g="0" b="0"/>
+          </a:fillRef>
+          <a:effectRef idx="0">
+            <a:scrgbClr r="0" g="0" b="0"/>
+          </a:effectRef>
+          <a:fontRef idx="minor"/>
+        </p:style>
+        <p:txBody>
+          <a:bodyPr lIns="90000" tIns="45000" rIns="90000" bIns="45000" anchor="t">
             <a:spAutoFit/>
           </a:bodyPr>
+          <a:lstStyle/>
           <a:p>
             <a:pPr algn="ctr">
               <a:lnSpc>
@@ -7902,15 +8784,15 @@
               <a:buNone/>
             </a:pPr>
             <a:r>
-              <a:rPr b="0" lang="fr-FR" sz="1800" spc="-1" strike="noStrike">
+              <a:rPr lang="fr-FR" sz="1800" b="0" strike="noStrike" spc="-1" dirty="0">
                 <a:solidFill>
-                  <a:srgbClr val="7030a0"/>
+                  <a:srgbClr val="7030A0"/>
                 </a:solidFill>
                 <a:latin typeface="Calibri"/>
               </a:rPr>
               <a:t>SQ2310ES</a:t>
             </a:r>
-            <a:endParaRPr b="0" lang="en-US" sz="1800" spc="-1" strike="noStrike">
+            <a:endParaRPr lang="en-US" sz="1800" b="0" strike="noStrike" spc="-1" dirty="0">
               <a:latin typeface="Arial"/>
             </a:endParaRPr>
           </a:p>
@@ -7936,15 +8818,22 @@
           </a:ln>
         </p:spPr>
         <p:style>
-          <a:lnRef idx="0"/>
-          <a:fillRef idx="0"/>
-          <a:effectRef idx="0"/>
-          <a:fontRef idx="minor"/>
-        </p:style>
-        <p:txBody>
-          <a:bodyPr lIns="90000" rIns="90000" tIns="45000" bIns="45000" anchor="t">
+          <a:lnRef idx="0">
+            <a:scrgbClr r="0" g="0" b="0"/>
+          </a:lnRef>
+          <a:fillRef idx="0">
+            <a:scrgbClr r="0" g="0" b="0"/>
+          </a:fillRef>
+          <a:effectRef idx="0">
+            <a:scrgbClr r="0" g="0" b="0"/>
+          </a:effectRef>
+          <a:fontRef idx="minor"/>
+        </p:style>
+        <p:txBody>
+          <a:bodyPr lIns="90000" tIns="45000" rIns="90000" bIns="45000" anchor="t">
             <a:spAutoFit/>
           </a:bodyPr>
+          <a:lstStyle/>
           <a:p>
             <a:pPr>
               <a:lnSpc>
@@ -7953,15 +8842,15 @@
               <a:buNone/>
             </a:pPr>
             <a:r>
-              <a:rPr b="0" lang="fr-FR" sz="1400" spc="-1" strike="noStrike">
+              <a:rPr lang="fr-FR" sz="1400" b="0" strike="noStrike" spc="-1">
                 <a:solidFill>
-                  <a:srgbClr val="7030a0"/>
+                  <a:srgbClr val="7030A0"/>
                 </a:solidFill>
                 <a:latin typeface="Arial"/>
               </a:rPr>
               <a:t>Tiny 8X RC Drone</a:t>
             </a:r>
-            <a:endParaRPr b="0" lang="en-US" sz="1400" spc="-1" strike="noStrike">
+            <a:endParaRPr lang="en-US" sz="1400" b="0" strike="noStrike" spc="-1">
               <a:latin typeface="Arial"/>
             </a:endParaRPr>
           </a:p>
@@ -7972,7 +8861,7 @@
               </a:lnSpc>
               <a:buNone/>
             </a:pPr>
-            <a:endParaRPr b="0" lang="en-US" sz="1800" spc="-1" strike="noStrike">
+            <a:endParaRPr lang="en-US" sz="1800" b="0" strike="noStrike" spc="-1">
               <a:latin typeface="Arial"/>
             </a:endParaRPr>
           </a:p>
@@ -7997,7 +8886,7 @@
           <a:noFill/>
           <a:ln>
             <a:solidFill>
-              <a:srgbClr val="7030a0"/>
+              <a:srgbClr val="7030A0"/>
             </a:solidFill>
           </a:ln>
         </p:spPr>
@@ -8035,7 +8924,7 @@
           <a:noFill/>
           <a:ln>
             <a:solidFill>
-              <a:srgbClr val="7030a0"/>
+              <a:srgbClr val="7030A0"/>
             </a:solidFill>
           </a:ln>
         </p:spPr>
@@ -8074,15 +8963,22 @@
           </a:ln>
         </p:spPr>
         <p:style>
-          <a:lnRef idx="0"/>
-          <a:fillRef idx="0"/>
-          <a:effectRef idx="0"/>
-          <a:fontRef idx="minor"/>
-        </p:style>
-        <p:txBody>
-          <a:bodyPr lIns="90000" rIns="90000" tIns="45000" bIns="45000" anchor="t">
+          <a:lnRef idx="0">
+            <a:scrgbClr r="0" g="0" b="0"/>
+          </a:lnRef>
+          <a:fillRef idx="0">
+            <a:scrgbClr r="0" g="0" b="0"/>
+          </a:fillRef>
+          <a:effectRef idx="0">
+            <a:scrgbClr r="0" g="0" b="0"/>
+          </a:effectRef>
+          <a:fontRef idx="minor"/>
+        </p:style>
+        <p:txBody>
+          <a:bodyPr lIns="90000" tIns="45000" rIns="90000" bIns="45000" anchor="t">
             <a:spAutoFit/>
           </a:bodyPr>
+          <a:lstStyle/>
           <a:p>
             <a:pPr>
               <a:lnSpc>
@@ -8091,15 +8987,15 @@
               <a:buNone/>
             </a:pPr>
             <a:r>
-              <a:rPr b="0" lang="fr-FR" sz="1200" spc="-1" strike="noStrike">
+              <a:rPr lang="fr-FR" sz="1200" b="0" strike="noStrike" spc="-1" dirty="0">
                 <a:solidFill>
-                  <a:srgbClr val="7030a0"/>
+                  <a:srgbClr val="7030A0"/>
                 </a:solidFill>
                 <a:latin typeface="Helvetica Neue"/>
               </a:rPr>
               <a:t>NCS199A3RSQT2G</a:t>
             </a:r>
-            <a:endParaRPr b="0" lang="en-US" sz="1200" spc="-1" strike="noStrike">
+            <a:endParaRPr lang="en-US" sz="1200" b="0" strike="noStrike" spc="-1" dirty="0">
               <a:latin typeface="Arial"/>
             </a:endParaRPr>
           </a:p>
@@ -8113,7 +9009,7 @@
         </p:nvSpPr>
         <p:spPr>
           <a:xfrm>
-            <a:off x="5103000" y="4446360"/>
+            <a:off x="4979880" y="4330419"/>
             <a:ext cx="2385000" cy="394560"/>
           </a:xfrm>
           <a:prstGeom prst="rect">
@@ -8125,15 +9021,22 @@
           </a:ln>
         </p:spPr>
         <p:style>
-          <a:lnRef idx="0"/>
-          <a:fillRef idx="0"/>
-          <a:effectRef idx="0"/>
-          <a:fontRef idx="minor"/>
-        </p:style>
-        <p:txBody>
-          <a:bodyPr lIns="90000" rIns="90000" tIns="45000" bIns="45000" anchor="t">
+          <a:lnRef idx="0">
+            <a:scrgbClr r="0" g="0" b="0"/>
+          </a:lnRef>
+          <a:fillRef idx="0">
+            <a:scrgbClr r="0" g="0" b="0"/>
+          </a:fillRef>
+          <a:effectRef idx="0">
+            <a:scrgbClr r="0" g="0" b="0"/>
+          </a:effectRef>
+          <a:fontRef idx="minor"/>
+        </p:style>
+        <p:txBody>
+          <a:bodyPr lIns="90000" tIns="45000" rIns="90000" bIns="45000" anchor="t">
             <a:spAutoFit/>
           </a:bodyPr>
+          <a:lstStyle/>
           <a:p>
             <a:pPr>
               <a:lnSpc>
@@ -8142,9 +9045,9 @@
               <a:buNone/>
             </a:pPr>
             <a:r>
-              <a:rPr b="1" lang="fr-FR" sz="2000" spc="-1" strike="noStrike" u="sng">
+              <a:rPr lang="fr-FR" sz="2000" b="1" u="sng" strike="noStrike" spc="-1" dirty="0">
                 <a:solidFill>
-                  <a:srgbClr val="c00000"/>
+                  <a:srgbClr val="C00000"/>
                 </a:solidFill>
                 <a:uFillTx/>
                 <a:latin typeface="Calibri"/>
@@ -8152,7 +9055,7 @@
               <a:t>Asservissement</a:t>
             </a:r>
             <a:r>
-              <a:rPr b="0" lang="fr-FR" sz="1800" spc="-1" strike="noStrike">
+              <a:rPr lang="fr-FR" sz="1800" b="0" strike="noStrike" spc="-1" dirty="0">
                 <a:solidFill>
                   <a:srgbClr val="000000"/>
                 </a:solidFill>
@@ -8160,7 +9063,7 @@
               </a:rPr>
               <a:t> </a:t>
             </a:r>
-            <a:endParaRPr b="0" lang="en-US" sz="1800" spc="-1" strike="noStrike">
+            <a:endParaRPr lang="en-US" sz="1800" b="0" strike="noStrike" spc="-1" dirty="0">
               <a:latin typeface="Arial"/>
             </a:endParaRPr>
           </a:p>
@@ -8168,19 +9071,14 @@
       </p:sp>
     </p:spTree>
   </p:cSld>
-  <mc:AlternateContent>
-    <mc:Choice Requires="p14">
-      <p:transition spd="slow" p14:dur="2000"/>
-    </mc:Choice>
-    <mc:Fallback>
-      <p:transition spd="slow"/>
-    </mc:Fallback>
-  </mc:AlternateContent>
+  <p:clrMapOvr>
+    <a:masterClrMapping/>
+  </p:clrMapOvr>
 </p:sld>
 </file>
 
 <file path=ppt/slides/slide2.xml><?xml version="1.0" encoding="utf-8"?>
-<p:sld xmlns:a="http://schemas.openxmlformats.org/drawingml/2006/main" xmlns:p="http://schemas.openxmlformats.org/presentationml/2006/main" xmlns:r="http://schemas.openxmlformats.org/officeDocument/2006/relationships" xmlns:p14="http://schemas.microsoft.com/office/powerpoint/2010/main" xmlns:p15="http://schemas.microsoft.com/office/powerpoint/2012/main" xmlns:mc="http://schemas.openxmlformats.org/markup-compatibility/2006">
+<p:sld xmlns:a="http://schemas.openxmlformats.org/drawingml/2006/main" xmlns:r="http://schemas.openxmlformats.org/officeDocument/2006/relationships" xmlns:p="http://schemas.openxmlformats.org/presentationml/2006/main">
   <p:cSld>
     <p:spTree>
       <p:nvGrpSpPr>
@@ -8213,7 +9111,7 @@
             </a:avLst>
           </a:prstGeom>
           <a:solidFill>
-            <a:srgbClr val="ffffff"/>
+            <a:srgbClr val="FFFFFF"/>
           </a:solidFill>
           <a:ln>
             <a:solidFill>
@@ -8251,7 +9149,7 @@
             </a:avLst>
           </a:prstGeom>
           <a:solidFill>
-            <a:srgbClr val="ffffff"/>
+            <a:srgbClr val="FFFFFF"/>
           </a:solidFill>
           <a:ln>
             <a:solidFill>
@@ -8292,15 +9190,22 @@
           </a:ln>
         </p:spPr>
         <p:style>
-          <a:lnRef idx="0"/>
-          <a:fillRef idx="0"/>
-          <a:effectRef idx="0"/>
-          <a:fontRef idx="minor"/>
-        </p:style>
-        <p:txBody>
-          <a:bodyPr lIns="90000" rIns="90000" tIns="45000" bIns="45000" anchor="t">
+          <a:lnRef idx="0">
+            <a:scrgbClr r="0" g="0" b="0"/>
+          </a:lnRef>
+          <a:fillRef idx="0">
+            <a:scrgbClr r="0" g="0" b="0"/>
+          </a:fillRef>
+          <a:effectRef idx="0">
+            <a:scrgbClr r="0" g="0" b="0"/>
+          </a:effectRef>
+          <a:fontRef idx="minor"/>
+        </p:style>
+        <p:txBody>
+          <a:bodyPr lIns="90000" tIns="45000" rIns="90000" bIns="45000" anchor="t">
             <a:spAutoFit/>
           </a:bodyPr>
+          <a:lstStyle/>
           <a:p>
             <a:pPr>
               <a:lnSpc>
@@ -8309,9 +9214,9 @@
               <a:buNone/>
             </a:pPr>
             <a:r>
-              <a:rPr b="1" lang="fr-FR" sz="2000" spc="-1" strike="noStrike" u="sng">
+              <a:rPr lang="fr-FR" sz="2000" b="1" u="sng" strike="noStrike" spc="-1">
                 <a:solidFill>
-                  <a:srgbClr val="c00000"/>
+                  <a:srgbClr val="C00000"/>
                 </a:solidFill>
                 <a:uFillTx/>
                 <a:latin typeface="Calibri"/>
@@ -8319,7 +9224,7 @@
               <a:t>Asservissement</a:t>
             </a:r>
             <a:r>
-              <a:rPr b="0" lang="fr-FR" sz="1800" spc="-1" strike="noStrike">
+              <a:rPr lang="fr-FR" sz="1800" b="0" strike="noStrike" spc="-1">
                 <a:solidFill>
                   <a:srgbClr val="000000"/>
                 </a:solidFill>
@@ -8327,7 +9232,7 @@
               </a:rPr>
               <a:t> </a:t>
             </a:r>
-            <a:endParaRPr b="0" lang="en-US" sz="1800" spc="-1" strike="noStrike">
+            <a:endParaRPr lang="en-US" sz="1800" b="0" strike="noStrike" spc="-1">
               <a:latin typeface="Arial"/>
             </a:endParaRPr>
           </a:p>
@@ -8353,15 +9258,22 @@
           </a:ln>
         </p:spPr>
         <p:style>
-          <a:lnRef idx="0"/>
-          <a:fillRef idx="0"/>
-          <a:effectRef idx="0"/>
-          <a:fontRef idx="minor"/>
-        </p:style>
-        <p:txBody>
-          <a:bodyPr lIns="90000" rIns="90000" tIns="45000" bIns="45000" anchor="t">
+          <a:lnRef idx="0">
+            <a:scrgbClr r="0" g="0" b="0"/>
+          </a:lnRef>
+          <a:fillRef idx="0">
+            <a:scrgbClr r="0" g="0" b="0"/>
+          </a:fillRef>
+          <a:effectRef idx="0">
+            <a:scrgbClr r="0" g="0" b="0"/>
+          </a:effectRef>
+          <a:fontRef idx="minor"/>
+        </p:style>
+        <p:txBody>
+          <a:bodyPr lIns="90000" tIns="45000" rIns="90000" bIns="45000" anchor="t">
             <a:spAutoFit/>
           </a:bodyPr>
+          <a:lstStyle/>
           <a:p>
             <a:pPr>
               <a:lnSpc>
@@ -8370,7 +9282,7 @@
               <a:buNone/>
             </a:pPr>
             <a:r>
-              <a:rPr b="0" lang="fr-FR" sz="1800" spc="-1" strike="noStrike">
+              <a:rPr lang="fr-FR" sz="1800" b="0" strike="noStrike" spc="-1">
                 <a:solidFill>
                   <a:srgbClr val="000000"/>
                 </a:solidFill>
@@ -8378,7 +9290,7 @@
               </a:rPr>
               <a:t>-  Microcontrôleur</a:t>
             </a:r>
-            <a:endParaRPr b="0" lang="en-US" sz="1800" spc="-1" strike="noStrike">
+            <a:endParaRPr lang="en-US" sz="1800" b="0" strike="noStrike" spc="-1">
               <a:latin typeface="Arial"/>
             </a:endParaRPr>
           </a:p>
@@ -8390,7 +9302,7 @@
               <a:buNone/>
             </a:pPr>
             <a:r>
-              <a:rPr b="0" lang="fr-FR" sz="1800" spc="-1" strike="noStrike">
+              <a:rPr lang="fr-FR" sz="1800" b="0" strike="noStrike" spc="-1">
                 <a:solidFill>
                   <a:srgbClr val="000000"/>
                 </a:solidFill>
@@ -8398,7 +9310,7 @@
               </a:rPr>
               <a:t> </a:t>
             </a:r>
-            <a:endParaRPr b="0" lang="en-US" sz="1800" spc="-1" strike="noStrike">
+            <a:endParaRPr lang="en-US" sz="1800" b="0" strike="noStrike" spc="-1">
               <a:latin typeface="Arial"/>
             </a:endParaRPr>
           </a:p>
@@ -8424,15 +9336,22 @@
           </a:ln>
         </p:spPr>
         <p:style>
-          <a:lnRef idx="0"/>
-          <a:fillRef idx="0"/>
-          <a:effectRef idx="0"/>
-          <a:fontRef idx="minor"/>
-        </p:style>
-        <p:txBody>
-          <a:bodyPr lIns="90000" rIns="90000" tIns="45000" bIns="45000" anchor="t">
+          <a:lnRef idx="0">
+            <a:scrgbClr r="0" g="0" b="0"/>
+          </a:lnRef>
+          <a:fillRef idx="0">
+            <a:scrgbClr r="0" g="0" b="0"/>
+          </a:fillRef>
+          <a:effectRef idx="0">
+            <a:scrgbClr r="0" g="0" b="0"/>
+          </a:effectRef>
+          <a:fontRef idx="minor"/>
+        </p:style>
+        <p:txBody>
+          <a:bodyPr lIns="90000" tIns="45000" rIns="90000" bIns="45000" anchor="t">
             <a:spAutoFit/>
           </a:bodyPr>
+          <a:lstStyle/>
           <a:p>
             <a:pPr>
               <a:lnSpc>
@@ -8441,9 +9360,9 @@
               <a:buNone/>
             </a:pPr>
             <a:r>
-              <a:rPr b="1" lang="fr-FR" sz="2000" spc="-1" strike="noStrike" u="sng">
+              <a:rPr lang="fr-FR" sz="2000" b="1" u="sng" strike="noStrike" spc="-1">
                 <a:solidFill>
-                  <a:srgbClr val="c00000"/>
+                  <a:srgbClr val="C00000"/>
                 </a:solidFill>
                 <a:uFillTx/>
                 <a:latin typeface="Calibri"/>
@@ -8451,7 +9370,7 @@
               <a:t>Actionneurs</a:t>
             </a:r>
             <a:r>
-              <a:rPr b="0" lang="fr-FR" sz="1800" spc="-1" strike="noStrike">
+              <a:rPr lang="fr-FR" sz="1800" b="0" strike="noStrike" spc="-1">
                 <a:solidFill>
                   <a:srgbClr val="000000"/>
                 </a:solidFill>
@@ -8459,7 +9378,7 @@
               </a:rPr>
               <a:t> </a:t>
             </a:r>
-            <a:endParaRPr b="0" lang="en-US" sz="1800" spc="-1" strike="noStrike">
+            <a:endParaRPr lang="en-US" sz="1800" b="0" strike="noStrike" spc="-1">
               <a:latin typeface="Arial"/>
             </a:endParaRPr>
           </a:p>
@@ -8480,7 +9399,7 @@
             <a:avLst/>
           </a:prstGeom>
           <a:solidFill>
-            <a:srgbClr val="ffffff"/>
+            <a:srgbClr val="FFFFFF"/>
           </a:solidFill>
           <a:ln>
             <a:solidFill>
@@ -8521,15 +9440,22 @@
           </a:ln>
         </p:spPr>
         <p:style>
-          <a:lnRef idx="0"/>
-          <a:fillRef idx="0"/>
-          <a:effectRef idx="0"/>
-          <a:fontRef idx="minor"/>
-        </p:style>
-        <p:txBody>
-          <a:bodyPr lIns="90000" rIns="90000" tIns="45000" bIns="45000" anchor="t">
+          <a:lnRef idx="0">
+            <a:scrgbClr r="0" g="0" b="0"/>
+          </a:lnRef>
+          <a:fillRef idx="0">
+            <a:scrgbClr r="0" g="0" b="0"/>
+          </a:fillRef>
+          <a:effectRef idx="0">
+            <a:scrgbClr r="0" g="0" b="0"/>
+          </a:effectRef>
+          <a:fontRef idx="minor"/>
+        </p:style>
+        <p:txBody>
+          <a:bodyPr lIns="90000" tIns="45000" rIns="90000" bIns="45000" anchor="t">
             <a:spAutoFit/>
           </a:bodyPr>
+          <a:lstStyle/>
           <a:p>
             <a:pPr>
               <a:lnSpc>
@@ -8538,7 +9464,7 @@
               <a:buNone/>
             </a:pPr>
             <a:r>
-              <a:rPr b="0" lang="fr-FR" sz="1800" spc="-1" strike="noStrike">
+              <a:rPr lang="fr-FR" sz="1800" b="0" strike="noStrike" spc="-1">
                 <a:solidFill>
                   <a:srgbClr val="000000"/>
                 </a:solidFill>
@@ -8546,7 +9472,7 @@
               </a:rPr>
               <a:t>Moteur</a:t>
             </a:r>
-            <a:endParaRPr b="0" lang="en-US" sz="1800" spc="-1" strike="noStrike">
+            <a:endParaRPr lang="en-US" sz="1800" b="0" strike="noStrike" spc="-1">
               <a:latin typeface="Arial"/>
             </a:endParaRPr>
           </a:p>
@@ -8771,7 +9697,7 @@
           </a:prstGeom>
           <a:ln>
             <a:solidFill>
-              <a:srgbClr val="4472c4"/>
+              <a:srgbClr val="4472C4"/>
             </a:solidFill>
           </a:ln>
         </p:spPr>
@@ -8841,15 +9767,22 @@
           </a:ln>
         </p:spPr>
         <p:style>
-          <a:lnRef idx="0"/>
-          <a:fillRef idx="0"/>
-          <a:effectRef idx="0"/>
-          <a:fontRef idx="minor"/>
-        </p:style>
-        <p:txBody>
-          <a:bodyPr lIns="90000" rIns="90000" tIns="45000" bIns="45000" anchor="t">
+          <a:lnRef idx="0">
+            <a:scrgbClr r="0" g="0" b="0"/>
+          </a:lnRef>
+          <a:fillRef idx="0">
+            <a:scrgbClr r="0" g="0" b="0"/>
+          </a:fillRef>
+          <a:effectRef idx="0">
+            <a:scrgbClr r="0" g="0" b="0"/>
+          </a:effectRef>
+          <a:fontRef idx="minor"/>
+        </p:style>
+        <p:txBody>
+          <a:bodyPr lIns="90000" tIns="45000" rIns="90000" bIns="45000" anchor="t">
             <a:spAutoFit/>
           </a:bodyPr>
+          <a:lstStyle/>
           <a:p>
             <a:pPr>
               <a:lnSpc>
@@ -8858,15 +9791,15 @@
               <a:buNone/>
             </a:pPr>
             <a:r>
-              <a:rPr b="1" lang="fr-FR" sz="3200" spc="-1" strike="noStrike">
+              <a:rPr lang="fr-FR" sz="3200" b="1" strike="noStrike" spc="-1">
                 <a:solidFill>
-                  <a:srgbClr val="c00000"/>
+                  <a:srgbClr val="C00000"/>
                 </a:solidFill>
                 <a:latin typeface="Calibri"/>
               </a:rPr>
               <a:t>x4</a:t>
             </a:r>
-            <a:endParaRPr b="0" lang="en-US" sz="3200" spc="-1" strike="noStrike">
+            <a:endParaRPr lang="en-US" sz="3200" b="0" strike="noStrike" spc="-1">
               <a:latin typeface="Arial"/>
             </a:endParaRPr>
           </a:p>
@@ -8887,7 +9820,7 @@
             <a:avLst/>
           </a:prstGeom>
           <a:solidFill>
-            <a:srgbClr val="ffffff"/>
+            <a:srgbClr val="FFFFFF"/>
           </a:solidFill>
           <a:ln>
             <a:solidFill>
@@ -9106,8 +10039,8 @@
           <a:fontRef idx="minor"/>
         </p:style>
       </p:sp>
-      <mc:AlternateContent>
-        <mc:Choice xmlns:a14="http://schemas.microsoft.com/office/drawing/2010/main" Requires="a14">
+      <mc:AlternateContent xmlns:mc="http://schemas.openxmlformats.org/markup-compatibility/2006" xmlns:a14="http://schemas.microsoft.com/office/drawing/2010/main">
+        <mc:Choice Requires="a14">
           <p:sp>
             <p:nvSpPr>
               <p:cNvPr id="148" name="TextBox 46"/>
@@ -9125,28 +10058,49 @@
             </p:spPr>
             <p:txBody>
               <a:bodyPr/>
+              <a:lstStyle/>
               <a:p>
+                <a:pPr/>
                 <a14:m>
-                  <m:oMath xmlns:m="http://schemas.openxmlformats.org/officeDocument/2006/math">
-                    <m:sSub>
-                      <m:e>
-                        <m:r>
-                          <m:t xml:space="preserve">𝑅</m:t>
-                        </m:r>
-                      </m:e>
-                      <m:sub>
-                        <m:r>
-                          <m:t xml:space="preserve">𝑠𝑒𝑛𝑠𝑒</m:t>
-                        </m:r>
-                      </m:sub>
-                    </m:sSub>
-                  </m:oMath>
+                  <m:oMathPara xmlns:m="http://schemas.openxmlformats.org/officeDocument/2006/math">
+                    <m:oMathParaPr>
+                      <m:jc m:val="centerGroup"/>
+                    </m:oMathParaPr>
+                    <m:oMath xmlns:m="http://schemas.openxmlformats.org/officeDocument/2006/math">
+                      <m:sSub>
+                        <m:sSubPr>
+                          <m:ctrlPr>
+                            <a:rPr i="1">
+                              <a:latin typeface="Cambria Math" panose="02040503050406030204" pitchFamily="18" charset="0"/>
+                            </a:rPr>
+                          </m:ctrlPr>
+                        </m:sSubPr>
+                        <m:e>
+                          <m:r>
+                            <a:rPr>
+                              <a:latin typeface="Cambria Math" panose="02040503050406030204" pitchFamily="18" charset="0"/>
+                            </a:rPr>
+                            <m:t>𝑅</m:t>
+                          </m:r>
+                        </m:e>
+                        <m:sub>
+                          <m:r>
+                            <a:rPr>
+                              <a:latin typeface="Cambria Math" panose="02040503050406030204" pitchFamily="18" charset="0"/>
+                            </a:rPr>
+                            <m:t>𝑠𝑒𝑛𝑠𝑒</m:t>
+                          </m:r>
+                        </m:sub>
+                      </m:sSub>
+                    </m:oMath>
+                  </m:oMathPara>
                 </a14:m>
+                <a:endParaRPr/>
               </a:p>
             </p:txBody>
           </p:sp>
         </mc:Choice>
-        <mc:Fallback/>
+        <mc:Fallback xmlns="" xmlns:p14="http://schemas.microsoft.com/office/powerpoint/2010/main" xmlns:p15="http://schemas.microsoft.com/office/powerpoint/2012/main"/>
       </mc:AlternateContent>
       <p:sp>
         <p:nvSpPr>
@@ -9400,7 +10354,7 @@
           </a:prstGeom>
           <a:ln>
             <a:solidFill>
-              <a:srgbClr val="7030a0"/>
+              <a:srgbClr val="7030A0"/>
             </a:solidFill>
           </a:ln>
         </p:spPr>
@@ -9433,7 +10387,7 @@
           </a:prstGeom>
           <a:ln>
             <a:solidFill>
-              <a:srgbClr val="7030a0"/>
+              <a:srgbClr val="7030A0"/>
             </a:solidFill>
           </a:ln>
         </p:spPr>
@@ -9466,7 +10420,7 @@
           </a:prstGeom>
           <a:ln>
             <a:solidFill>
-              <a:srgbClr val="7030a0"/>
+              <a:srgbClr val="7030A0"/>
             </a:solidFill>
           </a:ln>
         </p:spPr>
@@ -9499,7 +10453,7 @@
           </a:prstGeom>
           <a:ln>
             <a:solidFill>
-              <a:srgbClr val="7030a0"/>
+              <a:srgbClr val="7030A0"/>
             </a:solidFill>
           </a:ln>
         </p:spPr>
@@ -9532,7 +10486,7 @@
           </a:prstGeom>
           <a:ln>
             <a:solidFill>
-              <a:srgbClr val="7030a0"/>
+              <a:srgbClr val="7030A0"/>
             </a:solidFill>
           </a:ln>
         </p:spPr>
@@ -9549,22 +10503,20 @@
           <a:fontRef idx="minor"/>
         </p:style>
         <p:txBody>
-          <a:bodyPr lIns="90000" rIns="90000" tIns="45000" bIns="45000" anchor="t" anchorCtr="1">
+          <a:bodyPr lIns="90000" tIns="45000" rIns="90000" bIns="45000" anchor="t" anchorCtr="1">
             <a:noAutofit/>
           </a:bodyPr>
+          <a:lstStyle/>
           <a:p>
             <a:r>
-              <a:rPr b="0" lang="en-US" sz="1800" spc="-1" strike="noStrike">
+              <a:rPr lang="en-US" sz="1800" b="0" strike="noStrike" spc="-1">
                 <a:latin typeface="Arial"/>
               </a:rPr>
               <a:t>Analogique x’</a:t>
             </a:r>
-            <a:endParaRPr b="0" lang="en-US" sz="1800" spc="-1" strike="noStrike">
-              <a:latin typeface="Arial"/>
-            </a:endParaRPr>
-          </a:p>
-          <a:p>
-            <a:endParaRPr b="0" lang="en-US" sz="1800" spc="-1" strike="noStrike">
+          </a:p>
+          <a:p>
+            <a:endParaRPr lang="en-US" sz="1800" b="0" strike="noStrike" spc="-1">
               <a:latin typeface="Arial"/>
             </a:endParaRPr>
           </a:p>
@@ -9589,7 +10541,7 @@
           <a:noFill/>
           <a:ln>
             <a:solidFill>
-              <a:srgbClr val="7030a0"/>
+              <a:srgbClr val="7030A0"/>
             </a:solidFill>
           </a:ln>
         </p:spPr>
@@ -9856,7 +10808,7 @@
             </a:avLst>
           </a:prstGeom>
           <a:solidFill>
-            <a:srgbClr val="ffffff"/>
+            <a:srgbClr val="FFFFFF"/>
           </a:solidFill>
           <a:ln>
             <a:solidFill>
@@ -9897,15 +10849,22 @@
           </a:ln>
         </p:spPr>
         <p:style>
-          <a:lnRef idx="0"/>
-          <a:fillRef idx="0"/>
-          <a:effectRef idx="0"/>
-          <a:fontRef idx="minor"/>
-        </p:style>
-        <p:txBody>
-          <a:bodyPr lIns="90000" rIns="90000" tIns="45000" bIns="45000" anchor="t">
+          <a:lnRef idx="0">
+            <a:scrgbClr r="0" g="0" b="0"/>
+          </a:lnRef>
+          <a:fillRef idx="0">
+            <a:scrgbClr r="0" g="0" b="0"/>
+          </a:fillRef>
+          <a:effectRef idx="0">
+            <a:scrgbClr r="0" g="0" b="0"/>
+          </a:effectRef>
+          <a:fontRef idx="minor"/>
+        </p:style>
+        <p:txBody>
+          <a:bodyPr lIns="90000" tIns="45000" rIns="90000" bIns="45000" anchor="t">
             <a:spAutoFit/>
           </a:bodyPr>
+          <a:lstStyle/>
           <a:p>
             <a:pPr>
               <a:lnSpc>
@@ -9914,9 +10873,9 @@
               <a:buNone/>
             </a:pPr>
             <a:r>
-              <a:rPr b="1" lang="fr-FR" sz="2000" spc="-1" strike="noStrike" u="sng">
+              <a:rPr lang="fr-FR" sz="2000" b="1" u="sng" strike="noStrike" spc="-1">
                 <a:solidFill>
-                  <a:srgbClr val="c00000"/>
+                  <a:srgbClr val="C00000"/>
                 </a:solidFill>
                 <a:uFillTx/>
                 <a:latin typeface="Calibri"/>
@@ -9924,7 +10883,7 @@
               <a:t>Alimentation</a:t>
             </a:r>
             <a:r>
-              <a:rPr b="0" lang="fr-FR" sz="1800" spc="-1" strike="noStrike">
+              <a:rPr lang="fr-FR" sz="1800" b="0" strike="noStrike" spc="-1">
                 <a:solidFill>
                   <a:srgbClr val="000000"/>
                 </a:solidFill>
@@ -9932,7 +10891,7 @@
               </a:rPr>
               <a:t> </a:t>
             </a:r>
-            <a:endParaRPr b="0" lang="en-US" sz="1800" spc="-1" strike="noStrike">
+            <a:endParaRPr lang="en-US" sz="1800" b="0" strike="noStrike" spc="-1">
               <a:latin typeface="Arial"/>
             </a:endParaRPr>
           </a:p>
@@ -9958,15 +10917,22 @@
           </a:ln>
         </p:spPr>
         <p:style>
-          <a:lnRef idx="0"/>
-          <a:fillRef idx="0"/>
-          <a:effectRef idx="0"/>
-          <a:fontRef idx="minor"/>
-        </p:style>
-        <p:txBody>
-          <a:bodyPr lIns="90000" rIns="90000" tIns="45000" bIns="45000" anchor="t">
+          <a:lnRef idx="0">
+            <a:scrgbClr r="0" g="0" b="0"/>
+          </a:lnRef>
+          <a:fillRef idx="0">
+            <a:scrgbClr r="0" g="0" b="0"/>
+          </a:fillRef>
+          <a:effectRef idx="0">
+            <a:scrgbClr r="0" g="0" b="0"/>
+          </a:effectRef>
+          <a:fontRef idx="minor"/>
+        </p:style>
+        <p:txBody>
+          <a:bodyPr lIns="90000" tIns="45000" rIns="90000" bIns="45000" anchor="t">
             <a:spAutoFit/>
           </a:bodyPr>
+          <a:lstStyle/>
           <a:p>
             <a:pPr>
               <a:lnSpc>
@@ -9975,7 +10941,7 @@
               <a:buNone/>
             </a:pPr>
             <a:r>
-              <a:rPr b="0" lang="fr-FR" sz="1800" spc="-1" strike="noStrike">
+              <a:rPr lang="fr-FR" sz="1800" b="0" strike="noStrike" spc="-1">
                 <a:solidFill>
                   <a:srgbClr val="000000"/>
                 </a:solidFill>
@@ -9983,7 +10949,7 @@
               </a:rPr>
               <a:t>-  Batterie</a:t>
             </a:r>
-            <a:endParaRPr b="0" lang="en-US" sz="1800" spc="-1" strike="noStrike">
+            <a:endParaRPr lang="en-US" sz="1800" b="0" strike="noStrike" spc="-1">
               <a:latin typeface="Arial"/>
             </a:endParaRPr>
           </a:p>
@@ -9995,7 +10961,7 @@
               <a:buNone/>
             </a:pPr>
             <a:r>
-              <a:rPr b="0" lang="fr-FR" sz="1800" spc="-1" strike="noStrike">
+              <a:rPr lang="fr-FR" sz="1800" b="0" strike="noStrike" spc="-1">
                 <a:solidFill>
                   <a:srgbClr val="000000"/>
                 </a:solidFill>
@@ -10003,7 +10969,7 @@
               </a:rPr>
               <a:t> </a:t>
             </a:r>
-            <a:endParaRPr b="0" lang="en-US" sz="1800" spc="-1" strike="noStrike">
+            <a:endParaRPr lang="en-US" sz="1800" b="0" strike="noStrike" spc="-1">
               <a:latin typeface="Arial"/>
             </a:endParaRPr>
           </a:p>
@@ -10256,7 +11222,7 @@
           </a:prstGeom>
           <a:ln>
             <a:solidFill>
-              <a:srgbClr val="00b0f0"/>
+              <a:srgbClr val="00B0F0"/>
             </a:solidFill>
           </a:ln>
         </p:spPr>
@@ -10289,7 +11255,7 @@
           </a:prstGeom>
           <a:ln>
             <a:solidFill>
-              <a:srgbClr val="00b0f0"/>
+              <a:srgbClr val="00B0F0"/>
             </a:solidFill>
           </a:ln>
         </p:spPr>
@@ -10322,7 +11288,7 @@
           </a:prstGeom>
           <a:ln>
             <a:solidFill>
-              <a:srgbClr val="00b0f0"/>
+              <a:srgbClr val="00B0F0"/>
             </a:solidFill>
           </a:ln>
         </p:spPr>
@@ -10355,7 +11321,7 @@
           </a:prstGeom>
           <a:ln>
             <a:solidFill>
-              <a:srgbClr val="00b0f0"/>
+              <a:srgbClr val="00B0F0"/>
             </a:solidFill>
           </a:ln>
         </p:spPr>
@@ -10388,7 +11354,7 @@
           </a:prstGeom>
           <a:ln>
             <a:solidFill>
-              <a:srgbClr val="00b0f0"/>
+              <a:srgbClr val="00B0F0"/>
             </a:solidFill>
           </a:ln>
         </p:spPr>
@@ -10421,7 +11387,7 @@
           </a:prstGeom>
           <a:ln>
             <a:solidFill>
-              <a:srgbClr val="00b0f0"/>
+              <a:srgbClr val="00B0F0"/>
             </a:solidFill>
           </a:ln>
         </p:spPr>
@@ -10457,7 +11423,7 @@
           <a:noFill/>
           <a:ln>
             <a:solidFill>
-              <a:srgbClr val="00b0f0"/>
+              <a:srgbClr val="00B0F0"/>
             </a:solidFill>
           </a:ln>
         </p:spPr>
@@ -10494,15 +11460,22 @@
           </a:ln>
         </p:spPr>
         <p:style>
-          <a:lnRef idx="0"/>
-          <a:fillRef idx="0"/>
-          <a:effectRef idx="0"/>
-          <a:fontRef idx="minor"/>
-        </p:style>
-        <p:txBody>
-          <a:bodyPr lIns="90000" rIns="90000" tIns="45000" bIns="45000" anchor="t">
+          <a:lnRef idx="0">
+            <a:scrgbClr r="0" g="0" b="0"/>
+          </a:lnRef>
+          <a:fillRef idx="0">
+            <a:scrgbClr r="0" g="0" b="0"/>
+          </a:fillRef>
+          <a:effectRef idx="0">
+            <a:scrgbClr r="0" g="0" b="0"/>
+          </a:effectRef>
+          <a:fontRef idx="minor"/>
+        </p:style>
+        <p:txBody>
+          <a:bodyPr lIns="90000" tIns="45000" rIns="90000" bIns="45000" anchor="t">
             <a:spAutoFit/>
           </a:bodyPr>
+          <a:lstStyle/>
           <a:p>
             <a:pPr>
               <a:lnSpc>
@@ -10511,9 +11484,9 @@
               <a:buNone/>
             </a:pPr>
             <a:r>
-              <a:rPr b="1" lang="fr-FR" sz="2000" spc="-1" strike="noStrike" u="sng">
+              <a:rPr lang="fr-FR" sz="2000" b="1" u="sng" strike="noStrike" spc="-1">
                 <a:solidFill>
-                  <a:srgbClr val="c00000"/>
+                  <a:srgbClr val="C00000"/>
                 </a:solidFill>
                 <a:uFillTx/>
                 <a:latin typeface="Calibri"/>
@@ -10521,7 +11494,7 @@
               <a:t>Capteurs</a:t>
             </a:r>
             <a:r>
-              <a:rPr b="0" lang="fr-FR" sz="1800" spc="-1" strike="noStrike">
+              <a:rPr lang="fr-FR" sz="1800" b="0" strike="noStrike" spc="-1">
                 <a:solidFill>
                   <a:srgbClr val="000000"/>
                 </a:solidFill>
@@ -10529,7 +11502,7 @@
               </a:rPr>
               <a:t> </a:t>
             </a:r>
-            <a:endParaRPr b="0" lang="en-US" sz="1800" spc="-1" strike="noStrike">
+            <a:endParaRPr lang="en-US" sz="1800" b="0" strike="noStrike" spc="-1">
               <a:latin typeface="Arial"/>
             </a:endParaRPr>
           </a:p>
@@ -10555,15 +11528,22 @@
           </a:ln>
         </p:spPr>
         <p:style>
-          <a:lnRef idx="0"/>
-          <a:fillRef idx="0"/>
-          <a:effectRef idx="0"/>
-          <a:fontRef idx="minor"/>
-        </p:style>
-        <p:txBody>
-          <a:bodyPr lIns="90000" rIns="90000" tIns="45000" bIns="45000" anchor="t">
+          <a:lnRef idx="0">
+            <a:scrgbClr r="0" g="0" b="0"/>
+          </a:lnRef>
+          <a:fillRef idx="0">
+            <a:scrgbClr r="0" g="0" b="0"/>
+          </a:fillRef>
+          <a:effectRef idx="0">
+            <a:scrgbClr r="0" g="0" b="0"/>
+          </a:effectRef>
+          <a:fontRef idx="minor"/>
+        </p:style>
+        <p:txBody>
+          <a:bodyPr lIns="90000" tIns="45000" rIns="90000" bIns="45000" anchor="t">
             <a:spAutoFit/>
           </a:bodyPr>
+          <a:lstStyle/>
           <a:p>
             <a:pPr>
               <a:lnSpc>
@@ -10572,7 +11552,7 @@
               <a:buNone/>
             </a:pPr>
             <a:r>
-              <a:rPr b="0" lang="fr-FR" sz="1800" spc="-1" strike="noStrike">
+              <a:rPr lang="fr-FR" sz="1800" b="0" strike="noStrike" spc="-1">
                 <a:solidFill>
                   <a:srgbClr val="000000"/>
                 </a:solidFill>
@@ -10580,7 +11560,7 @@
               </a:rPr>
               <a:t>-Centrale inertielle </a:t>
             </a:r>
-            <a:endParaRPr b="0" lang="en-US" sz="1800" spc="-1" strike="noStrike">
+            <a:endParaRPr lang="en-US" sz="1800" b="0" strike="noStrike" spc="-1">
               <a:latin typeface="Arial"/>
             </a:endParaRPr>
           </a:p>
@@ -10591,7 +11571,7 @@
               </a:lnSpc>
               <a:buNone/>
             </a:pPr>
-            <a:endParaRPr b="0" lang="en-US" sz="1800" spc="-1" strike="noStrike">
+            <a:endParaRPr lang="en-US" sz="1800" b="0" strike="noStrike" spc="-1">
               <a:latin typeface="Arial"/>
             </a:endParaRPr>
           </a:p>
@@ -10613,7 +11593,7 @@
           </a:prstGeom>
           <a:ln>
             <a:solidFill>
-              <a:srgbClr val="00b050"/>
+              <a:srgbClr val="00B050"/>
             </a:solidFill>
           </a:ln>
         </p:spPr>
@@ -10646,7 +11626,7 @@
           </a:prstGeom>
           <a:ln>
             <a:solidFill>
-              <a:srgbClr val="00b050"/>
+              <a:srgbClr val="00B050"/>
             </a:solidFill>
           </a:ln>
         </p:spPr>
@@ -10679,7 +11659,7 @@
           </a:prstGeom>
           <a:ln>
             <a:solidFill>
-              <a:srgbClr val="00b050"/>
+              <a:srgbClr val="00B050"/>
             </a:solidFill>
           </a:ln>
         </p:spPr>
@@ -10963,9 +11943,10 @@
           <a:fontRef idx="minor"/>
         </p:style>
         <p:txBody>
-          <a:bodyPr lIns="90000" rIns="90000" tIns="45000" bIns="45000" anchor="ctr">
+          <a:bodyPr lIns="90000" tIns="45000" rIns="90000" bIns="45000" anchor="ctr">
             <a:noAutofit/>
           </a:bodyPr>
+          <a:lstStyle/>
           <a:p>
             <a:pPr algn="ctr">
               <a:lnSpc>
@@ -10974,7 +11955,7 @@
               <a:buNone/>
             </a:pPr>
             <a:r>
-              <a:rPr b="0" lang="fr-FR" sz="1800" spc="-1" strike="noStrike">
+              <a:rPr lang="fr-FR" sz="1800" b="0" strike="noStrike" spc="-1">
                 <a:solidFill>
                   <a:srgbClr val="000000"/>
                 </a:solidFill>
@@ -10982,7 +11963,7 @@
               </a:rPr>
               <a:t>Régulateur</a:t>
             </a:r>
-            <a:endParaRPr b="0" lang="en-US" sz="1800" spc="-1" strike="noStrike">
+            <a:endParaRPr lang="en-US" sz="1800" b="0" strike="noStrike" spc="-1">
               <a:latin typeface="Arial"/>
             </a:endParaRPr>
           </a:p>
@@ -10994,7 +11975,7 @@
               <a:buNone/>
             </a:pPr>
             <a:r>
-              <a:rPr b="0" lang="fr-FR" sz="1800" spc="-1" strike="noStrike">
+              <a:rPr lang="fr-FR" sz="1800" b="0" strike="noStrike" spc="-1">
                 <a:solidFill>
                   <a:srgbClr val="000000"/>
                 </a:solidFill>
@@ -11002,7 +11983,7 @@
               </a:rPr>
               <a:t>LDO</a:t>
             </a:r>
-            <a:endParaRPr b="0" lang="en-US" sz="1800" spc="-1" strike="noStrike">
+            <a:endParaRPr lang="en-US" sz="1800" b="0" strike="noStrike" spc="-1">
               <a:latin typeface="Arial"/>
             </a:endParaRPr>
           </a:p>
@@ -11015,7 +11996,7 @@
           <p:nvPr/>
         </p:nvSpPr>
         <p:spPr>
-          <a:xfrm flipV="1" rot="10800000">
+          <a:xfrm rot="10800000" flipV="1">
             <a:off x="2378880" y="952200"/>
             <a:ext cx="1454040" cy="593640"/>
           </a:xfrm>
@@ -11025,9 +12006,9 @@
           <a:noFill/>
           <a:ln>
             <a:solidFill>
-              <a:srgbClr val="00b0f0"/>
+              <a:srgbClr val="00B0F0"/>
             </a:solidFill>
-            <a:tailEnd len="med" type="triangle" w="med"/>
+            <a:tailEnd type="triangle" w="med" len="med"/>
           </a:ln>
         </p:spPr>
         <p:style>
@@ -11064,7 +12045,7 @@
             <a:solidFill>
               <a:srgbClr val="000000"/>
             </a:solidFill>
-            <a:tailEnd len="med" type="triangle" w="med"/>
+            <a:tailEnd type="triangle" w="med" len="med"/>
           </a:ln>
         </p:spPr>
         <p:style>
@@ -11362,6 +12343,7 @@
             <a:avLst/>
             <a:gdLst/>
             <a:ahLst/>
+            <a:cxnLst/>
             <a:rect l="l" t="t" r="r" b="b"/>
             <a:pathLst>
               <a:path w="21600" h="21600">
@@ -11379,8 +12361,8 @@
             <a:solidFill>
               <a:srgbClr val="000000"/>
             </a:solidFill>
-            <a:headEnd len="med" type="triangle" w="med"/>
-            <a:tailEnd len="med" type="triangle" w="med"/>
+            <a:headEnd type="triangle" w="med" len="med"/>
+            <a:tailEnd type="triangle" w="med" len="med"/>
           </a:ln>
         </p:spPr>
         <p:style>
@@ -11416,15 +12398,22 @@
           </a:ln>
         </p:spPr>
         <p:style>
-          <a:lnRef idx="0"/>
-          <a:fillRef idx="0"/>
-          <a:effectRef idx="0"/>
-          <a:fontRef idx="minor"/>
-        </p:style>
-        <p:txBody>
-          <a:bodyPr lIns="90000" rIns="90000" tIns="45000" bIns="45000" anchor="t">
+          <a:lnRef idx="0">
+            <a:scrgbClr r="0" g="0" b="0"/>
+          </a:lnRef>
+          <a:fillRef idx="0">
+            <a:scrgbClr r="0" g="0" b="0"/>
+          </a:fillRef>
+          <a:effectRef idx="0">
+            <a:scrgbClr r="0" g="0" b="0"/>
+          </a:effectRef>
+          <a:fontRef idx="minor"/>
+        </p:style>
+        <p:txBody>
+          <a:bodyPr lIns="90000" tIns="45000" rIns="90000" bIns="45000" anchor="t">
             <a:spAutoFit/>
           </a:bodyPr>
+          <a:lstStyle/>
           <a:p>
             <a:pPr>
               <a:lnSpc>
@@ -11433,7 +12422,7 @@
               <a:buNone/>
             </a:pPr>
             <a:r>
-              <a:rPr b="0" lang="fr-FR" sz="1800" spc="-1" strike="noStrike">
+              <a:rPr lang="fr-FR" sz="1800" b="0" strike="noStrike" spc="-1">
                 <a:solidFill>
                   <a:srgbClr val="000000"/>
                 </a:solidFill>
@@ -11441,7 +12430,7 @@
               </a:rPr>
               <a:t>Analogique x4</a:t>
             </a:r>
-            <a:endParaRPr b="0" lang="en-US" sz="1800" spc="-1" strike="noStrike">
+            <a:endParaRPr lang="en-US" sz="1800" b="0" strike="noStrike" spc="-1">
               <a:latin typeface="Arial"/>
             </a:endParaRPr>
           </a:p>
@@ -11467,15 +12456,22 @@
           </a:ln>
         </p:spPr>
         <p:style>
-          <a:lnRef idx="0"/>
-          <a:fillRef idx="0"/>
-          <a:effectRef idx="0"/>
-          <a:fontRef idx="minor"/>
-        </p:style>
-        <p:txBody>
-          <a:bodyPr lIns="90000" rIns="90000" tIns="45000" bIns="45000" anchor="t">
+          <a:lnRef idx="0">
+            <a:scrgbClr r="0" g="0" b="0"/>
+          </a:lnRef>
+          <a:fillRef idx="0">
+            <a:scrgbClr r="0" g="0" b="0"/>
+          </a:fillRef>
+          <a:effectRef idx="0">
+            <a:scrgbClr r="0" g="0" b="0"/>
+          </a:effectRef>
+          <a:fontRef idx="minor"/>
+        </p:style>
+        <p:txBody>
+          <a:bodyPr lIns="90000" tIns="45000" rIns="90000" bIns="45000" anchor="t">
             <a:spAutoFit/>
           </a:bodyPr>
+          <a:lstStyle/>
           <a:p>
             <a:pPr>
               <a:lnSpc>
@@ -11484,7 +12480,7 @@
               <a:buNone/>
             </a:pPr>
             <a:r>
-              <a:rPr b="0" lang="fr-FR" sz="1800" spc="-1" strike="noStrike">
+              <a:rPr lang="fr-FR" sz="1800" b="0" strike="noStrike" spc="-1">
                 <a:solidFill>
                   <a:srgbClr val="000000"/>
                 </a:solidFill>
@@ -11492,7 +12488,7 @@
               </a:rPr>
               <a:t>PWM</a:t>
             </a:r>
-            <a:endParaRPr b="0" lang="en-US" sz="1800" spc="-1" strike="noStrike">
+            <a:endParaRPr lang="en-US" sz="1800" b="0" strike="noStrike" spc="-1">
               <a:latin typeface="Arial"/>
             </a:endParaRPr>
           </a:p>
@@ -11518,15 +12514,22 @@
           </a:ln>
         </p:spPr>
         <p:style>
-          <a:lnRef idx="0"/>
-          <a:fillRef idx="0"/>
-          <a:effectRef idx="0"/>
-          <a:fontRef idx="minor"/>
-        </p:style>
-        <p:txBody>
-          <a:bodyPr lIns="90000" rIns="90000" tIns="45000" bIns="45000" anchor="t">
+          <a:lnRef idx="0">
+            <a:scrgbClr r="0" g="0" b="0"/>
+          </a:lnRef>
+          <a:fillRef idx="0">
+            <a:scrgbClr r="0" g="0" b="0"/>
+          </a:fillRef>
+          <a:effectRef idx="0">
+            <a:scrgbClr r="0" g="0" b="0"/>
+          </a:effectRef>
+          <a:fontRef idx="minor"/>
+        </p:style>
+        <p:txBody>
+          <a:bodyPr lIns="90000" tIns="45000" rIns="90000" bIns="45000" anchor="t">
             <a:spAutoFit/>
           </a:bodyPr>
+          <a:lstStyle/>
           <a:p>
             <a:pPr>
               <a:lnSpc>
@@ -11535,7 +12538,7 @@
               <a:buNone/>
             </a:pPr>
             <a:r>
-              <a:rPr b="1" lang="fr-FR" sz="1800" spc="-1" strike="noStrike">
+              <a:rPr lang="fr-FR" sz="1800" b="1" strike="noStrike" spc="-1">
                 <a:solidFill>
                   <a:srgbClr val="000000"/>
                 </a:solidFill>
@@ -11543,7 +12546,7 @@
               </a:rPr>
               <a:t>7,4 V</a:t>
             </a:r>
-            <a:endParaRPr b="0" lang="en-US" sz="1800" spc="-1" strike="noStrike">
+            <a:endParaRPr lang="en-US" sz="1800" b="0" strike="noStrike" spc="-1">
               <a:latin typeface="Arial"/>
             </a:endParaRPr>
           </a:p>
@@ -11569,15 +12572,22 @@
           </a:ln>
         </p:spPr>
         <p:style>
-          <a:lnRef idx="0"/>
-          <a:fillRef idx="0"/>
-          <a:effectRef idx="0"/>
-          <a:fontRef idx="minor"/>
-        </p:style>
-        <p:txBody>
-          <a:bodyPr lIns="90000" rIns="90000" tIns="45000" bIns="45000" anchor="t">
+          <a:lnRef idx="0">
+            <a:scrgbClr r="0" g="0" b="0"/>
+          </a:lnRef>
+          <a:fillRef idx="0">
+            <a:scrgbClr r="0" g="0" b="0"/>
+          </a:fillRef>
+          <a:effectRef idx="0">
+            <a:scrgbClr r="0" g="0" b="0"/>
+          </a:effectRef>
+          <a:fontRef idx="minor"/>
+        </p:style>
+        <p:txBody>
+          <a:bodyPr lIns="90000" tIns="45000" rIns="90000" bIns="45000" anchor="t">
             <a:spAutoFit/>
           </a:bodyPr>
+          <a:lstStyle/>
           <a:p>
             <a:pPr>
               <a:lnSpc>
@@ -11586,7 +12596,7 @@
               <a:buNone/>
             </a:pPr>
             <a:r>
-              <a:rPr b="1" lang="fr-FR" sz="1800" spc="-1" strike="noStrike">
+              <a:rPr lang="fr-FR" sz="1800" b="1" strike="noStrike" spc="-1">
                 <a:solidFill>
                   <a:srgbClr val="000000"/>
                 </a:solidFill>
@@ -11594,7 +12604,7 @@
               </a:rPr>
               <a:t>3,3 V/ 4 mA</a:t>
             </a:r>
-            <a:endParaRPr b="0" lang="en-US" sz="1800" spc="-1" strike="noStrike">
+            <a:endParaRPr lang="en-US" sz="1800" b="0" strike="noStrike" spc="-1">
               <a:latin typeface="Arial"/>
             </a:endParaRPr>
           </a:p>
@@ -11620,15 +12630,22 @@
           </a:ln>
         </p:spPr>
         <p:style>
-          <a:lnRef idx="0"/>
-          <a:fillRef idx="0"/>
-          <a:effectRef idx="0"/>
-          <a:fontRef idx="minor"/>
-        </p:style>
-        <p:txBody>
-          <a:bodyPr lIns="90000" rIns="90000" tIns="45000" bIns="45000" anchor="t">
+          <a:lnRef idx="0">
+            <a:scrgbClr r="0" g="0" b="0"/>
+          </a:lnRef>
+          <a:fillRef idx="0">
+            <a:scrgbClr r="0" g="0" b="0"/>
+          </a:fillRef>
+          <a:effectRef idx="0">
+            <a:scrgbClr r="0" g="0" b="0"/>
+          </a:effectRef>
+          <a:fontRef idx="minor"/>
+        </p:style>
+        <p:txBody>
+          <a:bodyPr lIns="90000" tIns="45000" rIns="90000" bIns="45000" anchor="t">
             <a:spAutoFit/>
           </a:bodyPr>
+          <a:lstStyle/>
           <a:p>
             <a:pPr>
               <a:lnSpc>
@@ -11637,7 +12654,7 @@
               <a:buNone/>
             </a:pPr>
             <a:r>
-              <a:rPr b="1" lang="fr-FR" sz="1800" spc="-1" strike="noStrike">
+              <a:rPr lang="fr-FR" sz="1800" b="1" strike="noStrike" spc="-1">
                 <a:solidFill>
                   <a:srgbClr val="000000"/>
                 </a:solidFill>
@@ -11645,7 +12662,7 @@
               </a:rPr>
               <a:t>3,3 V / 100 mA</a:t>
             </a:r>
-            <a:endParaRPr b="0" lang="en-US" sz="1800" spc="-1" strike="noStrike">
+            <a:endParaRPr lang="en-US" sz="1800" b="0" strike="noStrike" spc="-1">
               <a:latin typeface="Arial"/>
             </a:endParaRPr>
           </a:p>
@@ -11671,15 +12688,22 @@
           </a:ln>
         </p:spPr>
         <p:style>
-          <a:lnRef idx="0"/>
-          <a:fillRef idx="0"/>
-          <a:effectRef idx="0"/>
-          <a:fontRef idx="minor"/>
-        </p:style>
-        <p:txBody>
-          <a:bodyPr lIns="90000" rIns="90000" tIns="45000" bIns="45000" anchor="t">
+          <a:lnRef idx="0">
+            <a:scrgbClr r="0" g="0" b="0"/>
+          </a:lnRef>
+          <a:fillRef idx="0">
+            <a:scrgbClr r="0" g="0" b="0"/>
+          </a:fillRef>
+          <a:effectRef idx="0">
+            <a:scrgbClr r="0" g="0" b="0"/>
+          </a:effectRef>
+          <a:fontRef idx="minor"/>
+        </p:style>
+        <p:txBody>
+          <a:bodyPr lIns="90000" tIns="45000" rIns="90000" bIns="45000" anchor="t">
             <a:spAutoFit/>
           </a:bodyPr>
+          <a:lstStyle/>
           <a:p>
             <a:pPr>
               <a:lnSpc>
@@ -11688,7 +12712,7 @@
               <a:buNone/>
             </a:pPr>
             <a:r>
-              <a:rPr b="1" lang="fr-FR" sz="1800" spc="-1" strike="noStrike">
+              <a:rPr lang="fr-FR" sz="1800" b="1" strike="noStrike" spc="-1">
                 <a:solidFill>
                   <a:srgbClr val="000000"/>
                 </a:solidFill>
@@ -11696,7 +12720,7 @@
               </a:rPr>
               <a:t>8 V /3 A</a:t>
             </a:r>
-            <a:endParaRPr b="0" lang="en-US" sz="1800" spc="-1" strike="noStrike">
+            <a:endParaRPr lang="en-US" sz="1800" b="0" strike="noStrike" spc="-1">
               <a:latin typeface="Arial"/>
             </a:endParaRPr>
           </a:p>
@@ -11722,15 +12746,22 @@
           </a:ln>
         </p:spPr>
         <p:style>
-          <a:lnRef idx="0"/>
-          <a:fillRef idx="0"/>
-          <a:effectRef idx="0"/>
-          <a:fontRef idx="minor"/>
-        </p:style>
-        <p:txBody>
-          <a:bodyPr lIns="90000" rIns="90000" tIns="45000" bIns="45000" anchor="t">
+          <a:lnRef idx="0">
+            <a:scrgbClr r="0" g="0" b="0"/>
+          </a:lnRef>
+          <a:fillRef idx="0">
+            <a:scrgbClr r="0" g="0" b="0"/>
+          </a:fillRef>
+          <a:effectRef idx="0">
+            <a:scrgbClr r="0" g="0" b="0"/>
+          </a:effectRef>
+          <a:fontRef idx="minor"/>
+        </p:style>
+        <p:txBody>
+          <a:bodyPr lIns="90000" tIns="45000" rIns="90000" bIns="45000" anchor="t">
             <a:spAutoFit/>
           </a:bodyPr>
+          <a:lstStyle/>
           <a:p>
             <a:pPr algn="ctr">
               <a:lnSpc>
@@ -11739,7 +12770,7 @@
               <a:buNone/>
             </a:pPr>
             <a:r>
-              <a:rPr b="0" lang="fr-FR" sz="1800" spc="-1" strike="noStrike">
+              <a:rPr lang="fr-FR" sz="1800" b="0" strike="noStrike" spc="-1">
                 <a:solidFill>
                   <a:srgbClr val="000000"/>
                 </a:solidFill>
@@ -11747,7 +12778,7 @@
               </a:rPr>
               <a:t>Ampli de courant</a:t>
             </a:r>
-            <a:endParaRPr b="0" lang="en-US" sz="1800" spc="-1" strike="noStrike">
+            <a:endParaRPr lang="en-US" sz="1800" b="0" strike="noStrike" spc="-1">
               <a:latin typeface="Arial"/>
             </a:endParaRPr>
           </a:p>
@@ -11773,15 +12804,22 @@
           </a:ln>
         </p:spPr>
         <p:style>
-          <a:lnRef idx="0"/>
-          <a:fillRef idx="0"/>
-          <a:effectRef idx="0"/>
-          <a:fontRef idx="minor"/>
-        </p:style>
-        <p:txBody>
-          <a:bodyPr lIns="90000" rIns="90000" tIns="45000" bIns="45000" anchor="t">
+          <a:lnRef idx="0">
+            <a:scrgbClr r="0" g="0" b="0"/>
+          </a:lnRef>
+          <a:fillRef idx="0">
+            <a:scrgbClr r="0" g="0" b="0"/>
+          </a:fillRef>
+          <a:effectRef idx="0">
+            <a:scrgbClr r="0" g="0" b="0"/>
+          </a:effectRef>
+          <a:fontRef idx="minor"/>
+        </p:style>
+        <p:txBody>
+          <a:bodyPr lIns="90000" tIns="45000" rIns="90000" bIns="45000" anchor="t">
             <a:spAutoFit/>
           </a:bodyPr>
+          <a:lstStyle/>
           <a:p>
             <a:pPr algn="ctr">
               <a:lnSpc>
@@ -11790,7 +12828,7 @@
               <a:buNone/>
             </a:pPr>
             <a:r>
-              <a:rPr b="0" lang="fr-FR" sz="1800" spc="-1" strike="noStrike">
+              <a:rPr lang="fr-FR" sz="1800" b="0" strike="noStrike" spc="-1">
                 <a:solidFill>
                   <a:srgbClr val="000000"/>
                 </a:solidFill>
@@ -11798,7 +12836,7 @@
               </a:rPr>
               <a:t>Diode</a:t>
             </a:r>
-            <a:endParaRPr b="0" lang="en-US" sz="1800" spc="-1" strike="noStrike">
+            <a:endParaRPr lang="en-US" sz="1800" b="0" strike="noStrike" spc="-1">
               <a:latin typeface="Arial"/>
             </a:endParaRPr>
           </a:p>
@@ -11824,15 +12862,22 @@
           </a:ln>
         </p:spPr>
         <p:style>
-          <a:lnRef idx="0"/>
-          <a:fillRef idx="0"/>
-          <a:effectRef idx="0"/>
-          <a:fontRef idx="minor"/>
-        </p:style>
-        <p:txBody>
-          <a:bodyPr lIns="90000" rIns="90000" tIns="45000" bIns="45000" anchor="t">
+          <a:lnRef idx="0">
+            <a:scrgbClr r="0" g="0" b="0"/>
+          </a:lnRef>
+          <a:fillRef idx="0">
+            <a:scrgbClr r="0" g="0" b="0"/>
+          </a:fillRef>
+          <a:effectRef idx="0">
+            <a:scrgbClr r="0" g="0" b="0"/>
+          </a:effectRef>
+          <a:fontRef idx="minor"/>
+        </p:style>
+        <p:txBody>
+          <a:bodyPr lIns="90000" tIns="45000" rIns="90000" bIns="45000" anchor="t">
             <a:spAutoFit/>
           </a:bodyPr>
+          <a:lstStyle/>
           <a:p>
             <a:pPr algn="ctr">
               <a:lnSpc>
@@ -11841,7 +12886,7 @@
               <a:buNone/>
             </a:pPr>
             <a:r>
-              <a:rPr b="0" lang="fr-FR" sz="1800" spc="-1" strike="noStrike">
+              <a:rPr lang="fr-FR" sz="1800" b="0" strike="noStrike" spc="-1">
                 <a:solidFill>
                   <a:srgbClr val="000000"/>
                 </a:solidFill>
@@ -11849,7 +12894,7 @@
               </a:rPr>
               <a:t>MOFSET</a:t>
             </a:r>
-            <a:endParaRPr b="0" lang="en-US" sz="1800" spc="-1" strike="noStrike">
+            <a:endParaRPr lang="en-US" sz="1800" b="0" strike="noStrike" spc="-1">
               <a:latin typeface="Arial"/>
             </a:endParaRPr>
           </a:p>
@@ -11862,7 +12907,7 @@
           <p:nvPr/>
         </p:nvSpPr>
         <p:spPr>
-          <a:xfrm flipH="1" rot="16200000">
+          <a:xfrm rot="16200000" flipH="1">
             <a:off x="3576600" y="1311840"/>
             <a:ext cx="388800" cy="2057400"/>
           </a:xfrm>
@@ -11876,7 +12921,7 @@
             <a:solidFill>
               <a:srgbClr val="000000"/>
             </a:solidFill>
-            <a:tailEnd len="med" type="triangle" w="med"/>
+            <a:tailEnd type="triangle" w="med" len="med"/>
           </a:ln>
         </p:spPr>
         <p:style>
@@ -11912,15 +12957,22 @@
           </a:ln>
         </p:spPr>
         <p:style>
-          <a:lnRef idx="0"/>
-          <a:fillRef idx="0"/>
-          <a:effectRef idx="0"/>
-          <a:fontRef idx="minor"/>
-        </p:style>
-        <p:txBody>
-          <a:bodyPr lIns="90000" rIns="90000" tIns="45000" bIns="45000" anchor="t">
+          <a:lnRef idx="0">
+            <a:scrgbClr r="0" g="0" b="0"/>
+          </a:lnRef>
+          <a:fillRef idx="0">
+            <a:scrgbClr r="0" g="0" b="0"/>
+          </a:fillRef>
+          <a:effectRef idx="0">
+            <a:scrgbClr r="0" g="0" b="0"/>
+          </a:effectRef>
+          <a:fontRef idx="minor"/>
+        </p:style>
+        <p:txBody>
+          <a:bodyPr lIns="90000" tIns="45000" rIns="90000" bIns="45000" anchor="t">
             <a:spAutoFit/>
           </a:bodyPr>
+          <a:lstStyle/>
           <a:p>
             <a:pPr>
               <a:lnSpc>
@@ -11929,7 +12981,7 @@
               <a:buNone/>
             </a:pPr>
             <a:r>
-              <a:rPr b="0" lang="fr-FR" sz="1800" spc="-1" strike="noStrike">
+              <a:rPr lang="fr-FR" sz="1800" b="0" strike="noStrike" spc="-1">
                 <a:solidFill>
                   <a:srgbClr val="000000"/>
                 </a:solidFill>
@@ -11937,7 +12989,7 @@
               </a:rPr>
               <a:t>I2C</a:t>
             </a:r>
-            <a:endParaRPr b="0" lang="en-US" sz="1800" spc="-1" strike="noStrike">
+            <a:endParaRPr lang="en-US" sz="1800" b="0" strike="noStrike" spc="-1">
               <a:latin typeface="Arial"/>
             </a:endParaRPr>
           </a:p>
@@ -11945,14 +12997,9 @@
       </p:sp>
     </p:spTree>
   </p:cSld>
-  <mc:AlternateContent>
-    <mc:Choice Requires="p14">
-      <p:transition spd="slow" p14:dur="2000"/>
-    </mc:Choice>
-    <mc:Fallback>
-      <p:transition spd="slow"/>
-    </mc:Fallback>
-  </mc:AlternateContent>
+  <p:clrMapOvr>
+    <a:masterClrMapping/>
+  </p:clrMapOvr>
 </p:sld>
 </file>
 
@@ -11967,34 +13014,34 @@
         <a:sysClr val="window" lastClr="FFFFFF"/>
       </a:lt1>
       <a:dk2>
-        <a:srgbClr val="44546a"/>
+        <a:srgbClr val="44546A"/>
       </a:dk2>
       <a:lt2>
-        <a:srgbClr val="e7e6e6"/>
+        <a:srgbClr val="E7E6E6"/>
       </a:lt2>
       <a:accent1>
-        <a:srgbClr val="4472c4"/>
+        <a:srgbClr val="4472C4"/>
       </a:accent1>
       <a:accent2>
-        <a:srgbClr val="ed7d31"/>
+        <a:srgbClr val="ED7D31"/>
       </a:accent2>
       <a:accent3>
-        <a:srgbClr val="a5a5a5"/>
+        <a:srgbClr val="A5A5A5"/>
       </a:accent3>
       <a:accent4>
-        <a:srgbClr val="ffc000"/>
+        <a:srgbClr val="FFC000"/>
       </a:accent4>
       <a:accent5>
-        <a:srgbClr val="5b9bd5"/>
+        <a:srgbClr val="5B9BD5"/>
       </a:accent5>
       <a:accent6>
-        <a:srgbClr val="70ad47"/>
+        <a:srgbClr val="70AD47"/>
       </a:accent6>
       <a:hlink>
-        <a:srgbClr val="0563c1"/>
+        <a:srgbClr val="0563C1"/>
       </a:hlink>
       <a:folHlink>
-        <a:srgbClr val="954f72"/>
+        <a:srgbClr val="954F72"/>
       </a:folHlink>
     </a:clrScheme>
     <a:fontScheme name="Office">
@@ -12179,6 +13226,8 @@
       </a:bgFillStyleLst>
     </a:fmtScheme>
   </a:themeElements>
+  <a:objectDefaults/>
+  <a:extraClrSchemeLst/>
 </a:theme>
 </file>
 
@@ -12193,34 +13242,34 @@
         <a:sysClr val="window" lastClr="FFFFFF"/>
       </a:lt1>
       <a:dk2>
-        <a:srgbClr val="44546a"/>
+        <a:srgbClr val="44546A"/>
       </a:dk2>
       <a:lt2>
-        <a:srgbClr val="e7e6e6"/>
+        <a:srgbClr val="E7E6E6"/>
       </a:lt2>
       <a:accent1>
-        <a:srgbClr val="4472c4"/>
+        <a:srgbClr val="4472C4"/>
       </a:accent1>
       <a:accent2>
-        <a:srgbClr val="ed7d31"/>
+        <a:srgbClr val="ED7D31"/>
       </a:accent2>
       <a:accent3>
-        <a:srgbClr val="a5a5a5"/>
+        <a:srgbClr val="A5A5A5"/>
       </a:accent3>
       <a:accent4>
-        <a:srgbClr val="ffc000"/>
+        <a:srgbClr val="FFC000"/>
       </a:accent4>
       <a:accent5>
-        <a:srgbClr val="5b9bd5"/>
+        <a:srgbClr val="5B9BD5"/>
       </a:accent5>
       <a:accent6>
-        <a:srgbClr val="70ad47"/>
+        <a:srgbClr val="70AD47"/>
       </a:accent6>
       <a:hlink>
-        <a:srgbClr val="0563c1"/>
+        <a:srgbClr val="0563C1"/>
       </a:hlink>
       <a:folHlink>
-        <a:srgbClr val="954f72"/>
+        <a:srgbClr val="954F72"/>
       </a:folHlink>
     </a:clrScheme>
     <a:fontScheme name="Office">
@@ -12405,5 +13454,7 @@
       </a:bgFillStyleLst>
     </a:fmtScheme>
   </a:themeElements>
+  <a:objectDefaults/>
+  <a:extraClrSchemeLst/>
 </a:theme>
 </file>
--- a/PCB_diagramme.pptx
+++ b/PCB_diagramme.pptx
@@ -8554,7 +8554,7 @@
               <a:buNone/>
             </a:pPr>
             <a:r>
-              <a:rPr lang="fr-FR" sz="1800" b="0" strike="noStrike" spc="-1">
+              <a:rPr lang="fr-FR" sz="1800" b="0" strike="noStrike" spc="-1" dirty="0">
                 <a:solidFill>
                   <a:srgbClr val="7030A0"/>
                 </a:solidFill>
@@ -8562,7 +8562,7 @@
               </a:rPr>
               <a:t>17395xx36</a:t>
             </a:r>
-            <a:endParaRPr lang="en-US" sz="1800" b="0" strike="noStrike" spc="-1">
+            <a:endParaRPr lang="en-US" sz="1800" b="0" strike="noStrike" spc="-1" dirty="0">
               <a:latin typeface="Arial"/>
             </a:endParaRPr>
           </a:p>
@@ -8842,15 +8842,24 @@
               <a:buNone/>
             </a:pPr>
             <a:r>
-              <a:rPr lang="fr-FR" sz="1400" b="0" strike="noStrike" spc="-1">
+              <a:rPr lang="fr-FR" sz="1400" b="0" strike="noStrike" spc="-1" dirty="0" err="1">
                 <a:solidFill>
                   <a:srgbClr val="7030A0"/>
                 </a:solidFill>
                 <a:latin typeface="Arial"/>
               </a:rPr>
-              <a:t>Tiny 8X RC Drone</a:t>
+              <a:t>Tiny</a:t>
             </a:r>
-            <a:endParaRPr lang="en-US" sz="1400" b="0" strike="noStrike" spc="-1">
+            <a:r>
+              <a:rPr lang="fr-FR" sz="1400" b="0" strike="noStrike" spc="-1" dirty="0">
+                <a:solidFill>
+                  <a:srgbClr val="7030A0"/>
+                </a:solidFill>
+                <a:latin typeface="Arial"/>
+              </a:rPr>
+              <a:t> 8X RC Drone</a:t>
+            </a:r>
+            <a:endParaRPr lang="en-US" sz="1400" b="0" strike="noStrike" spc="-1" dirty="0">
               <a:latin typeface="Arial"/>
             </a:endParaRPr>
           </a:p>
@@ -8861,7 +8870,7 @@
               </a:lnSpc>
               <a:buNone/>
             </a:pPr>
-            <a:endParaRPr lang="en-US" sz="1800" b="0" strike="noStrike" spc="-1">
+            <a:endParaRPr lang="en-US" sz="1800" b="0" strike="noStrike" spc="-1" dirty="0">
               <a:latin typeface="Arial"/>
             </a:endParaRPr>
           </a:p>
@@ -10100,7 +10109,7 @@
             </p:txBody>
           </p:sp>
         </mc:Choice>
-        <mc:Fallback xmlns="" xmlns:p14="http://schemas.microsoft.com/office/powerpoint/2010/main" xmlns:p15="http://schemas.microsoft.com/office/powerpoint/2012/main"/>
+        <mc:Fallback xmlns:p15="http://schemas.microsoft.com/office/powerpoint/2012/main" xmlns:p14="http://schemas.microsoft.com/office/powerpoint/2010/main" xmlns=""/>
       </mc:AlternateContent>
       <p:sp>
         <p:nvSpPr>
@@ -11915,8 +11924,8 @@
         </p:nvSpPr>
         <p:spPr>
           <a:xfrm>
-            <a:off x="1392120" y="1546560"/>
-            <a:ext cx="1972080" cy="599760"/>
+            <a:off x="1001159" y="1546560"/>
+            <a:ext cx="2625300" cy="599760"/>
           </a:xfrm>
           <a:prstGeom prst="rect">
             <a:avLst/>
@@ -11955,15 +11964,15 @@
               <a:buNone/>
             </a:pPr>
             <a:r>
-              <a:rPr lang="fr-FR" sz="1800" b="0" strike="noStrike" spc="-1">
+              <a:rPr lang="fr-FR" sz="1800" b="0" strike="noStrike" spc="-1" dirty="0">
                 <a:solidFill>
                   <a:srgbClr val="000000"/>
                 </a:solidFill>
                 <a:latin typeface="Calibri"/>
               </a:rPr>
-              <a:t>Régulateur</a:t>
+              <a:t>Régulateur à découpage</a:t>
             </a:r>
-            <a:endParaRPr lang="en-US" sz="1800" b="0" strike="noStrike" spc="-1">
+            <a:endParaRPr lang="en-US" sz="1800" b="0" strike="noStrike" spc="-1" dirty="0">
               <a:latin typeface="Arial"/>
             </a:endParaRPr>
           </a:p>
@@ -11975,15 +11984,10 @@
               <a:buNone/>
             </a:pPr>
             <a:r>
-              <a:rPr lang="fr-FR" sz="1800" b="0" strike="noStrike" spc="-1">
-                <a:solidFill>
-                  <a:srgbClr val="000000"/>
-                </a:solidFill>
-                <a:latin typeface="Calibri"/>
-              </a:rPr>
-              <a:t>LDO</a:t>
+              <a:rPr lang="fr-FR" dirty="0"/>
+              <a:t>17395xx36</a:t>
             </a:r>
-            <a:endParaRPr lang="en-US" sz="1800" b="0" strike="noStrike" spc="-1">
+            <a:endParaRPr lang="en-US" sz="1800" b="0" strike="noStrike" spc="-1" dirty="0">
               <a:latin typeface="Arial"/>
             </a:endParaRPr>
           </a:p>

--- a/PCB_diagramme.pptx
+++ b/PCB_diagramme.pptx
@@ -168,7 +168,7 @@
           <a:lstStyle/>
           <a:p>
             <a:fld id="{638A57FC-E71B-4535-8442-9C07A6396E3B}" type="slidenum">
-              <a:t>‹N°›</a:t>
+              <a:t>‹#›</a:t>
             </a:fld>
             <a:endParaRPr/>
           </a:p>
@@ -387,7 +387,7 @@
           <a:lstStyle/>
           <a:p>
             <a:fld id="{D8D546A7-2D36-4E89-84F6-1BB86CE289E3}" type="slidenum">
-              <a:t>‹N°›</a:t>
+              <a:t>‹#›</a:t>
             </a:fld>
             <a:endParaRPr/>
           </a:p>
@@ -700,7 +700,7 @@
           <a:lstStyle/>
           <a:p>
             <a:fld id="{B5700210-E28A-462A-A73E-A9342603649D}" type="slidenum">
-              <a:t>‹N°›</a:t>
+              <a:t>‹#›</a:t>
             </a:fld>
             <a:endParaRPr/>
           </a:p>
@@ -1107,7 +1107,7 @@
           <a:lstStyle/>
           <a:p>
             <a:fld id="{C9A15BB5-2707-448C-9326-23C75041F2CA}" type="slidenum">
-              <a:t>‹N°›</a:t>
+              <a:t>‹#›</a:t>
             </a:fld>
             <a:endParaRPr/>
           </a:p>
@@ -1194,7 +1194,7 @@
           <a:lstStyle/>
           <a:p>
             <a:fld id="{7BE06107-3FED-487E-BBA9-DC7B5A6BDB70}" type="slidenum">
-              <a:t>‹N°›</a:t>
+              <a:t>‹#›</a:t>
             </a:fld>
             <a:endParaRPr/>
           </a:p>
@@ -1357,7 +1357,7 @@
           <a:lstStyle/>
           <a:p>
             <a:fld id="{E4331E47-D29C-4743-8CDB-C4A068D8A12D}" type="slidenum">
-              <a:t>‹N°›</a:t>
+              <a:t>‹#›</a:t>
             </a:fld>
             <a:endParaRPr/>
           </a:p>
@@ -1529,7 +1529,7 @@
           <a:lstStyle/>
           <a:p>
             <a:fld id="{5A07B405-015E-4327-9A29-57DAA3BBA198}" type="slidenum">
-              <a:t>‹N°›</a:t>
+              <a:t>‹#›</a:t>
             </a:fld>
             <a:endParaRPr/>
           </a:p>
@@ -1748,7 +1748,7 @@
           <a:lstStyle/>
           <a:p>
             <a:fld id="{A97C17CD-CB08-4E52-8F86-553756DC9D37}" type="slidenum">
-              <a:t>‹N°›</a:t>
+              <a:t>‹#›</a:t>
             </a:fld>
             <a:endParaRPr/>
           </a:p>
@@ -1873,7 +1873,7 @@
           <a:lstStyle/>
           <a:p>
             <a:fld id="{DCA8D056-40B4-48A7-855A-01CAB15B124C}" type="slidenum">
-              <a:t>‹N°›</a:t>
+              <a:t>‹#›</a:t>
             </a:fld>
             <a:endParaRPr/>
           </a:p>
@@ -1998,7 +1998,7 @@
           <a:lstStyle/>
           <a:p>
             <a:fld id="{B4286063-9F9A-4E70-8C40-F6462D75A73D}" type="slidenum">
-              <a:t>‹N°›</a:t>
+              <a:t>‹#›</a:t>
             </a:fld>
             <a:endParaRPr/>
           </a:p>
@@ -2264,7 +2264,7 @@
           <a:lstStyle/>
           <a:p>
             <a:fld id="{5DD1C56B-999E-4ED5-8F64-45A00EA0B560}" type="slidenum">
-              <a:t>‹N°›</a:t>
+              <a:t>‹#›</a:t>
             </a:fld>
             <a:endParaRPr/>
           </a:p>
@@ -2427,7 +2427,7 @@
           <a:lstStyle/>
           <a:p>
             <a:fld id="{EF953BA6-F959-4829-8C79-BFA0D7A8012B}" type="slidenum">
-              <a:t>‹N°›</a:t>
+              <a:t>‹#›</a:t>
             </a:fld>
             <a:endParaRPr/>
           </a:p>
@@ -2693,7 +2693,7 @@
           <a:lstStyle/>
           <a:p>
             <a:fld id="{BCD8E1FD-DA74-47C3-A1F7-84FBA52F1837}" type="slidenum">
-              <a:t>‹N°›</a:t>
+              <a:t>‹#›</a:t>
             </a:fld>
             <a:endParaRPr/>
           </a:p>
@@ -2959,7 +2959,7 @@
           <a:lstStyle/>
           <a:p>
             <a:fld id="{687A4AED-8147-48D6-91C3-62274C83495B}" type="slidenum">
-              <a:t>‹N°›</a:t>
+              <a:t>‹#›</a:t>
             </a:fld>
             <a:endParaRPr/>
           </a:p>
@@ -3178,7 +3178,7 @@
           <a:lstStyle/>
           <a:p>
             <a:fld id="{88B831FF-39F7-4B3A-9324-A9CAA01ECFE2}" type="slidenum">
-              <a:t>‹N°›</a:t>
+              <a:t>‹#›</a:t>
             </a:fld>
             <a:endParaRPr/>
           </a:p>
@@ -3491,7 +3491,7 @@
           <a:lstStyle/>
           <a:p>
             <a:fld id="{4B69B343-173F-4BC1-8BDE-8D36531147BD}" type="slidenum">
-              <a:t>‹N°›</a:t>
+              <a:t>‹#›</a:t>
             </a:fld>
             <a:endParaRPr/>
           </a:p>
@@ -3898,7 +3898,7 @@
           <a:lstStyle/>
           <a:p>
             <a:fld id="{33EAD20D-7D31-49D6-9BD6-50949CFD737E}" type="slidenum">
-              <a:t>‹N°›</a:t>
+              <a:t>‹#›</a:t>
             </a:fld>
             <a:endParaRPr/>
           </a:p>
@@ -4070,7 +4070,7 @@
           <a:lstStyle/>
           <a:p>
             <a:fld id="{BC189BB0-4366-42EE-BBA5-235607F1C6B1}" type="slidenum">
-              <a:t>‹N°›</a:t>
+              <a:t>‹#›</a:t>
             </a:fld>
             <a:endParaRPr/>
           </a:p>
@@ -4289,7 +4289,7 @@
           <a:lstStyle/>
           <a:p>
             <a:fld id="{949F13CE-FA77-48BD-BC92-434AE6192A6F}" type="slidenum">
-              <a:t>‹N°›</a:t>
+              <a:t>‹#›</a:t>
             </a:fld>
             <a:endParaRPr/>
           </a:p>
@@ -4414,7 +4414,7 @@
           <a:lstStyle/>
           <a:p>
             <a:fld id="{CEC7169C-C478-4E39-A97E-833FCAD2E44D}" type="slidenum">
-              <a:t>‹N°›</a:t>
+              <a:t>‹#›</a:t>
             </a:fld>
             <a:endParaRPr/>
           </a:p>
@@ -4539,7 +4539,7 @@
           <a:lstStyle/>
           <a:p>
             <a:fld id="{6942F9B3-25F7-4C6E-A1ED-19DDF73D505C}" type="slidenum">
-              <a:t>‹N°›</a:t>
+              <a:t>‹#›</a:t>
             </a:fld>
             <a:endParaRPr/>
           </a:p>
@@ -4805,7 +4805,7 @@
           <a:lstStyle/>
           <a:p>
             <a:fld id="{ED2362A0-6302-4F1A-A239-F12478B5F133}" type="slidenum">
-              <a:t>‹N°›</a:t>
+              <a:t>‹#›</a:t>
             </a:fld>
             <a:endParaRPr/>
           </a:p>
@@ -5071,7 +5071,7 @@
           <a:lstStyle/>
           <a:p>
             <a:fld id="{4688E6FA-8837-4B3F-A819-90760160B694}" type="slidenum">
-              <a:t>‹N°›</a:t>
+              <a:t>‹#›</a:t>
             </a:fld>
             <a:endParaRPr/>
           </a:p>
@@ -5337,7 +5337,7 @@
           <a:lstStyle/>
           <a:p>
             <a:fld id="{F922A260-BCE4-4080-9543-7F53B42FEFBC}" type="slidenum">
-              <a:t>‹N°›</a:t>
+              <a:t>‹#›</a:t>
             </a:fld>
             <a:endParaRPr/>
           </a:p>
@@ -5614,7 +5614,7 @@
                 </a:solidFill>
                 <a:latin typeface="Calibri"/>
               </a:rPr>
-              <a:t>‹N°›</a:t>
+              <a:t>‹#›</a:t>
             </a:fld>
             <a:endParaRPr lang="en-US" sz="1200" b="0" strike="noStrike" spc="-1">
               <a:latin typeface="Times New Roman"/>
@@ -6551,7 +6551,7 @@
                 </a:solidFill>
                 <a:latin typeface="Calibri"/>
               </a:rPr>
-              <a:t>‹N°›</a:t>
+              <a:t>‹#›</a:t>
             </a:fld>
             <a:endParaRPr lang="en-US" sz="1200" b="0" strike="noStrike" spc="-1">
               <a:latin typeface="Times New Roman"/>
@@ -9111,8 +9111,8 @@
         </p:nvSpPr>
         <p:spPr>
           <a:xfrm>
-            <a:off x="7590600" y="1046880"/>
-            <a:ext cx="3610800" cy="4767120"/>
+            <a:off x="7819200" y="186660"/>
+            <a:ext cx="3610800" cy="5444280"/>
           </a:xfrm>
           <a:prstGeom prst="roundRect">
             <a:avLst>
@@ -9333,7 +9333,7 @@
         </p:nvSpPr>
         <p:spPr>
           <a:xfrm>
-            <a:off x="8381880" y="1046880"/>
+            <a:off x="7884480" y="485428"/>
             <a:ext cx="2385000" cy="394560"/>
           </a:xfrm>
           <a:prstGeom prst="rect">
@@ -9369,7 +9369,7 @@
               <a:buNone/>
             </a:pPr>
             <a:r>
-              <a:rPr lang="fr-FR" sz="2000" b="1" u="sng" strike="noStrike" spc="-1">
+              <a:rPr lang="fr-FR" sz="2000" b="1" u="sng" strike="noStrike" spc="-1" dirty="0">
                 <a:solidFill>
                   <a:srgbClr val="C00000"/>
                 </a:solidFill>
@@ -9379,7 +9379,7 @@
               <a:t>Actionneurs</a:t>
             </a:r>
             <a:r>
-              <a:rPr lang="fr-FR" sz="1800" b="0" strike="noStrike" spc="-1">
+              <a:rPr lang="fr-FR" sz="1800" b="0" strike="noStrike" spc="-1" dirty="0">
                 <a:solidFill>
                   <a:srgbClr val="000000"/>
                 </a:solidFill>
@@ -9387,7 +9387,7 @@
               </a:rPr>
               <a:t> </a:t>
             </a:r>
-            <a:endParaRPr lang="en-US" sz="1800" b="0" strike="noStrike" spc="-1">
+            <a:endParaRPr lang="en-US" sz="1800" b="0" strike="noStrike" spc="-1" dirty="0">
               <a:latin typeface="Arial"/>
             </a:endParaRPr>
           </a:p>
@@ -9632,8 +9632,8 @@
         </p:nvSpPr>
         <p:spPr>
           <a:xfrm flipV="1">
-            <a:off x="9387360" y="1616760"/>
-            <a:ext cx="0" cy="675720"/>
+            <a:off x="9387360" y="1229380"/>
+            <a:ext cx="13140" cy="1063100"/>
           </a:xfrm>
           <a:prstGeom prst="line">
             <a:avLst/>
@@ -9666,7 +9666,7 @@
         <p:spPr>
           <a:xfrm>
             <a:off x="9387360" y="3087720"/>
-            <a:ext cx="0" cy="874440"/>
+            <a:ext cx="8280" cy="1456920"/>
           </a:xfrm>
           <a:prstGeom prst="line">
             <a:avLst/>
@@ -9764,7 +9764,7 @@
         </p:nvSpPr>
         <p:spPr>
           <a:xfrm>
-            <a:off x="7895160" y="569880"/>
+            <a:off x="7977870" y="837700"/>
             <a:ext cx="2067120" cy="577080"/>
           </a:xfrm>
           <a:prstGeom prst="rect">
@@ -9800,7 +9800,7 @@
               <a:buNone/>
             </a:pPr>
             <a:r>
-              <a:rPr lang="fr-FR" sz="3200" b="1" strike="noStrike" spc="-1">
+              <a:rPr lang="fr-FR" sz="3200" b="1" strike="noStrike" spc="-1" dirty="0">
                 <a:solidFill>
                   <a:srgbClr val="C00000"/>
                 </a:solidFill>
@@ -9808,7 +9808,7 @@
               </a:rPr>
               <a:t>x4</a:t>
             </a:r>
-            <a:endParaRPr lang="en-US" sz="3200" b="0" strike="noStrike" spc="-1">
+            <a:endParaRPr lang="en-US" sz="3200" b="0" strike="noStrike" spc="-1" dirty="0">
               <a:latin typeface="Arial"/>
             </a:endParaRPr>
           </a:p>
@@ -9822,7 +9822,7 @@
         </p:nvSpPr>
         <p:spPr>
           <a:xfrm>
-            <a:off x="9273240" y="3867840"/>
+            <a:off x="9316260" y="845260"/>
             <a:ext cx="254880" cy="384120"/>
           </a:xfrm>
           <a:prstGeom prst="rect">
@@ -9984,39 +9984,6 @@
       </p:sp>
       <p:sp>
         <p:nvSpPr>
-          <p:cNvPr id="146" name="Straight Connector 44"/>
-          <p:cNvSpPr/>
-          <p:nvPr/>
-        </p:nvSpPr>
-        <p:spPr>
-          <a:xfrm>
-            <a:off x="9395640" y="4278240"/>
-            <a:ext cx="360" cy="291600"/>
-          </a:xfrm>
-          <a:prstGeom prst="line">
-            <a:avLst/>
-          </a:prstGeom>
-          <a:ln>
-            <a:solidFill>
-              <a:srgbClr val="000000"/>
-            </a:solidFill>
-          </a:ln>
-        </p:spPr>
-        <p:style>
-          <a:lnRef idx="1">
-            <a:schemeClr val="accent1"/>
-          </a:lnRef>
-          <a:fillRef idx="0">
-            <a:schemeClr val="accent1"/>
-          </a:fillRef>
-          <a:effectRef idx="0">
-            <a:schemeClr val="accent1"/>
-          </a:effectRef>
-          <a:fontRef idx="minor"/>
-        </p:style>
-      </p:sp>
-      <p:sp>
-        <p:nvSpPr>
           <p:cNvPr id="147" name="Straight Connector 45"/>
           <p:cNvSpPr/>
           <p:nvPr/>
@@ -10024,7 +9991,7 @@
         <p:spPr>
           <a:xfrm>
             <a:off x="9401040" y="4975920"/>
-            <a:ext cx="360" cy="291600"/>
+            <a:ext cx="27000" cy="453240"/>
           </a:xfrm>
           <a:prstGeom prst="line">
             <a:avLst/>
@@ -10109,7 +10076,7 @@
             </p:txBody>
           </p:sp>
         </mc:Choice>
-        <mc:Fallback xmlns:p15="http://schemas.microsoft.com/office/powerpoint/2012/main" xmlns:p14="http://schemas.microsoft.com/office/powerpoint/2010/main" xmlns=""/>
+        <mc:Fallback xmlns="" xmlns:p14="http://schemas.microsoft.com/office/powerpoint/2010/main" xmlns:p15="http://schemas.microsoft.com/office/powerpoint/2012/main"/>
       </mc:AlternateContent>
       <p:sp>
         <p:nvSpPr>
@@ -10118,9 +10085,9 @@
           <p:nvPr/>
         </p:nvSpPr>
         <p:spPr>
-          <a:xfrm>
-            <a:off x="9387360" y="3675960"/>
-            <a:ext cx="574920" cy="360"/>
+          <a:xfrm flipV="1">
+            <a:off x="9438658" y="653740"/>
+            <a:ext cx="566641" cy="5614"/>
           </a:xfrm>
           <a:prstGeom prst="line">
             <a:avLst/>
@@ -10151,9 +10118,9 @@
           <p:nvPr/>
         </p:nvSpPr>
         <p:spPr>
-          <a:xfrm>
-            <a:off x="9395640" y="4429440"/>
-            <a:ext cx="566640" cy="360"/>
+          <a:xfrm flipV="1">
+            <a:off x="9404378" y="1407220"/>
+            <a:ext cx="600922" cy="1732"/>
           </a:xfrm>
           <a:prstGeom prst="line">
             <a:avLst/>
@@ -10185,7 +10152,7 @@
         </p:nvSpPr>
         <p:spPr>
           <a:xfrm>
-            <a:off x="9962280" y="3672360"/>
+            <a:off x="10005300" y="649780"/>
             <a:ext cx="360" cy="210240"/>
           </a:xfrm>
           <a:prstGeom prst="line">
@@ -10217,9 +10184,9 @@
           <p:nvPr/>
         </p:nvSpPr>
         <p:spPr>
-          <a:xfrm>
-            <a:off x="9965520" y="4228920"/>
-            <a:ext cx="360" cy="210600"/>
+          <a:xfrm flipH="1">
+            <a:off x="10009178" y="1207654"/>
+            <a:ext cx="0" cy="204253"/>
           </a:xfrm>
           <a:prstGeom prst="line">
             <a:avLst/>
@@ -10251,7 +10218,7 @@
         </p:nvSpPr>
         <p:spPr>
           <a:xfrm>
-            <a:off x="9962280" y="3885480"/>
+            <a:off x="10005300" y="862900"/>
             <a:ext cx="177840" cy="360"/>
           </a:xfrm>
           <a:prstGeom prst="line">
@@ -10284,7 +10251,7 @@
         </p:nvSpPr>
         <p:spPr>
           <a:xfrm>
-            <a:off x="9962280" y="4228920"/>
+            <a:off x="10005300" y="1206340"/>
             <a:ext cx="195840" cy="360"/>
           </a:xfrm>
           <a:prstGeom prst="line">
@@ -10317,7 +10284,7 @@
         </p:nvSpPr>
         <p:spPr>
           <a:xfrm rot="5400000">
-            <a:off x="10093680" y="3828240"/>
+            <a:off x="10136700" y="805660"/>
             <a:ext cx="556200" cy="455040"/>
           </a:xfrm>
           <a:prstGeom prst="triangle">
@@ -10354,9 +10321,9 @@
           <p:nvPr/>
         </p:nvSpPr>
         <p:spPr>
-          <a:xfrm>
-            <a:off x="10599120" y="4055760"/>
-            <a:ext cx="970560" cy="360"/>
+          <a:xfrm flipV="1">
+            <a:off x="11438640" y="4067640"/>
+            <a:ext cx="130320" cy="0"/>
           </a:xfrm>
           <a:prstGeom prst="line">
             <a:avLst/>
@@ -10518,14 +10485,14 @@
           <a:lstStyle/>
           <a:p>
             <a:r>
-              <a:rPr lang="en-US" sz="1800" b="0" strike="noStrike" spc="-1">
+              <a:rPr lang="en-US" sz="1800" b="0" strike="noStrike" spc="-1" dirty="0">
                 <a:latin typeface="Arial"/>
               </a:rPr>
-              <a:t>Analogique x’</a:t>
+              <a:t> </a:t>
             </a:r>
           </a:p>
           <a:p>
-            <a:endParaRPr lang="en-US" sz="1800" b="0" strike="noStrike" spc="-1">
+            <a:endParaRPr lang="en-US" sz="1800" b="0" strike="noStrike" spc="-1" dirty="0">
               <a:latin typeface="Arial"/>
             </a:endParaRPr>
           </a:p>
@@ -11223,7 +11190,7 @@
         </p:nvSpPr>
         <p:spPr>
           <a:xfrm flipV="1">
-            <a:off x="9118440" y="1560240"/>
+            <a:off x="9198777" y="248988"/>
             <a:ext cx="360" cy="190440"/>
           </a:xfrm>
           <a:prstGeom prst="line">
@@ -11256,7 +11223,7 @@
         </p:nvSpPr>
         <p:spPr>
           <a:xfrm flipV="1">
-            <a:off x="9677160" y="1560240"/>
+            <a:off x="9688697" y="243508"/>
             <a:ext cx="360" cy="190440"/>
           </a:xfrm>
           <a:prstGeom prst="line">
@@ -11280,6 +11247,13 @@
           </a:effectRef>
           <a:fontRef idx="minor"/>
         </p:style>
+        <p:txBody>
+          <a:bodyPr/>
+          <a:lstStyle/>
+          <a:p>
+            <a:endParaRPr lang="fr-FR" dirty="0"/>
+          </a:p>
+        </p:txBody>
       </p:sp>
       <p:sp>
         <p:nvSpPr>
@@ -11289,8 +11263,8 @@
         </p:nvSpPr>
         <p:spPr>
           <a:xfrm flipH="1">
-            <a:off x="9118440" y="1560240"/>
-            <a:ext cx="565200" cy="360"/>
+            <a:off x="9201410" y="242980"/>
+            <a:ext cx="487040" cy="4028"/>
           </a:xfrm>
           <a:prstGeom prst="line">
             <a:avLst/>
@@ -11322,8 +11296,8 @@
         </p:nvSpPr>
         <p:spPr>
           <a:xfrm flipH="1">
-            <a:off x="6480720" y="1555560"/>
-            <a:ext cx="2637720" cy="360"/>
+            <a:off x="6517080" y="627820"/>
+            <a:ext cx="2921580" cy="0"/>
           </a:xfrm>
           <a:prstGeom prst="line">
             <a:avLst/>
@@ -11343,39 +11317,6 @@
           </a:fillRef>
           <a:effectRef idx="0">
             <a:schemeClr val="dk1"/>
-          </a:effectRef>
-          <a:fontRef idx="minor"/>
-        </p:style>
-      </p:sp>
-      <p:sp>
-        <p:nvSpPr>
-          <p:cNvPr id="183" name="Straight Connector 108"/>
-          <p:cNvSpPr/>
-          <p:nvPr/>
-        </p:nvSpPr>
-        <p:spPr>
-          <a:xfrm flipV="1">
-            <a:off x="6517080" y="952200"/>
-            <a:ext cx="360" cy="595800"/>
-          </a:xfrm>
-          <a:prstGeom prst="line">
-            <a:avLst/>
-          </a:prstGeom>
-          <a:ln>
-            <a:solidFill>
-              <a:srgbClr val="00B0F0"/>
-            </a:solidFill>
-          </a:ln>
-        </p:spPr>
-        <p:style>
-          <a:lnRef idx="1">
-            <a:schemeClr val="accent1"/>
-          </a:lnRef>
-          <a:fillRef idx="0">
-            <a:schemeClr val="accent1"/>
-          </a:fillRef>
-          <a:effectRef idx="0">
-            <a:schemeClr val="accent1"/>
           </a:effectRef>
           <a:fontRef idx="minor"/>
         </p:style>
@@ -11659,9 +11600,9 @@
           <p:nvPr/>
         </p:nvSpPr>
         <p:spPr>
-          <a:xfrm flipH="1" flipV="1">
-            <a:off x="5776200" y="3581640"/>
-            <a:ext cx="545040" cy="720"/>
+          <a:xfrm flipH="1">
+            <a:off x="5784840" y="3573720"/>
+            <a:ext cx="530280" cy="0"/>
           </a:xfrm>
           <a:prstGeom prst="line">
             <a:avLst/>
@@ -11681,39 +11622,6 @@
           </a:fillRef>
           <a:effectRef idx="0">
             <a:schemeClr val="accent1"/>
-          </a:effectRef>
-          <a:fontRef idx="minor"/>
-        </p:style>
-      </p:sp>
-      <p:sp>
-        <p:nvSpPr>
-          <p:cNvPr id="191" name="Straight Connector 133"/>
-          <p:cNvSpPr/>
-          <p:nvPr/>
-        </p:nvSpPr>
-        <p:spPr>
-          <a:xfrm>
-            <a:off x="9395640" y="5163840"/>
-            <a:ext cx="0" cy="264960"/>
-          </a:xfrm>
-          <a:prstGeom prst="line">
-            <a:avLst/>
-          </a:prstGeom>
-          <a:ln>
-            <a:solidFill>
-              <a:srgbClr val="000000"/>
-            </a:solidFill>
-          </a:ln>
-        </p:spPr>
-        <p:style>
-          <a:lnRef idx="1">
-            <a:schemeClr val="dk1"/>
-          </a:lnRef>
-          <a:fillRef idx="0">
-            <a:schemeClr val="dk1"/>
-          </a:fillRef>
-          <a:effectRef idx="0">
-            <a:schemeClr val="dk1"/>
           </a:effectRef>
           <a:fontRef idx="minor"/>
         </p:style>
@@ -12774,7 +12682,7 @@
               <a:buNone/>
             </a:pPr>
             <a:r>
-              <a:rPr lang="fr-FR" sz="1800" b="0" strike="noStrike" spc="-1">
+              <a:rPr lang="fr-FR" sz="1800" b="0" strike="noStrike" spc="-1" dirty="0">
                 <a:solidFill>
                   <a:srgbClr val="000000"/>
                 </a:solidFill>
@@ -12782,7 +12690,7 @@
               </a:rPr>
               <a:t>Ampli de courant</a:t>
             </a:r>
-            <a:endParaRPr lang="en-US" sz="1800" b="0" strike="noStrike" spc="-1">
+            <a:endParaRPr lang="en-US" sz="1800" b="0" strike="noStrike" spc="-1" dirty="0">
               <a:latin typeface="Arial"/>
             </a:endParaRPr>
           </a:p>
@@ -12996,6 +12904,615 @@
             <a:endParaRPr lang="en-US" sz="1800" b="0" strike="noStrike" spc="-1">
               <a:latin typeface="Arial"/>
             </a:endParaRPr>
+          </a:p>
+        </p:txBody>
+      </p:sp>
+      <p:sp>
+        <p:nvSpPr>
+          <p:cNvPr id="2" name="Rectangle 29">
+            <a:extLst>
+              <a:ext uri="{FF2B5EF4-FFF2-40B4-BE49-F238E27FC236}">
+                <a16:creationId xmlns:a16="http://schemas.microsoft.com/office/drawing/2014/main" id="{D8205C9E-6BAD-07A8-0DFC-0C9BD104899B}"/>
+              </a:ext>
+            </a:extLst>
+          </p:cNvPr>
+          <p:cNvSpPr/>
+          <p:nvPr/>
+        </p:nvSpPr>
+        <p:spPr>
+          <a:xfrm>
+            <a:off x="9316080" y="845260"/>
+            <a:ext cx="254880" cy="384120"/>
+          </a:xfrm>
+          <a:prstGeom prst="rect">
+            <a:avLst/>
+          </a:prstGeom>
+          <a:solidFill>
+            <a:srgbClr val="FFFFFF"/>
+          </a:solidFill>
+          <a:ln>
+            <a:solidFill>
+              <a:srgbClr val="000000"/>
+            </a:solidFill>
+          </a:ln>
+        </p:spPr>
+        <p:style>
+          <a:lnRef idx="2">
+            <a:schemeClr val="accent6"/>
+          </a:lnRef>
+          <a:fillRef idx="1">
+            <a:schemeClr val="lt1"/>
+          </a:fillRef>
+          <a:effectRef idx="0">
+            <a:schemeClr val="accent6"/>
+          </a:effectRef>
+          <a:fontRef idx="minor"/>
+        </p:style>
+      </p:sp>
+      <p:cxnSp>
+        <p:nvCxnSpPr>
+          <p:cNvPr id="5" name="Straight Connector 4">
+            <a:extLst>
+              <a:ext uri="{FF2B5EF4-FFF2-40B4-BE49-F238E27FC236}">
+                <a16:creationId xmlns:a16="http://schemas.microsoft.com/office/drawing/2014/main" id="{E812C6CE-8931-9C17-78A7-C02BBC8574DE}"/>
+              </a:ext>
+            </a:extLst>
+          </p:cNvPr>
+          <p:cNvCxnSpPr>
+            <a:cxnSpLocks/>
+            <a:stCxn id="2" idx="0"/>
+          </p:cNvCxnSpPr>
+          <p:nvPr/>
+        </p:nvCxnSpPr>
+        <p:spPr>
+          <a:xfrm flipV="1">
+            <a:off x="9443520" y="257400"/>
+            <a:ext cx="0" cy="587860"/>
+          </a:xfrm>
+          <a:prstGeom prst="line">
+            <a:avLst/>
+          </a:prstGeom>
+          <a:ln>
+            <a:solidFill>
+              <a:schemeClr val="tx1"/>
+            </a:solidFill>
+          </a:ln>
+        </p:spPr>
+        <p:style>
+          <a:lnRef idx="1">
+            <a:schemeClr val="dk1"/>
+          </a:lnRef>
+          <a:fillRef idx="0">
+            <a:schemeClr val="dk1"/>
+          </a:fillRef>
+          <a:effectRef idx="0">
+            <a:schemeClr val="dk1"/>
+          </a:effectRef>
+          <a:fontRef idx="minor">
+            <a:schemeClr val="tx1"/>
+          </a:fontRef>
+        </p:style>
+      </p:cxnSp>
+      <p:cxnSp>
+        <p:nvCxnSpPr>
+          <p:cNvPr id="7" name="Straight Connector 6">
+            <a:extLst>
+              <a:ext uri="{FF2B5EF4-FFF2-40B4-BE49-F238E27FC236}">
+                <a16:creationId xmlns:a16="http://schemas.microsoft.com/office/drawing/2014/main" id="{FC86E3E1-B955-0281-BBAF-D0AA6DD1571B}"/>
+              </a:ext>
+            </a:extLst>
+          </p:cNvPr>
+          <p:cNvCxnSpPr>
+            <a:cxnSpLocks/>
+            <a:stCxn id="184" idx="0"/>
+            <a:endCxn id="182" idx="1"/>
+          </p:cNvCxnSpPr>
+          <p:nvPr/>
+        </p:nvCxnSpPr>
+        <p:spPr>
+          <a:xfrm flipV="1">
+            <a:off x="6517080" y="627821"/>
+            <a:ext cx="0" cy="339859"/>
+          </a:xfrm>
+          <a:prstGeom prst="line">
+            <a:avLst/>
+          </a:prstGeom>
+          <a:ln>
+            <a:solidFill>
+              <a:srgbClr val="00B0F0"/>
+            </a:solidFill>
+          </a:ln>
+        </p:spPr>
+        <p:style>
+          <a:lnRef idx="1">
+            <a:schemeClr val="dk1"/>
+          </a:lnRef>
+          <a:fillRef idx="0">
+            <a:schemeClr val="dk1"/>
+          </a:fillRef>
+          <a:effectRef idx="0">
+            <a:schemeClr val="dk1"/>
+          </a:effectRef>
+          <a:fontRef idx="minor"/>
+        </p:style>
+      </p:cxnSp>
+      <p:cxnSp>
+        <p:nvCxnSpPr>
+          <p:cNvPr id="11" name="Straight Connector 10">
+            <a:extLst>
+              <a:ext uri="{FF2B5EF4-FFF2-40B4-BE49-F238E27FC236}">
+                <a16:creationId xmlns:a16="http://schemas.microsoft.com/office/drawing/2014/main" id="{AF8B6BF3-6D0C-929D-49A8-F486360A86C1}"/>
+              </a:ext>
+            </a:extLst>
+          </p:cNvPr>
+          <p:cNvCxnSpPr>
+            <a:cxnSpLocks/>
+          </p:cNvCxnSpPr>
+          <p:nvPr/>
+        </p:nvCxnSpPr>
+        <p:spPr>
+          <a:xfrm flipV="1">
+            <a:off x="10106940" y="555480"/>
+            <a:ext cx="0" cy="307780"/>
+          </a:xfrm>
+          <a:prstGeom prst="line">
+            <a:avLst/>
+          </a:prstGeom>
+        </p:spPr>
+        <p:style>
+          <a:lnRef idx="1">
+            <a:schemeClr val="dk1"/>
+          </a:lnRef>
+          <a:fillRef idx="0">
+            <a:schemeClr val="dk1"/>
+          </a:fillRef>
+          <a:effectRef idx="0">
+            <a:schemeClr val="dk1"/>
+          </a:effectRef>
+          <a:fontRef idx="minor">
+            <a:schemeClr val="tx1"/>
+          </a:fontRef>
+        </p:style>
+      </p:cxnSp>
+      <p:cxnSp>
+        <p:nvCxnSpPr>
+          <p:cNvPr id="14" name="Straight Connector 13">
+            <a:extLst>
+              <a:ext uri="{FF2B5EF4-FFF2-40B4-BE49-F238E27FC236}">
+                <a16:creationId xmlns:a16="http://schemas.microsoft.com/office/drawing/2014/main" id="{6CDA9A3C-FC1F-2176-06F7-CE500E1D492B}"/>
+              </a:ext>
+            </a:extLst>
+          </p:cNvPr>
+          <p:cNvCxnSpPr/>
+          <p:nvPr/>
+        </p:nvCxnSpPr>
+        <p:spPr>
+          <a:xfrm>
+            <a:off x="9961920" y="530440"/>
+            <a:ext cx="325080" cy="0"/>
+          </a:xfrm>
+          <a:prstGeom prst="line">
+            <a:avLst/>
+          </a:prstGeom>
+        </p:spPr>
+        <p:style>
+          <a:lnRef idx="1">
+            <a:schemeClr val="dk1"/>
+          </a:lnRef>
+          <a:fillRef idx="0">
+            <a:schemeClr val="dk1"/>
+          </a:fillRef>
+          <a:effectRef idx="0">
+            <a:schemeClr val="dk1"/>
+          </a:effectRef>
+          <a:fontRef idx="minor">
+            <a:schemeClr val="tx1"/>
+          </a:fontRef>
+        </p:style>
+      </p:cxnSp>
+      <p:cxnSp>
+        <p:nvCxnSpPr>
+          <p:cNvPr id="15" name="Straight Connector 14">
+            <a:extLst>
+              <a:ext uri="{FF2B5EF4-FFF2-40B4-BE49-F238E27FC236}">
+                <a16:creationId xmlns:a16="http://schemas.microsoft.com/office/drawing/2014/main" id="{CF47083B-F847-6597-C291-59B0E4D76BEF}"/>
+              </a:ext>
+            </a:extLst>
+          </p:cNvPr>
+          <p:cNvCxnSpPr/>
+          <p:nvPr/>
+        </p:nvCxnSpPr>
+        <p:spPr>
+          <a:xfrm>
+            <a:off x="9944400" y="399420"/>
+            <a:ext cx="325080" cy="0"/>
+          </a:xfrm>
+          <a:prstGeom prst="line">
+            <a:avLst/>
+          </a:prstGeom>
+        </p:spPr>
+        <p:style>
+          <a:lnRef idx="1">
+            <a:schemeClr val="dk1"/>
+          </a:lnRef>
+          <a:fillRef idx="0">
+            <a:schemeClr val="dk1"/>
+          </a:fillRef>
+          <a:effectRef idx="0">
+            <a:schemeClr val="dk1"/>
+          </a:effectRef>
+          <a:fontRef idx="minor">
+            <a:schemeClr val="tx1"/>
+          </a:fontRef>
+        </p:style>
+      </p:cxnSp>
+      <p:cxnSp>
+        <p:nvCxnSpPr>
+          <p:cNvPr id="16" name="Straight Connector 15">
+            <a:extLst>
+              <a:ext uri="{FF2B5EF4-FFF2-40B4-BE49-F238E27FC236}">
+                <a16:creationId xmlns:a16="http://schemas.microsoft.com/office/drawing/2014/main" id="{4620E1B6-55F2-09BA-A914-B9020A23D9BA}"/>
+              </a:ext>
+            </a:extLst>
+          </p:cNvPr>
+          <p:cNvCxnSpPr>
+            <a:cxnSpLocks/>
+          </p:cNvCxnSpPr>
+          <p:nvPr/>
+        </p:nvCxnSpPr>
+        <p:spPr>
+          <a:xfrm flipV="1">
+            <a:off x="10106940" y="233021"/>
+            <a:ext cx="0" cy="166399"/>
+          </a:xfrm>
+          <a:prstGeom prst="line">
+            <a:avLst/>
+          </a:prstGeom>
+        </p:spPr>
+        <p:style>
+          <a:lnRef idx="1">
+            <a:schemeClr val="dk1"/>
+          </a:lnRef>
+          <a:fillRef idx="0">
+            <a:schemeClr val="dk1"/>
+          </a:fillRef>
+          <a:effectRef idx="0">
+            <a:schemeClr val="dk1"/>
+          </a:effectRef>
+          <a:fontRef idx="minor">
+            <a:schemeClr val="tx1"/>
+          </a:fontRef>
+        </p:style>
+      </p:cxnSp>
+      <p:cxnSp>
+        <p:nvCxnSpPr>
+          <p:cNvPr id="19" name="Straight Connector 18">
+            <a:extLst>
+              <a:ext uri="{FF2B5EF4-FFF2-40B4-BE49-F238E27FC236}">
+                <a16:creationId xmlns:a16="http://schemas.microsoft.com/office/drawing/2014/main" id="{6F834A4C-3880-3D54-8198-B7A98B5EB0BD}"/>
+              </a:ext>
+            </a:extLst>
+          </p:cNvPr>
+          <p:cNvCxnSpPr/>
+          <p:nvPr/>
+        </p:nvCxnSpPr>
+        <p:spPr>
+          <a:xfrm>
+            <a:off x="9915465" y="236291"/>
+            <a:ext cx="409680" cy="0"/>
+          </a:xfrm>
+          <a:prstGeom prst="line">
+            <a:avLst/>
+          </a:prstGeom>
+        </p:spPr>
+        <p:style>
+          <a:lnRef idx="1">
+            <a:schemeClr val="dk1"/>
+          </a:lnRef>
+          <a:fillRef idx="0">
+            <a:schemeClr val="dk1"/>
+          </a:fillRef>
+          <a:effectRef idx="0">
+            <a:schemeClr val="dk1"/>
+          </a:effectRef>
+          <a:fontRef idx="minor">
+            <a:schemeClr val="tx1"/>
+          </a:fontRef>
+        </p:style>
+      </p:cxnSp>
+      <p:cxnSp>
+        <p:nvCxnSpPr>
+          <p:cNvPr id="33" name="Straight Connector 32">
+            <a:extLst>
+              <a:ext uri="{FF2B5EF4-FFF2-40B4-BE49-F238E27FC236}">
+                <a16:creationId xmlns:a16="http://schemas.microsoft.com/office/drawing/2014/main" id="{FB0689B3-CEB3-EA4C-A0BF-46063BE0316D}"/>
+              </a:ext>
+            </a:extLst>
+          </p:cNvPr>
+          <p:cNvCxnSpPr>
+            <a:cxnSpLocks/>
+          </p:cNvCxnSpPr>
+          <p:nvPr/>
+        </p:nvCxnSpPr>
+        <p:spPr>
+          <a:xfrm flipV="1">
+            <a:off x="10000020" y="174781"/>
+            <a:ext cx="74115" cy="58240"/>
+          </a:xfrm>
+          <a:prstGeom prst="line">
+            <a:avLst/>
+          </a:prstGeom>
+          <a:ln>
+            <a:solidFill>
+              <a:schemeClr val="tx1"/>
+            </a:solidFill>
+          </a:ln>
+        </p:spPr>
+        <p:style>
+          <a:lnRef idx="1">
+            <a:schemeClr val="accent1"/>
+          </a:lnRef>
+          <a:fillRef idx="0">
+            <a:schemeClr val="accent1"/>
+          </a:fillRef>
+          <a:effectRef idx="0">
+            <a:schemeClr val="accent1"/>
+          </a:effectRef>
+          <a:fontRef idx="minor">
+            <a:schemeClr val="tx1"/>
+          </a:fontRef>
+        </p:style>
+      </p:cxnSp>
+      <p:cxnSp>
+        <p:nvCxnSpPr>
+          <p:cNvPr id="46" name="Straight Connector 45">
+            <a:extLst>
+              <a:ext uri="{FF2B5EF4-FFF2-40B4-BE49-F238E27FC236}">
+                <a16:creationId xmlns:a16="http://schemas.microsoft.com/office/drawing/2014/main" id="{9337BD61-AB33-CD36-ED13-3B002D1BABB3}"/>
+              </a:ext>
+            </a:extLst>
+          </p:cNvPr>
+          <p:cNvCxnSpPr>
+            <a:cxnSpLocks/>
+          </p:cNvCxnSpPr>
+          <p:nvPr/>
+        </p:nvCxnSpPr>
+        <p:spPr>
+          <a:xfrm flipV="1">
+            <a:off x="10066162" y="176103"/>
+            <a:ext cx="74115" cy="58240"/>
+          </a:xfrm>
+          <a:prstGeom prst="line">
+            <a:avLst/>
+          </a:prstGeom>
+          <a:ln>
+            <a:solidFill>
+              <a:schemeClr val="tx1"/>
+            </a:solidFill>
+          </a:ln>
+        </p:spPr>
+        <p:style>
+          <a:lnRef idx="1">
+            <a:schemeClr val="accent1"/>
+          </a:lnRef>
+          <a:fillRef idx="0">
+            <a:schemeClr val="accent1"/>
+          </a:fillRef>
+          <a:effectRef idx="0">
+            <a:schemeClr val="accent1"/>
+          </a:effectRef>
+          <a:fontRef idx="minor">
+            <a:schemeClr val="tx1"/>
+          </a:fontRef>
+        </p:style>
+      </p:cxnSp>
+      <p:cxnSp>
+        <p:nvCxnSpPr>
+          <p:cNvPr id="47" name="Straight Connector 46">
+            <a:extLst>
+              <a:ext uri="{FF2B5EF4-FFF2-40B4-BE49-F238E27FC236}">
+                <a16:creationId xmlns:a16="http://schemas.microsoft.com/office/drawing/2014/main" id="{3DD49AFF-71F7-12B3-A895-98E9AA172AF4}"/>
+              </a:ext>
+            </a:extLst>
+          </p:cNvPr>
+          <p:cNvCxnSpPr>
+            <a:cxnSpLocks/>
+          </p:cNvCxnSpPr>
+          <p:nvPr/>
+        </p:nvCxnSpPr>
+        <p:spPr>
+          <a:xfrm flipV="1">
+            <a:off x="10150717" y="180300"/>
+            <a:ext cx="74115" cy="58240"/>
+          </a:xfrm>
+          <a:prstGeom prst="line">
+            <a:avLst/>
+          </a:prstGeom>
+          <a:ln>
+            <a:solidFill>
+              <a:schemeClr val="tx1"/>
+            </a:solidFill>
+          </a:ln>
+        </p:spPr>
+        <p:style>
+          <a:lnRef idx="1">
+            <a:schemeClr val="accent1"/>
+          </a:lnRef>
+          <a:fillRef idx="0">
+            <a:schemeClr val="accent1"/>
+          </a:fillRef>
+          <a:effectRef idx="0">
+            <a:schemeClr val="accent1"/>
+          </a:effectRef>
+          <a:fontRef idx="minor">
+            <a:schemeClr val="tx1"/>
+          </a:fontRef>
+        </p:style>
+      </p:cxnSp>
+      <p:cxnSp>
+        <p:nvCxnSpPr>
+          <p:cNvPr id="48" name="Straight Connector 47">
+            <a:extLst>
+              <a:ext uri="{FF2B5EF4-FFF2-40B4-BE49-F238E27FC236}">
+                <a16:creationId xmlns:a16="http://schemas.microsoft.com/office/drawing/2014/main" id="{FF738034-6636-CE40-3CDD-2E758143DDDC}"/>
+              </a:ext>
+            </a:extLst>
+          </p:cNvPr>
+          <p:cNvCxnSpPr>
+            <a:cxnSpLocks/>
+          </p:cNvCxnSpPr>
+          <p:nvPr/>
+        </p:nvCxnSpPr>
+        <p:spPr>
+          <a:xfrm flipV="1">
+            <a:off x="10212525" y="180300"/>
+            <a:ext cx="74115" cy="58240"/>
+          </a:xfrm>
+          <a:prstGeom prst="line">
+            <a:avLst/>
+          </a:prstGeom>
+          <a:ln>
+            <a:solidFill>
+              <a:schemeClr val="tx1"/>
+            </a:solidFill>
+          </a:ln>
+        </p:spPr>
+        <p:style>
+          <a:lnRef idx="1">
+            <a:schemeClr val="accent1"/>
+          </a:lnRef>
+          <a:fillRef idx="0">
+            <a:schemeClr val="accent1"/>
+          </a:fillRef>
+          <a:effectRef idx="0">
+            <a:schemeClr val="accent1"/>
+          </a:effectRef>
+          <a:fontRef idx="minor">
+            <a:schemeClr val="tx1"/>
+          </a:fontRef>
+        </p:style>
+      </p:cxnSp>
+      <p:cxnSp>
+        <p:nvCxnSpPr>
+          <p:cNvPr id="49" name="Straight Connector 48">
+            <a:extLst>
+              <a:ext uri="{FF2B5EF4-FFF2-40B4-BE49-F238E27FC236}">
+                <a16:creationId xmlns:a16="http://schemas.microsoft.com/office/drawing/2014/main" id="{A9A018AA-EC97-A802-6EBA-E59E0E929E96}"/>
+              </a:ext>
+            </a:extLst>
+          </p:cNvPr>
+          <p:cNvCxnSpPr>
+            <a:cxnSpLocks/>
+          </p:cNvCxnSpPr>
+          <p:nvPr/>
+        </p:nvCxnSpPr>
+        <p:spPr>
+          <a:xfrm flipV="1">
+            <a:off x="10278926" y="180300"/>
+            <a:ext cx="74115" cy="58240"/>
+          </a:xfrm>
+          <a:prstGeom prst="line">
+            <a:avLst/>
+          </a:prstGeom>
+          <a:ln>
+            <a:solidFill>
+              <a:schemeClr val="tx1"/>
+            </a:solidFill>
+          </a:ln>
+        </p:spPr>
+        <p:style>
+          <a:lnRef idx="1">
+            <a:schemeClr val="accent1"/>
+          </a:lnRef>
+          <a:fillRef idx="0">
+            <a:schemeClr val="accent1"/>
+          </a:fillRef>
+          <a:effectRef idx="0">
+            <a:schemeClr val="accent1"/>
+          </a:effectRef>
+          <a:fontRef idx="minor">
+            <a:schemeClr val="tx1"/>
+          </a:fontRef>
+        </p:style>
+      </p:cxnSp>
+      <p:cxnSp>
+        <p:nvCxnSpPr>
+          <p:cNvPr id="50" name="Straight Connector 49">
+            <a:extLst>
+              <a:ext uri="{FF2B5EF4-FFF2-40B4-BE49-F238E27FC236}">
+                <a16:creationId xmlns:a16="http://schemas.microsoft.com/office/drawing/2014/main" id="{902C1ACD-CB40-8DBD-5A49-958FE7B331EB}"/>
+              </a:ext>
+            </a:extLst>
+          </p:cNvPr>
+          <p:cNvCxnSpPr>
+            <a:cxnSpLocks/>
+          </p:cNvCxnSpPr>
+          <p:nvPr/>
+        </p:nvCxnSpPr>
+        <p:spPr>
+          <a:xfrm flipV="1">
+            <a:off x="9932614" y="181160"/>
+            <a:ext cx="74115" cy="58240"/>
+          </a:xfrm>
+          <a:prstGeom prst="line">
+            <a:avLst/>
+          </a:prstGeom>
+          <a:ln>
+            <a:solidFill>
+              <a:schemeClr val="tx1"/>
+            </a:solidFill>
+          </a:ln>
+        </p:spPr>
+        <p:style>
+          <a:lnRef idx="1">
+            <a:schemeClr val="accent1"/>
+          </a:lnRef>
+          <a:fillRef idx="0">
+            <a:schemeClr val="accent1"/>
+          </a:fillRef>
+          <a:effectRef idx="0">
+            <a:schemeClr val="accent1"/>
+          </a:effectRef>
+          <a:fontRef idx="minor">
+            <a:schemeClr val="tx1"/>
+          </a:fontRef>
+        </p:style>
+      </p:cxnSp>
+      <p:sp>
+        <p:nvSpPr>
+          <p:cNvPr id="53" name="TextBox 52">
+            <a:extLst>
+              <a:ext uri="{FF2B5EF4-FFF2-40B4-BE49-F238E27FC236}">
+                <a16:creationId xmlns:a16="http://schemas.microsoft.com/office/drawing/2014/main" id="{6425CD44-BD70-24CA-F8B7-4B6EB0525AF9}"/>
+              </a:ext>
+            </a:extLst>
+          </p:cNvPr>
+          <p:cNvSpPr txBox="1"/>
+          <p:nvPr/>
+        </p:nvSpPr>
+        <p:spPr>
+          <a:xfrm>
+            <a:off x="5837401" y="2715328"/>
+            <a:ext cx="1592459" cy="369332"/>
+          </a:xfrm>
+          <a:prstGeom prst="rect">
+            <a:avLst/>
+          </a:prstGeom>
+          <a:noFill/>
+        </p:spPr>
+        <p:txBody>
+          <a:bodyPr wrap="square" rtlCol="0">
+            <a:spAutoFit/>
+          </a:bodyPr>
+          <a:lstStyle/>
+          <a:p>
+            <a:r>
+              <a:rPr lang="en-US" sz="1800" b="0" strike="noStrike" spc="-1" dirty="0" err="1">
+                <a:latin typeface="Arial"/>
+              </a:rPr>
+              <a:t>Analogique</a:t>
+            </a:r>
+            <a:endParaRPr lang="fr-FR" dirty="0"/>
           </a:p>
         </p:txBody>
       </p:sp>
